--- a/Lecture Slides/VideoLectureSlides/14.2.pptx
+++ b/Lecture Slides/VideoLectureSlides/14.2.pptx
@@ -9,16 +9,16 @@
   </p:notesMasterIdLst>
   <p:sldIdLst>
     <p:sldId id="256" r:id="rId5"/>
-    <p:sldId id="274" r:id="rId6"/>
-    <p:sldId id="289" r:id="rId7"/>
-    <p:sldId id="288" r:id="rId8"/>
-    <p:sldId id="291" r:id="rId9"/>
-    <p:sldId id="292" r:id="rId10"/>
-    <p:sldId id="294" r:id="rId11"/>
-    <p:sldId id="295" r:id="rId12"/>
-    <p:sldId id="268" r:id="rId13"/>
+    <p:sldId id="298" r:id="rId6"/>
+    <p:sldId id="258" r:id="rId7"/>
+    <p:sldId id="300" r:id="rId8"/>
+    <p:sldId id="303" r:id="rId9"/>
+    <p:sldId id="301" r:id="rId10"/>
+    <p:sldId id="304" r:id="rId11"/>
+    <p:sldId id="305" r:id="rId12"/>
+    <p:sldId id="302" r:id="rId13"/>
     <p:sldId id="287" r:id="rId14"/>
-    <p:sldId id="263" r:id="rId15"/>
+    <p:sldId id="264" r:id="rId15"/>
   </p:sldIdLst>
   <p:sldSz cx="9144000" cy="6858000" type="screen4x3"/>
   <p:notesSz cx="6858000" cy="9144000"/>
@@ -232,7 +232,7 @@
           <a:p>
             <a:fld id="{1AA1AB63-216F-4D5B-8811-CCB935E98D4A}" type="datetimeFigureOut">
               <a:rPr lang="en-US" smtClean="0"/>
-              <a:t>4/19/2021</a:t>
+              <a:t>12/30/2020</a:t>
             </a:fld>
             <a:endParaRPr lang="en-US" dirty="0"/>
           </a:p>
@@ -3682,7 +3682,7 @@
           <a:p>
             <a:r>
               <a:rPr lang="en-US" dirty="0"/>
-              <a:t>Rigid Body Surface Impact</a:t>
+              <a:t>Power and Efficiency in Rigid Bodies</a:t>
             </a:r>
           </a:p>
         </p:txBody>
@@ -3827,12 +3827,107 @@
           <a:chExt cx="0" cy="0"/>
         </a:xfrm>
       </p:grpSpPr>
+      <p:sp>
+        <p:nvSpPr>
+          <p:cNvPr id="2" name="Title 1"/>
+          <p:cNvSpPr>
+            <a:spLocks noGrp="1"/>
+          </p:cNvSpPr>
+          <p:nvPr>
+            <p:ph type="title"/>
+          </p:nvPr>
+        </p:nvSpPr>
+        <p:spPr/>
+        <p:txBody>
+          <a:bodyPr/>
+          <a:lstStyle/>
+          <a:p>
+            <a:r>
+              <a:rPr lang="en-US" dirty="0"/>
+              <a:t>Worked Example</a:t>
+            </a:r>
+          </a:p>
+        </p:txBody>
+      </p:sp>
+      <p:sp>
+        <p:nvSpPr>
+          <p:cNvPr id="3" name="Content Placeholder 2"/>
+          <p:cNvSpPr>
+            <a:spLocks noGrp="1"/>
+          </p:cNvSpPr>
+          <p:nvPr>
+            <p:ph idx="1"/>
+          </p:nvPr>
+        </p:nvSpPr>
+        <p:spPr>
+          <a:xfrm>
+            <a:off x="457200" y="1600201"/>
+            <a:ext cx="8229600" cy="2362200"/>
+          </a:xfrm>
+        </p:spPr>
+        <p:txBody>
+          <a:bodyPr>
+            <a:normAutofit fontScale="85000" lnSpcReduction="20000"/>
+          </a:bodyPr>
+          <a:lstStyle/>
+          <a:p>
+            <a:r>
+              <a:rPr lang="en-US" dirty="0"/>
+              <a:t>The input to a gearbox has a measured 32 ft lbs of torque at 700 rpm.  The output has 207 ft lbs of torque at 100 rpm.  </a:t>
+            </a:r>
+          </a:p>
+          <a:p>
+            <a:pPr lvl="1"/>
+            <a:r>
+              <a:rPr lang="en-US" dirty="0"/>
+              <a:t>What is the power input?</a:t>
+            </a:r>
+          </a:p>
+          <a:p>
+            <a:pPr lvl="1"/>
+            <a:r>
+              <a:rPr lang="en-US" dirty="0"/>
+              <a:t>What is the power output?</a:t>
+            </a:r>
+          </a:p>
+          <a:p>
+            <a:pPr lvl="1"/>
+            <a:r>
+              <a:rPr lang="en-US" dirty="0"/>
+              <a:t>What is the efficiency of the gear train?</a:t>
+            </a:r>
+          </a:p>
+        </p:txBody>
+      </p:sp>
+      <p:sp>
+        <p:nvSpPr>
+          <p:cNvPr id="4" name="Slide Number Placeholder 3"/>
+          <p:cNvSpPr>
+            <a:spLocks noGrp="1"/>
+          </p:cNvSpPr>
+          <p:nvPr>
+            <p:ph type="sldNum" sz="quarter" idx="12"/>
+          </p:nvPr>
+        </p:nvSpPr>
+        <p:spPr/>
+        <p:txBody>
+          <a:bodyPr/>
+          <a:lstStyle/>
+          <a:p>
+            <a:fld id="{929262FE-7F58-4A1E-8AF3-5A510A86DEBD}" type="slidenum">
+              <a:rPr lang="en-US" smtClean="0"/>
+              <a:t>11</a:t>
+            </a:fld>
+            <a:endParaRPr lang="en-US"/>
+          </a:p>
+        </p:txBody>
+      </p:sp>
       <p:pic>
         <p:nvPicPr>
-          <p:cNvPr id="6" name="Picture 2" descr="Problem 1 Diagram">
+          <p:cNvPr id="3074" name="Picture 2" descr="crafts, gearbox, gears">
             <a:extLst>
               <a:ext uri="{FF2B5EF4-FFF2-40B4-BE49-F238E27FC236}">
-                <a16:creationId xmlns:a16="http://schemas.microsoft.com/office/drawing/2014/main" id="{214E94F3-502E-41FC-9069-12A8023B4A2F}"/>
+                <a16:creationId xmlns:a16="http://schemas.microsoft.com/office/drawing/2014/main" id="{6619458D-97A6-4BB8-8885-5A76929939A3}"/>
               </a:ext>
             </a:extLst>
           </p:cNvPr>
@@ -3842,7 +3937,7 @@
           <p:nvPr/>
         </p:nvPicPr>
         <p:blipFill>
-          <a:blip r:embed="rId2">
+          <a:blip r:embed="rId2" cstate="print">
             <a:extLst>
               <a:ext uri="{28A0092B-C50C-407E-A947-70E740481C1C}">
                 <a14:useLocalDpi xmlns:a14="http://schemas.microsoft.com/office/drawing/2010/main" val="0"/>
@@ -3856,8 +3951,8 @@
         </p:blipFill>
         <p:spPr bwMode="auto">
           <a:xfrm>
-            <a:off x="2590801" y="3429000"/>
-            <a:ext cx="4400550" cy="3388424"/>
+            <a:off x="2476500" y="3962401"/>
+            <a:ext cx="4191000" cy="2788906"/>
           </a:xfrm>
           <a:prstGeom prst="rect">
             <a:avLst/>
@@ -3874,86 +3969,10 @@
           </a:extLst>
         </p:spPr>
       </p:pic>
-      <p:sp>
-        <p:nvSpPr>
-          <p:cNvPr id="2" name="Title 1"/>
-          <p:cNvSpPr>
-            <a:spLocks noGrp="1"/>
-          </p:cNvSpPr>
-          <p:nvPr>
-            <p:ph type="title"/>
-          </p:nvPr>
-        </p:nvSpPr>
-        <p:spPr/>
-        <p:txBody>
-          <a:bodyPr>
-            <a:normAutofit/>
-          </a:bodyPr>
-          <a:lstStyle/>
-          <a:p>
-            <a:r>
-              <a:rPr lang="en-US" dirty="0"/>
-              <a:t>Worked Example</a:t>
-            </a:r>
-          </a:p>
-        </p:txBody>
-      </p:sp>
-      <p:sp>
-        <p:nvSpPr>
-          <p:cNvPr id="3" name="Content Placeholder 2"/>
-          <p:cNvSpPr>
-            <a:spLocks noGrp="1"/>
-          </p:cNvSpPr>
-          <p:nvPr>
-            <p:ph idx="1"/>
-          </p:nvPr>
-        </p:nvSpPr>
-        <p:spPr>
-          <a:xfrm>
-            <a:off x="457200" y="1600201"/>
-            <a:ext cx="8534400" cy="2362200"/>
-          </a:xfrm>
-        </p:spPr>
-        <p:txBody>
-          <a:bodyPr>
-            <a:normAutofit fontScale="92500" lnSpcReduction="10000"/>
-          </a:bodyPr>
-          <a:lstStyle/>
-          <a:p>
-            <a:r>
-              <a:rPr lang="en-US" dirty="0"/>
-              <a:t>An 80 centimeter long 1 kilogram metal bar falling at 2 meters per second strikes the edge of a table as shown below. Assuming a coefficient of restitution of .9, what is the expected velocity and angular velocity of the bar after impact?</a:t>
-            </a:r>
-          </a:p>
-        </p:txBody>
-      </p:sp>
-      <p:sp>
-        <p:nvSpPr>
-          <p:cNvPr id="4" name="Slide Number Placeholder 3"/>
-          <p:cNvSpPr>
-            <a:spLocks noGrp="1"/>
-          </p:cNvSpPr>
-          <p:nvPr>
-            <p:ph type="sldNum" sz="quarter" idx="12"/>
-          </p:nvPr>
-        </p:nvSpPr>
-        <p:spPr/>
-        <p:txBody>
-          <a:bodyPr/>
-          <a:lstStyle/>
-          <a:p>
-            <a:fld id="{929262FE-7F58-4A1E-8AF3-5A510A86DEBD}" type="slidenum">
-              <a:rPr lang="en-US" smtClean="0"/>
-              <a:t>11</a:t>
-            </a:fld>
-            <a:endParaRPr lang="en-US"/>
-          </a:p>
-        </p:txBody>
-      </p:sp>
     </p:spTree>
     <p:extLst>
       <p:ext uri="{BB962C8B-B14F-4D97-AF65-F5344CB8AC3E}">
-        <p14:creationId xmlns:p14="http://schemas.microsoft.com/office/powerpoint/2010/main" val="510980581"/>
+        <p14:creationId xmlns:p14="http://schemas.microsoft.com/office/powerpoint/2010/main" val="2144110765"/>
       </p:ext>
     </p:extLst>
   </p:cSld>
@@ -3985,7 +4004,7 @@
           <p:cNvPr id="2" name="Title 1">
             <a:extLst>
               <a:ext uri="{FF2B5EF4-FFF2-40B4-BE49-F238E27FC236}">
-                <a16:creationId xmlns:a16="http://schemas.microsoft.com/office/drawing/2014/main" id="{7F9ECAB2-9562-45AA-885D-9CEF60812D74}"/>
+                <a16:creationId xmlns:a16="http://schemas.microsoft.com/office/drawing/2014/main" id="{03A2256D-408D-4D01-BBB8-EEE1C5E7378B}"/>
               </a:ext>
             </a:extLst>
           </p:cNvPr>
@@ -4003,396 +4022,211 @@
           <a:p>
             <a:r>
               <a:rPr lang="en-US" dirty="0"/>
-              <a:t>Rigid Body Surface Collisions</a:t>
+              <a:t>Power</a:t>
             </a:r>
           </a:p>
         </p:txBody>
       </p:sp>
-      <p:sp>
-        <p:nvSpPr>
-          <p:cNvPr id="3" name="Content Placeholder 2">
-            <a:extLst>
-              <a:ext uri="{FF2B5EF4-FFF2-40B4-BE49-F238E27FC236}">
-                <a16:creationId xmlns:a16="http://schemas.microsoft.com/office/drawing/2014/main" id="{120F6935-B3E7-4667-962E-F14B737B5EDB}"/>
-              </a:ext>
-            </a:extLst>
-          </p:cNvPr>
-          <p:cNvSpPr>
-            <a:spLocks noGrp="1"/>
-          </p:cNvSpPr>
-          <p:nvPr>
-            <p:ph idx="1"/>
-          </p:nvPr>
-        </p:nvSpPr>
-        <p:spPr>
-          <a:xfrm>
-            <a:off x="457200" y="1600200"/>
-            <a:ext cx="4114800" cy="4800600"/>
-          </a:xfrm>
-        </p:spPr>
-        <p:txBody>
-          <a:bodyPr>
-            <a:normAutofit fontScale="92500"/>
-          </a:bodyPr>
-          <a:lstStyle/>
-          <a:p>
-            <a:r>
-              <a:rPr lang="en-US" dirty="0"/>
-              <a:t>When a </a:t>
-            </a:r>
-            <a:r>
-              <a:rPr lang="en-US" b="1" dirty="0"/>
-              <a:t>rigid body </a:t>
-            </a:r>
-            <a:r>
-              <a:rPr lang="en-US" dirty="0"/>
-              <a:t>impacts a surface, it has the potential to bounce off the surface just like a particle, but there is also the </a:t>
-            </a:r>
-            <a:r>
-              <a:rPr lang="en-US" b="1" dirty="0"/>
-              <a:t>potential for rotation</a:t>
-            </a:r>
-            <a:r>
-              <a:rPr lang="en-US" dirty="0"/>
-              <a:t> before or after impact, complicating the situation.</a:t>
-            </a:r>
-          </a:p>
-        </p:txBody>
-      </p:sp>
-      <p:pic>
-        <p:nvPicPr>
-          <p:cNvPr id="2050" name="Picture 2" descr="A wrench dropped on a rigid floor">
-            <a:extLst>
-              <a:ext uri="{FF2B5EF4-FFF2-40B4-BE49-F238E27FC236}">
-                <a16:creationId xmlns:a16="http://schemas.microsoft.com/office/drawing/2014/main" id="{BD0F55E3-F3AA-40A5-8037-E20CD0260E9D}"/>
-              </a:ext>
-            </a:extLst>
-          </p:cNvPr>
-          <p:cNvPicPr>
-            <a:picLocks noChangeAspect="1" noChangeArrowheads="1"/>
-          </p:cNvPicPr>
-          <p:nvPr/>
-        </p:nvPicPr>
-        <p:blipFill>
-          <a:blip r:embed="rId2">
-            <a:extLst>
-              <a:ext uri="{28A0092B-C50C-407E-A947-70E740481C1C}">
-                <a14:useLocalDpi xmlns:a14="http://schemas.microsoft.com/office/drawing/2010/main" val="0"/>
-              </a:ext>
-            </a:extLst>
-          </a:blip>
-          <a:srcRect/>
-          <a:stretch>
-            <a:fillRect/>
-          </a:stretch>
-        </p:blipFill>
-        <p:spPr bwMode="auto">
-          <a:xfrm>
-            <a:off x="4933950" y="2285999"/>
-            <a:ext cx="3714750" cy="2790825"/>
-          </a:xfrm>
-          <a:prstGeom prst="rect">
-            <a:avLst/>
-          </a:prstGeom>
-          <a:noFill/>
-          <a:extLst>
-            <a:ext uri="{909E8E84-426E-40DD-AFC4-6F175D3DCCD1}">
-              <a14:hiddenFill xmlns:a14="http://schemas.microsoft.com/office/drawing/2010/main">
-                <a:solidFill>
-                  <a:srgbClr val="FFFFFF"/>
-                </a:solidFill>
-              </a14:hiddenFill>
-            </a:ext>
-          </a:extLst>
-        </p:spPr>
-      </p:pic>
+      <mc:AlternateContent xmlns:mc="http://schemas.openxmlformats.org/markup-compatibility/2006">
+        <mc:Choice xmlns:a14="http://schemas.microsoft.com/office/drawing/2010/main" Requires="a14">
+          <p:sp>
+            <p:nvSpPr>
+              <p:cNvPr id="3" name="Content Placeholder 2">
+                <a:extLst>
+                  <a:ext uri="{FF2B5EF4-FFF2-40B4-BE49-F238E27FC236}">
+                    <a16:creationId xmlns:a16="http://schemas.microsoft.com/office/drawing/2014/main" id="{21A52C65-EBDF-415B-A90C-25E73480269E}"/>
+                  </a:ext>
+                </a:extLst>
+              </p:cNvPr>
+              <p:cNvSpPr>
+                <a:spLocks noGrp="1"/>
+              </p:cNvSpPr>
+              <p:nvPr>
+                <p:ph idx="1"/>
+              </p:nvPr>
+            </p:nvSpPr>
+            <p:spPr/>
+            <p:txBody>
+              <a:bodyPr/>
+              <a:lstStyle/>
+              <a:p>
+                <a:r>
+                  <a:rPr lang="en-US" dirty="0"/>
+                  <a:t>The concept of power is simply the </a:t>
+                </a:r>
+                <a:r>
+                  <a:rPr lang="en-US" b="1" dirty="0"/>
+                  <a:t>rate at which you can perform work</a:t>
+                </a:r>
+                <a:r>
+                  <a:rPr lang="en-US" dirty="0"/>
+                  <a:t>.</a:t>
+                </a:r>
+              </a:p>
+              <a:p>
+                <a:pPr lvl="1"/>
+                <a:r>
+                  <a:rPr lang="en-US" dirty="0"/>
+                  <a:t>Because of the conservation of energy relationship, this is equal to the rate at which energy is changing.</a:t>
+                </a:r>
+              </a:p>
+              <a:p>
+                <a:r>
+                  <a:rPr lang="en-US" dirty="0"/>
+                  <a:t>Putting this into an equation, we arrive at the following</a:t>
+                </a:r>
+              </a:p>
+              <a:p>
+                <a:pPr marL="0" indent="0">
+                  <a:buNone/>
+                </a:pPr>
+                <a14:m>
+                  <m:oMathPara xmlns:m="http://schemas.openxmlformats.org/officeDocument/2006/math">
+                    <m:oMathParaPr>
+                      <m:jc m:val="centerGroup"/>
+                    </m:oMathParaPr>
+                    <m:oMath xmlns:m="http://schemas.openxmlformats.org/officeDocument/2006/math">
+                      <m:r>
+                        <a:rPr lang="en-US" b="0" i="1" smtClean="0">
+                          <a:latin typeface="Cambria Math" panose="02040503050406030204" pitchFamily="18" charset="0"/>
+                        </a:rPr>
+                        <m:t>𝑃𝑜𝑤𝑒𝑟</m:t>
+                      </m:r>
+                      <m:r>
+                        <a:rPr lang="en-US" b="0" i="1" smtClean="0">
+                          <a:latin typeface="Cambria Math" panose="02040503050406030204" pitchFamily="18" charset="0"/>
+                        </a:rPr>
+                        <m:t>=</m:t>
+                      </m:r>
+                      <m:r>
+                        <a:rPr lang="en-US" i="1">
+                          <a:latin typeface="Cambria Math" panose="02040503050406030204" pitchFamily="18" charset="0"/>
+                        </a:rPr>
+                        <m:t>𝑃</m:t>
+                      </m:r>
+                      <m:r>
+                        <a:rPr lang="en-US" i="1">
+                          <a:latin typeface="Cambria Math"/>
+                        </a:rPr>
+                        <m:t>= </m:t>
+                      </m:r>
+                      <m:f>
+                        <m:fPr>
+                          <m:ctrlPr>
+                            <a:rPr lang="en-US" i="1">
+                              <a:latin typeface="Cambria Math" panose="02040503050406030204" pitchFamily="18" charset="0"/>
+                            </a:rPr>
+                          </m:ctrlPr>
+                        </m:fPr>
+                        <m:num>
+                          <m:r>
+                            <a:rPr lang="en-US" b="0" i="1" smtClean="0">
+                              <a:latin typeface="Cambria Math" panose="02040503050406030204" pitchFamily="18" charset="0"/>
+                            </a:rPr>
+                            <m:t>𝑑</m:t>
+                          </m:r>
+                          <m:r>
+                            <a:rPr lang="en-US" i="1">
+                              <a:latin typeface="Cambria Math"/>
+                            </a:rPr>
+                            <m:t>𝑊</m:t>
+                          </m:r>
+                        </m:num>
+                        <m:den>
+                          <m:r>
+                            <a:rPr lang="en-US" b="0" i="1" smtClean="0">
+                              <a:latin typeface="Cambria Math" panose="02040503050406030204" pitchFamily="18" charset="0"/>
+                            </a:rPr>
+                            <m:t>𝑑</m:t>
+                          </m:r>
+                          <m:r>
+                            <a:rPr lang="en-US" i="1">
+                              <a:latin typeface="Cambria Math"/>
+                              <a:ea typeface="Cambria Math"/>
+                            </a:rPr>
+                            <m:t>𝑡</m:t>
+                          </m:r>
+                        </m:den>
+                      </m:f>
+                      <m:r>
+                        <a:rPr lang="en-US" b="0" i="1" smtClean="0">
+                          <a:latin typeface="Cambria Math" panose="02040503050406030204" pitchFamily="18" charset="0"/>
+                          <a:ea typeface="Cambria Math"/>
+                        </a:rPr>
+                        <m:t>=</m:t>
+                      </m:r>
+                      <m:acc>
+                        <m:accPr>
+                          <m:chr m:val="̇"/>
+                          <m:ctrlPr>
+                            <a:rPr lang="en-US" b="0" i="1" smtClean="0">
+                              <a:latin typeface="Cambria Math" panose="02040503050406030204" pitchFamily="18" charset="0"/>
+                              <a:ea typeface="Cambria Math"/>
+                            </a:rPr>
+                          </m:ctrlPr>
+                        </m:accPr>
+                        <m:e>
+                          <m:r>
+                            <a:rPr lang="en-US" b="0" i="1" smtClean="0">
+                              <a:latin typeface="Cambria Math" panose="02040503050406030204" pitchFamily="18" charset="0"/>
+                              <a:ea typeface="Cambria Math"/>
+                            </a:rPr>
+                            <m:t>𝑊</m:t>
+                          </m:r>
+                        </m:e>
+                      </m:acc>
+                    </m:oMath>
+                  </m:oMathPara>
+                </a14:m>
+                <a:endParaRPr lang="en-US" dirty="0"/>
+              </a:p>
+            </p:txBody>
+          </p:sp>
+        </mc:Choice>
+        <mc:Fallback>
+          <p:sp>
+            <p:nvSpPr>
+              <p:cNvPr id="3" name="Content Placeholder 2">
+                <a:extLst>
+                  <a:ext uri="{FF2B5EF4-FFF2-40B4-BE49-F238E27FC236}">
+                    <a16:creationId xmlns:a16="http://schemas.microsoft.com/office/drawing/2014/main" id="{21A52C65-EBDF-415B-A90C-25E73480269E}"/>
+                  </a:ext>
+                </a:extLst>
+              </p:cNvPr>
+              <p:cNvSpPr>
+                <a:spLocks noGrp="1" noRot="1" noChangeAspect="1" noMove="1" noResize="1" noEditPoints="1" noAdjustHandles="1" noChangeArrowheads="1" noChangeShapeType="1" noTextEdit="1"/>
+              </p:cNvSpPr>
+              <p:nvPr>
+                <p:ph idx="1"/>
+              </p:nvPr>
+            </p:nvSpPr>
+            <p:spPr>
+              <a:blipFill>
+                <a:blip r:embed="rId2"/>
+                <a:stretch>
+                  <a:fillRect l="-1704" t="-1752" r="-444"/>
+                </a:stretch>
+              </a:blipFill>
+            </p:spPr>
+            <p:txBody>
+              <a:bodyPr/>
+              <a:lstStyle/>
+              <a:p>
+                <a:r>
+                  <a:rPr lang="en-US">
+                    <a:noFill/>
+                  </a:rPr>
+                  <a:t> </a:t>
+                </a:r>
+              </a:p>
+            </p:txBody>
+          </p:sp>
+        </mc:Fallback>
+      </mc:AlternateContent>
     </p:spTree>
     <p:extLst>
       <p:ext uri="{BB962C8B-B14F-4D97-AF65-F5344CB8AC3E}">
-        <p14:creationId xmlns:p14="http://schemas.microsoft.com/office/powerpoint/2010/main" val="458503082"/>
-      </p:ext>
-    </p:extLst>
-  </p:cSld>
-  <p:clrMapOvr>
-    <a:masterClrMapping/>
-  </p:clrMapOvr>
-  <p:timing>
-    <p:tnLst>
-      <p:par>
-        <p:cTn id="1" dur="indefinite" restart="never" nodeType="tmRoot">
-          <p:childTnLst>
-            <p:seq concurrent="1" nextAc="seek">
-              <p:cTn id="2" dur="indefinite" nodeType="mainSeq">
-                <p:childTnLst>
-                  <p:par>
-                    <p:cTn id="3" fill="hold">
-                      <p:stCondLst>
-                        <p:cond delay="indefinite"/>
-                      </p:stCondLst>
-                      <p:childTnLst>
-                        <p:par>
-                          <p:cTn id="4" fill="hold">
-                            <p:stCondLst>
-                              <p:cond delay="0"/>
-                            </p:stCondLst>
-                            <p:childTnLst>
-                              <p:par>
-                                <p:cTn id="5" presetID="1" presetClass="entr" presetSubtype="0" fill="hold" grpId="0" nodeType="clickEffect">
-                                  <p:stCondLst>
-                                    <p:cond delay="0"/>
-                                  </p:stCondLst>
-                                  <p:childTnLst>
-                                    <p:set>
-                                      <p:cBhvr>
-                                        <p:cTn id="6" dur="1" fill="hold">
-                                          <p:stCondLst>
-                                            <p:cond delay="0"/>
-                                          </p:stCondLst>
-                                        </p:cTn>
-                                        <p:tgtEl>
-                                          <p:spTgt spid="3">
-                                            <p:txEl>
-                                              <p:pRg st="0" end="0"/>
-                                            </p:txEl>
-                                          </p:spTgt>
-                                        </p:tgtEl>
-                                        <p:attrNameLst>
-                                          <p:attrName>style.visibility</p:attrName>
-                                        </p:attrNameLst>
-                                      </p:cBhvr>
-                                      <p:to>
-                                        <p:strVal val="visible"/>
-                                      </p:to>
-                                    </p:set>
-                                  </p:childTnLst>
-                                </p:cTn>
-                              </p:par>
-                            </p:childTnLst>
-                          </p:cTn>
-                        </p:par>
-                      </p:childTnLst>
-                    </p:cTn>
-                  </p:par>
-                  <p:par>
-                    <p:cTn id="7" fill="hold">
-                      <p:stCondLst>
-                        <p:cond delay="indefinite"/>
-                      </p:stCondLst>
-                      <p:childTnLst>
-                        <p:par>
-                          <p:cTn id="8" fill="hold">
-                            <p:stCondLst>
-                              <p:cond delay="0"/>
-                            </p:stCondLst>
-                            <p:childTnLst>
-                              <p:par>
-                                <p:cTn id="9" presetID="10" presetClass="entr" presetSubtype="0" fill="hold" nodeType="clickEffect">
-                                  <p:stCondLst>
-                                    <p:cond delay="0"/>
-                                  </p:stCondLst>
-                                  <p:childTnLst>
-                                    <p:set>
-                                      <p:cBhvr>
-                                        <p:cTn id="10" dur="1" fill="hold">
-                                          <p:stCondLst>
-                                            <p:cond delay="0"/>
-                                          </p:stCondLst>
-                                        </p:cTn>
-                                        <p:tgtEl>
-                                          <p:spTgt spid="2050"/>
-                                        </p:tgtEl>
-                                        <p:attrNameLst>
-                                          <p:attrName>style.visibility</p:attrName>
-                                        </p:attrNameLst>
-                                      </p:cBhvr>
-                                      <p:to>
-                                        <p:strVal val="visible"/>
-                                      </p:to>
-                                    </p:set>
-                                    <p:animEffect transition="in" filter="fade">
-                                      <p:cBhvr>
-                                        <p:cTn id="11" dur="500"/>
-                                        <p:tgtEl>
-                                          <p:spTgt spid="2050"/>
-                                        </p:tgtEl>
-                                      </p:cBhvr>
-                                    </p:animEffect>
-                                  </p:childTnLst>
-                                </p:cTn>
-                              </p:par>
-                            </p:childTnLst>
-                          </p:cTn>
-                        </p:par>
-                      </p:childTnLst>
-                    </p:cTn>
-                  </p:par>
-                </p:childTnLst>
-              </p:cTn>
-              <p:prevCondLst>
-                <p:cond evt="onPrev" delay="0">
-                  <p:tgtEl>
-                    <p:sldTgt/>
-                  </p:tgtEl>
-                </p:cond>
-              </p:prevCondLst>
-              <p:nextCondLst>
-                <p:cond evt="onNext" delay="0">
-                  <p:tgtEl>
-                    <p:sldTgt/>
-                  </p:tgtEl>
-                </p:cond>
-              </p:nextCondLst>
-            </p:seq>
-          </p:childTnLst>
-        </p:cTn>
-      </p:par>
-    </p:tnLst>
-    <p:bldLst>
-      <p:bldP spid="3" grpId="0" uiExpand="1" build="p"/>
-    </p:bldLst>
-  </p:timing>
-</p:sld>
-</file>
-
-<file path=ppt/slides/slide3.xml><?xml version="1.0" encoding="utf-8"?>
-<p:sld xmlns:a="http://schemas.openxmlformats.org/drawingml/2006/main" xmlns:r="http://schemas.openxmlformats.org/officeDocument/2006/relationships" xmlns:p="http://schemas.openxmlformats.org/presentationml/2006/main">
-  <p:cSld>
-    <p:spTree>
-      <p:nvGrpSpPr>
-        <p:cNvPr id="1" name=""/>
-        <p:cNvGrpSpPr/>
-        <p:nvPr/>
-      </p:nvGrpSpPr>
-      <p:grpSpPr>
-        <a:xfrm>
-          <a:off x="0" y="0"/>
-          <a:ext cx="0" cy="0"/>
-          <a:chOff x="0" y="0"/>
-          <a:chExt cx="0" cy="0"/>
-        </a:xfrm>
-      </p:grpSpPr>
-      <p:sp>
-        <p:nvSpPr>
-          <p:cNvPr id="2" name="Title 1">
-            <a:extLst>
-              <a:ext uri="{FF2B5EF4-FFF2-40B4-BE49-F238E27FC236}">
-                <a16:creationId xmlns:a16="http://schemas.microsoft.com/office/drawing/2014/main" id="{7C8D3478-5F96-47D5-92DE-4D32E54569DF}"/>
-              </a:ext>
-            </a:extLst>
-          </p:cNvPr>
-          <p:cNvSpPr>
-            <a:spLocks noGrp="1"/>
-          </p:cNvSpPr>
-          <p:nvPr>
-            <p:ph type="title"/>
-          </p:nvPr>
-        </p:nvSpPr>
-        <p:spPr/>
-        <p:txBody>
-          <a:bodyPr/>
-          <a:lstStyle/>
-          <a:p>
-            <a:r>
-              <a:rPr lang="en-US" dirty="0"/>
-              <a:t>Rigid Body Surface Collisions</a:t>
-            </a:r>
-          </a:p>
-        </p:txBody>
-      </p:sp>
-      <p:sp>
-        <p:nvSpPr>
-          <p:cNvPr id="3" name="Content Placeholder 2">
-            <a:extLst>
-              <a:ext uri="{FF2B5EF4-FFF2-40B4-BE49-F238E27FC236}">
-                <a16:creationId xmlns:a16="http://schemas.microsoft.com/office/drawing/2014/main" id="{2A920D22-918F-4088-AC90-B17B66623CCB}"/>
-              </a:ext>
-            </a:extLst>
-          </p:cNvPr>
-          <p:cNvSpPr>
-            <a:spLocks noGrp="1"/>
-          </p:cNvSpPr>
-          <p:nvPr>
-            <p:ph idx="1"/>
-          </p:nvPr>
-        </p:nvSpPr>
-        <p:spPr/>
-        <p:txBody>
-          <a:bodyPr>
-            <a:normAutofit fontScale="92500" lnSpcReduction="10000"/>
-          </a:bodyPr>
-          <a:lstStyle/>
-          <a:p>
-            <a:r>
-              <a:rPr lang="en-US" dirty="0"/>
-              <a:t>With a rigid body surface collision, we will often be given a set of velocities before an impact and will need to solve for…</a:t>
-            </a:r>
-          </a:p>
-          <a:p>
-            <a:pPr lvl="1"/>
-            <a:r>
-              <a:rPr lang="en-US" dirty="0"/>
-              <a:t>The velocity of the center of mass of the body after impact.</a:t>
-            </a:r>
-          </a:p>
-          <a:p>
-            <a:pPr lvl="2"/>
-            <a:r>
-              <a:rPr lang="en-US" dirty="0"/>
-              <a:t>Usually in terms of normal and tangential components</a:t>
-            </a:r>
-          </a:p>
-          <a:p>
-            <a:pPr lvl="1"/>
-            <a:r>
-              <a:rPr lang="en-US" dirty="0"/>
-              <a:t>The angular velocity of the body after impact.</a:t>
-            </a:r>
-          </a:p>
-          <a:p>
-            <a:pPr lvl="1"/>
-            <a:endParaRPr lang="en-US" dirty="0"/>
-          </a:p>
-          <a:p>
-            <a:r>
-              <a:rPr lang="en-US" dirty="0"/>
-              <a:t>Three unknowns, means we will need three equations to work with.</a:t>
-            </a:r>
-          </a:p>
-        </p:txBody>
-      </p:sp>
-      <p:sp>
-        <p:nvSpPr>
-          <p:cNvPr id="4" name="Slide Number Placeholder 3">
-            <a:extLst>
-              <a:ext uri="{FF2B5EF4-FFF2-40B4-BE49-F238E27FC236}">
-                <a16:creationId xmlns:a16="http://schemas.microsoft.com/office/drawing/2014/main" id="{15EC7D60-E362-422D-B594-FB68F9B2D6E8}"/>
-              </a:ext>
-            </a:extLst>
-          </p:cNvPr>
-          <p:cNvSpPr>
-            <a:spLocks noGrp="1"/>
-          </p:cNvSpPr>
-          <p:nvPr>
-            <p:ph type="sldNum" sz="quarter" idx="12"/>
-          </p:nvPr>
-        </p:nvSpPr>
-        <p:spPr/>
-        <p:txBody>
-          <a:bodyPr/>
-          <a:lstStyle/>
-          <a:p>
-            <a:fld id="{929262FE-7F58-4A1E-8AF3-5A510A86DEBD}" type="slidenum">
-              <a:rPr lang="en-US" smtClean="0"/>
-              <a:t>3</a:t>
-            </a:fld>
-            <a:endParaRPr lang="en-US" dirty="0"/>
-          </a:p>
-        </p:txBody>
-      </p:sp>
-    </p:spTree>
-    <p:extLst>
-      <p:ext uri="{BB962C8B-B14F-4D97-AF65-F5344CB8AC3E}">
-        <p14:creationId xmlns:p14="http://schemas.microsoft.com/office/powerpoint/2010/main" val="3782184083"/>
+        <p14:creationId xmlns:p14="http://schemas.microsoft.com/office/powerpoint/2010/main" val="991979740"/>
       </p:ext>
     </p:extLst>
   </p:cSld>
@@ -4603,55 +4437,6 @@
                       </p:childTnLst>
                     </p:cTn>
                   </p:par>
-                  <p:par>
-                    <p:cTn id="19" fill="hold">
-                      <p:stCondLst>
-                        <p:cond delay="indefinite"/>
-                      </p:stCondLst>
-                      <p:childTnLst>
-                        <p:par>
-                          <p:cTn id="20" fill="hold">
-                            <p:stCondLst>
-                              <p:cond delay="0"/>
-                            </p:stCondLst>
-                            <p:childTnLst>
-                              <p:par>
-                                <p:cTn id="21" presetID="1" presetClass="entr" presetSubtype="0" fill="hold" grpId="0" nodeType="clickEffect">
-                                  <p:stCondLst>
-                                    <p:cond delay="0"/>
-                                  </p:stCondLst>
-                                  <p:childTnLst>
-                                    <p:set>
-                                      <p:cBhvr>
-                                        <p:cTn id="22" dur="1" fill="hold">
-                                          <p:stCondLst>
-                                            <p:cond delay="0"/>
-                                          </p:stCondLst>
-                                        </p:cTn>
-                                        <p:tgtEl>
-                                          <p:spTgt spid="3">
-                                            <p:txEl>
-                                              <p:pRg st="5" end="5"/>
-                                            </p:txEl>
-                                          </p:spTgt>
-                                        </p:tgtEl>
-                                        <p:attrNameLst>
-                                          <p:attrName>style.visibility</p:attrName>
-                                        </p:attrNameLst>
-                                      </p:cBhvr>
-                                      <p:to>
-                                        <p:strVal val="visible"/>
-                                      </p:to>
-                                    </p:set>
-                                  </p:childTnLst>
-                                </p:cTn>
-                              </p:par>
-                            </p:childTnLst>
-                          </p:cTn>
-                        </p:par>
-                      </p:childTnLst>
-                    </p:cTn>
-                  </p:par>
                 </p:childTnLst>
               </p:cTn>
               <p:prevCondLst>
@@ -4674,13 +4459,13 @@
       </p:par>
     </p:tnLst>
     <p:bldLst>
-      <p:bldP spid="3" grpId="0" build="p"/>
+      <p:bldP spid="3" grpId="0" uiExpand="1" build="p"/>
     </p:bldLst>
   </p:timing>
 </p:sld>
 </file>
 
-<file path=ppt/slides/slide4.xml><?xml version="1.0" encoding="utf-8"?>
+<file path=ppt/slides/slide3.xml><?xml version="1.0" encoding="utf-8"?>
 <p:sld xmlns:a="http://schemas.openxmlformats.org/drawingml/2006/main" xmlns:r="http://schemas.openxmlformats.org/officeDocument/2006/relationships" xmlns:p="http://schemas.openxmlformats.org/presentationml/2006/main">
   <p:cSld>
     <p:spTree>
@@ -4699,13 +4484,7 @@
       </p:grpSpPr>
       <p:sp>
         <p:nvSpPr>
-          <p:cNvPr id="2" name="Title 1">
-            <a:extLst>
-              <a:ext uri="{FF2B5EF4-FFF2-40B4-BE49-F238E27FC236}">
-                <a16:creationId xmlns:a16="http://schemas.microsoft.com/office/drawing/2014/main" id="{4B7AD62A-3DBD-4452-8625-6F2CFEAA90EA}"/>
-              </a:ext>
-            </a:extLst>
-          </p:cNvPr>
+          <p:cNvPr id="2" name="Title 1"/>
           <p:cNvSpPr>
             <a:spLocks noGrp="1"/>
           </p:cNvSpPr>
@@ -4720,69 +4499,233 @@
           <a:p>
             <a:r>
               <a:rPr lang="en-US" dirty="0"/>
-              <a:t>Rigid Body Surface Collisions</a:t>
+              <a:t>Power</a:t>
             </a:r>
           </a:p>
         </p:txBody>
       </p:sp>
+      <mc:AlternateContent xmlns:mc="http://schemas.openxmlformats.org/markup-compatibility/2006" xmlns:a14="http://schemas.microsoft.com/office/drawing/2010/main">
+        <mc:Choice Requires="a14">
+          <p:sp>
+            <p:nvSpPr>
+              <p:cNvPr id="3" name="Content Placeholder 2"/>
+              <p:cNvSpPr>
+                <a:spLocks noGrp="1"/>
+              </p:cNvSpPr>
+              <p:nvPr>
+                <p:ph idx="1"/>
+              </p:nvPr>
+            </p:nvSpPr>
+            <p:spPr/>
+            <p:txBody>
+              <a:bodyPr>
+                <a:normAutofit fontScale="92500"/>
+              </a:bodyPr>
+              <a:lstStyle/>
+              <a:p>
+                <a:r>
+                  <a:rPr lang="en-US" dirty="0"/>
+                  <a:t>If we look at the average power exerted over a set period of time, we can simply divide the work done (or change in energy) by the time it took to do that work</a:t>
+                </a:r>
+              </a:p>
+              <a:p>
+                <a:pPr marL="0" indent="0">
+                  <a:buNone/>
+                </a:pPr>
+                <a14:m>
+                  <m:oMathPara xmlns:m="http://schemas.openxmlformats.org/officeDocument/2006/math">
+                    <m:oMathParaPr>
+                      <m:jc m:val="centerGroup"/>
+                    </m:oMathParaPr>
+                    <m:oMath xmlns:m="http://schemas.openxmlformats.org/officeDocument/2006/math">
+                      <m:sSub>
+                        <m:sSubPr>
+                          <m:ctrlPr>
+                            <a:rPr lang="en-US" b="0" i="1" smtClean="0">
+                              <a:latin typeface="Cambria Math" panose="02040503050406030204" pitchFamily="18" charset="0"/>
+                            </a:rPr>
+                          </m:ctrlPr>
+                        </m:sSubPr>
+                        <m:e>
+                          <m:r>
+                            <a:rPr lang="en-US" b="0" i="1" smtClean="0">
+                              <a:latin typeface="Cambria Math" panose="02040503050406030204" pitchFamily="18" charset="0"/>
+                            </a:rPr>
+                            <m:t>𝑃</m:t>
+                          </m:r>
+                        </m:e>
+                        <m:sub>
+                          <m:r>
+                            <a:rPr lang="en-US" b="0" i="1" smtClean="0">
+                              <a:latin typeface="Cambria Math" panose="02040503050406030204" pitchFamily="18" charset="0"/>
+                            </a:rPr>
+                            <m:t>𝑎𝑣𝑒</m:t>
+                          </m:r>
+                        </m:sub>
+                      </m:sSub>
+                      <m:r>
+                        <a:rPr lang="en-US" b="0" i="1" smtClean="0">
+                          <a:latin typeface="Cambria Math"/>
+                        </a:rPr>
+                        <m:t>= </m:t>
+                      </m:r>
+                      <m:f>
+                        <m:fPr>
+                          <m:ctrlPr>
+                            <a:rPr lang="en-US" b="0" i="1" smtClean="0">
+                              <a:latin typeface="Cambria Math" panose="02040503050406030204" pitchFamily="18" charset="0"/>
+                            </a:rPr>
+                          </m:ctrlPr>
+                        </m:fPr>
+                        <m:num>
+                          <m:r>
+                            <a:rPr lang="en-US" b="0" i="1" smtClean="0">
+                              <a:latin typeface="Cambria Math"/>
+                            </a:rPr>
+                            <m:t>𝑊</m:t>
+                          </m:r>
+                        </m:num>
+                        <m:den>
+                          <m:r>
+                            <a:rPr lang="en-US" b="0" i="1" smtClean="0">
+                              <a:latin typeface="Cambria Math"/>
+                              <a:ea typeface="Cambria Math"/>
+                            </a:rPr>
+                            <m:t>𝑡</m:t>
+                          </m:r>
+                        </m:den>
+                      </m:f>
+                    </m:oMath>
+                  </m:oMathPara>
+                </a14:m>
+                <a:endParaRPr lang="en-US" dirty="0"/>
+              </a:p>
+              <a:p>
+                <a:r>
+                  <a:rPr lang="en-US" dirty="0"/>
+                  <a:t>Working in the other direction, we can also define work as the average power times the time</a:t>
+                </a:r>
+              </a:p>
+              <a:p>
+                <a:pPr marL="0" indent="0">
+                  <a:buNone/>
+                </a:pPr>
+                <a14:m>
+                  <m:oMathPara xmlns:m="http://schemas.openxmlformats.org/officeDocument/2006/math">
+                    <m:oMathParaPr>
+                      <m:jc m:val="centerGroup"/>
+                    </m:oMathParaPr>
+                    <m:oMath xmlns:m="http://schemas.openxmlformats.org/officeDocument/2006/math">
+                      <m:r>
+                        <a:rPr lang="en-US" b="0" i="1" smtClean="0">
+                          <a:latin typeface="Cambria Math"/>
+                          <a:ea typeface="Cambria Math"/>
+                        </a:rPr>
+                        <m:t>(</m:t>
+                      </m:r>
+                      <m:sSub>
+                        <m:sSubPr>
+                          <m:ctrlPr>
+                            <a:rPr lang="en-US" i="1">
+                              <a:latin typeface="Cambria Math" panose="02040503050406030204" pitchFamily="18" charset="0"/>
+                            </a:rPr>
+                          </m:ctrlPr>
+                        </m:sSubPr>
+                        <m:e>
+                          <m:r>
+                            <a:rPr lang="en-US" i="1">
+                              <a:latin typeface="Cambria Math" panose="02040503050406030204" pitchFamily="18" charset="0"/>
+                            </a:rPr>
+                            <m:t>𝑃</m:t>
+                          </m:r>
+                        </m:e>
+                        <m:sub>
+                          <m:r>
+                            <a:rPr lang="en-US" i="1">
+                              <a:latin typeface="Cambria Math" panose="02040503050406030204" pitchFamily="18" charset="0"/>
+                            </a:rPr>
+                            <m:t>𝑎𝑣𝑒</m:t>
+                          </m:r>
+                        </m:sub>
+                      </m:sSub>
+                      <m:r>
+                        <a:rPr lang="en-US" b="0" i="1" smtClean="0">
+                          <a:latin typeface="Cambria Math"/>
+                          <a:ea typeface="Cambria Math"/>
+                        </a:rPr>
+                        <m:t>)(</m:t>
+                      </m:r>
+                      <m:r>
+                        <a:rPr lang="en-US" i="1">
+                          <a:latin typeface="Cambria Math"/>
+                          <a:ea typeface="Cambria Math"/>
+                        </a:rPr>
+                        <m:t>𝑡</m:t>
+                      </m:r>
+                      <m:r>
+                        <a:rPr lang="en-US" b="0" i="1" smtClean="0">
+                          <a:latin typeface="Cambria Math"/>
+                          <a:ea typeface="Cambria Math"/>
+                        </a:rPr>
+                        <m:t>)</m:t>
+                      </m:r>
+                      <m:r>
+                        <a:rPr lang="en-US" i="1">
+                          <a:latin typeface="Cambria Math"/>
+                        </a:rPr>
+                        <m:t>=</m:t>
+                      </m:r>
+                      <m:r>
+                        <a:rPr lang="en-US" i="1">
+                          <a:latin typeface="Cambria Math"/>
+                        </a:rPr>
+                        <m:t>𝑊</m:t>
+                      </m:r>
+                    </m:oMath>
+                  </m:oMathPara>
+                </a14:m>
+                <a:endParaRPr lang="en-US" dirty="0"/>
+              </a:p>
+            </p:txBody>
+          </p:sp>
+        </mc:Choice>
+        <mc:Fallback xmlns="">
+          <p:sp>
+            <p:nvSpPr>
+              <p:cNvPr id="3" name="Content Placeholder 2"/>
+              <p:cNvSpPr>
+                <a:spLocks noGrp="1" noRot="1" noChangeAspect="1" noMove="1" noResize="1" noEditPoints="1" noAdjustHandles="1" noChangeArrowheads="1" noChangeShapeType="1" noTextEdit="1"/>
+              </p:cNvSpPr>
+              <p:nvPr>
+                <p:ph idx="1"/>
+              </p:nvPr>
+            </p:nvSpPr>
+            <p:spPr>
+              <a:blipFill>
+                <a:blip r:embed="rId2"/>
+                <a:stretch>
+                  <a:fillRect l="-1481" t="-1617" r="-1407"/>
+                </a:stretch>
+              </a:blipFill>
+            </p:spPr>
+            <p:txBody>
+              <a:bodyPr/>
+              <a:lstStyle/>
+              <a:p>
+                <a:r>
+                  <a:rPr lang="en-US">
+                    <a:noFill/>
+                  </a:rPr>
+                  <a:t> </a:t>
+                </a:r>
+              </a:p>
+            </p:txBody>
+          </p:sp>
+        </mc:Fallback>
+      </mc:AlternateContent>
       <p:sp>
         <p:nvSpPr>
-          <p:cNvPr id="3" name="Content Placeholder 2">
-            <a:extLst>
-              <a:ext uri="{FF2B5EF4-FFF2-40B4-BE49-F238E27FC236}">
-                <a16:creationId xmlns:a16="http://schemas.microsoft.com/office/drawing/2014/main" id="{0733E3D0-D68F-440F-BA6F-B73521BC8944}"/>
-              </a:ext>
-            </a:extLst>
-          </p:cNvPr>
-          <p:cNvSpPr>
-            <a:spLocks noGrp="1"/>
-          </p:cNvSpPr>
-          <p:nvPr>
-            <p:ph idx="1"/>
-          </p:nvPr>
-        </p:nvSpPr>
-        <p:spPr>
-          <a:xfrm>
-            <a:off x="457200" y="1600200"/>
-            <a:ext cx="4343400" cy="4983162"/>
-          </a:xfrm>
-        </p:spPr>
-        <p:txBody>
-          <a:bodyPr>
-            <a:normAutofit fontScale="85000" lnSpcReduction="10000"/>
-          </a:bodyPr>
-          <a:lstStyle/>
-          <a:p>
-            <a:r>
-              <a:rPr lang="en-US" dirty="0"/>
-              <a:t>In order to generate three equations, we will need to rely on the normal and tangential directions, just as we did with particle surface collisions.</a:t>
-            </a:r>
-          </a:p>
-          <a:p>
-            <a:pPr lvl="1"/>
-            <a:r>
-              <a:rPr lang="en-US" dirty="0"/>
-              <a:t>The tangential direction is parallel to the surface</a:t>
-            </a:r>
-          </a:p>
-          <a:p>
-            <a:pPr lvl="1"/>
-            <a:r>
-              <a:rPr lang="en-US" dirty="0"/>
-              <a:t>The normal direction is perpendicular to the surface and will be in the direction of the impact forces.</a:t>
-            </a:r>
-          </a:p>
-        </p:txBody>
-      </p:sp>
-      <p:sp>
-        <p:nvSpPr>
-          <p:cNvPr id="4" name="Slide Number Placeholder 3">
-            <a:extLst>
-              <a:ext uri="{FF2B5EF4-FFF2-40B4-BE49-F238E27FC236}">
-                <a16:creationId xmlns:a16="http://schemas.microsoft.com/office/drawing/2014/main" id="{9BB3DA46-FC30-4BC3-BB3B-F0EA9E371B04}"/>
-              </a:ext>
-            </a:extLst>
-          </p:cNvPr>
+          <p:cNvPr id="4" name="Slide Number Placeholder 3"/>
           <p:cNvSpPr>
             <a:spLocks noGrp="1"/>
           </p:cNvSpPr>
@@ -4795,65 +4738,82 @@
           <a:bodyPr/>
           <a:lstStyle/>
           <a:p>
+            <a:pPr marL="0" marR="0" lvl="0" indent="0" algn="r" defTabSz="914400" rtl="0" eaLnBrk="1" fontAlgn="auto" latinLnBrk="0" hangingPunct="1">
+              <a:lnSpc>
+                <a:spcPct val="100000"/>
+              </a:lnSpc>
+              <a:spcBef>
+                <a:spcPts val="0"/>
+              </a:spcBef>
+              <a:spcAft>
+                <a:spcPts val="0"/>
+              </a:spcAft>
+              <a:buClrTx/>
+              <a:buSzTx/>
+              <a:buFontTx/>
+              <a:buNone/>
+              <a:tabLst/>
+              <a:defRPr/>
+            </a:pPr>
             <a:fld id="{929262FE-7F58-4A1E-8AF3-5A510A86DEBD}" type="slidenum">
-              <a:rPr lang="en-US" smtClean="0"/>
-              <a:t>4</a:t>
+              <a:rPr kumimoji="0" lang="en-US" sz="1200" b="0" i="0" u="none" strike="noStrike" kern="1200" cap="none" spc="0" normalizeH="0" baseline="0" noProof="0" smtClean="0">
+                <a:ln>
+                  <a:noFill/>
+                </a:ln>
+                <a:solidFill>
+                  <a:srgbClr val="4F81BD">
+                    <a:lumMod val="50000"/>
+                  </a:srgbClr>
+                </a:solidFill>
+                <a:effectLst/>
+                <a:uLnTx/>
+                <a:uFillTx/>
+                <a:latin typeface="Calibri"/>
+                <a:ea typeface="+mn-ea"/>
+                <a:cs typeface="+mn-cs"/>
+              </a:rPr>
+              <a:pPr marL="0" marR="0" lvl="0" indent="0" algn="r" defTabSz="914400" rtl="0" eaLnBrk="1" fontAlgn="auto" latinLnBrk="0" hangingPunct="1">
+                <a:lnSpc>
+                  <a:spcPct val="100000"/>
+                </a:lnSpc>
+                <a:spcBef>
+                  <a:spcPts val="0"/>
+                </a:spcBef>
+                <a:spcAft>
+                  <a:spcPts val="0"/>
+                </a:spcAft>
+                <a:buClrTx/>
+                <a:buSzTx/>
+                <a:buFontTx/>
+                <a:buNone/>
+                <a:tabLst/>
+                <a:defRPr/>
+              </a:pPr>
+              <a:t>3</a:t>
             </a:fld>
-            <a:endParaRPr lang="en-US" dirty="0"/>
+            <a:endParaRPr kumimoji="0" lang="en-US" sz="1200" b="0" i="0" u="none" strike="noStrike" kern="1200" cap="none" spc="0" normalizeH="0" baseline="0" noProof="0">
+              <a:ln>
+                <a:noFill/>
+              </a:ln>
+              <a:solidFill>
+                <a:srgbClr val="4F81BD">
+                  <a:lumMod val="50000"/>
+                </a:srgbClr>
+              </a:solidFill>
+              <a:effectLst/>
+              <a:uLnTx/>
+              <a:uFillTx/>
+              <a:latin typeface="Calibri"/>
+              <a:ea typeface="+mn-ea"/>
+              <a:cs typeface="+mn-cs"/>
+            </a:endParaRPr>
           </a:p>
         </p:txBody>
       </p:sp>
-      <p:pic>
-        <p:nvPicPr>
-          <p:cNvPr id="5" name="Picture 2" descr="A wrench dropped on a rigid floor">
-            <a:extLst>
-              <a:ext uri="{FF2B5EF4-FFF2-40B4-BE49-F238E27FC236}">
-                <a16:creationId xmlns:a16="http://schemas.microsoft.com/office/drawing/2014/main" id="{C7C20865-EED8-468C-9F12-9F9A051A017F}"/>
-              </a:ext>
-            </a:extLst>
-          </p:cNvPr>
-          <p:cNvPicPr>
-            <a:picLocks noChangeAspect="1" noChangeArrowheads="1"/>
-          </p:cNvPicPr>
-          <p:nvPr/>
-        </p:nvPicPr>
-        <p:blipFill>
-          <a:blip r:embed="rId2">
-            <a:extLst>
-              <a:ext uri="{28A0092B-C50C-407E-A947-70E740481C1C}">
-                <a14:useLocalDpi xmlns:a14="http://schemas.microsoft.com/office/drawing/2010/main" val="0"/>
-              </a:ext>
-            </a:extLst>
-          </a:blip>
-          <a:srcRect/>
-          <a:stretch>
-            <a:fillRect/>
-          </a:stretch>
-        </p:blipFill>
-        <p:spPr bwMode="auto">
-          <a:xfrm>
-            <a:off x="4933950" y="2285999"/>
-            <a:ext cx="3714750" cy="2790825"/>
-          </a:xfrm>
-          <a:prstGeom prst="rect">
-            <a:avLst/>
-          </a:prstGeom>
-          <a:noFill/>
-          <a:extLst>
-            <a:ext uri="{909E8E84-426E-40DD-AFC4-6F175D3DCCD1}">
-              <a14:hiddenFill xmlns:a14="http://schemas.microsoft.com/office/drawing/2010/main">
-                <a:solidFill>
-                  <a:srgbClr val="FFFFFF"/>
-                </a:solidFill>
-              </a14:hiddenFill>
-            </a:ext>
-          </a:extLst>
-        </p:spPr>
-      </p:pic>
     </p:spTree>
     <p:extLst>
       <p:ext uri="{BB962C8B-B14F-4D97-AF65-F5344CB8AC3E}">
-        <p14:creationId xmlns:p14="http://schemas.microsoft.com/office/powerpoint/2010/main" val="1732401943"/>
+        <p14:creationId xmlns:p14="http://schemas.microsoft.com/office/powerpoint/2010/main" val="91193279"/>
       </p:ext>
     </p:extLst>
   </p:cSld>
@@ -5015,6 +4975,55 @@
                       </p:childTnLst>
                     </p:cTn>
                   </p:par>
+                  <p:par>
+                    <p:cTn id="15" fill="hold">
+                      <p:stCondLst>
+                        <p:cond delay="indefinite"/>
+                      </p:stCondLst>
+                      <p:childTnLst>
+                        <p:par>
+                          <p:cTn id="16" fill="hold">
+                            <p:stCondLst>
+                              <p:cond delay="0"/>
+                            </p:stCondLst>
+                            <p:childTnLst>
+                              <p:par>
+                                <p:cTn id="17" presetID="1" presetClass="entr" presetSubtype="0" fill="hold" grpId="0" nodeType="clickEffect">
+                                  <p:stCondLst>
+                                    <p:cond delay="0"/>
+                                  </p:stCondLst>
+                                  <p:childTnLst>
+                                    <p:set>
+                                      <p:cBhvr>
+                                        <p:cTn id="18" dur="1" fill="hold">
+                                          <p:stCondLst>
+                                            <p:cond delay="0"/>
+                                          </p:stCondLst>
+                                        </p:cTn>
+                                        <p:tgtEl>
+                                          <p:spTgt spid="3">
+                                            <p:txEl>
+                                              <p:pRg st="3" end="3"/>
+                                            </p:txEl>
+                                          </p:spTgt>
+                                        </p:tgtEl>
+                                        <p:attrNameLst>
+                                          <p:attrName>style.visibility</p:attrName>
+                                        </p:attrNameLst>
+                                      </p:cBhvr>
+                                      <p:to>
+                                        <p:strVal val="visible"/>
+                                      </p:to>
+                                    </p:set>
+                                  </p:childTnLst>
+                                </p:cTn>
+                              </p:par>
+                            </p:childTnLst>
+                          </p:cTn>
+                        </p:par>
+                      </p:childTnLst>
+                    </p:cTn>
+                  </p:par>
                 </p:childTnLst>
               </p:cTn>
               <p:prevCondLst>
@@ -5043,6 +5052,283 @@
 </p:sld>
 </file>
 
+<file path=ppt/slides/slide4.xml><?xml version="1.0" encoding="utf-8"?>
+<p:sld xmlns:a="http://schemas.openxmlformats.org/drawingml/2006/main" xmlns:r="http://schemas.openxmlformats.org/officeDocument/2006/relationships" xmlns:p="http://schemas.openxmlformats.org/presentationml/2006/main">
+  <p:cSld>
+    <p:spTree>
+      <p:nvGrpSpPr>
+        <p:cNvPr id="1" name=""/>
+        <p:cNvGrpSpPr/>
+        <p:nvPr/>
+      </p:nvGrpSpPr>
+      <p:grpSpPr>
+        <a:xfrm>
+          <a:off x="0" y="0"/>
+          <a:ext cx="0" cy="0"/>
+          <a:chOff x="0" y="0"/>
+          <a:chExt cx="0" cy="0"/>
+        </a:xfrm>
+      </p:grpSpPr>
+      <p:sp>
+        <p:nvSpPr>
+          <p:cNvPr id="2" name="Title 1">
+            <a:extLst>
+              <a:ext uri="{FF2B5EF4-FFF2-40B4-BE49-F238E27FC236}">
+                <a16:creationId xmlns:a16="http://schemas.microsoft.com/office/drawing/2014/main" id="{729FF1B4-342B-464B-A19C-5AF17511C42B}"/>
+              </a:ext>
+            </a:extLst>
+          </p:cNvPr>
+          <p:cNvSpPr>
+            <a:spLocks noGrp="1"/>
+          </p:cNvSpPr>
+          <p:nvPr>
+            <p:ph type="title"/>
+          </p:nvPr>
+        </p:nvSpPr>
+        <p:spPr/>
+        <p:txBody>
+          <a:bodyPr/>
+          <a:lstStyle/>
+          <a:p>
+            <a:r>
+              <a:rPr lang="en-US" dirty="0"/>
+              <a:t>Power in Translational Systems</a:t>
+            </a:r>
+          </a:p>
+        </p:txBody>
+      </p:sp>
+      <mc:AlternateContent xmlns:mc="http://schemas.openxmlformats.org/markup-compatibility/2006" xmlns:a14="http://schemas.microsoft.com/office/drawing/2010/main">
+        <mc:Choice Requires="a14">
+          <p:sp>
+            <p:nvSpPr>
+              <p:cNvPr id="3" name="Content Placeholder 2">
+                <a:extLst>
+                  <a:ext uri="{FF2B5EF4-FFF2-40B4-BE49-F238E27FC236}">
+                    <a16:creationId xmlns:a16="http://schemas.microsoft.com/office/drawing/2014/main" id="{4928666C-8925-4E91-9338-43C62A3BF668}"/>
+                  </a:ext>
+                </a:extLst>
+              </p:cNvPr>
+              <p:cNvSpPr>
+                <a:spLocks noGrp="1"/>
+              </p:cNvSpPr>
+              <p:nvPr>
+                <p:ph idx="1"/>
+              </p:nvPr>
+            </p:nvSpPr>
+            <p:spPr/>
+            <p:txBody>
+              <a:bodyPr/>
+              <a:lstStyle/>
+              <a:p>
+                <a:r>
+                  <a:rPr lang="en-US" dirty="0"/>
+                  <a:t>Expanding upon our original relationship will also lead to the following possibilities for equations</a:t>
+                </a:r>
+              </a:p>
+              <a:p>
+                <a:endParaRPr lang="en-US" dirty="0"/>
+              </a:p>
+              <a:p>
+                <a:pPr marL="0" indent="0">
+                  <a:buNone/>
+                </a:pPr>
+                <a14:m>
+                  <m:oMathPara xmlns:m="http://schemas.openxmlformats.org/officeDocument/2006/math">
+                    <m:oMathParaPr>
+                      <m:jc m:val="centerGroup"/>
+                    </m:oMathParaPr>
+                    <m:oMath xmlns:m="http://schemas.openxmlformats.org/officeDocument/2006/math">
+                      <m:sSub>
+                        <m:sSubPr>
+                          <m:ctrlPr>
+                            <a:rPr lang="en-US" i="1">
+                              <a:latin typeface="Cambria Math" panose="02040503050406030204" pitchFamily="18" charset="0"/>
+                            </a:rPr>
+                          </m:ctrlPr>
+                        </m:sSubPr>
+                        <m:e>
+                          <m:r>
+                            <a:rPr lang="en-US" i="1">
+                              <a:latin typeface="Cambria Math" panose="02040503050406030204" pitchFamily="18" charset="0"/>
+                            </a:rPr>
+                            <m:t>𝑃</m:t>
+                          </m:r>
+                        </m:e>
+                        <m:sub>
+                          <m:r>
+                            <a:rPr lang="en-US" i="1">
+                              <a:latin typeface="Cambria Math" panose="02040503050406030204" pitchFamily="18" charset="0"/>
+                            </a:rPr>
+                            <m:t>𝑎𝑣𝑒</m:t>
+                          </m:r>
+                        </m:sub>
+                      </m:sSub>
+                      <m:r>
+                        <a:rPr lang="en-US" i="1">
+                          <a:latin typeface="Cambria Math"/>
+                        </a:rPr>
+                        <m:t>= </m:t>
+                      </m:r>
+                      <m:f>
+                        <m:fPr>
+                          <m:ctrlPr>
+                            <a:rPr lang="en-US" i="1">
+                              <a:latin typeface="Cambria Math" panose="02040503050406030204" pitchFamily="18" charset="0"/>
+                            </a:rPr>
+                          </m:ctrlPr>
+                        </m:fPr>
+                        <m:num>
+                          <m:r>
+                            <a:rPr lang="en-US" i="1">
+                              <a:latin typeface="Cambria Math"/>
+                            </a:rPr>
+                            <m:t>𝑊</m:t>
+                          </m:r>
+                        </m:num>
+                        <m:den>
+                          <m:r>
+                            <a:rPr lang="en-US" i="1">
+                              <a:latin typeface="Cambria Math"/>
+                              <a:ea typeface="Cambria Math"/>
+                            </a:rPr>
+                            <m:t>𝑡</m:t>
+                          </m:r>
+                        </m:den>
+                      </m:f>
+                      <m:r>
+                        <a:rPr lang="en-US" b="0" i="1" smtClean="0">
+                          <a:latin typeface="Cambria Math" panose="02040503050406030204" pitchFamily="18" charset="0"/>
+                          <a:ea typeface="Cambria Math"/>
+                        </a:rPr>
+                        <m:t>=</m:t>
+                      </m:r>
+                      <m:f>
+                        <m:fPr>
+                          <m:ctrlPr>
+                            <a:rPr lang="en-US" i="1">
+                              <a:latin typeface="Cambria Math" panose="02040503050406030204" pitchFamily="18" charset="0"/>
+                            </a:rPr>
+                          </m:ctrlPr>
+                        </m:fPr>
+                        <m:num>
+                          <m:r>
+                            <a:rPr lang="en-US" b="0" i="1" smtClean="0">
+                              <a:latin typeface="Cambria Math" panose="02040503050406030204" pitchFamily="18" charset="0"/>
+                            </a:rPr>
+                            <m:t>𝐹</m:t>
+                          </m:r>
+                          <m:r>
+                            <a:rPr lang="en-US" b="0" i="1" smtClean="0">
+                              <a:latin typeface="Cambria Math" panose="02040503050406030204" pitchFamily="18" charset="0"/>
+                            </a:rPr>
+                            <m:t>∗</m:t>
+                          </m:r>
+                          <m:r>
+                            <a:rPr lang="en-US" b="0" i="1" smtClean="0">
+                              <a:latin typeface="Cambria Math" panose="02040503050406030204" pitchFamily="18" charset="0"/>
+                            </a:rPr>
+                            <m:t>𝑑</m:t>
+                          </m:r>
+                        </m:num>
+                        <m:den>
+                          <m:r>
+                            <a:rPr lang="en-US" i="1">
+                              <a:latin typeface="Cambria Math"/>
+                              <a:ea typeface="Cambria Math"/>
+                            </a:rPr>
+                            <m:t>𝑡</m:t>
+                          </m:r>
+                        </m:den>
+                      </m:f>
+                      <m:r>
+                        <a:rPr lang="en-US" b="0" i="1" smtClean="0">
+                          <a:latin typeface="Cambria Math" panose="02040503050406030204" pitchFamily="18" charset="0"/>
+                          <a:ea typeface="Cambria Math"/>
+                        </a:rPr>
+                        <m:t>=</m:t>
+                      </m:r>
+                      <m:r>
+                        <a:rPr lang="en-US" b="0" i="1" smtClean="0">
+                          <a:latin typeface="Cambria Math" panose="02040503050406030204" pitchFamily="18" charset="0"/>
+                          <a:ea typeface="Cambria Math"/>
+                        </a:rPr>
+                        <m:t>𝐹</m:t>
+                      </m:r>
+                      <m:r>
+                        <a:rPr lang="en-US" b="0" i="1" smtClean="0">
+                          <a:latin typeface="Cambria Math" panose="02040503050406030204" pitchFamily="18" charset="0"/>
+                          <a:ea typeface="Cambria Math"/>
+                        </a:rPr>
+                        <m:t>∗</m:t>
+                      </m:r>
+                      <m:r>
+                        <a:rPr lang="en-US" b="0" i="1" smtClean="0">
+                          <a:latin typeface="Cambria Math" panose="02040503050406030204" pitchFamily="18" charset="0"/>
+                          <a:ea typeface="Cambria Math"/>
+                        </a:rPr>
+                        <m:t>𝑣</m:t>
+                      </m:r>
+                    </m:oMath>
+                  </m:oMathPara>
+                </a14:m>
+                <a:endParaRPr lang="en-US" dirty="0"/>
+              </a:p>
+            </p:txBody>
+          </p:sp>
+        </mc:Choice>
+        <mc:Fallback xmlns="">
+          <p:sp>
+            <p:nvSpPr>
+              <p:cNvPr id="3" name="Content Placeholder 2">
+                <a:extLst>
+                  <a:ext uri="{FF2B5EF4-FFF2-40B4-BE49-F238E27FC236}">
+                    <a16:creationId xmlns:a16="http://schemas.microsoft.com/office/drawing/2014/main" id="{4928666C-8925-4E91-9338-43C62A3BF668}"/>
+                  </a:ext>
+                </a:extLst>
+              </p:cNvPr>
+              <p:cNvSpPr>
+                <a:spLocks noGrp="1" noRot="1" noChangeAspect="1" noMove="1" noResize="1" noEditPoints="1" noAdjustHandles="1" noChangeArrowheads="1" noChangeShapeType="1" noTextEdit="1"/>
+              </p:cNvSpPr>
+              <p:nvPr>
+                <p:ph idx="1"/>
+              </p:nvPr>
+            </p:nvSpPr>
+            <p:spPr>
+              <a:blipFill>
+                <a:blip r:embed="rId2"/>
+                <a:stretch>
+                  <a:fillRect l="-1704" t="-1752"/>
+                </a:stretch>
+              </a:blipFill>
+            </p:spPr>
+            <p:txBody>
+              <a:bodyPr/>
+              <a:lstStyle/>
+              <a:p>
+                <a:r>
+                  <a:rPr lang="en-US">
+                    <a:noFill/>
+                  </a:rPr>
+                  <a:t> </a:t>
+                </a:r>
+              </a:p>
+            </p:txBody>
+          </p:sp>
+        </mc:Fallback>
+      </mc:AlternateContent>
+    </p:spTree>
+    <p:extLst>
+      <p:ext uri="{BB962C8B-B14F-4D97-AF65-F5344CB8AC3E}">
+        <p14:creationId xmlns:p14="http://schemas.microsoft.com/office/powerpoint/2010/main" val="1980806417"/>
+      </p:ext>
+    </p:extLst>
+  </p:cSld>
+  <p:clrMapOvr>
+    <a:masterClrMapping/>
+  </p:clrMapOvr>
+</p:sld>
+</file>
+
 <file path=ppt/slides/slide5.xml><?xml version="1.0" encoding="utf-8"?>
 <p:sld xmlns:a="http://schemas.openxmlformats.org/drawingml/2006/main" xmlns:r="http://schemas.openxmlformats.org/officeDocument/2006/relationships" xmlns:p="http://schemas.openxmlformats.org/presentationml/2006/main">
   <p:cSld>
@@ -5065,7 +5351,7 @@
           <p:cNvPr id="2" name="Title 1">
             <a:extLst>
               <a:ext uri="{FF2B5EF4-FFF2-40B4-BE49-F238E27FC236}">
-                <a16:creationId xmlns:a16="http://schemas.microsoft.com/office/drawing/2014/main" id="{4B7AD62A-3DBD-4452-8625-6F2CFEAA90EA}"/>
+                <a16:creationId xmlns:a16="http://schemas.microsoft.com/office/drawing/2014/main" id="{E68037E5-2E9E-42F8-8C8A-DCA6717BFE2A}"/>
               </a:ext>
             </a:extLst>
           </p:cNvPr>
@@ -5083,7 +5369,7 @@
           <a:p>
             <a:r>
               <a:rPr lang="en-US" dirty="0"/>
-              <a:t>Rigid Body Surface Collisions</a:t>
+              <a:t>Power in Rotational Systems</a:t>
             </a:r>
           </a:p>
         </p:txBody>
@@ -5095,7 +5381,7 @@
               <p:cNvPr id="3" name="Content Placeholder 2">
                 <a:extLst>
                   <a:ext uri="{FF2B5EF4-FFF2-40B4-BE49-F238E27FC236}">
-                    <a16:creationId xmlns:a16="http://schemas.microsoft.com/office/drawing/2014/main" id="{0733E3D0-D68F-440F-BA6F-B73521BC8944}"/>
+                    <a16:creationId xmlns:a16="http://schemas.microsoft.com/office/drawing/2014/main" id="{3063C4C6-82CF-4CA3-8EB8-F5178B37CEB6}"/>
                   </a:ext>
                 </a:extLst>
               </p:cNvPr>
@@ -5106,36 +5392,21 @@
                 <p:ph idx="1"/>
               </p:nvPr>
             </p:nvSpPr>
-            <p:spPr>
-              <a:xfrm>
-                <a:off x="457200" y="1600200"/>
-                <a:ext cx="4343400" cy="4983162"/>
-              </a:xfrm>
-            </p:spPr>
+            <p:spPr/>
             <p:txBody>
-              <a:bodyPr>
-                <a:normAutofit fontScale="92500"/>
-              </a:bodyPr>
+              <a:bodyPr/>
               <a:lstStyle/>
               <a:p>
                 <a:r>
                   <a:rPr lang="en-US" dirty="0"/>
-                  <a:t>Assuming that there is no friction force during impact, there is no force at all to change the velocity of the body in the tangential direction.</a:t>
+                  <a:t>In rotational system we will use moments, angular displacements (in radians), and angular velocities in place of forces, displacements, and velocities. </a:t>
                 </a:r>
               </a:p>
               <a:p>
-                <a:r>
-                  <a:rPr lang="en-US" dirty="0"/>
-                  <a:t>This applies specifically to the </a:t>
-                </a:r>
-                <a:r>
-                  <a:rPr lang="en-US" b="1" dirty="0"/>
-                  <a:t>center of mass</a:t>
-                </a:r>
-                <a:r>
-                  <a:rPr lang="en-US" dirty="0"/>
-                  <a:t> of the body</a:t>
-                </a:r>
+                <a:pPr marL="0" indent="0">
+                  <a:buNone/>
+                </a:pPr>
+                <a:endParaRPr lang="en-US" dirty="0"/>
               </a:p>
               <a:p>
                 <a:pPr marL="0" indent="0">
@@ -5158,23 +5429,17 @@
                         <m:e>
                           <m:r>
                             <a:rPr lang="en-US" i="1">
-                              <a:latin typeface="Cambria Math"/>
+                              <a:latin typeface="Cambria Math" panose="02040503050406030204" pitchFamily="18" charset="0"/>
                             </a:rPr>
-                            <m:t>𝑣</m:t>
+                            <m:t>𝑃</m:t>
                           </m:r>
                         </m:e>
                         <m:sub>
                           <m:r>
-                            <a:rPr lang="en-US" b="0" i="1" smtClean="0">
+                            <a:rPr lang="en-US" i="1">
                               <a:latin typeface="Cambria Math" panose="02040503050406030204" pitchFamily="18" charset="0"/>
                             </a:rPr>
-                            <m:t>𝑡𝐶</m:t>
-                          </m:r>
-                          <m:r>
-                            <a:rPr lang="en-US" i="1">
-                              <a:latin typeface="Cambria Math"/>
-                            </a:rPr>
-                            <m:t>𝑓</m:t>
+                            <m:t>𝑎𝑣𝑒</m:t>
                           </m:r>
                         </m:sub>
                       </m:sSub>
@@ -5182,45 +5447,118 @@
                         <a:rPr lang="en-US" i="1">
                           <a:latin typeface="Cambria Math"/>
                         </a:rPr>
-                        <m:t>=</m:t>
+                        <m:t>= </m:t>
                       </m:r>
-                      <m:sSub>
-                        <m:sSubPr>
+                      <m:f>
+                        <m:fPr>
                           <m:ctrlPr>
                             <a:rPr lang="en-US" i="1">
                               <a:latin typeface="Cambria Math" panose="02040503050406030204" pitchFamily="18" charset="0"/>
                             </a:rPr>
                           </m:ctrlPr>
-                        </m:sSubPr>
-                        <m:e>
+                        </m:fPr>
+                        <m:num>
                           <m:r>
                             <a:rPr lang="en-US" i="1">
                               <a:latin typeface="Cambria Math"/>
                             </a:rPr>
-                            <m:t>𝑣</m:t>
+                            <m:t>𝑊</m:t>
                           </m:r>
-                        </m:e>
-                        <m:sub>
+                        </m:num>
+                        <m:den>
+                          <m:r>
+                            <a:rPr lang="en-US" i="1">
+                              <a:latin typeface="Cambria Math"/>
+                              <a:ea typeface="Cambria Math"/>
+                            </a:rPr>
+                            <m:t>𝑡</m:t>
+                          </m:r>
+                        </m:den>
+                      </m:f>
+                      <m:r>
+                        <a:rPr lang="en-US" i="1">
+                          <a:latin typeface="Cambria Math" panose="02040503050406030204" pitchFamily="18" charset="0"/>
+                          <a:ea typeface="Cambria Math"/>
+                        </a:rPr>
+                        <m:t>=</m:t>
+                      </m:r>
+                      <m:f>
+                        <m:fPr>
+                          <m:ctrlPr>
+                            <a:rPr lang="en-US" i="1">
+                              <a:latin typeface="Cambria Math" panose="02040503050406030204" pitchFamily="18" charset="0"/>
+                            </a:rPr>
+                          </m:ctrlPr>
+                        </m:fPr>
+                        <m:num>
+                          <m:r>
+                            <a:rPr lang="en-US" b="0" i="1" smtClean="0">
+                              <a:latin typeface="Cambria Math" panose="02040503050406030204" pitchFamily="18" charset="0"/>
+                            </a:rPr>
+                            <m:t>𝑀</m:t>
+                          </m:r>
                           <m:r>
                             <a:rPr lang="en-US" i="1">
                               <a:latin typeface="Cambria Math" panose="02040503050406030204" pitchFamily="18" charset="0"/>
                             </a:rPr>
-                            <m:t>𝑡𝐶</m:t>
+                            <m:t>∗</m:t>
                           </m:r>
                           <m:r>
-                            <a:rPr lang="en-US" b="0" i="1" smtClean="0">
+                            <a:rPr lang="en-US" i="1" smtClean="0">
                               <a:latin typeface="Cambria Math" panose="02040503050406030204" pitchFamily="18" charset="0"/>
+                              <a:ea typeface="Cambria Math" panose="02040503050406030204" pitchFamily="18" charset="0"/>
                             </a:rPr>
-                            <m:t>𝑖</m:t>
+                            <m:t>∆</m:t>
                           </m:r>
-                        </m:sub>
-                      </m:sSub>
+                          <m:r>
+                            <a:rPr lang="en-US" i="1" smtClean="0">
+                              <a:latin typeface="Cambria Math" panose="02040503050406030204" pitchFamily="18" charset="0"/>
+                              <a:ea typeface="Cambria Math" panose="02040503050406030204" pitchFamily="18" charset="0"/>
+                            </a:rPr>
+                            <m:t>𝜃</m:t>
+                          </m:r>
+                        </m:num>
+                        <m:den>
+                          <m:r>
+                            <a:rPr lang="en-US" i="1">
+                              <a:latin typeface="Cambria Math"/>
+                              <a:ea typeface="Cambria Math"/>
+                            </a:rPr>
+                            <m:t>𝑡</m:t>
+                          </m:r>
+                        </m:den>
+                      </m:f>
+                      <m:r>
+                        <a:rPr lang="en-US" i="1">
+                          <a:latin typeface="Cambria Math" panose="02040503050406030204" pitchFamily="18" charset="0"/>
+                          <a:ea typeface="Cambria Math"/>
+                        </a:rPr>
+                        <m:t>=</m:t>
+                      </m:r>
+                      <m:r>
+                        <a:rPr lang="en-US" b="0" i="1" smtClean="0">
+                          <a:latin typeface="Cambria Math" panose="02040503050406030204" pitchFamily="18" charset="0"/>
+                          <a:ea typeface="Cambria Math"/>
+                        </a:rPr>
+                        <m:t>𝑀</m:t>
+                      </m:r>
+                      <m:r>
+                        <a:rPr lang="en-US" i="1">
+                          <a:latin typeface="Cambria Math" panose="02040503050406030204" pitchFamily="18" charset="0"/>
+                          <a:ea typeface="Cambria Math"/>
+                        </a:rPr>
+                        <m:t>∗</m:t>
+                      </m:r>
+                      <m:r>
+                        <a:rPr lang="en-US" i="1" smtClean="0">
+                          <a:latin typeface="Cambria Math" panose="02040503050406030204" pitchFamily="18" charset="0"/>
+                          <a:ea typeface="Cambria Math" panose="02040503050406030204" pitchFamily="18" charset="0"/>
+                        </a:rPr>
+                        <m:t>𝜔</m:t>
+                      </m:r>
                     </m:oMath>
                   </m:oMathPara>
                 </a14:m>
-                <a:endParaRPr lang="en-US" dirty="0"/>
-              </a:p>
-              <a:p>
                 <a:endParaRPr lang="en-US" dirty="0"/>
               </a:p>
             </p:txBody>
@@ -5232,7 +5570,7 @@
               <p:cNvPr id="3" name="Content Placeholder 2">
                 <a:extLst>
                   <a:ext uri="{FF2B5EF4-FFF2-40B4-BE49-F238E27FC236}">
-                    <a16:creationId xmlns:a16="http://schemas.microsoft.com/office/drawing/2014/main" id="{0733E3D0-D68F-440F-BA6F-B73521BC8944}"/>
+                    <a16:creationId xmlns:a16="http://schemas.microsoft.com/office/drawing/2014/main" id="{3063C4C6-82CF-4CA3-8EB8-F5178B37CEB6}"/>
                   </a:ext>
                 </a:extLst>
               </p:cNvPr>
@@ -5244,14 +5582,322 @@
               </p:nvPr>
             </p:nvSpPr>
             <p:spPr>
-              <a:xfrm>
-                <a:off x="457200" y="1600200"/>
-                <a:ext cx="4343400" cy="4983162"/>
-              </a:xfrm>
               <a:blipFill>
                 <a:blip r:embed="rId2"/>
                 <a:stretch>
-                  <a:fillRect l="-2805" t="-1469" r="-3787"/>
+                  <a:fillRect l="-1704" t="-1752"/>
+                </a:stretch>
+              </a:blipFill>
+            </p:spPr>
+            <p:txBody>
+              <a:bodyPr/>
+              <a:lstStyle/>
+              <a:p>
+                <a:r>
+                  <a:rPr lang="en-US">
+                    <a:noFill/>
+                  </a:rPr>
+                  <a:t> </a:t>
+                </a:r>
+              </a:p>
+            </p:txBody>
+          </p:sp>
+        </mc:Fallback>
+      </mc:AlternateContent>
+    </p:spTree>
+    <p:extLst>
+      <p:ext uri="{BB962C8B-B14F-4D97-AF65-F5344CB8AC3E}">
+        <p14:creationId xmlns:p14="http://schemas.microsoft.com/office/powerpoint/2010/main" val="3687196904"/>
+      </p:ext>
+    </p:extLst>
+  </p:cSld>
+  <p:clrMapOvr>
+    <a:masterClrMapping/>
+  </p:clrMapOvr>
+</p:sld>
+</file>
+
+<file path=ppt/slides/slide6.xml><?xml version="1.0" encoding="utf-8"?>
+<p:sld xmlns:a="http://schemas.openxmlformats.org/drawingml/2006/main" xmlns:r="http://schemas.openxmlformats.org/officeDocument/2006/relationships" xmlns:p="http://schemas.openxmlformats.org/presentationml/2006/main">
+  <p:cSld>
+    <p:spTree>
+      <p:nvGrpSpPr>
+        <p:cNvPr id="1" name=""/>
+        <p:cNvGrpSpPr/>
+        <p:nvPr/>
+      </p:nvGrpSpPr>
+      <p:grpSpPr>
+        <a:xfrm>
+          <a:off x="0" y="0"/>
+          <a:ext cx="0" cy="0"/>
+          <a:chOff x="0" y="0"/>
+          <a:chExt cx="0" cy="0"/>
+        </a:xfrm>
+      </p:grpSpPr>
+      <p:sp>
+        <p:nvSpPr>
+          <p:cNvPr id="2" name="Title 1"/>
+          <p:cNvSpPr>
+            <a:spLocks noGrp="1"/>
+          </p:cNvSpPr>
+          <p:nvPr>
+            <p:ph type="title"/>
+          </p:nvPr>
+        </p:nvSpPr>
+        <p:spPr/>
+        <p:txBody>
+          <a:bodyPr/>
+          <a:lstStyle/>
+          <a:p>
+            <a:r>
+              <a:rPr lang="en-US" dirty="0"/>
+              <a:t>Power Units</a:t>
+            </a:r>
+          </a:p>
+        </p:txBody>
+      </p:sp>
+      <mc:AlternateContent xmlns:mc="http://schemas.openxmlformats.org/markup-compatibility/2006" xmlns:a14="http://schemas.microsoft.com/office/drawing/2010/main">
+        <mc:Choice Requires="a14">
+          <p:sp>
+            <p:nvSpPr>
+              <p:cNvPr id="3" name="Content Placeholder 2"/>
+              <p:cNvSpPr>
+                <a:spLocks noGrp="1"/>
+              </p:cNvSpPr>
+              <p:nvPr>
+                <p:ph idx="1"/>
+              </p:nvPr>
+            </p:nvSpPr>
+            <p:spPr/>
+            <p:txBody>
+              <a:bodyPr/>
+              <a:lstStyle/>
+              <a:p>
+                <a:r>
+                  <a:rPr lang="en-US" dirty="0"/>
+                  <a:t>The units of power generally are a unit force times a unit distance per unit time.</a:t>
+                </a:r>
+              </a:p>
+              <a:p>
+                <a:r>
+                  <a:rPr lang="en-US" dirty="0"/>
+                  <a:t>In the metric system...</a:t>
+                </a:r>
+              </a:p>
+              <a:p>
+                <a:pPr marL="457200" lvl="1" indent="0">
+                  <a:buNone/>
+                </a:pPr>
+                <a14:m>
+                  <m:oMathPara xmlns:m="http://schemas.openxmlformats.org/officeDocument/2006/math">
+                    <m:oMathParaPr>
+                      <m:jc m:val="centerGroup"/>
+                    </m:oMathParaPr>
+                    <m:oMath xmlns:m="http://schemas.openxmlformats.org/officeDocument/2006/math">
+                      <m:r>
+                        <a:rPr lang="en-US" b="0" i="1" smtClean="0">
+                          <a:latin typeface="Cambria Math"/>
+                        </a:rPr>
+                        <m:t>𝑊𝑎𝑡𝑡</m:t>
+                      </m:r>
+                      <m:r>
+                        <a:rPr lang="en-US" b="0" i="1" smtClean="0">
+                          <a:latin typeface="Cambria Math"/>
+                        </a:rPr>
+                        <m:t>=</m:t>
+                      </m:r>
+                      <m:r>
+                        <a:rPr lang="en-US" b="0" i="1" smtClean="0">
+                          <a:latin typeface="Cambria Math"/>
+                        </a:rPr>
+                        <m:t>𝑊</m:t>
+                      </m:r>
+                      <m:r>
+                        <a:rPr lang="en-US" b="0" i="1" smtClean="0">
+                          <a:latin typeface="Cambria Math"/>
+                        </a:rPr>
+                        <m:t>=1</m:t>
+                      </m:r>
+                      <m:f>
+                        <m:fPr>
+                          <m:ctrlPr>
+                            <a:rPr lang="en-US" b="0" i="1" smtClean="0">
+                              <a:latin typeface="Cambria Math" panose="02040503050406030204" pitchFamily="18" charset="0"/>
+                            </a:rPr>
+                          </m:ctrlPr>
+                        </m:fPr>
+                        <m:num>
+                          <m:r>
+                            <a:rPr lang="en-US" b="0" i="1" smtClean="0">
+                              <a:latin typeface="Cambria Math"/>
+                            </a:rPr>
+                            <m:t>𝐽</m:t>
+                          </m:r>
+                        </m:num>
+                        <m:den>
+                          <m:r>
+                            <a:rPr lang="en-US" b="0" i="1" smtClean="0">
+                              <a:latin typeface="Cambria Math"/>
+                            </a:rPr>
+                            <m:t>𝑠</m:t>
+                          </m:r>
+                        </m:den>
+                      </m:f>
+                      <m:r>
+                        <a:rPr lang="en-US" b="0" i="1" smtClean="0">
+                          <a:latin typeface="Cambria Math"/>
+                        </a:rPr>
+                        <m:t>=1</m:t>
+                      </m:r>
+                      <m:f>
+                        <m:fPr>
+                          <m:ctrlPr>
+                            <a:rPr lang="en-US" b="0" i="1" smtClean="0">
+                              <a:latin typeface="Cambria Math" panose="02040503050406030204" pitchFamily="18" charset="0"/>
+                            </a:rPr>
+                          </m:ctrlPr>
+                        </m:fPr>
+                        <m:num>
+                          <m:r>
+                            <a:rPr lang="en-US" b="0" i="1" smtClean="0">
+                              <a:latin typeface="Cambria Math"/>
+                            </a:rPr>
+                            <m:t>𝑁𝑚</m:t>
+                          </m:r>
+                        </m:num>
+                        <m:den>
+                          <m:r>
+                            <a:rPr lang="en-US" b="0" i="1" smtClean="0">
+                              <a:latin typeface="Cambria Math"/>
+                            </a:rPr>
+                            <m:t>𝑠</m:t>
+                          </m:r>
+                        </m:den>
+                      </m:f>
+                    </m:oMath>
+                  </m:oMathPara>
+                </a14:m>
+                <a:endParaRPr lang="en-US" dirty="0"/>
+              </a:p>
+              <a:p>
+                <a:r>
+                  <a:rPr lang="en-US" dirty="0"/>
+                  <a:t>In the English system...</a:t>
+                </a:r>
+              </a:p>
+              <a:p>
+                <a:pPr marL="457200" lvl="1" indent="0">
+                  <a:buNone/>
+                </a:pPr>
+                <a14:m>
+                  <m:oMathPara xmlns:m="http://schemas.openxmlformats.org/officeDocument/2006/math">
+                    <m:oMathParaPr>
+                      <m:jc m:val="centerGroup"/>
+                    </m:oMathParaPr>
+                    <m:oMath xmlns:m="http://schemas.openxmlformats.org/officeDocument/2006/math">
+                      <m:r>
+                        <a:rPr lang="en-US" b="0" i="1" smtClean="0">
+                          <a:latin typeface="Cambria Math"/>
+                        </a:rPr>
+                        <m:t>𝐻𝑜𝑟𝑠𝑒𝑝𝑜𝑤𝑒𝑟</m:t>
+                      </m:r>
+                      <m:r>
+                        <a:rPr lang="en-US" i="1">
+                          <a:latin typeface="Cambria Math"/>
+                        </a:rPr>
+                        <m:t>=</m:t>
+                      </m:r>
+                      <m:r>
+                        <a:rPr lang="en-US" b="0" i="1" smtClean="0">
+                          <a:latin typeface="Cambria Math"/>
+                        </a:rPr>
+                        <m:t>h𝑝</m:t>
+                      </m:r>
+                      <m:r>
+                        <a:rPr lang="en-US" i="1">
+                          <a:latin typeface="Cambria Math"/>
+                        </a:rPr>
+                        <m:t>=</m:t>
+                      </m:r>
+                      <m:r>
+                        <a:rPr lang="en-US" b="0" i="1" smtClean="0">
+                          <a:latin typeface="Cambria Math"/>
+                        </a:rPr>
+                        <m:t>550</m:t>
+                      </m:r>
+                      <m:f>
+                        <m:fPr>
+                          <m:ctrlPr>
+                            <a:rPr lang="en-US" i="1">
+                              <a:latin typeface="Cambria Math" panose="02040503050406030204" pitchFamily="18" charset="0"/>
+                            </a:rPr>
+                          </m:ctrlPr>
+                        </m:fPr>
+                        <m:num>
+                          <m:r>
+                            <a:rPr lang="en-US" b="0" i="1" smtClean="0">
+                              <a:latin typeface="Cambria Math"/>
+                            </a:rPr>
+                            <m:t>𝑓𝑡</m:t>
+                          </m:r>
+                          <m:r>
+                            <a:rPr lang="en-US" b="0" i="1" smtClean="0">
+                              <a:latin typeface="Cambria Math"/>
+                            </a:rPr>
+                            <m:t> </m:t>
+                          </m:r>
+                          <m:r>
+                            <a:rPr lang="en-US" b="0" i="1" smtClean="0">
+                              <a:latin typeface="Cambria Math"/>
+                            </a:rPr>
+                            <m:t>𝑙𝑏</m:t>
+                          </m:r>
+                        </m:num>
+                        <m:den>
+                          <m:r>
+                            <a:rPr lang="en-US" i="1">
+                              <a:latin typeface="Cambria Math"/>
+                            </a:rPr>
+                            <m:t>𝑠</m:t>
+                          </m:r>
+                        </m:den>
+                      </m:f>
+                    </m:oMath>
+                  </m:oMathPara>
+                </a14:m>
+                <a:endParaRPr lang="en-US" dirty="0"/>
+              </a:p>
+              <a:p>
+                <a:pPr marL="457200" lvl="1" indent="0">
+                  <a:buNone/>
+                </a:pPr>
+                <a:endParaRPr lang="en-US" dirty="0"/>
+              </a:p>
+              <a:p>
+                <a:pPr marL="457200" lvl="1" indent="0">
+                  <a:buNone/>
+                </a:pPr>
+                <a:endParaRPr lang="en-US" dirty="0"/>
+              </a:p>
+            </p:txBody>
+          </p:sp>
+        </mc:Choice>
+        <mc:Fallback xmlns="">
+          <p:sp>
+            <p:nvSpPr>
+              <p:cNvPr id="3" name="Content Placeholder 2"/>
+              <p:cNvSpPr>
+                <a:spLocks noGrp="1" noRot="1" noChangeAspect="1" noMove="1" noResize="1" noEditPoints="1" noAdjustHandles="1" noChangeArrowheads="1" noChangeShapeType="1" noTextEdit="1"/>
+              </p:cNvSpPr>
+              <p:nvPr>
+                <p:ph idx="1"/>
+              </p:nvPr>
+            </p:nvSpPr>
+            <p:spPr>
+              <a:blipFill rotWithShape="1">
+                <a:blip r:embed="rId2"/>
+                <a:stretch>
+                  <a:fillRect l="-1630" t="-1752"/>
                 </a:stretch>
               </a:blipFill>
             </p:spPr>
@@ -5272,13 +5918,7 @@
       </mc:AlternateContent>
       <p:sp>
         <p:nvSpPr>
-          <p:cNvPr id="4" name="Slide Number Placeholder 3">
-            <a:extLst>
-              <a:ext uri="{FF2B5EF4-FFF2-40B4-BE49-F238E27FC236}">
-                <a16:creationId xmlns:a16="http://schemas.microsoft.com/office/drawing/2014/main" id="{9BB3DA46-FC30-4BC3-BB3B-F0EA9E371B04}"/>
-              </a:ext>
-            </a:extLst>
-          </p:cNvPr>
+          <p:cNvPr id="4" name="Slide Number Placeholder 3"/>
           <p:cNvSpPr>
             <a:spLocks noGrp="1"/>
           </p:cNvSpPr>
@@ -5291,65 +5931,82 @@
           <a:bodyPr/>
           <a:lstStyle/>
           <a:p>
+            <a:pPr marL="0" marR="0" lvl="0" indent="0" algn="r" defTabSz="914400" rtl="0" eaLnBrk="1" fontAlgn="auto" latinLnBrk="0" hangingPunct="1">
+              <a:lnSpc>
+                <a:spcPct val="100000"/>
+              </a:lnSpc>
+              <a:spcBef>
+                <a:spcPts val="0"/>
+              </a:spcBef>
+              <a:spcAft>
+                <a:spcPts val="0"/>
+              </a:spcAft>
+              <a:buClrTx/>
+              <a:buSzTx/>
+              <a:buFontTx/>
+              <a:buNone/>
+              <a:tabLst/>
+              <a:defRPr/>
+            </a:pPr>
             <a:fld id="{929262FE-7F58-4A1E-8AF3-5A510A86DEBD}" type="slidenum">
-              <a:rPr lang="en-US" smtClean="0"/>
-              <a:t>5</a:t>
+              <a:rPr kumimoji="0" lang="en-US" sz="1200" b="0" i="0" u="none" strike="noStrike" kern="1200" cap="none" spc="0" normalizeH="0" baseline="0" noProof="0" smtClean="0">
+                <a:ln>
+                  <a:noFill/>
+                </a:ln>
+                <a:solidFill>
+                  <a:srgbClr val="4F81BD">
+                    <a:lumMod val="50000"/>
+                  </a:srgbClr>
+                </a:solidFill>
+                <a:effectLst/>
+                <a:uLnTx/>
+                <a:uFillTx/>
+                <a:latin typeface="Calibri"/>
+                <a:ea typeface="+mn-ea"/>
+                <a:cs typeface="+mn-cs"/>
+              </a:rPr>
+              <a:pPr marL="0" marR="0" lvl="0" indent="0" algn="r" defTabSz="914400" rtl="0" eaLnBrk="1" fontAlgn="auto" latinLnBrk="0" hangingPunct="1">
+                <a:lnSpc>
+                  <a:spcPct val="100000"/>
+                </a:lnSpc>
+                <a:spcBef>
+                  <a:spcPts val="0"/>
+                </a:spcBef>
+                <a:spcAft>
+                  <a:spcPts val="0"/>
+                </a:spcAft>
+                <a:buClrTx/>
+                <a:buSzTx/>
+                <a:buFontTx/>
+                <a:buNone/>
+                <a:tabLst/>
+                <a:defRPr/>
+              </a:pPr>
+              <a:t>6</a:t>
             </a:fld>
-            <a:endParaRPr lang="en-US" dirty="0"/>
+            <a:endParaRPr kumimoji="0" lang="en-US" sz="1200" b="0" i="0" u="none" strike="noStrike" kern="1200" cap="none" spc="0" normalizeH="0" baseline="0" noProof="0">
+              <a:ln>
+                <a:noFill/>
+              </a:ln>
+              <a:solidFill>
+                <a:srgbClr val="4F81BD">
+                  <a:lumMod val="50000"/>
+                </a:srgbClr>
+              </a:solidFill>
+              <a:effectLst/>
+              <a:uLnTx/>
+              <a:uFillTx/>
+              <a:latin typeface="Calibri"/>
+              <a:ea typeface="+mn-ea"/>
+              <a:cs typeface="+mn-cs"/>
+            </a:endParaRPr>
           </a:p>
         </p:txBody>
       </p:sp>
-      <p:pic>
-        <p:nvPicPr>
-          <p:cNvPr id="5" name="Picture 2" descr="A wrench dropped on a rigid floor">
-            <a:extLst>
-              <a:ext uri="{FF2B5EF4-FFF2-40B4-BE49-F238E27FC236}">
-                <a16:creationId xmlns:a16="http://schemas.microsoft.com/office/drawing/2014/main" id="{C7C20865-EED8-468C-9F12-9F9A051A017F}"/>
-              </a:ext>
-            </a:extLst>
-          </p:cNvPr>
-          <p:cNvPicPr>
-            <a:picLocks noChangeAspect="1" noChangeArrowheads="1"/>
-          </p:cNvPicPr>
-          <p:nvPr/>
-        </p:nvPicPr>
-        <p:blipFill>
-          <a:blip r:embed="rId3">
-            <a:extLst>
-              <a:ext uri="{28A0092B-C50C-407E-A947-70E740481C1C}">
-                <a14:useLocalDpi xmlns:a14="http://schemas.microsoft.com/office/drawing/2010/main" val="0"/>
-              </a:ext>
-            </a:extLst>
-          </a:blip>
-          <a:srcRect/>
-          <a:stretch>
-            <a:fillRect/>
-          </a:stretch>
-        </p:blipFill>
-        <p:spPr bwMode="auto">
-          <a:xfrm>
-            <a:off x="4933950" y="2285999"/>
-            <a:ext cx="3714750" cy="2790825"/>
-          </a:xfrm>
-          <a:prstGeom prst="rect">
-            <a:avLst/>
-          </a:prstGeom>
-          <a:noFill/>
-          <a:extLst>
-            <a:ext uri="{909E8E84-426E-40DD-AFC4-6F175D3DCCD1}">
-              <a14:hiddenFill xmlns:a14="http://schemas.microsoft.com/office/drawing/2010/main">
-                <a:solidFill>
-                  <a:srgbClr val="FFFFFF"/>
-                </a:solidFill>
-              </a14:hiddenFill>
-            </a:ext>
-          </a:extLst>
-        </p:spPr>
-      </p:pic>
     </p:spTree>
     <p:extLst>
       <p:ext uri="{BB962C8B-B14F-4D97-AF65-F5344CB8AC3E}">
-        <p14:creationId xmlns:p14="http://schemas.microsoft.com/office/powerpoint/2010/main" val="2291282680"/>
+        <p14:creationId xmlns:p14="http://schemas.microsoft.com/office/powerpoint/2010/main" val="1837511580"/>
       </p:ext>
     </p:extLst>
   </p:cSld>
@@ -5456,33 +6113,15 @@
                                   </p:childTnLst>
                                 </p:cTn>
                               </p:par>
-                            </p:childTnLst>
-                          </p:cTn>
-                        </p:par>
-                      </p:childTnLst>
-                    </p:cTn>
-                  </p:par>
-                  <p:par>
-                    <p:cTn id="11" fill="hold">
-                      <p:stCondLst>
-                        <p:cond delay="indefinite"/>
-                      </p:stCondLst>
-                      <p:childTnLst>
-                        <p:par>
-                          <p:cTn id="12" fill="hold">
-                            <p:stCondLst>
-                              <p:cond delay="0"/>
-                            </p:stCondLst>
-                            <p:childTnLst>
                               <p:par>
-                                <p:cTn id="13" presetID="1" presetClass="entr" presetSubtype="0" fill="hold" grpId="0" nodeType="clickEffect">
+                                <p:cTn id="11" presetID="1" presetClass="entr" presetSubtype="0" fill="hold" grpId="0" nodeType="withEffect">
                                   <p:stCondLst>
                                     <p:cond delay="0"/>
                                   </p:stCondLst>
                                   <p:childTnLst>
                                     <p:set>
                                       <p:cBhvr>
-                                        <p:cTn id="14" dur="1" fill="hold">
+                                        <p:cTn id="12" dur="1" fill="hold">
                                           <p:stCondLst>
                                             <p:cond delay="0"/>
                                           </p:stCondLst>
@@ -5491,6 +6130,86 @@
                                           <p:spTgt spid="3">
                                             <p:txEl>
                                               <p:pRg st="2" end="2"/>
+                                            </p:txEl>
+                                          </p:spTgt>
+                                        </p:tgtEl>
+                                        <p:attrNameLst>
+                                          <p:attrName>style.visibility</p:attrName>
+                                        </p:attrNameLst>
+                                      </p:cBhvr>
+                                      <p:to>
+                                        <p:strVal val="visible"/>
+                                      </p:to>
+                                    </p:set>
+                                  </p:childTnLst>
+                                </p:cTn>
+                              </p:par>
+                            </p:childTnLst>
+                          </p:cTn>
+                        </p:par>
+                      </p:childTnLst>
+                    </p:cTn>
+                  </p:par>
+                  <p:par>
+                    <p:cTn id="13" fill="hold">
+                      <p:stCondLst>
+                        <p:cond delay="indefinite"/>
+                      </p:stCondLst>
+                      <p:childTnLst>
+                        <p:par>
+                          <p:cTn id="14" fill="hold">
+                            <p:stCondLst>
+                              <p:cond delay="0"/>
+                            </p:stCondLst>
+                            <p:childTnLst>
+                              <p:par>
+                                <p:cTn id="15" presetID="1" presetClass="entr" presetSubtype="0" fill="hold" grpId="0" nodeType="clickEffect">
+                                  <p:stCondLst>
+                                    <p:cond delay="0"/>
+                                  </p:stCondLst>
+                                  <p:childTnLst>
+                                    <p:set>
+                                      <p:cBhvr>
+                                        <p:cTn id="16" dur="1" fill="hold">
+                                          <p:stCondLst>
+                                            <p:cond delay="0"/>
+                                          </p:stCondLst>
+                                        </p:cTn>
+                                        <p:tgtEl>
+                                          <p:spTgt spid="3">
+                                            <p:txEl>
+                                              <p:pRg st="3" end="3"/>
+                                            </p:txEl>
+                                          </p:spTgt>
+                                        </p:tgtEl>
+                                        <p:attrNameLst>
+                                          <p:attrName>style.visibility</p:attrName>
+                                        </p:attrNameLst>
+                                      </p:cBhvr>
+                                      <p:to>
+                                        <p:strVal val="visible"/>
+                                      </p:to>
+                                    </p:set>
+                                  </p:childTnLst>
+                                </p:cTn>
+                              </p:par>
+                              <p:par>
+                                <p:cTn id="17" presetID="1" presetClass="entr" presetSubtype="0" fill="hold" grpId="0" nodeType="withEffect">
+                                  <p:stCondLst>
+                                    <p:cond delay="0"/>
+                                  </p:stCondLst>
+                                  <p:childTnLst>
+                                    <p:set>
+                                      <p:cBhvr>
+                                        <p:cTn id="18" dur="1" fill="hold">
+                                          <p:stCondLst>
+                                            <p:cond delay="0"/>
+                                          </p:stCondLst>
+                                        </p:cTn>
+                                        <p:tgtEl>
+                                          <p:spTgt spid="3">
+                                            <p:txEl>
+                                              <p:pRg st="4" end="4"/>
                                             </p:txEl>
                                           </p:spTgt>
                                         </p:tgtEl>
@@ -5539,7 +6258,7 @@
 </p:sld>
 </file>
 
-<file path=ppt/slides/slide6.xml><?xml version="1.0" encoding="utf-8"?>
+<file path=ppt/slides/slide7.xml><?xml version="1.0" encoding="utf-8"?>
 <p:sld xmlns:a="http://schemas.openxmlformats.org/drawingml/2006/main" xmlns:r="http://schemas.openxmlformats.org/officeDocument/2006/relationships" xmlns:p="http://schemas.openxmlformats.org/presentationml/2006/main">
   <p:cSld>
     <p:spTree>
@@ -5561,7 +6280,7 @@
           <p:cNvPr id="2" name="Title 1">
             <a:extLst>
               <a:ext uri="{FF2B5EF4-FFF2-40B4-BE49-F238E27FC236}">
-                <a16:creationId xmlns:a16="http://schemas.microsoft.com/office/drawing/2014/main" id="{4B7AD62A-3DBD-4452-8625-6F2CFEAA90EA}"/>
+                <a16:creationId xmlns:a16="http://schemas.microsoft.com/office/drawing/2014/main" id="{581FC503-7226-4E3F-BEC1-1427D1C4F6B2}"/>
               </a:ext>
             </a:extLst>
           </p:cNvPr>
@@ -5579,230 +6298,17 @@
           <a:p>
             <a:r>
               <a:rPr lang="en-US" dirty="0"/>
-              <a:t>Rigid Body Surface Collisions</a:t>
+              <a:t>Power Transmission</a:t>
             </a:r>
           </a:p>
         </p:txBody>
       </p:sp>
-      <mc:AlternateContent xmlns:mc="http://schemas.openxmlformats.org/markup-compatibility/2006" xmlns:a14="http://schemas.microsoft.com/office/drawing/2010/main">
-        <mc:Choice Requires="a14">
-          <p:sp>
-            <p:nvSpPr>
-              <p:cNvPr id="3" name="Content Placeholder 2">
-                <a:extLst>
-                  <a:ext uri="{FF2B5EF4-FFF2-40B4-BE49-F238E27FC236}">
-                    <a16:creationId xmlns:a16="http://schemas.microsoft.com/office/drawing/2014/main" id="{0733E3D0-D68F-440F-BA6F-B73521BC8944}"/>
-                  </a:ext>
-                </a:extLst>
-              </p:cNvPr>
-              <p:cNvSpPr>
-                <a:spLocks noGrp="1"/>
-              </p:cNvSpPr>
-              <p:nvPr>
-                <p:ph idx="1"/>
-              </p:nvPr>
-            </p:nvSpPr>
-            <p:spPr>
-              <a:xfrm>
-                <a:off x="457200" y="1600200"/>
-                <a:ext cx="4343400" cy="4983162"/>
-              </a:xfrm>
-            </p:spPr>
-            <p:txBody>
-              <a:bodyPr>
-                <a:normAutofit/>
-              </a:bodyPr>
-              <a:lstStyle/>
-              <a:p>
-                <a:r>
-                  <a:rPr lang="en-US" dirty="0"/>
-                  <a:t>Next, the coefficient of restitution can be applied in the normal direction.</a:t>
-                </a:r>
-              </a:p>
-              <a:p>
-                <a:r>
-                  <a:rPr lang="en-US" dirty="0"/>
-                  <a:t>This is applied at the </a:t>
-                </a:r>
-                <a:r>
-                  <a:rPr lang="en-US" b="1" dirty="0"/>
-                  <a:t>point of impact</a:t>
-                </a:r>
-                <a:r>
-                  <a:rPr lang="en-US" dirty="0"/>
-                  <a:t> on the body.</a:t>
-                </a:r>
-              </a:p>
-              <a:p>
-                <a:pPr marL="0" indent="0">
-                  <a:buNone/>
-                </a:pPr>
-                <a14:m>
-                  <m:oMathPara xmlns:m="http://schemas.openxmlformats.org/officeDocument/2006/math">
-                    <m:oMathParaPr>
-                      <m:jc m:val="centerGroup"/>
-                    </m:oMathParaPr>
-                    <m:oMath xmlns:m="http://schemas.openxmlformats.org/officeDocument/2006/math">
-                      <m:r>
-                        <a:rPr lang="en-US" i="1">
-                          <a:latin typeface="Cambria Math"/>
-                        </a:rPr>
-                        <m:t>𝑒</m:t>
-                      </m:r>
-                      <m:r>
-                        <a:rPr lang="en-US" i="1">
-                          <a:latin typeface="Cambria Math"/>
-                        </a:rPr>
-                        <m:t>=−</m:t>
-                      </m:r>
-                      <m:f>
-                        <m:fPr>
-                          <m:ctrlPr>
-                            <a:rPr lang="en-US" i="1">
-                              <a:latin typeface="Cambria Math" panose="02040503050406030204" pitchFamily="18" charset="0"/>
-                            </a:rPr>
-                          </m:ctrlPr>
-                        </m:fPr>
-                        <m:num>
-                          <m:sSub>
-                            <m:sSubPr>
-                              <m:ctrlPr>
-                                <a:rPr lang="en-US" i="1">
-                                  <a:latin typeface="Cambria Math" panose="02040503050406030204" pitchFamily="18" charset="0"/>
-                                </a:rPr>
-                              </m:ctrlPr>
-                            </m:sSubPr>
-                            <m:e>
-                              <m:r>
-                                <a:rPr lang="en-US" i="1">
-                                  <a:latin typeface="Cambria Math"/>
-                                </a:rPr>
-                                <m:t>𝑣</m:t>
-                              </m:r>
-                            </m:e>
-                            <m:sub>
-                              <m:r>
-                                <a:rPr lang="en-US" i="1">
-                                  <a:latin typeface="Cambria Math" panose="02040503050406030204" pitchFamily="18" charset="0"/>
-                                </a:rPr>
-                                <m:t>𝑛</m:t>
-                              </m:r>
-                              <m:r>
-                                <a:rPr lang="en-US" b="0" i="1" smtClean="0">
-                                  <a:latin typeface="Cambria Math" panose="02040503050406030204" pitchFamily="18" charset="0"/>
-                                </a:rPr>
-                                <m:t>𝐴</m:t>
-                              </m:r>
-                              <m:r>
-                                <a:rPr lang="en-US" i="1">
-                                  <a:latin typeface="Cambria Math"/>
-                                </a:rPr>
-                                <m:t>𝑓</m:t>
-                              </m:r>
-                            </m:sub>
-                          </m:sSub>
-                        </m:num>
-                        <m:den>
-                          <m:sSub>
-                            <m:sSubPr>
-                              <m:ctrlPr>
-                                <a:rPr lang="en-US" i="1">
-                                  <a:latin typeface="Cambria Math" panose="02040503050406030204" pitchFamily="18" charset="0"/>
-                                </a:rPr>
-                              </m:ctrlPr>
-                            </m:sSubPr>
-                            <m:e>
-                              <m:r>
-                                <a:rPr lang="en-US" i="1">
-                                  <a:latin typeface="Cambria Math"/>
-                                </a:rPr>
-                                <m:t>𝑣</m:t>
-                              </m:r>
-                            </m:e>
-                            <m:sub>
-                              <m:r>
-                                <a:rPr lang="en-US" i="1">
-                                  <a:latin typeface="Cambria Math" panose="02040503050406030204" pitchFamily="18" charset="0"/>
-                                </a:rPr>
-                                <m:t>𝑛</m:t>
-                              </m:r>
-                              <m:r>
-                                <a:rPr lang="en-US" b="0" i="1" smtClean="0">
-                                  <a:latin typeface="Cambria Math" panose="02040503050406030204" pitchFamily="18" charset="0"/>
-                                </a:rPr>
-                                <m:t>𝐴</m:t>
-                              </m:r>
-                              <m:r>
-                                <a:rPr lang="en-US" i="1">
-                                  <a:latin typeface="Cambria Math"/>
-                                </a:rPr>
-                                <m:t>𝑖</m:t>
-                              </m:r>
-                            </m:sub>
-                          </m:sSub>
-                        </m:den>
-                      </m:f>
-                    </m:oMath>
-                  </m:oMathPara>
-                </a14:m>
-                <a:endParaRPr lang="en-US" dirty="0"/>
-              </a:p>
-              <a:p>
-                <a:endParaRPr lang="en-US" dirty="0"/>
-              </a:p>
-            </p:txBody>
-          </p:sp>
-        </mc:Choice>
-        <mc:Fallback xmlns="">
-          <p:sp>
-            <p:nvSpPr>
-              <p:cNvPr id="3" name="Content Placeholder 2">
-                <a:extLst>
-                  <a:ext uri="{FF2B5EF4-FFF2-40B4-BE49-F238E27FC236}">
-                    <a16:creationId xmlns:a16="http://schemas.microsoft.com/office/drawing/2014/main" id="{0733E3D0-D68F-440F-BA6F-B73521BC8944}"/>
-                  </a:ext>
-                </a:extLst>
-              </p:cNvPr>
-              <p:cNvSpPr>
-                <a:spLocks noGrp="1" noRot="1" noChangeAspect="1" noMove="1" noResize="1" noEditPoints="1" noAdjustHandles="1" noChangeArrowheads="1" noChangeShapeType="1" noTextEdit="1"/>
-              </p:cNvSpPr>
-              <p:nvPr>
-                <p:ph idx="1"/>
-              </p:nvPr>
-            </p:nvSpPr>
-            <p:spPr>
-              <a:xfrm>
-                <a:off x="457200" y="1600200"/>
-                <a:ext cx="4343400" cy="4983162"/>
-              </a:xfrm>
-              <a:blipFill>
-                <a:blip r:embed="rId2"/>
-                <a:stretch>
-                  <a:fillRect l="-3226" t="-1591" r="-4488"/>
-                </a:stretch>
-              </a:blipFill>
-            </p:spPr>
-            <p:txBody>
-              <a:bodyPr/>
-              <a:lstStyle/>
-              <a:p>
-                <a:r>
-                  <a:rPr lang="en-US">
-                    <a:noFill/>
-                  </a:rPr>
-                  <a:t> </a:t>
-                </a:r>
-              </a:p>
-            </p:txBody>
-          </p:sp>
-        </mc:Fallback>
-      </mc:AlternateContent>
       <p:sp>
         <p:nvSpPr>
-          <p:cNvPr id="4" name="Slide Number Placeholder 3">
+          <p:cNvPr id="3" name="Content Placeholder 2">
             <a:extLst>
               <a:ext uri="{FF2B5EF4-FFF2-40B4-BE49-F238E27FC236}">
-                <a16:creationId xmlns:a16="http://schemas.microsoft.com/office/drawing/2014/main" id="{9BB3DA46-FC30-4BC3-BB3B-F0EA9E371B04}"/>
+                <a16:creationId xmlns:a16="http://schemas.microsoft.com/office/drawing/2014/main" id="{2D8A053F-1BAE-4253-B8B3-97FC9D379EC6}"/>
               </a:ext>
             </a:extLst>
           </p:cNvPr>
@@ -5810,28 +6316,55 @@
             <a:spLocks noGrp="1"/>
           </p:cNvSpPr>
           <p:nvPr>
-            <p:ph type="sldNum" sz="quarter" idx="12"/>
+            <p:ph idx="1"/>
           </p:nvPr>
         </p:nvSpPr>
-        <p:spPr/>
+        <p:spPr>
+          <a:xfrm>
+            <a:off x="457200" y="1600200"/>
+            <a:ext cx="4343400" cy="4525963"/>
+          </a:xfrm>
+        </p:spPr>
         <p:txBody>
-          <a:bodyPr/>
+          <a:bodyPr>
+            <a:normAutofit fontScale="70000" lnSpcReduction="20000"/>
+          </a:bodyPr>
           <a:lstStyle/>
           <a:p>
-            <a:fld id="{929262FE-7F58-4A1E-8AF3-5A510A86DEBD}" type="slidenum">
-              <a:rPr lang="en-US" smtClean="0"/>
-              <a:t>6</a:t>
-            </a:fld>
-            <a:endParaRPr lang="en-US" dirty="0"/>
+            <a:r>
+              <a:rPr lang="en-US" dirty="0"/>
+              <a:t>Engineers will frequently need to transfer work or power from one location to another in a system. A common method for doing this is a combination of shafts, pulleys, and gear trains.</a:t>
+            </a:r>
+          </a:p>
+          <a:p>
+            <a:pPr lvl="1"/>
+            <a:r>
+              <a:rPr lang="en-US" dirty="0"/>
+              <a:t>Measuring the angular velocity and torque in a shaft lets us easily identify the power being transferred</a:t>
+            </a:r>
+          </a:p>
+          <a:p>
+            <a:r>
+              <a:rPr lang="en-US" dirty="0"/>
+              <a:t>While belts and pulleys, along with gear trains will alter the torques and angular velocities, the </a:t>
+            </a:r>
+            <a:r>
+              <a:rPr lang="en-US" b="1" dirty="0"/>
+              <a:t>overall power will remain the same</a:t>
+            </a:r>
+            <a:r>
+              <a:rPr lang="en-US" dirty="0"/>
+              <a:t> throughout the system, at least ignoring friction losses.</a:t>
+            </a:r>
           </a:p>
         </p:txBody>
       </p:sp>
       <p:pic>
         <p:nvPicPr>
-          <p:cNvPr id="5" name="Picture 2" descr="A wrench dropped on a rigid floor">
+          <p:cNvPr id="1026" name="Picture 2" descr="A drive shaft in a mill">
             <a:extLst>
               <a:ext uri="{FF2B5EF4-FFF2-40B4-BE49-F238E27FC236}">
-                <a16:creationId xmlns:a16="http://schemas.microsoft.com/office/drawing/2014/main" id="{C7C20865-EED8-468C-9F12-9F9A051A017F}"/>
+                <a16:creationId xmlns:a16="http://schemas.microsoft.com/office/drawing/2014/main" id="{066703EC-1B64-45F3-A709-0CB06235D677}"/>
               </a:ext>
             </a:extLst>
           </p:cNvPr>
@@ -5841,7 +6374,7 @@
           <p:nvPr/>
         </p:nvPicPr>
         <p:blipFill>
-          <a:blip r:embed="rId3">
+          <a:blip r:embed="rId2">
             <a:extLst>
               <a:ext uri="{28A0092B-C50C-407E-A947-70E740481C1C}">
                 <a14:useLocalDpi xmlns:a14="http://schemas.microsoft.com/office/drawing/2010/main" val="0"/>
@@ -5855,8 +6388,8 @@
         </p:blipFill>
         <p:spPr bwMode="auto">
           <a:xfrm>
-            <a:off x="4933950" y="2285999"/>
-            <a:ext cx="3714750" cy="2790825"/>
+            <a:off x="5638800" y="1458113"/>
+            <a:ext cx="2801917" cy="2101438"/>
           </a:xfrm>
           <a:prstGeom prst="rect">
             <a:avLst/>
@@ -5873,10 +6406,135 @@
           </a:extLst>
         </p:spPr>
       </p:pic>
+      <p:sp>
+        <p:nvSpPr>
+          <p:cNvPr id="4" name="TextBox 3">
+            <a:extLst>
+              <a:ext uri="{FF2B5EF4-FFF2-40B4-BE49-F238E27FC236}">
+                <a16:creationId xmlns:a16="http://schemas.microsoft.com/office/drawing/2014/main" id="{BBA4993B-337F-416B-BB9E-E639DF4ABDC6}"/>
+              </a:ext>
+            </a:extLst>
+          </p:cNvPr>
+          <p:cNvSpPr txBox="1"/>
+          <p:nvPr/>
+        </p:nvSpPr>
+        <p:spPr>
+          <a:xfrm>
+            <a:off x="5226793" y="3530976"/>
+            <a:ext cx="3625929" cy="369332"/>
+          </a:xfrm>
+          <a:prstGeom prst="rect">
+            <a:avLst/>
+          </a:prstGeom>
+          <a:noFill/>
+        </p:spPr>
+        <p:txBody>
+          <a:bodyPr wrap="none" rtlCol="0">
+            <a:spAutoFit/>
+          </a:bodyPr>
+          <a:lstStyle/>
+          <a:p>
+            <a:r>
+              <a:rPr lang="en-US" dirty="0"/>
+              <a:t>Image by Ian </a:t>
+            </a:r>
+            <a:r>
+              <a:rPr lang="en-US" dirty="0" err="1"/>
+              <a:t>Petticrew</a:t>
+            </a:r>
+            <a:r>
+              <a:rPr lang="en-US" dirty="0"/>
+              <a:t> CC-BY-SA 2.0 </a:t>
+            </a:r>
+          </a:p>
+        </p:txBody>
+      </p:sp>
+      <p:pic>
+        <p:nvPicPr>
+          <p:cNvPr id="1028" name="Picture 4">
+            <a:extLst>
+              <a:ext uri="{FF2B5EF4-FFF2-40B4-BE49-F238E27FC236}">
+                <a16:creationId xmlns:a16="http://schemas.microsoft.com/office/drawing/2014/main" id="{BC3F7308-1876-4F33-94B6-48BB1291A3A5}"/>
+              </a:ext>
+            </a:extLst>
+          </p:cNvPr>
+          <p:cNvPicPr>
+            <a:picLocks noChangeAspect="1" noChangeArrowheads="1"/>
+          </p:cNvPicPr>
+          <p:nvPr/>
+        </p:nvPicPr>
+        <p:blipFill>
+          <a:blip r:embed="rId3" cstate="print">
+            <a:extLst>
+              <a:ext uri="{28A0092B-C50C-407E-A947-70E740481C1C}">
+                <a14:useLocalDpi xmlns:a14="http://schemas.microsoft.com/office/drawing/2010/main" val="0"/>
+              </a:ext>
+            </a:extLst>
+          </a:blip>
+          <a:srcRect/>
+          <a:stretch>
+            <a:fillRect/>
+          </a:stretch>
+        </p:blipFill>
+        <p:spPr bwMode="auto">
+          <a:xfrm>
+            <a:off x="5497229" y="4038600"/>
+            <a:ext cx="3085055" cy="2313791"/>
+          </a:xfrm>
+          <a:prstGeom prst="rect">
+            <a:avLst/>
+          </a:prstGeom>
+          <a:noFill/>
+          <a:extLst>
+            <a:ext uri="{909E8E84-426E-40DD-AFC4-6F175D3DCCD1}">
+              <a14:hiddenFill xmlns:a14="http://schemas.microsoft.com/office/drawing/2010/main">
+                <a:solidFill>
+                  <a:srgbClr val="FFFFFF"/>
+                </a:solidFill>
+              </a14:hiddenFill>
+            </a:ext>
+          </a:extLst>
+        </p:spPr>
+      </p:pic>
+      <p:sp>
+        <p:nvSpPr>
+          <p:cNvPr id="7" name="TextBox 6">
+            <a:extLst>
+              <a:ext uri="{FF2B5EF4-FFF2-40B4-BE49-F238E27FC236}">
+                <a16:creationId xmlns:a16="http://schemas.microsoft.com/office/drawing/2014/main" id="{1F1BD99E-E4DA-42E2-AE6E-6531261E38D4}"/>
+              </a:ext>
+            </a:extLst>
+          </p:cNvPr>
+          <p:cNvSpPr txBox="1"/>
+          <p:nvPr/>
+        </p:nvSpPr>
+        <p:spPr>
+          <a:xfrm>
+            <a:off x="5334000" y="6306017"/>
+            <a:ext cx="3732560" cy="369332"/>
+          </a:xfrm>
+          <a:prstGeom prst="rect">
+            <a:avLst/>
+          </a:prstGeom>
+          <a:noFill/>
+        </p:spPr>
+        <p:txBody>
+          <a:bodyPr wrap="none" rtlCol="0">
+            <a:spAutoFit/>
+          </a:bodyPr>
+          <a:lstStyle/>
+          <a:p>
+            <a:r>
+              <a:rPr lang="en-US" dirty="0"/>
+              <a:t>Public Domain Image by Hatsukari715</a:t>
+            </a:r>
+          </a:p>
+        </p:txBody>
+      </p:sp>
     </p:spTree>
     <p:extLst>
       <p:ext uri="{BB962C8B-B14F-4D97-AF65-F5344CB8AC3E}">
-        <p14:creationId xmlns:p14="http://schemas.microsoft.com/office/powerpoint/2010/main" val="1684578502"/>
+        <p14:creationId xmlns:p14="http://schemas.microsoft.com/office/powerpoint/2010/main" val="2988638872"/>
       </p:ext>
     </p:extLst>
   </p:cSld>
@@ -5953,7 +6611,7 @@
                             </p:stCondLst>
                             <p:childTnLst>
                               <p:par>
-                                <p:cTn id="9" presetID="1" presetClass="entr" presetSubtype="0" fill="hold" grpId="0" nodeType="clickEffect">
+                                <p:cTn id="9" presetID="10" presetClass="entr" presetSubtype="0" fill="hold" nodeType="clickEffect">
                                   <p:stCondLst>
                                     <p:cond delay="0"/>
                                   </p:stCondLst>
@@ -5961,6 +6619,182 @@
                                     <p:set>
                                       <p:cBhvr>
                                         <p:cTn id="10" dur="1" fill="hold">
+                                          <p:stCondLst>
+                                            <p:cond delay="0"/>
+                                          </p:stCondLst>
+                                        </p:cTn>
+                                        <p:tgtEl>
+                                          <p:spTgt spid="1026"/>
+                                        </p:tgtEl>
+                                        <p:attrNameLst>
+                                          <p:attrName>style.visibility</p:attrName>
+                                        </p:attrNameLst>
+                                      </p:cBhvr>
+                                      <p:to>
+                                        <p:strVal val="visible"/>
+                                      </p:to>
+                                    </p:set>
+                                    <p:animEffect transition="in" filter="fade">
+                                      <p:cBhvr>
+                                        <p:cTn id="11" dur="500"/>
+                                        <p:tgtEl>
+                                          <p:spTgt spid="1026"/>
+                                        </p:tgtEl>
+                                      </p:cBhvr>
+                                    </p:animEffect>
+                                  </p:childTnLst>
+                                </p:cTn>
+                              </p:par>
+                              <p:par>
+                                <p:cTn id="12" presetID="10" presetClass="entr" presetSubtype="0" fill="hold" grpId="0" nodeType="withEffect">
+                                  <p:stCondLst>
+                                    <p:cond delay="0"/>
+                                  </p:stCondLst>
+                                  <p:childTnLst>
+                                    <p:set>
+                                      <p:cBhvr>
+                                        <p:cTn id="13" dur="1" fill="hold">
+                                          <p:stCondLst>
+                                            <p:cond delay="0"/>
+                                          </p:stCondLst>
+                                        </p:cTn>
+                                        <p:tgtEl>
+                                          <p:spTgt spid="4"/>
+                                        </p:tgtEl>
+                                        <p:attrNameLst>
+                                          <p:attrName>style.visibility</p:attrName>
+                                        </p:attrNameLst>
+                                      </p:cBhvr>
+                                      <p:to>
+                                        <p:strVal val="visible"/>
+                                      </p:to>
+                                    </p:set>
+                                    <p:animEffect transition="in" filter="fade">
+                                      <p:cBhvr>
+                                        <p:cTn id="14" dur="500"/>
+                                        <p:tgtEl>
+                                          <p:spTgt spid="4"/>
+                                        </p:tgtEl>
+                                      </p:cBhvr>
+                                    </p:animEffect>
+                                  </p:childTnLst>
+                                </p:cTn>
+                              </p:par>
+                            </p:childTnLst>
+                          </p:cTn>
+                        </p:par>
+                      </p:childTnLst>
+                    </p:cTn>
+                  </p:par>
+                  <p:par>
+                    <p:cTn id="15" fill="hold">
+                      <p:stCondLst>
+                        <p:cond delay="indefinite"/>
+                      </p:stCondLst>
+                      <p:childTnLst>
+                        <p:par>
+                          <p:cTn id="16" fill="hold">
+                            <p:stCondLst>
+                              <p:cond delay="0"/>
+                            </p:stCondLst>
+                            <p:childTnLst>
+                              <p:par>
+                                <p:cTn id="17" presetID="10" presetClass="entr" presetSubtype="0" fill="hold" nodeType="clickEffect">
+                                  <p:stCondLst>
+                                    <p:cond delay="0"/>
+                                  </p:stCondLst>
+                                  <p:childTnLst>
+                                    <p:set>
+                                      <p:cBhvr>
+                                        <p:cTn id="18" dur="1" fill="hold">
+                                          <p:stCondLst>
+                                            <p:cond delay="0"/>
+                                          </p:stCondLst>
+                                        </p:cTn>
+                                        <p:tgtEl>
+                                          <p:spTgt spid="1028"/>
+                                        </p:tgtEl>
+                                        <p:attrNameLst>
+                                          <p:attrName>style.visibility</p:attrName>
+                                        </p:attrNameLst>
+                                      </p:cBhvr>
+                                      <p:to>
+                                        <p:strVal val="visible"/>
+                                      </p:to>
+                                    </p:set>
+                                    <p:animEffect transition="in" filter="fade">
+                                      <p:cBhvr>
+                                        <p:cTn id="19" dur="500"/>
+                                        <p:tgtEl>
+                                          <p:spTgt spid="1028"/>
+                                        </p:tgtEl>
+                                      </p:cBhvr>
+                                    </p:animEffect>
+                                  </p:childTnLst>
+                                </p:cTn>
+                              </p:par>
+                              <p:par>
+                                <p:cTn id="20" presetID="10" presetClass="entr" presetSubtype="0" fill="hold" grpId="0" nodeType="withEffect">
+                                  <p:stCondLst>
+                                    <p:cond delay="0"/>
+                                  </p:stCondLst>
+                                  <p:childTnLst>
+                                    <p:set>
+                                      <p:cBhvr>
+                                        <p:cTn id="21" dur="1" fill="hold">
+                                          <p:stCondLst>
+                                            <p:cond delay="0"/>
+                                          </p:stCondLst>
+                                        </p:cTn>
+                                        <p:tgtEl>
+                                          <p:spTgt spid="7"/>
+                                        </p:tgtEl>
+                                        <p:attrNameLst>
+                                          <p:attrName>style.visibility</p:attrName>
+                                        </p:attrNameLst>
+                                      </p:cBhvr>
+                                      <p:to>
+                                        <p:strVal val="visible"/>
+                                      </p:to>
+                                    </p:set>
+                                    <p:animEffect transition="in" filter="fade">
+                                      <p:cBhvr>
+                                        <p:cTn id="22" dur="500"/>
+                                        <p:tgtEl>
+                                          <p:spTgt spid="7"/>
+                                        </p:tgtEl>
+                                      </p:cBhvr>
+                                    </p:animEffect>
+                                  </p:childTnLst>
+                                </p:cTn>
+                              </p:par>
+                            </p:childTnLst>
+                          </p:cTn>
+                        </p:par>
+                      </p:childTnLst>
+                    </p:cTn>
+                  </p:par>
+                  <p:par>
+                    <p:cTn id="23" fill="hold">
+                      <p:stCondLst>
+                        <p:cond delay="indefinite"/>
+                      </p:stCondLst>
+                      <p:childTnLst>
+                        <p:par>
+                          <p:cTn id="24" fill="hold">
+                            <p:stCondLst>
+                              <p:cond delay="0"/>
+                            </p:stCondLst>
+                            <p:childTnLst>
+                              <p:par>
+                                <p:cTn id="25" presetID="1" presetClass="entr" presetSubtype="0" fill="hold" grpId="0" nodeType="clickEffect">
+                                  <p:stCondLst>
+                                    <p:cond delay="0"/>
+                                  </p:stCondLst>
+                                  <p:childTnLst>
+                                    <p:set>
+                                      <p:cBhvr>
+                                        <p:cTn id="26" dur="1" fill="hold">
                                           <p:stCondLst>
                                             <p:cond delay="0"/>
                                           </p:stCondLst>
@@ -5990,26 +6824,26 @@
                     </p:cTn>
                   </p:par>
                   <p:par>
-                    <p:cTn id="11" fill="hold">
+                    <p:cTn id="27" fill="hold">
                       <p:stCondLst>
                         <p:cond delay="indefinite"/>
                       </p:stCondLst>
                       <p:childTnLst>
                         <p:par>
-                          <p:cTn id="12" fill="hold">
+                          <p:cTn id="28" fill="hold">
                             <p:stCondLst>
                               <p:cond delay="0"/>
                             </p:stCondLst>
                             <p:childTnLst>
                               <p:par>
-                                <p:cTn id="13" presetID="1" presetClass="entr" presetSubtype="0" fill="hold" grpId="0" nodeType="clickEffect">
+                                <p:cTn id="29" presetID="1" presetClass="entr" presetSubtype="0" fill="hold" grpId="0" nodeType="clickEffect">
                                   <p:stCondLst>
                                     <p:cond delay="0"/>
                                   </p:stCondLst>
                                   <p:childTnLst>
                                     <p:set>
                                       <p:cBhvr>
-                                        <p:cTn id="14" dur="1" fill="hold">
+                                        <p:cTn id="30" dur="1" fill="hold">
                                           <p:stCondLst>
                                             <p:cond delay="0"/>
                                           </p:stCondLst>
@@ -6060,521 +6894,9 @@
       </p:par>
     </p:tnLst>
     <p:bldLst>
-      <p:bldP spid="3" grpId="0" build="p"/>
-    </p:bldLst>
-  </p:timing>
-</p:sld>
-</file>
-
-<file path=ppt/slides/slide7.xml><?xml version="1.0" encoding="utf-8"?>
-<p:sld xmlns:a="http://schemas.openxmlformats.org/drawingml/2006/main" xmlns:r="http://schemas.openxmlformats.org/officeDocument/2006/relationships" xmlns:p="http://schemas.openxmlformats.org/presentationml/2006/main">
-  <p:cSld>
-    <p:spTree>
-      <p:nvGrpSpPr>
-        <p:cNvPr id="1" name=""/>
-        <p:cNvGrpSpPr/>
-        <p:nvPr/>
-      </p:nvGrpSpPr>
-      <p:grpSpPr>
-        <a:xfrm>
-          <a:off x="0" y="0"/>
-          <a:ext cx="0" cy="0"/>
-          <a:chOff x="0" y="0"/>
-          <a:chExt cx="0" cy="0"/>
-        </a:xfrm>
-      </p:grpSpPr>
-      <p:sp>
-        <p:nvSpPr>
-          <p:cNvPr id="2" name="Title 1">
-            <a:extLst>
-              <a:ext uri="{FF2B5EF4-FFF2-40B4-BE49-F238E27FC236}">
-                <a16:creationId xmlns:a16="http://schemas.microsoft.com/office/drawing/2014/main" id="{4B7AD62A-3DBD-4452-8625-6F2CFEAA90EA}"/>
-              </a:ext>
-            </a:extLst>
-          </p:cNvPr>
-          <p:cNvSpPr>
-            <a:spLocks noGrp="1"/>
-          </p:cNvSpPr>
-          <p:nvPr>
-            <p:ph type="title"/>
-          </p:nvPr>
-        </p:nvSpPr>
-        <p:spPr/>
-        <p:txBody>
-          <a:bodyPr/>
-          <a:lstStyle/>
-          <a:p>
-            <a:r>
-              <a:rPr lang="en-US" dirty="0"/>
-              <a:t>Rigid Body Surface Collisions</a:t>
-            </a:r>
-          </a:p>
-        </p:txBody>
-      </p:sp>
-      <mc:AlternateContent xmlns:mc="http://schemas.openxmlformats.org/markup-compatibility/2006" xmlns:a14="http://schemas.microsoft.com/office/drawing/2010/main">
-        <mc:Choice Requires="a14">
-          <p:sp>
-            <p:nvSpPr>
-              <p:cNvPr id="3" name="Content Placeholder 2">
-                <a:extLst>
-                  <a:ext uri="{FF2B5EF4-FFF2-40B4-BE49-F238E27FC236}">
-                    <a16:creationId xmlns:a16="http://schemas.microsoft.com/office/drawing/2014/main" id="{0733E3D0-D68F-440F-BA6F-B73521BC8944}"/>
-                  </a:ext>
-                </a:extLst>
-              </p:cNvPr>
-              <p:cNvSpPr>
-                <a:spLocks noGrp="1"/>
-              </p:cNvSpPr>
-              <p:nvPr>
-                <p:ph idx="1"/>
-              </p:nvPr>
-            </p:nvSpPr>
-            <p:spPr>
-              <a:xfrm>
-                <a:off x="457200" y="1600200"/>
-                <a:ext cx="4343400" cy="4983162"/>
-              </a:xfrm>
-            </p:spPr>
-            <p:txBody>
-              <a:bodyPr>
-                <a:normAutofit fontScale="92500" lnSpcReduction="20000"/>
-              </a:bodyPr>
-              <a:lstStyle/>
-              <a:p>
-                <a:r>
-                  <a:rPr lang="en-US" dirty="0"/>
-                  <a:t>Finally, the coefficient of restitution can also be used to relate the kinetic energies before and after the impact</a:t>
-                </a:r>
-              </a:p>
-              <a:p>
-                <a:pPr marL="0" indent="0">
-                  <a:buNone/>
-                </a:pPr>
-                <a14:m>
-                  <m:oMathPara xmlns:m="http://schemas.openxmlformats.org/officeDocument/2006/math">
-                    <m:oMathParaPr>
-                      <m:jc m:val="centerGroup"/>
-                    </m:oMathParaPr>
-                    <m:oMath xmlns:m="http://schemas.openxmlformats.org/officeDocument/2006/math">
-                      <m:sSup>
-                        <m:sSupPr>
-                          <m:ctrlPr>
-                            <a:rPr lang="en-US" b="0" i="1" smtClean="0">
-                              <a:latin typeface="Cambria Math" panose="02040503050406030204" pitchFamily="18" charset="0"/>
-                            </a:rPr>
-                          </m:ctrlPr>
-                        </m:sSupPr>
-                        <m:e>
-                          <m:r>
-                            <a:rPr lang="en-US" i="1">
-                              <a:latin typeface="Cambria Math"/>
-                            </a:rPr>
-                            <m:t>𝑒</m:t>
-                          </m:r>
-                        </m:e>
-                        <m:sup>
-                          <m:r>
-                            <a:rPr lang="en-US" b="0" i="1" smtClean="0">
-                              <a:latin typeface="Cambria Math" panose="02040503050406030204" pitchFamily="18" charset="0"/>
-                            </a:rPr>
-                            <m:t>2</m:t>
-                          </m:r>
-                        </m:sup>
-                      </m:sSup>
-                      <m:r>
-                        <a:rPr lang="en-US" i="1">
-                          <a:latin typeface="Cambria Math"/>
-                        </a:rPr>
-                        <m:t>=</m:t>
-                      </m:r>
-                      <m:f>
-                        <m:fPr>
-                          <m:ctrlPr>
-                            <a:rPr lang="en-US" i="1">
-                              <a:latin typeface="Cambria Math" panose="02040503050406030204" pitchFamily="18" charset="0"/>
-                            </a:rPr>
-                          </m:ctrlPr>
-                        </m:fPr>
-                        <m:num>
-                          <m:sSub>
-                            <m:sSubPr>
-                              <m:ctrlPr>
-                                <a:rPr lang="en-US" i="1" smtClean="0">
-                                  <a:latin typeface="Cambria Math" panose="02040503050406030204" pitchFamily="18" charset="0"/>
-                                </a:rPr>
-                              </m:ctrlPr>
-                            </m:sSubPr>
-                            <m:e>
-                              <m:r>
-                                <a:rPr lang="en-US" b="0" i="1" smtClean="0">
-                                  <a:latin typeface="Cambria Math" panose="02040503050406030204" pitchFamily="18" charset="0"/>
-                                </a:rPr>
-                                <m:t>𝐾𝐸</m:t>
-                              </m:r>
-                            </m:e>
-                            <m:sub>
-                              <m:r>
-                                <a:rPr lang="en-US" b="0" i="1" smtClean="0">
-                                  <a:latin typeface="Cambria Math" panose="02040503050406030204" pitchFamily="18" charset="0"/>
-                                </a:rPr>
-                                <m:t>𝑓</m:t>
-                              </m:r>
-                            </m:sub>
-                          </m:sSub>
-                        </m:num>
-                        <m:den>
-                          <m:sSub>
-                            <m:sSubPr>
-                              <m:ctrlPr>
-                                <a:rPr lang="en-US" i="1">
-                                  <a:latin typeface="Cambria Math" panose="02040503050406030204" pitchFamily="18" charset="0"/>
-                                </a:rPr>
-                              </m:ctrlPr>
-                            </m:sSubPr>
-                            <m:e>
-                              <m:r>
-                                <a:rPr lang="en-US" i="1">
-                                  <a:latin typeface="Cambria Math" panose="02040503050406030204" pitchFamily="18" charset="0"/>
-                                </a:rPr>
-                                <m:t>𝐾𝐸</m:t>
-                              </m:r>
-                            </m:e>
-                            <m:sub>
-                              <m:r>
-                                <a:rPr lang="en-US" b="0" i="1" smtClean="0">
-                                  <a:latin typeface="Cambria Math" panose="02040503050406030204" pitchFamily="18" charset="0"/>
-                                </a:rPr>
-                                <m:t>𝑖</m:t>
-                              </m:r>
-                            </m:sub>
-                          </m:sSub>
-                        </m:den>
-                      </m:f>
-                    </m:oMath>
-                  </m:oMathPara>
-                </a14:m>
-                <a:endParaRPr lang="en-US" dirty="0"/>
-              </a:p>
-              <a:p>
-                <a:r>
-                  <a:rPr lang="en-US" dirty="0"/>
-                  <a:t>These kinetic energies should include both the translational and rotational kinetic energies.</a:t>
-                </a:r>
-              </a:p>
-              <a:p>
-                <a:endParaRPr lang="en-US" dirty="0"/>
-              </a:p>
-            </p:txBody>
-          </p:sp>
-        </mc:Choice>
-        <mc:Fallback xmlns="">
-          <p:sp>
-            <p:nvSpPr>
-              <p:cNvPr id="3" name="Content Placeholder 2">
-                <a:extLst>
-                  <a:ext uri="{FF2B5EF4-FFF2-40B4-BE49-F238E27FC236}">
-                    <a16:creationId xmlns:a16="http://schemas.microsoft.com/office/drawing/2014/main" id="{0733E3D0-D68F-440F-BA6F-B73521BC8944}"/>
-                  </a:ext>
-                </a:extLst>
-              </p:cNvPr>
-              <p:cNvSpPr>
-                <a:spLocks noGrp="1" noRot="1" noChangeAspect="1" noMove="1" noResize="1" noEditPoints="1" noAdjustHandles="1" noChangeArrowheads="1" noChangeShapeType="1" noTextEdit="1"/>
-              </p:cNvSpPr>
-              <p:nvPr>
-                <p:ph idx="1"/>
-              </p:nvPr>
-            </p:nvSpPr>
-            <p:spPr>
-              <a:xfrm>
-                <a:off x="457200" y="1600200"/>
-                <a:ext cx="4343400" cy="4983162"/>
-              </a:xfrm>
-              <a:blipFill>
-                <a:blip r:embed="rId2"/>
-                <a:stretch>
-                  <a:fillRect l="-2805" t="-3182" r="-4067"/>
-                </a:stretch>
-              </a:blipFill>
-            </p:spPr>
-            <p:txBody>
-              <a:bodyPr/>
-              <a:lstStyle/>
-              <a:p>
-                <a:r>
-                  <a:rPr lang="en-US">
-                    <a:noFill/>
-                  </a:rPr>
-                  <a:t> </a:t>
-                </a:r>
-              </a:p>
-            </p:txBody>
-          </p:sp>
-        </mc:Fallback>
-      </mc:AlternateContent>
-      <p:sp>
-        <p:nvSpPr>
-          <p:cNvPr id="4" name="Slide Number Placeholder 3">
-            <a:extLst>
-              <a:ext uri="{FF2B5EF4-FFF2-40B4-BE49-F238E27FC236}">
-                <a16:creationId xmlns:a16="http://schemas.microsoft.com/office/drawing/2014/main" id="{9BB3DA46-FC30-4BC3-BB3B-F0EA9E371B04}"/>
-              </a:ext>
-            </a:extLst>
-          </p:cNvPr>
-          <p:cNvSpPr>
-            <a:spLocks noGrp="1"/>
-          </p:cNvSpPr>
-          <p:nvPr>
-            <p:ph type="sldNum" sz="quarter" idx="12"/>
-          </p:nvPr>
-        </p:nvSpPr>
-        <p:spPr/>
-        <p:txBody>
-          <a:bodyPr/>
-          <a:lstStyle/>
-          <a:p>
-            <a:fld id="{929262FE-7F58-4A1E-8AF3-5A510A86DEBD}" type="slidenum">
-              <a:rPr lang="en-US" smtClean="0"/>
-              <a:t>7</a:t>
-            </a:fld>
-            <a:endParaRPr lang="en-US" dirty="0"/>
-          </a:p>
-        </p:txBody>
-      </p:sp>
-      <p:pic>
-        <p:nvPicPr>
-          <p:cNvPr id="5" name="Picture 2" descr="A wrench dropped on a rigid floor">
-            <a:extLst>
-              <a:ext uri="{FF2B5EF4-FFF2-40B4-BE49-F238E27FC236}">
-                <a16:creationId xmlns:a16="http://schemas.microsoft.com/office/drawing/2014/main" id="{C7C20865-EED8-468C-9F12-9F9A051A017F}"/>
-              </a:ext>
-            </a:extLst>
-          </p:cNvPr>
-          <p:cNvPicPr>
-            <a:picLocks noChangeAspect="1" noChangeArrowheads="1"/>
-          </p:cNvPicPr>
-          <p:nvPr/>
-        </p:nvPicPr>
-        <p:blipFill>
-          <a:blip r:embed="rId3">
-            <a:extLst>
-              <a:ext uri="{28A0092B-C50C-407E-A947-70E740481C1C}">
-                <a14:useLocalDpi xmlns:a14="http://schemas.microsoft.com/office/drawing/2010/main" val="0"/>
-              </a:ext>
-            </a:extLst>
-          </a:blip>
-          <a:srcRect/>
-          <a:stretch>
-            <a:fillRect/>
-          </a:stretch>
-        </p:blipFill>
-        <p:spPr bwMode="auto">
-          <a:xfrm>
-            <a:off x="4933950" y="2285999"/>
-            <a:ext cx="3714750" cy="2790825"/>
-          </a:xfrm>
-          <a:prstGeom prst="rect">
-            <a:avLst/>
-          </a:prstGeom>
-          <a:noFill/>
-          <a:extLst>
-            <a:ext uri="{909E8E84-426E-40DD-AFC4-6F175D3DCCD1}">
-              <a14:hiddenFill xmlns:a14="http://schemas.microsoft.com/office/drawing/2010/main">
-                <a:solidFill>
-                  <a:srgbClr val="FFFFFF"/>
-                </a:solidFill>
-              </a14:hiddenFill>
-            </a:ext>
-          </a:extLst>
-        </p:spPr>
-      </p:pic>
-    </p:spTree>
-    <p:extLst>
-      <p:ext uri="{BB962C8B-B14F-4D97-AF65-F5344CB8AC3E}">
-        <p14:creationId xmlns:p14="http://schemas.microsoft.com/office/powerpoint/2010/main" val="3089954168"/>
-      </p:ext>
-    </p:extLst>
-  </p:cSld>
-  <p:clrMapOvr>
-    <a:masterClrMapping/>
-  </p:clrMapOvr>
-  <p:timing>
-    <p:tnLst>
-      <p:par>
-        <p:cTn id="1" dur="indefinite" restart="never" nodeType="tmRoot">
-          <p:childTnLst>
-            <p:seq concurrent="1" nextAc="seek">
-              <p:cTn id="2" dur="indefinite" nodeType="mainSeq">
-                <p:childTnLst>
-                  <p:par>
-                    <p:cTn id="3" fill="hold">
-                      <p:stCondLst>
-                        <p:cond delay="indefinite"/>
-                      </p:stCondLst>
-                      <p:childTnLst>
-                        <p:par>
-                          <p:cTn id="4" fill="hold">
-                            <p:stCondLst>
-                              <p:cond delay="0"/>
-                            </p:stCondLst>
-                            <p:childTnLst>
-                              <p:par>
-                                <p:cTn id="5" presetID="1" presetClass="entr" presetSubtype="0" fill="hold" grpId="0" nodeType="clickEffect">
-                                  <p:stCondLst>
-                                    <p:cond delay="0"/>
-                                  </p:stCondLst>
-                                  <p:childTnLst>
-                                    <p:set>
-                                      <p:cBhvr>
-                                        <p:cTn id="6" dur="1" fill="hold">
-                                          <p:stCondLst>
-                                            <p:cond delay="0"/>
-                                          </p:stCondLst>
-                                        </p:cTn>
-                                        <p:tgtEl>
-                                          <p:spTgt spid="3">
-                                            <p:txEl>
-                                              <p:pRg st="0" end="0"/>
-                                            </p:txEl>
-                                          </p:spTgt>
-                                        </p:tgtEl>
-                                        <p:attrNameLst>
-                                          <p:attrName>style.visibility</p:attrName>
-                                        </p:attrNameLst>
-                                      </p:cBhvr>
-                                      <p:to>
-                                        <p:strVal val="visible"/>
-                                      </p:to>
-                                    </p:set>
-                                  </p:childTnLst>
-                                </p:cTn>
-                              </p:par>
-                            </p:childTnLst>
-                          </p:cTn>
-                        </p:par>
-                      </p:childTnLst>
-                    </p:cTn>
-                  </p:par>
-                  <p:par>
-                    <p:cTn id="7" fill="hold">
-                      <p:stCondLst>
-                        <p:cond delay="indefinite"/>
-                      </p:stCondLst>
-                      <p:childTnLst>
-                        <p:par>
-                          <p:cTn id="8" fill="hold">
-                            <p:stCondLst>
-                              <p:cond delay="0"/>
-                            </p:stCondLst>
-                            <p:childTnLst>
-                              <p:par>
-                                <p:cTn id="9" presetID="1" presetClass="entr" presetSubtype="0" fill="hold" grpId="0" nodeType="clickEffect">
-                                  <p:stCondLst>
-                                    <p:cond delay="0"/>
-                                  </p:stCondLst>
-                                  <p:childTnLst>
-                                    <p:set>
-                                      <p:cBhvr>
-                                        <p:cTn id="10" dur="1" fill="hold">
-                                          <p:stCondLst>
-                                            <p:cond delay="0"/>
-                                          </p:stCondLst>
-                                        </p:cTn>
-                                        <p:tgtEl>
-                                          <p:spTgt spid="3">
-                                            <p:txEl>
-                                              <p:pRg st="1" end="1"/>
-                                            </p:txEl>
-                                          </p:spTgt>
-                                        </p:tgtEl>
-                                        <p:attrNameLst>
-                                          <p:attrName>style.visibility</p:attrName>
-                                        </p:attrNameLst>
-                                      </p:cBhvr>
-                                      <p:to>
-                                        <p:strVal val="visible"/>
-                                      </p:to>
-                                    </p:set>
-                                  </p:childTnLst>
-                                </p:cTn>
-                              </p:par>
-                            </p:childTnLst>
-                          </p:cTn>
-                        </p:par>
-                      </p:childTnLst>
-                    </p:cTn>
-                  </p:par>
-                  <p:par>
-                    <p:cTn id="11" fill="hold">
-                      <p:stCondLst>
-                        <p:cond delay="indefinite"/>
-                      </p:stCondLst>
-                      <p:childTnLst>
-                        <p:par>
-                          <p:cTn id="12" fill="hold">
-                            <p:stCondLst>
-                              <p:cond delay="0"/>
-                            </p:stCondLst>
-                            <p:childTnLst>
-                              <p:par>
-                                <p:cTn id="13" presetID="1" presetClass="entr" presetSubtype="0" fill="hold" grpId="0" nodeType="clickEffect">
-                                  <p:stCondLst>
-                                    <p:cond delay="0"/>
-                                  </p:stCondLst>
-                                  <p:childTnLst>
-                                    <p:set>
-                                      <p:cBhvr>
-                                        <p:cTn id="14" dur="1" fill="hold">
-                                          <p:stCondLst>
-                                            <p:cond delay="0"/>
-                                          </p:stCondLst>
-                                        </p:cTn>
-                                        <p:tgtEl>
-                                          <p:spTgt spid="3">
-                                            <p:txEl>
-                                              <p:pRg st="2" end="2"/>
-                                            </p:txEl>
-                                          </p:spTgt>
-                                        </p:tgtEl>
-                                        <p:attrNameLst>
-                                          <p:attrName>style.visibility</p:attrName>
-                                        </p:attrNameLst>
-                                      </p:cBhvr>
-                                      <p:to>
-                                        <p:strVal val="visible"/>
-                                      </p:to>
-                                    </p:set>
-                                  </p:childTnLst>
-                                </p:cTn>
-                              </p:par>
-                            </p:childTnLst>
-                          </p:cTn>
-                        </p:par>
-                      </p:childTnLst>
-                    </p:cTn>
-                  </p:par>
-                </p:childTnLst>
-              </p:cTn>
-              <p:prevCondLst>
-                <p:cond evt="onPrev" delay="0">
-                  <p:tgtEl>
-                    <p:sldTgt/>
-                  </p:tgtEl>
-                </p:cond>
-              </p:prevCondLst>
-              <p:nextCondLst>
-                <p:cond evt="onNext" delay="0">
-                  <p:tgtEl>
-                    <p:sldTgt/>
-                  </p:tgtEl>
-                </p:cond>
-              </p:nextCondLst>
-            </p:seq>
-          </p:childTnLst>
-        </p:cTn>
-      </p:par>
-    </p:tnLst>
-    <p:bldLst>
-      <p:bldP spid="3" grpId="0" build="p"/>
+      <p:bldP spid="3" grpId="0" uiExpand="1" build="p"/>
+      <p:bldP spid="4" grpId="0"/>
+      <p:bldP spid="7" grpId="0"/>
     </p:bldLst>
   </p:timing>
 </p:sld>
@@ -6602,7 +6924,7 @@
           <p:cNvPr id="2" name="Title 1">
             <a:extLst>
               <a:ext uri="{FF2B5EF4-FFF2-40B4-BE49-F238E27FC236}">
-                <a16:creationId xmlns:a16="http://schemas.microsoft.com/office/drawing/2014/main" id="{F4392BAB-C952-4615-8017-326C9C8D2293}"/>
+                <a16:creationId xmlns:a16="http://schemas.microsoft.com/office/drawing/2014/main" id="{9FD2A529-FAD5-4096-8184-7EC788C5AF78}"/>
               </a:ext>
             </a:extLst>
           </p:cNvPr>
@@ -6620,19 +6942,19 @@
           <a:p>
             <a:r>
               <a:rPr lang="en-US" dirty="0"/>
-              <a:t>Rigid Body Surface Collisions</a:t>
+              <a:t>Power in Rigid Body Systems</a:t>
             </a:r>
           </a:p>
         </p:txBody>
       </p:sp>
-      <mc:AlternateContent xmlns:mc="http://schemas.openxmlformats.org/markup-compatibility/2006">
-        <mc:Choice xmlns:a14="http://schemas.microsoft.com/office/drawing/2010/main" Requires="a14">
+      <mc:AlternateContent xmlns:mc="http://schemas.openxmlformats.org/markup-compatibility/2006" xmlns:a14="http://schemas.microsoft.com/office/drawing/2010/main">
+        <mc:Choice Requires="a14">
           <p:sp>
             <p:nvSpPr>
               <p:cNvPr id="3" name="Content Placeholder 2">
                 <a:extLst>
                   <a:ext uri="{FF2B5EF4-FFF2-40B4-BE49-F238E27FC236}">
-                    <a16:creationId xmlns:a16="http://schemas.microsoft.com/office/drawing/2014/main" id="{D67A592A-BC94-44AB-B9DE-1C18398D660D}"/>
+                    <a16:creationId xmlns:a16="http://schemas.microsoft.com/office/drawing/2014/main" id="{536DDB1D-5582-429B-9606-3FABE32761F1}"/>
                   </a:ext>
                 </a:extLst>
               </p:cNvPr>
@@ -6643,12 +6965,7 @@
                 <p:ph idx="1"/>
               </p:nvPr>
             </p:nvSpPr>
-            <p:spPr>
-              <a:xfrm>
-                <a:off x="457200" y="1600200"/>
-                <a:ext cx="8229600" cy="4876800"/>
-              </a:xfrm>
-            </p:spPr>
+            <p:spPr/>
             <p:txBody>
               <a:bodyPr>
                 <a:normAutofit fontScale="92500" lnSpcReduction="20000"/>
@@ -6657,307 +6974,121 @@
               <a:p>
                 <a:r>
                   <a:rPr lang="en-US" dirty="0"/>
-                  <a:t>Putting this all together, we have three equations that should allow us to solve for up to three unknowns.</a:t>
+                  <a:t>For rigid body systems, we can also have both translational power and rotational power together. To find the overall power, simply add the translational and rotational powers.</a:t>
                 </a:r>
               </a:p>
               <a:p>
+                <a:pPr marL="0" indent="0">
+                  <a:buNone/>
+                </a:pPr>
                 <a:endParaRPr lang="en-US" dirty="0"/>
               </a:p>
               <a:p>
-                <a:pPr marL="0" indent="0" algn="ctr">
+                <a:pPr marL="0" indent="0">
                   <a:buNone/>
                 </a:pPr>
                 <a14:m>
-                  <m:oMath xmlns:m="http://schemas.openxmlformats.org/officeDocument/2006/math">
-                    <m:sSub>
-                      <m:sSubPr>
-                        <m:ctrlPr>
-                          <a:rPr lang="en-US" i="1">
-                            <a:latin typeface="Cambria Math" panose="02040503050406030204" pitchFamily="18" charset="0"/>
-                          </a:rPr>
-                        </m:ctrlPr>
-                      </m:sSubPr>
-                      <m:e>
-                        <m:r>
-                          <a:rPr lang="en-US" i="1">
-                            <a:latin typeface="Cambria Math"/>
-                          </a:rPr>
-                          <m:t>𝑣</m:t>
-                        </m:r>
-                      </m:e>
-                      <m:sub>
-                        <m:r>
-                          <a:rPr lang="en-US" i="1">
-                            <a:latin typeface="Cambria Math" panose="02040503050406030204" pitchFamily="18" charset="0"/>
-                          </a:rPr>
-                          <m:t>𝑡𝐶</m:t>
-                        </m:r>
-                        <m:r>
-                          <a:rPr lang="en-US" i="1">
-                            <a:latin typeface="Cambria Math"/>
-                          </a:rPr>
-                          <m:t>𝑓</m:t>
-                        </m:r>
-                      </m:sub>
-                    </m:sSub>
-                    <m:r>
-                      <a:rPr lang="en-US" i="1">
-                        <a:latin typeface="Cambria Math"/>
-                      </a:rPr>
-                      <m:t>=</m:t>
-                    </m:r>
-                    <m:sSub>
-                      <m:sSubPr>
-                        <m:ctrlPr>
-                          <a:rPr lang="en-US" i="1">
-                            <a:latin typeface="Cambria Math" panose="02040503050406030204" pitchFamily="18" charset="0"/>
-                          </a:rPr>
-                        </m:ctrlPr>
-                      </m:sSubPr>
-                      <m:e>
-                        <m:r>
-                          <a:rPr lang="en-US" i="1">
-                            <a:latin typeface="Cambria Math"/>
-                          </a:rPr>
-                          <m:t>𝑣</m:t>
-                        </m:r>
-                      </m:e>
-                      <m:sub>
-                        <m:r>
-                          <a:rPr lang="en-US" i="1">
-                            <a:latin typeface="Cambria Math" panose="02040503050406030204" pitchFamily="18" charset="0"/>
-                          </a:rPr>
-                          <m:t>𝑡𝐶</m:t>
-                        </m:r>
-                        <m:r>
-                          <a:rPr lang="en-US" i="1">
-                            <a:latin typeface="Cambria Math" panose="02040503050406030204" pitchFamily="18" charset="0"/>
-                          </a:rPr>
-                          <m:t>𝑖</m:t>
-                        </m:r>
-                      </m:sub>
-                    </m:sSub>
-                  </m:oMath>
-                </a14:m>
-                <a:r>
-                  <a:rPr lang="en-US" dirty="0"/>
-                  <a:t>      </a:t>
-                </a:r>
-                <a14:m>
-                  <m:oMath xmlns:m="http://schemas.openxmlformats.org/officeDocument/2006/math">
-                    <m:r>
-                      <a:rPr lang="en-US" i="1">
-                        <a:latin typeface="Cambria Math"/>
-                      </a:rPr>
-                      <m:t>𝑒</m:t>
-                    </m:r>
-                    <m:r>
-                      <a:rPr lang="en-US" i="1">
-                        <a:latin typeface="Cambria Math"/>
-                      </a:rPr>
-                      <m:t>=−</m:t>
-                    </m:r>
-                    <m:f>
-                      <m:fPr>
-                        <m:ctrlPr>
-                          <a:rPr lang="en-US" i="1">
-                            <a:latin typeface="Cambria Math" panose="02040503050406030204" pitchFamily="18" charset="0"/>
-                          </a:rPr>
-                        </m:ctrlPr>
-                      </m:fPr>
-                      <m:num>
-                        <m:sSub>
-                          <m:sSubPr>
-                            <m:ctrlPr>
-                              <a:rPr lang="en-US" i="1">
-                                <a:latin typeface="Cambria Math" panose="02040503050406030204" pitchFamily="18" charset="0"/>
-                              </a:rPr>
-                            </m:ctrlPr>
-                          </m:sSubPr>
-                          <m:e>
-                            <m:r>
-                              <a:rPr lang="en-US" i="1">
-                                <a:latin typeface="Cambria Math"/>
-                              </a:rPr>
-                              <m:t>𝑣</m:t>
-                            </m:r>
-                          </m:e>
-                          <m:sub>
-                            <m:r>
-                              <a:rPr lang="en-US" i="1">
-                                <a:latin typeface="Cambria Math" panose="02040503050406030204" pitchFamily="18" charset="0"/>
-                              </a:rPr>
-                              <m:t>𝑛</m:t>
-                            </m:r>
-                            <m:r>
-                              <a:rPr lang="en-US" i="1">
-                                <a:latin typeface="Cambria Math" panose="02040503050406030204" pitchFamily="18" charset="0"/>
-                              </a:rPr>
-                              <m:t>𝐴</m:t>
-                            </m:r>
-                            <m:r>
-                              <a:rPr lang="en-US" i="1">
-                                <a:latin typeface="Cambria Math"/>
-                              </a:rPr>
-                              <m:t>𝑓</m:t>
-                            </m:r>
-                          </m:sub>
-                        </m:sSub>
-                      </m:num>
-                      <m:den>
-                        <m:sSub>
-                          <m:sSubPr>
-                            <m:ctrlPr>
-                              <a:rPr lang="en-US" i="1">
-                                <a:latin typeface="Cambria Math" panose="02040503050406030204" pitchFamily="18" charset="0"/>
-                              </a:rPr>
-                            </m:ctrlPr>
-                          </m:sSubPr>
-                          <m:e>
-                            <m:r>
-                              <a:rPr lang="en-US" i="1">
-                                <a:latin typeface="Cambria Math"/>
-                              </a:rPr>
-                              <m:t>𝑣</m:t>
-                            </m:r>
-                          </m:e>
-                          <m:sub>
-                            <m:r>
-                              <a:rPr lang="en-US" i="1">
-                                <a:latin typeface="Cambria Math" panose="02040503050406030204" pitchFamily="18" charset="0"/>
-                              </a:rPr>
-                              <m:t>𝑛</m:t>
-                            </m:r>
-                            <m:r>
-                              <a:rPr lang="en-US" i="1">
-                                <a:latin typeface="Cambria Math" panose="02040503050406030204" pitchFamily="18" charset="0"/>
-                              </a:rPr>
-                              <m:t>𝐴</m:t>
-                            </m:r>
-                            <m:r>
-                              <a:rPr lang="en-US" i="1">
-                                <a:latin typeface="Cambria Math"/>
-                              </a:rPr>
-                              <m:t>𝑖</m:t>
-                            </m:r>
-                          </m:sub>
-                        </m:sSub>
-                      </m:den>
-                    </m:f>
-                  </m:oMath>
-                </a14:m>
-                <a:r>
-                  <a:rPr lang="en-US" dirty="0"/>
-                  <a:t> </a:t>
-                </a:r>
-                <a14:m>
-                  <m:oMath xmlns:m="http://schemas.openxmlformats.org/officeDocument/2006/math">
-                    <m:r>
-                      <a:rPr lang="en-US" b="0" i="0" smtClean="0">
-                        <a:latin typeface="Cambria Math" panose="02040503050406030204" pitchFamily="18" charset="0"/>
-                      </a:rPr>
-                      <m:t>         </m:t>
-                    </m:r>
-                    <m:sSup>
-                      <m:sSupPr>
-                        <m:ctrlPr>
-                          <a:rPr lang="en-US" i="1">
-                            <a:latin typeface="Cambria Math" panose="02040503050406030204" pitchFamily="18" charset="0"/>
-                          </a:rPr>
-                        </m:ctrlPr>
-                      </m:sSupPr>
-                      <m:e>
-                        <m:r>
-                          <a:rPr lang="en-US" i="1">
-                            <a:latin typeface="Cambria Math"/>
-                          </a:rPr>
-                          <m:t>𝑒</m:t>
-                        </m:r>
-                      </m:e>
-                      <m:sup>
-                        <m:r>
-                          <a:rPr lang="en-US" i="1">
-                            <a:latin typeface="Cambria Math" panose="02040503050406030204" pitchFamily="18" charset="0"/>
-                          </a:rPr>
-                          <m:t>2</m:t>
-                        </m:r>
-                      </m:sup>
-                    </m:sSup>
-                    <m:r>
-                      <a:rPr lang="en-US" i="1">
-                        <a:latin typeface="Cambria Math"/>
-                      </a:rPr>
-                      <m:t>=</m:t>
-                    </m:r>
-                    <m:f>
-                      <m:fPr>
-                        <m:ctrlPr>
-                          <a:rPr lang="en-US" i="1">
-                            <a:latin typeface="Cambria Math" panose="02040503050406030204" pitchFamily="18" charset="0"/>
-                          </a:rPr>
-                        </m:ctrlPr>
-                      </m:fPr>
-                      <m:num>
-                        <m:sSub>
-                          <m:sSubPr>
-                            <m:ctrlPr>
-                              <a:rPr lang="en-US" i="1">
-                                <a:latin typeface="Cambria Math" panose="02040503050406030204" pitchFamily="18" charset="0"/>
-                              </a:rPr>
-                            </m:ctrlPr>
-                          </m:sSubPr>
-                          <m:e>
-                            <m:r>
-                              <a:rPr lang="en-US" i="1">
-                                <a:latin typeface="Cambria Math" panose="02040503050406030204" pitchFamily="18" charset="0"/>
-                              </a:rPr>
-                              <m:t>𝐾𝐸</m:t>
-                            </m:r>
-                          </m:e>
-                          <m:sub>
-                            <m:r>
-                              <a:rPr lang="en-US" i="1">
-                                <a:latin typeface="Cambria Math" panose="02040503050406030204" pitchFamily="18" charset="0"/>
-                              </a:rPr>
-                              <m:t>𝑓</m:t>
-                            </m:r>
-                          </m:sub>
-                        </m:sSub>
-                      </m:num>
-                      <m:den>
-                        <m:sSub>
-                          <m:sSubPr>
-                            <m:ctrlPr>
-                              <a:rPr lang="en-US" i="1">
-                                <a:latin typeface="Cambria Math" panose="02040503050406030204" pitchFamily="18" charset="0"/>
-                              </a:rPr>
-                            </m:ctrlPr>
-                          </m:sSubPr>
-                          <m:e>
-                            <m:r>
-                              <a:rPr lang="en-US" i="1">
-                                <a:latin typeface="Cambria Math" panose="02040503050406030204" pitchFamily="18" charset="0"/>
-                              </a:rPr>
-                              <m:t>𝐾𝐸</m:t>
-                            </m:r>
-                          </m:e>
-                          <m:sub>
-                            <m:r>
-                              <a:rPr lang="en-US" i="1">
-                                <a:latin typeface="Cambria Math" panose="02040503050406030204" pitchFamily="18" charset="0"/>
-                              </a:rPr>
-                              <m:t>𝑖</m:t>
-                            </m:r>
-                          </m:sub>
-                        </m:sSub>
-                      </m:den>
-                    </m:f>
-                  </m:oMath>
+                  <m:oMathPara xmlns:m="http://schemas.openxmlformats.org/officeDocument/2006/math">
+                    <m:oMathParaPr>
+                      <m:jc m:val="centerGroup"/>
+                    </m:oMathParaPr>
+                    <m:oMath xmlns:m="http://schemas.openxmlformats.org/officeDocument/2006/math">
+                      <m:sSub>
+                        <m:sSubPr>
+                          <m:ctrlPr>
+                            <a:rPr lang="en-US" i="1">
+                              <a:latin typeface="Cambria Math" panose="02040503050406030204" pitchFamily="18" charset="0"/>
+                            </a:rPr>
+                          </m:ctrlPr>
+                        </m:sSubPr>
+                        <m:e>
+                          <m:r>
+                            <a:rPr lang="en-US" i="1">
+                              <a:latin typeface="Cambria Math" panose="02040503050406030204" pitchFamily="18" charset="0"/>
+                            </a:rPr>
+                            <m:t>𝑃</m:t>
+                          </m:r>
+                        </m:e>
+                        <m:sub>
+                          <m:r>
+                            <a:rPr lang="en-US" i="1">
+                              <a:latin typeface="Cambria Math" panose="02040503050406030204" pitchFamily="18" charset="0"/>
+                            </a:rPr>
+                            <m:t>𝑎𝑣𝑒</m:t>
+                          </m:r>
+                        </m:sub>
+                      </m:sSub>
+                      <m:r>
+                        <a:rPr lang="en-US" i="1">
+                          <a:latin typeface="Cambria Math"/>
+                        </a:rPr>
+                        <m:t>=</m:t>
+                      </m:r>
+                      <m:r>
+                        <a:rPr lang="en-US" b="0" i="1" smtClean="0">
+                          <a:latin typeface="Cambria Math" panose="02040503050406030204" pitchFamily="18" charset="0"/>
+                        </a:rPr>
+                        <m:t>(</m:t>
+                      </m:r>
+                      <m:r>
+                        <a:rPr lang="en-US" b="0" i="1" smtClean="0">
+                          <a:latin typeface="Cambria Math" panose="02040503050406030204" pitchFamily="18" charset="0"/>
+                        </a:rPr>
+                        <m:t>𝐹</m:t>
+                      </m:r>
+                      <m:r>
+                        <a:rPr lang="en-US" b="0" i="1" smtClean="0">
+                          <a:latin typeface="Cambria Math" panose="02040503050406030204" pitchFamily="18" charset="0"/>
+                        </a:rPr>
+                        <m:t>∗</m:t>
+                      </m:r>
+                      <m:r>
+                        <a:rPr lang="en-US" b="0" i="1" smtClean="0">
+                          <a:latin typeface="Cambria Math" panose="02040503050406030204" pitchFamily="18" charset="0"/>
+                        </a:rPr>
+                        <m:t>𝑣</m:t>
+                      </m:r>
+                      <m:r>
+                        <a:rPr lang="en-US" b="0" i="1" smtClean="0">
+                          <a:latin typeface="Cambria Math" panose="02040503050406030204" pitchFamily="18" charset="0"/>
+                        </a:rPr>
+                        <m:t>)+(</m:t>
+                      </m:r>
+                      <m:r>
+                        <a:rPr lang="en-US" i="1">
+                          <a:latin typeface="Cambria Math" panose="02040503050406030204" pitchFamily="18" charset="0"/>
+                          <a:ea typeface="Cambria Math"/>
+                        </a:rPr>
+                        <m:t>𝑀</m:t>
+                      </m:r>
+                      <m:r>
+                        <a:rPr lang="en-US" i="1">
+                          <a:latin typeface="Cambria Math" panose="02040503050406030204" pitchFamily="18" charset="0"/>
+                          <a:ea typeface="Cambria Math"/>
+                        </a:rPr>
+                        <m:t>∗</m:t>
+                      </m:r>
+                      <m:r>
+                        <a:rPr lang="en-US" i="1">
+                          <a:latin typeface="Cambria Math" panose="02040503050406030204" pitchFamily="18" charset="0"/>
+                          <a:ea typeface="Cambria Math" panose="02040503050406030204" pitchFamily="18" charset="0"/>
+                        </a:rPr>
+                        <m:t>𝜔</m:t>
+                      </m:r>
+                      <m:r>
+                        <a:rPr lang="en-US" b="0" i="1" smtClean="0">
+                          <a:latin typeface="Cambria Math" panose="02040503050406030204" pitchFamily="18" charset="0"/>
+                          <a:ea typeface="Cambria Math" panose="02040503050406030204" pitchFamily="18" charset="0"/>
+                        </a:rPr>
+                        <m:t>)</m:t>
+                      </m:r>
+                    </m:oMath>
+                  </m:oMathPara>
                 </a14:m>
                 <a:endParaRPr lang="en-US" dirty="0"/>
               </a:p>
               <a:p>
-                <a:pPr marL="0" indent="0" algn="ctr">
+                <a:pPr marL="0" indent="0">
                   <a:buNone/>
                 </a:pPr>
                 <a:endParaRPr lang="en-US" dirty="0"/>
@@ -6965,19 +7096,19 @@
               <a:p>
                 <a:r>
                   <a:rPr lang="en-US" dirty="0"/>
-                  <a:t>The equations will sometimes need to be supplemented with kinematics relationships, in this case relating the velocity of the point of impact to the velocity of the center of mass and angular velocity.</a:t>
+                  <a:t>It’s important in for the above equation that you take the moment about the center of mass and you use the velocity of the center of mass of the body.</a:t>
                 </a:r>
               </a:p>
             </p:txBody>
           </p:sp>
         </mc:Choice>
-        <mc:Fallback>
+        <mc:Fallback xmlns="">
           <p:sp>
             <p:nvSpPr>
               <p:cNvPr id="3" name="Content Placeholder 2">
                 <a:extLst>
                   <a:ext uri="{FF2B5EF4-FFF2-40B4-BE49-F238E27FC236}">
-                    <a16:creationId xmlns:a16="http://schemas.microsoft.com/office/drawing/2014/main" id="{D67A592A-BC94-44AB-B9DE-1C18398D660D}"/>
+                    <a16:creationId xmlns:a16="http://schemas.microsoft.com/office/drawing/2014/main" id="{536DDB1D-5582-429B-9606-3FABE32761F1}"/>
                   </a:ext>
                 </a:extLst>
               </p:cNvPr>
@@ -6989,14 +7120,10 @@
               </p:nvPr>
             </p:nvSpPr>
             <p:spPr>
-              <a:xfrm>
-                <a:off x="457200" y="1600200"/>
-                <a:ext cx="8229600" cy="4876800"/>
-              </a:xfrm>
               <a:blipFill>
                 <a:blip r:embed="rId2"/>
                 <a:stretch>
-                  <a:fillRect l="-1481" t="-3250" r="-1333" b="-1625"/>
+                  <a:fillRect l="-1481" t="-3504" b="-3369"/>
                 </a:stretch>
               </a:blipFill>
             </p:spPr>
@@ -7015,39 +7142,10 @@
           </p:sp>
         </mc:Fallback>
       </mc:AlternateContent>
-      <p:sp>
-        <p:nvSpPr>
-          <p:cNvPr id="4" name="Slide Number Placeholder 3">
-            <a:extLst>
-              <a:ext uri="{FF2B5EF4-FFF2-40B4-BE49-F238E27FC236}">
-                <a16:creationId xmlns:a16="http://schemas.microsoft.com/office/drawing/2014/main" id="{1CDEEA48-041C-4F18-8182-2930A1F3E1EA}"/>
-              </a:ext>
-            </a:extLst>
-          </p:cNvPr>
-          <p:cNvSpPr>
-            <a:spLocks noGrp="1"/>
-          </p:cNvSpPr>
-          <p:nvPr>
-            <p:ph type="sldNum" sz="quarter" idx="12"/>
-          </p:nvPr>
-        </p:nvSpPr>
-        <p:spPr/>
-        <p:txBody>
-          <a:bodyPr/>
-          <a:lstStyle/>
-          <a:p>
-            <a:fld id="{929262FE-7F58-4A1E-8AF3-5A510A86DEBD}" type="slidenum">
-              <a:rPr lang="en-US" smtClean="0"/>
-              <a:t>8</a:t>
-            </a:fld>
-            <a:endParaRPr lang="en-US" dirty="0"/>
-          </a:p>
-        </p:txBody>
-      </p:sp>
     </p:spTree>
     <p:extLst>
       <p:ext uri="{BB962C8B-B14F-4D97-AF65-F5344CB8AC3E}">
-        <p14:creationId xmlns:p14="http://schemas.microsoft.com/office/powerpoint/2010/main" val="49532671"/>
+        <p14:creationId xmlns:p14="http://schemas.microsoft.com/office/powerpoint/2010/main" val="3843765939"/>
       </p:ext>
     </p:extLst>
   </p:cSld>
@@ -7279,7 +7377,7 @@
           <a:p>
             <a:r>
               <a:rPr lang="en-US" dirty="0"/>
-              <a:t>Solving a Collision Problem</a:t>
+              <a:t>Solving Power Problems</a:t>
             </a:r>
             <a:br>
               <a:rPr lang="en-US" dirty="0"/>
@@ -7312,7 +7410,7 @@
             <p:spPr>
               <a:xfrm>
                 <a:off x="457200" y="1600200"/>
-                <a:ext cx="8229600" cy="4983162"/>
+                <a:ext cx="8229600" cy="4648200"/>
               </a:xfrm>
             </p:spPr>
             <p:txBody>
@@ -7323,7 +7421,7 @@
               <a:p>
                 <a:r>
                   <a:rPr lang="en-US" dirty="0"/>
-                  <a:t>Solving collision involves three steps, carefully accounting for the factors at play between some initial state and some final state.</a:t>
+                  <a:t>Solving a power related problem is still at it’s heart a work and energy problem, and we will therefore use a very similar process</a:t>
                 </a:r>
               </a:p>
               <a:p>
@@ -7333,7 +7431,38 @@
                 </a:pPr>
                 <a:r>
                   <a:rPr lang="en-US" dirty="0"/>
-                  <a:t>Set up a diagram showing the object bouncing off the surface</a:t>
+                  <a:t>Set up one diagram showing the initial state and set up some other diagram for the final state.</a:t>
+                </a:r>
+              </a:p>
+              <a:p>
+                <a:pPr marL="914400" lvl="1" indent="-514350"/>
+                <a:r>
+                  <a:rPr lang="en-US" dirty="0"/>
+                  <a:t>Identify any </a:t>
+                </a:r>
+                <a:r>
+                  <a:rPr lang="en-US" dirty="0">
+                    <a:solidFill>
+                      <a:srgbClr val="FF0000"/>
+                    </a:solidFill>
+                  </a:rPr>
+                  <a:t>forces</a:t>
+                </a:r>
+                <a:r>
+                  <a:rPr lang="en-US" dirty="0"/>
+                  <a:t> and </a:t>
+                </a:r>
+                <a:r>
+                  <a:rPr lang="en-US" dirty="0">
+                    <a:solidFill>
+                      <a:srgbClr val="FF0000"/>
+                    </a:solidFill>
+                  </a:rPr>
+                  <a:t>moments</a:t>
+                </a:r>
+                <a:r>
+                  <a:rPr lang="en-US" dirty="0"/>
+                  <a:t> that will do work between the two states</a:t>
                 </a:r>
               </a:p>
               <a:p>
@@ -7348,25 +7477,46 @@
                       <a:schemeClr val="accent1"/>
                     </a:solidFill>
                   </a:rPr>
-                  <a:t>velocities</a:t>
+                  <a:t>velocities </a:t>
+                </a:r>
+                <a:r>
+                  <a:rPr lang="en-US" dirty="0">
+                    <a:solidFill>
+                      <a:schemeClr val="tx2"/>
+                    </a:solidFill>
+                  </a:rPr>
+                  <a:t>and</a:t>
+                </a:r>
+                <a:r>
+                  <a:rPr lang="en-US" dirty="0">
+                    <a:solidFill>
+                      <a:schemeClr val="accent1"/>
+                    </a:solidFill>
+                  </a:rPr>
+                  <a:t> angular velocities</a:t>
                 </a:r>
                 <a:r>
                   <a:rPr lang="en-US" dirty="0"/>
-                  <a:t> in each state, including magnitudes and directions</a:t>
+                  <a:t> in each state</a:t>
                 </a:r>
               </a:p>
               <a:p>
                 <a:pPr marL="914400" lvl="1" indent="-514350"/>
                 <a:r>
                   <a:rPr lang="en-US" dirty="0"/>
-                  <a:t>Identify the type of collision, and the coefficient of restitution if applicable</a:t>
+                  <a:t>Identify the change in </a:t>
                 </a:r>
-              </a:p>
-              <a:p>
-                <a:pPr marL="914400" lvl="1" indent="-514350"/>
+                <a:r>
+                  <a:rPr lang="en-US" dirty="0">
+                    <a:solidFill>
+                      <a:schemeClr val="accent1"/>
+                    </a:solidFill>
+                  </a:rPr>
+                  <a:t>height</a:t>
+                </a:r>
                 <a:r>
                   <a:rPr lang="en-US" dirty="0"/>
-                  <a:t>Identify the normal and tangential directions in your diagram</a:t>
+                  <a:t> if applicable</a:t>
                 </a:r>
               </a:p>
               <a:p>
@@ -7376,8 +7526,61 @@
                 </a:pPr>
                 <a:r>
                   <a:rPr lang="en-US" dirty="0"/>
-                  <a:t>Use the diagram to break down velocities into the normal and tangential components, and use the equations discussed earlier to relate initial and final velocities</a:t>
+                  <a:t>Use the diagram to put together the single conservation of energy equation, as well as an equation relating work to power with included known and unknown values.</a:t>
                 </a:r>
+              </a:p>
+              <a:p>
+                <a:pPr marL="914400" lvl="1" indent="-514350"/>
+                <a14:m>
+                  <m:oMath xmlns:m="http://schemas.openxmlformats.org/officeDocument/2006/math">
+                    <m:r>
+                      <m:rPr>
+                        <m:sty m:val="p"/>
+                      </m:rPr>
+                      <a:rPr lang="en-US">
+                        <a:latin typeface="Cambria Math"/>
+                      </a:rPr>
+                      <m:t>W</m:t>
+                    </m:r>
+                    <m:r>
+                      <a:rPr lang="en-US">
+                        <a:latin typeface="Cambria Math"/>
+                      </a:rPr>
+                      <m:t>=∆</m:t>
+                    </m:r>
+                    <m:r>
+                      <m:rPr>
+                        <m:sty m:val="p"/>
+                      </m:rPr>
+                      <a:rPr lang="en-US">
+                        <a:latin typeface="Cambria Math"/>
+                        <a:ea typeface="Cambria Math"/>
+                      </a:rPr>
+                      <m:t>KE</m:t>
+                    </m:r>
+                    <m:r>
+                      <a:rPr lang="en-US">
+                        <a:latin typeface="Cambria Math"/>
+                        <a:ea typeface="Cambria Math"/>
+                      </a:rPr>
+                      <m:t>+∆</m:t>
+                    </m:r>
+                    <m:r>
+                      <m:rPr>
+                        <m:sty m:val="p"/>
+                      </m:rPr>
+                      <a:rPr lang="en-US">
+                        <a:latin typeface="Cambria Math"/>
+                        <a:ea typeface="Cambria Math"/>
+                      </a:rPr>
+                      <m:t>PE</m:t>
+                    </m:r>
+                  </m:oMath>
+                </a14:m>
+                <a:endParaRPr lang="en-US" dirty="0">
+                  <a:latin typeface="Cambria Math"/>
+                  <a:ea typeface="Cambria Math"/>
+                </a:endParaRPr>
               </a:p>
               <a:p>
                 <a:pPr marL="914400" lvl="1" indent="-514350"/>
@@ -7394,9 +7597,9 @@
                       <m:e>
                         <m:r>
                           <a:rPr lang="en-US" i="1">
-                            <a:latin typeface="Cambria Math"/>
+                            <a:latin typeface="Cambria Math" panose="02040503050406030204" pitchFamily="18" charset="0"/>
                           </a:rPr>
-                          <m:t>𝑣</m:t>
+                          <m:t>𝑃</m:t>
                         </m:r>
                       </m:e>
                       <m:sub>
@@ -7404,13 +7607,7 @@
                           <a:rPr lang="en-US" i="1">
                             <a:latin typeface="Cambria Math" panose="02040503050406030204" pitchFamily="18" charset="0"/>
                           </a:rPr>
-                          <m:t>𝑡𝐶</m:t>
-                        </m:r>
-                        <m:r>
-                          <a:rPr lang="en-US" i="1">
-                            <a:latin typeface="Cambria Math"/>
-                          </a:rPr>
-                          <m:t>𝑓</m:t>
+                          <m:t>𝑎𝑣𝑒</m:t>
                         </m:r>
                       </m:sub>
                     </m:sSub>
@@ -7418,52 +7615,7 @@
                       <a:rPr lang="en-US" i="1">
                         <a:latin typeface="Cambria Math"/>
                       </a:rPr>
-                      <m:t>=</m:t>
-                    </m:r>
-                    <m:sSub>
-                      <m:sSubPr>
-                        <m:ctrlPr>
-                          <a:rPr lang="en-US" i="1">
-                            <a:latin typeface="Cambria Math" panose="02040503050406030204" pitchFamily="18" charset="0"/>
-                          </a:rPr>
-                        </m:ctrlPr>
-                      </m:sSubPr>
-                      <m:e>
-                        <m:r>
-                          <a:rPr lang="en-US" i="1">
-                            <a:latin typeface="Cambria Math"/>
-                          </a:rPr>
-                          <m:t>𝑣</m:t>
-                        </m:r>
-                      </m:e>
-                      <m:sub>
-                        <m:r>
-                          <a:rPr lang="en-US" i="1">
-                            <a:latin typeface="Cambria Math" panose="02040503050406030204" pitchFamily="18" charset="0"/>
-                          </a:rPr>
-                          <m:t>𝑡𝐶𝑖</m:t>
-                        </m:r>
-                      </m:sub>
-                    </m:sSub>
-                  </m:oMath>
-                </a14:m>
-                <a:endParaRPr lang="en-US" dirty="0"/>
-              </a:p>
-              <a:p>
-                <a:pPr marL="914400" lvl="1" indent="-514350"/>
-                <a14:m>
-                  <m:oMath xmlns:m="http://schemas.openxmlformats.org/officeDocument/2006/math">
-                    <m:r>
-                      <a:rPr lang="en-US" i="1">
-                        <a:latin typeface="Cambria Math"/>
-                      </a:rPr>
-                      <m:t>𝑒</m:t>
-                    </m:r>
-                    <m:r>
-                      <a:rPr lang="en-US" i="1">
-                        <a:latin typeface="Cambria Math"/>
-                      </a:rPr>
-                      <m:t>=−</m:t>
+                      <m:t>= </m:t>
                     </m:r>
                     <m:f>
                       <m:fPr>
@@ -7474,184 +7626,26 @@
                         </m:ctrlPr>
                       </m:fPr>
                       <m:num>
-                        <m:sSub>
-                          <m:sSubPr>
-                            <m:ctrlPr>
-                              <a:rPr lang="en-US" i="1">
-                                <a:latin typeface="Cambria Math" panose="02040503050406030204" pitchFamily="18" charset="0"/>
-                              </a:rPr>
-                            </m:ctrlPr>
-                          </m:sSubPr>
-                          <m:e>
-                            <m:r>
-                              <a:rPr lang="en-US" i="1">
-                                <a:latin typeface="Cambria Math"/>
-                              </a:rPr>
-                              <m:t>𝑣</m:t>
-                            </m:r>
-                          </m:e>
-                          <m:sub>
-                            <m:r>
-                              <a:rPr lang="en-US" i="1">
-                                <a:latin typeface="Cambria Math" panose="02040503050406030204" pitchFamily="18" charset="0"/>
-                              </a:rPr>
-                              <m:t>𝑛𝐴</m:t>
-                            </m:r>
-                            <m:r>
-                              <a:rPr lang="en-US" i="1">
-                                <a:latin typeface="Cambria Math"/>
-                              </a:rPr>
-                              <m:t>𝑓</m:t>
-                            </m:r>
-                          </m:sub>
-                        </m:sSub>
+                        <m:r>
+                          <a:rPr lang="en-US" i="1">
+                            <a:latin typeface="Cambria Math"/>
+                          </a:rPr>
+                          <m:t>𝑊</m:t>
+                        </m:r>
                       </m:num>
                       <m:den>
-                        <m:sSub>
-                          <m:sSubPr>
-                            <m:ctrlPr>
-                              <a:rPr lang="en-US" i="1">
-                                <a:latin typeface="Cambria Math" panose="02040503050406030204" pitchFamily="18" charset="0"/>
-                              </a:rPr>
-                            </m:ctrlPr>
-                          </m:sSubPr>
-                          <m:e>
-                            <m:r>
-                              <a:rPr lang="en-US" i="1">
-                                <a:latin typeface="Cambria Math"/>
-                              </a:rPr>
-                              <m:t>𝑣</m:t>
-                            </m:r>
-                          </m:e>
-                          <m:sub>
-                            <m:r>
-                              <a:rPr lang="en-US" i="1">
-                                <a:latin typeface="Cambria Math" panose="02040503050406030204" pitchFamily="18" charset="0"/>
-                              </a:rPr>
-                              <m:t>𝑛𝐴</m:t>
-                            </m:r>
-                            <m:r>
-                              <a:rPr lang="en-US" i="1">
-                                <a:latin typeface="Cambria Math"/>
-                              </a:rPr>
-                              <m:t>𝑖</m:t>
-                            </m:r>
-                          </m:sub>
-                        </m:sSub>
+                        <m:r>
+                          <a:rPr lang="en-US" i="1">
+                            <a:latin typeface="Cambria Math"/>
+                            <a:ea typeface="Cambria Math"/>
+                          </a:rPr>
+                          <m:t>𝑡</m:t>
+                        </m:r>
                       </m:den>
                     </m:f>
                   </m:oMath>
                 </a14:m>
                 <a:endParaRPr lang="en-US" dirty="0"/>
-              </a:p>
-              <a:p>
-                <a:pPr marL="914400" lvl="1" indent="-514350"/>
-                <a14:m>
-                  <m:oMath xmlns:m="http://schemas.openxmlformats.org/officeDocument/2006/math">
-                    <m:sSup>
-                      <m:sSupPr>
-                        <m:ctrlPr>
-                          <a:rPr lang="en-US" i="1">
-                            <a:latin typeface="Cambria Math" panose="02040503050406030204" pitchFamily="18" charset="0"/>
-                          </a:rPr>
-                        </m:ctrlPr>
-                      </m:sSupPr>
-                      <m:e>
-                        <m:r>
-                          <a:rPr lang="en-US" i="1">
-                            <a:latin typeface="Cambria Math"/>
-                          </a:rPr>
-                          <m:t>𝑒</m:t>
-                        </m:r>
-                      </m:e>
-                      <m:sup>
-                        <m:r>
-                          <a:rPr lang="en-US" i="1">
-                            <a:latin typeface="Cambria Math" panose="02040503050406030204" pitchFamily="18" charset="0"/>
-                          </a:rPr>
-                          <m:t>2</m:t>
-                        </m:r>
-                      </m:sup>
-                    </m:sSup>
-                    <m:r>
-                      <a:rPr lang="en-US" i="1">
-                        <a:latin typeface="Cambria Math"/>
-                      </a:rPr>
-                      <m:t>=</m:t>
-                    </m:r>
-                    <m:f>
-                      <m:fPr>
-                        <m:ctrlPr>
-                          <a:rPr lang="en-US" i="1">
-                            <a:latin typeface="Cambria Math" panose="02040503050406030204" pitchFamily="18" charset="0"/>
-                          </a:rPr>
-                        </m:ctrlPr>
-                      </m:fPr>
-                      <m:num>
-                        <m:sSub>
-                          <m:sSubPr>
-                            <m:ctrlPr>
-                              <a:rPr lang="en-US" i="1">
-                                <a:latin typeface="Cambria Math" panose="02040503050406030204" pitchFamily="18" charset="0"/>
-                              </a:rPr>
-                            </m:ctrlPr>
-                          </m:sSubPr>
-                          <m:e>
-                            <m:r>
-                              <a:rPr lang="en-US" i="1">
-                                <a:latin typeface="Cambria Math" panose="02040503050406030204" pitchFamily="18" charset="0"/>
-                              </a:rPr>
-                              <m:t>𝐾𝐸</m:t>
-                            </m:r>
-                          </m:e>
-                          <m:sub>
-                            <m:r>
-                              <a:rPr lang="en-US" i="1">
-                                <a:latin typeface="Cambria Math" panose="02040503050406030204" pitchFamily="18" charset="0"/>
-                              </a:rPr>
-                              <m:t>𝑓</m:t>
-                            </m:r>
-                          </m:sub>
-                        </m:sSub>
-                      </m:num>
-                      <m:den>
-                        <m:sSub>
-                          <m:sSubPr>
-                            <m:ctrlPr>
-                              <a:rPr lang="en-US" i="1">
-                                <a:latin typeface="Cambria Math" panose="02040503050406030204" pitchFamily="18" charset="0"/>
-                              </a:rPr>
-                            </m:ctrlPr>
-                          </m:sSubPr>
-                          <m:e>
-                            <m:r>
-                              <a:rPr lang="en-US" i="1">
-                                <a:latin typeface="Cambria Math" panose="02040503050406030204" pitchFamily="18" charset="0"/>
-                              </a:rPr>
-                              <m:t>𝐾𝐸</m:t>
-                            </m:r>
-                          </m:e>
-                          <m:sub>
-                            <m:r>
-                              <a:rPr lang="en-US" i="1">
-                                <a:latin typeface="Cambria Math" panose="02040503050406030204" pitchFamily="18" charset="0"/>
-                              </a:rPr>
-                              <m:t>𝑖</m:t>
-                            </m:r>
-                          </m:sub>
-                        </m:sSub>
-                      </m:den>
-                    </m:f>
-                  </m:oMath>
-                </a14:m>
-                <a:endParaRPr lang="en-US" dirty="0"/>
-              </a:p>
-              <a:p>
-                <a:pPr marL="914400" lvl="1" indent="-514350"/>
-                <a:r>
-                  <a:rPr lang="en-US" dirty="0"/>
-                  <a:t>Supplement with kinematics relationships as needed</a:t>
-                </a:r>
               </a:p>
               <a:p>
                 <a:pPr marL="514350" indent="-514350">
@@ -7693,12 +7687,12 @@
             <p:spPr>
               <a:xfrm>
                 <a:off x="457200" y="1600200"/>
-                <a:ext cx="8229600" cy="4983162"/>
+                <a:ext cx="8229600" cy="4648200"/>
               </a:xfrm>
               <a:blipFill>
                 <a:blip r:embed="rId2"/>
                 <a:stretch>
-                  <a:fillRect l="-815" t="-1836" r="-1407"/>
+                  <a:fillRect l="-815" t="-1969"/>
                 </a:stretch>
               </a:blipFill>
             </p:spPr>
@@ -7720,7 +7714,7 @@
     </p:spTree>
     <p:extLst>
       <p:ext uri="{BB962C8B-B14F-4D97-AF65-F5344CB8AC3E}">
-        <p14:creationId xmlns:p14="http://schemas.microsoft.com/office/powerpoint/2010/main" val="2175471731"/>
+        <p14:creationId xmlns:p14="http://schemas.microsoft.com/office/powerpoint/2010/main" val="1685981082"/>
       </p:ext>
     </p:extLst>
   </p:cSld>
@@ -7748,7 +7742,7 @@
                             </p:stCondLst>
                             <p:childTnLst>
                               <p:par>
-                                <p:cTn id="5" presetID="1" presetClass="entr" presetSubtype="0" fill="hold" grpId="0" nodeType="clickEffect">
+                                <p:cTn id="5" presetID="1" presetClass="entr" presetSubtype="0" fill="hold" nodeType="clickEffect">
                                   <p:stCondLst>
                                     <p:cond delay="0"/>
                                   </p:stCondLst>
@@ -7756,55 +7750,6 @@
                                     <p:set>
                                       <p:cBhvr>
                                         <p:cTn id="6" dur="1" fill="hold">
-                                          <p:stCondLst>
-                                            <p:cond delay="0"/>
-                                          </p:stCondLst>
-                                        </p:cTn>
-                                        <p:tgtEl>
-                                          <p:spTgt spid="3">
-                                            <p:txEl>
-                                              <p:pRg st="0" end="0"/>
-                                            </p:txEl>
-                                          </p:spTgt>
-                                        </p:tgtEl>
-                                        <p:attrNameLst>
-                                          <p:attrName>style.visibility</p:attrName>
-                                        </p:attrNameLst>
-                                      </p:cBhvr>
-                                      <p:to>
-                                        <p:strVal val="visible"/>
-                                      </p:to>
-                                    </p:set>
-                                  </p:childTnLst>
-                                </p:cTn>
-                              </p:par>
-                            </p:childTnLst>
-                          </p:cTn>
-                        </p:par>
-                      </p:childTnLst>
-                    </p:cTn>
-                  </p:par>
-                  <p:par>
-                    <p:cTn id="7" fill="hold">
-                      <p:stCondLst>
-                        <p:cond delay="indefinite"/>
-                      </p:stCondLst>
-                      <p:childTnLst>
-                        <p:par>
-                          <p:cTn id="8" fill="hold">
-                            <p:stCondLst>
-                              <p:cond delay="0"/>
-                            </p:stCondLst>
-                            <p:childTnLst>
-                              <p:par>
-                                <p:cTn id="9" presetID="1" presetClass="entr" presetSubtype="0" fill="hold" grpId="0" nodeType="clickEffect">
-                                  <p:stCondLst>
-                                    <p:cond delay="0"/>
-                                  </p:stCondLst>
-                                  <p:childTnLst>
-                                    <p:set>
-                                      <p:cBhvr>
-                                        <p:cTn id="10" dur="1" fill="hold">
                                           <p:stCondLst>
                                             <p:cond delay="0"/>
                                           </p:stCondLst>
@@ -7828,14 +7773,14 @@
                                 </p:cTn>
                               </p:par>
                               <p:par>
-                                <p:cTn id="11" presetID="1" presetClass="entr" presetSubtype="0" fill="hold" grpId="0" nodeType="withEffect">
+                                <p:cTn id="7" presetID="1" presetClass="entr" presetSubtype="0" fill="hold" nodeType="withEffect">
                                   <p:stCondLst>
                                     <p:cond delay="0"/>
                                   </p:stCondLst>
                                   <p:childTnLst>
                                     <p:set>
                                       <p:cBhvr>
-                                        <p:cTn id="12" dur="1" fill="hold">
+                                        <p:cTn id="8" dur="1" fill="hold">
                                           <p:stCondLst>
                                             <p:cond delay="0"/>
                                           </p:stCondLst>
@@ -7859,14 +7804,14 @@
                                 </p:cTn>
                               </p:par>
                               <p:par>
-                                <p:cTn id="13" presetID="1" presetClass="entr" presetSubtype="0" fill="hold" grpId="0" nodeType="withEffect">
+                                <p:cTn id="9" presetID="1" presetClass="entr" presetSubtype="0" fill="hold" nodeType="withEffect">
                                   <p:stCondLst>
                                     <p:cond delay="0"/>
                                   </p:stCondLst>
                                   <p:childTnLst>
                                     <p:set>
                                       <p:cBhvr>
-                                        <p:cTn id="14" dur="1" fill="hold">
+                                        <p:cTn id="10" dur="1" fill="hold">
                                           <p:stCondLst>
                                             <p:cond delay="0"/>
                                           </p:stCondLst>
@@ -7890,14 +7835,14 @@
                                 </p:cTn>
                               </p:par>
                               <p:par>
-                                <p:cTn id="15" presetID="1" presetClass="entr" presetSubtype="0" fill="hold" grpId="0" nodeType="withEffect">
+                                <p:cTn id="11" presetID="1" presetClass="entr" presetSubtype="0" fill="hold" nodeType="withEffect">
                                   <p:stCondLst>
                                     <p:cond delay="0"/>
                                   </p:stCondLst>
                                   <p:childTnLst>
                                     <p:set>
                                       <p:cBhvr>
-                                        <p:cTn id="16" dur="1" fill="hold">
+                                        <p:cTn id="12" dur="1" fill="hold">
                                           <p:stCondLst>
                                             <p:cond delay="0"/>
                                           </p:stCondLst>
@@ -7927,26 +7872,26 @@
                     </p:cTn>
                   </p:par>
                   <p:par>
-                    <p:cTn id="17" fill="hold">
+                    <p:cTn id="13" fill="hold">
                       <p:stCondLst>
                         <p:cond delay="indefinite"/>
                       </p:stCondLst>
                       <p:childTnLst>
                         <p:par>
-                          <p:cTn id="18" fill="hold">
+                          <p:cTn id="14" fill="hold">
                             <p:stCondLst>
                               <p:cond delay="0"/>
                             </p:stCondLst>
                             <p:childTnLst>
                               <p:par>
-                                <p:cTn id="19" presetID="1" presetClass="entr" presetSubtype="0" fill="hold" grpId="0" nodeType="clickEffect">
+                                <p:cTn id="15" presetID="1" presetClass="entr" presetSubtype="0" fill="hold" nodeType="clickEffect">
                                   <p:stCondLst>
                                     <p:cond delay="0"/>
                                   </p:stCondLst>
                                   <p:childTnLst>
                                     <p:set>
                                       <p:cBhvr>
-                                        <p:cTn id="20" dur="1" fill="hold">
+                                        <p:cTn id="16" dur="1" fill="hold">
                                           <p:stCondLst>
                                             <p:cond delay="0"/>
                                           </p:stCondLst>
@@ -7970,14 +7915,14 @@
                                 </p:cTn>
                               </p:par>
                               <p:par>
-                                <p:cTn id="21" presetID="1" presetClass="entr" presetSubtype="0" fill="hold" grpId="0" nodeType="withEffect">
+                                <p:cTn id="17" presetID="1" presetClass="entr" presetSubtype="0" fill="hold" nodeType="withEffect">
                                   <p:stCondLst>
                                     <p:cond delay="0"/>
                                   </p:stCondLst>
                                   <p:childTnLst>
                                     <p:set>
                                       <p:cBhvr>
-                                        <p:cTn id="22" dur="1" fill="hold">
+                                        <p:cTn id="18" dur="1" fill="hold">
                                           <p:stCondLst>
                                             <p:cond delay="0"/>
                                           </p:stCondLst>
@@ -8001,14 +7946,14 @@
                                 </p:cTn>
                               </p:par>
                               <p:par>
-                                <p:cTn id="23" presetID="1" presetClass="entr" presetSubtype="0" fill="hold" grpId="0" nodeType="withEffect">
+                                <p:cTn id="19" presetID="1" presetClass="entr" presetSubtype="0" fill="hold" nodeType="withEffect">
                                   <p:stCondLst>
                                     <p:cond delay="0"/>
                                   </p:stCondLst>
                                   <p:childTnLst>
                                     <p:set>
                                       <p:cBhvr>
-                                        <p:cTn id="24" dur="1" fill="hold">
+                                        <p:cTn id="20" dur="1" fill="hold">
                                           <p:stCondLst>
                                             <p:cond delay="0"/>
                                           </p:stCondLst>
@@ -8031,15 +7976,33 @@
                                   </p:childTnLst>
                                 </p:cTn>
                               </p:par>
+                            </p:childTnLst>
+                          </p:cTn>
+                        </p:par>
+                      </p:childTnLst>
+                    </p:cTn>
+                  </p:par>
+                  <p:par>
+                    <p:cTn id="21" fill="hold">
+                      <p:stCondLst>
+                        <p:cond delay="indefinite"/>
+                      </p:stCondLst>
+                      <p:childTnLst>
+                        <p:par>
+                          <p:cTn id="22" fill="hold">
+                            <p:stCondLst>
+                              <p:cond delay="0"/>
+                            </p:stCondLst>
+                            <p:childTnLst>
                               <p:par>
-                                <p:cTn id="25" presetID="1" presetClass="entr" presetSubtype="0" fill="hold" grpId="0" nodeType="withEffect">
+                                <p:cTn id="23" presetID="1" presetClass="entr" presetSubtype="0" fill="hold" nodeType="clickEffect">
                                   <p:stCondLst>
                                     <p:cond delay="0"/>
                                   </p:stCondLst>
                                   <p:childTnLst>
                                     <p:set>
                                       <p:cBhvr>
-                                        <p:cTn id="26" dur="1" fill="hold">
+                                        <p:cTn id="24" dur="1" fill="hold">
                                           <p:stCondLst>
                                             <p:cond delay="0"/>
                                           </p:stCondLst>
@@ -8048,86 +8011,6 @@
                                           <p:spTgt spid="3">
                                             <p:txEl>
                                               <p:pRg st="8" end="8"/>
-                                            </p:txEl>
-                                          </p:spTgt>
-                                        </p:tgtEl>
-                                        <p:attrNameLst>
-                                          <p:attrName>style.visibility</p:attrName>
-                                        </p:attrNameLst>
-                                      </p:cBhvr>
-                                      <p:to>
-                                        <p:strVal val="visible"/>
-                                      </p:to>
-                                    </p:set>
-                                  </p:childTnLst>
-                                </p:cTn>
-                              </p:par>
-                              <p:par>
-                                <p:cTn id="27" presetID="1" presetClass="entr" presetSubtype="0" fill="hold" grpId="0" nodeType="withEffect">
-                                  <p:stCondLst>
-                                    <p:cond delay="0"/>
-                                  </p:stCondLst>
-                                  <p:childTnLst>
-                                    <p:set>
-                                      <p:cBhvr>
-                                        <p:cTn id="28" dur="1" fill="hold">
-                                          <p:stCondLst>
-                                            <p:cond delay="0"/>
-                                          </p:stCondLst>
-                                        </p:cTn>
-                                        <p:tgtEl>
-                                          <p:spTgt spid="3">
-                                            <p:txEl>
-                                              <p:pRg st="9" end="9"/>
-                                            </p:txEl>
-                                          </p:spTgt>
-                                        </p:tgtEl>
-                                        <p:attrNameLst>
-                                          <p:attrName>style.visibility</p:attrName>
-                                        </p:attrNameLst>
-                                      </p:cBhvr>
-                                      <p:to>
-                                        <p:strVal val="visible"/>
-                                      </p:to>
-                                    </p:set>
-                                  </p:childTnLst>
-                                </p:cTn>
-                              </p:par>
-                            </p:childTnLst>
-                          </p:cTn>
-                        </p:par>
-                      </p:childTnLst>
-                    </p:cTn>
-                  </p:par>
-                  <p:par>
-                    <p:cTn id="29" fill="hold">
-                      <p:stCondLst>
-                        <p:cond delay="indefinite"/>
-                      </p:stCondLst>
-                      <p:childTnLst>
-                        <p:par>
-                          <p:cTn id="30" fill="hold">
-                            <p:stCondLst>
-                              <p:cond delay="0"/>
-                            </p:stCondLst>
-                            <p:childTnLst>
-                              <p:par>
-                                <p:cTn id="31" presetID="1" presetClass="entr" presetSubtype="0" fill="hold" grpId="0" nodeType="clickEffect">
-                                  <p:stCondLst>
-                                    <p:cond delay="0"/>
-                                  </p:stCondLst>
-                                  <p:childTnLst>
-                                    <p:set>
-                                      <p:cBhvr>
-                                        <p:cTn id="32" dur="1" fill="hold">
-                                          <p:stCondLst>
-                                            <p:cond delay="0"/>
-                                          </p:stCondLst>
-                                        </p:cTn>
-                                        <p:tgtEl>
-                                          <p:spTgt spid="3">
-                                            <p:txEl>
-                                              <p:pRg st="10" end="10"/>
                                             </p:txEl>
                                           </p:spTgt>
                                         </p:tgtEl>
@@ -8169,9 +8052,6 @@
         </p:cTn>
       </p:par>
     </p:tnLst>
-    <p:bldLst>
-      <p:bldP spid="3" grpId="0" uiExpand="1" build="p"/>
-    </p:bldLst>
   </p:timing>
 </p:sld>
 </file>
@@ -8747,6 +8627,21 @@
 </file>
 
 <file path=customXml/item1.xml><?xml version="1.0" encoding="utf-8"?>
+<?mso-contentType ?>
+<FormTemplates xmlns="http://schemas.microsoft.com/sharepoint/v3/contenttype/forms">
+  <Display>DocumentLibraryForm</Display>
+  <Edit>DocumentLibraryForm</Edit>
+  <New>DocumentLibraryForm</New>
+</FormTemplates>
+</file>
+
+<file path=customXml/item2.xml><?xml version="1.0" encoding="utf-8"?>
+<p:properties xmlns:p="http://schemas.microsoft.com/office/2006/metadata/properties" xmlns:xsi="http://www.w3.org/2001/XMLSchema-instance" xmlns:pc="http://schemas.microsoft.com/office/infopath/2007/PartnerControls">
+  <documentManagement/>
+</p:properties>
+</file>
+
+<file path=customXml/item3.xml><?xml version="1.0" encoding="utf-8"?>
 <ct:contentTypeSchema xmlns:ct="http://schemas.microsoft.com/office/2006/metadata/contentType" xmlns:ma="http://schemas.microsoft.com/office/2006/metadata/properties/metaAttributes" ct:_="" ma:_="" ma:contentTypeName="Document" ma:contentTypeID="0x010100A06DF21F5BB2734A800ED30F3F452129" ma:contentTypeVersion="12" ma:contentTypeDescription="Create a new document." ma:contentTypeScope="" ma:versionID="544d96a5fbac5de9d5d902b535c73fb2">
   <xsd:schema xmlns:xsd="http://www.w3.org/2001/XMLSchema" xmlns:xs="http://www.w3.org/2001/XMLSchema" xmlns:p="http://schemas.microsoft.com/office/2006/metadata/properties" xmlns:ns3="90d05cb5-950f-4f68-bc2c-e17794455b92" xmlns:ns4="b4eab9fa-dbb0-4082-8491-8bd54207a265" targetNamespace="http://schemas.microsoft.com/office/2006/metadata/properties" ma:root="true" ma:fieldsID="7a710efc71c2169bf9c05e5a40dddf12" ns3:_="" ns4:_="">
     <xsd:import namespace="90d05cb5-950f-4f68-bc2c-e17794455b92"/>
@@ -8963,36 +8858,10 @@
 </ct:contentTypeSchema>
 </file>
 
-<file path=customXml/item2.xml><?xml version="1.0" encoding="utf-8"?>
-<p:properties xmlns:p="http://schemas.microsoft.com/office/2006/metadata/properties" xmlns:xsi="http://www.w3.org/2001/XMLSchema-instance" xmlns:pc="http://schemas.microsoft.com/office/infopath/2007/PartnerControls">
-  <documentManagement/>
-</p:properties>
-</file>
-
-<file path=customXml/item3.xml><?xml version="1.0" encoding="utf-8"?>
-<?mso-contentType ?>
-<FormTemplates xmlns="http://schemas.microsoft.com/sharepoint/v3/contenttype/forms">
-  <Display>DocumentLibraryForm</Display>
-  <Edit>DocumentLibraryForm</Edit>
-  <New>DocumentLibraryForm</New>
-</FormTemplates>
-</file>
-
 <file path=customXml/itemProps1.xml><?xml version="1.0" encoding="utf-8"?>
-<ds:datastoreItem xmlns:ds="http://schemas.openxmlformats.org/officeDocument/2006/customXml" ds:itemID="{A43B8A4B-79FE-4529-931C-D64224FA70E3}">
+<ds:datastoreItem xmlns:ds="http://schemas.openxmlformats.org/officeDocument/2006/customXml" ds:itemID="{F5CF5F32-56DC-4068-8B04-457CF34A96F3}">
   <ds:schemaRefs>
-    <ds:schemaRef ds:uri="http://schemas.microsoft.com/office/2006/metadata/contentType"/>
-    <ds:schemaRef ds:uri="http://schemas.microsoft.com/office/2006/metadata/properties/metaAttributes"/>
-    <ds:schemaRef ds:uri="http://www.w3.org/2001/XMLSchema"/>
-    <ds:schemaRef ds:uri="http://schemas.microsoft.com/office/2006/metadata/properties"/>
-    <ds:schemaRef ds:uri="90d05cb5-950f-4f68-bc2c-e17794455b92"/>
-    <ds:schemaRef ds:uri="b4eab9fa-dbb0-4082-8491-8bd54207a265"/>
-    <ds:schemaRef ds:uri="http://schemas.microsoft.com/office/2006/documentManagement/types"/>
-    <ds:schemaRef ds:uri="http://schemas.microsoft.com/office/infopath/2007/PartnerControls"/>
-    <ds:schemaRef ds:uri="http://schemas.openxmlformats.org/package/2006/metadata/core-properties"/>
-    <ds:schemaRef ds:uri="http://purl.org/dc/elements/1.1/"/>
-    <ds:schemaRef ds:uri="http://purl.org/dc/terms/"/>
-    <ds:schemaRef ds:uri="http://schemas.microsoft.com/internal/obd"/>
+    <ds:schemaRef ds:uri="http://schemas.microsoft.com/sharepoint/v3/contenttype/forms"/>
   </ds:schemaRefs>
 </ds:datastoreItem>
 </file>
@@ -9015,9 +8884,20 @@
 </file>
 
 <file path=customXml/itemProps3.xml><?xml version="1.0" encoding="utf-8"?>
-<ds:datastoreItem xmlns:ds="http://schemas.openxmlformats.org/officeDocument/2006/customXml" ds:itemID="{F5CF5F32-56DC-4068-8B04-457CF34A96F3}">
+<ds:datastoreItem xmlns:ds="http://schemas.openxmlformats.org/officeDocument/2006/customXml" ds:itemID="{A43B8A4B-79FE-4529-931C-D64224FA70E3}">
   <ds:schemaRefs>
-    <ds:schemaRef ds:uri="http://schemas.microsoft.com/sharepoint/v3/contenttype/forms"/>
+    <ds:schemaRef ds:uri="http://schemas.microsoft.com/office/2006/metadata/contentType"/>
+    <ds:schemaRef ds:uri="http://schemas.microsoft.com/office/2006/metadata/properties/metaAttributes"/>
+    <ds:schemaRef ds:uri="http://www.w3.org/2001/XMLSchema"/>
+    <ds:schemaRef ds:uri="http://schemas.microsoft.com/office/2006/metadata/properties"/>
+    <ds:schemaRef ds:uri="90d05cb5-950f-4f68-bc2c-e17794455b92"/>
+    <ds:schemaRef ds:uri="b4eab9fa-dbb0-4082-8491-8bd54207a265"/>
+    <ds:schemaRef ds:uri="http://schemas.microsoft.com/office/2006/documentManagement/types"/>
+    <ds:schemaRef ds:uri="http://schemas.microsoft.com/office/infopath/2007/PartnerControls"/>
+    <ds:schemaRef ds:uri="http://schemas.openxmlformats.org/package/2006/metadata/core-properties"/>
+    <ds:schemaRef ds:uri="http://purl.org/dc/elements/1.1/"/>
+    <ds:schemaRef ds:uri="http://purl.org/dc/terms/"/>
+    <ds:schemaRef ds:uri="http://schemas.microsoft.com/internal/obd"/>
   </ds:schemaRefs>
 </ds:datastoreItem>
 </file>
--- a/Lecture Slides/VideoLectureSlides/14.2.pptx
+++ b/Lecture Slides/VideoLectureSlides/14.2.pptx
@@ -5,7 +5,7 @@
     <p:sldMasterId id="2147483660" r:id="rId4"/>
   </p:sldMasterIdLst>
   <p:notesMasterIdLst>
-    <p:notesMasterId r:id="rId28"/>
+    <p:notesMasterId r:id="rId29"/>
   </p:notesMasterIdLst>
   <p:sldIdLst>
     <p:sldId id="256" r:id="rId5"/>
@@ -14,23 +14,24 @@
     <p:sldId id="295" r:id="rId8"/>
     <p:sldId id="289" r:id="rId9"/>
     <p:sldId id="290" r:id="rId10"/>
-    <p:sldId id="296" r:id="rId11"/>
-    <p:sldId id="297" r:id="rId12"/>
-    <p:sldId id="259" r:id="rId13"/>
-    <p:sldId id="260" r:id="rId14"/>
-    <p:sldId id="291" r:id="rId15"/>
-    <p:sldId id="265" r:id="rId16"/>
-    <p:sldId id="261" r:id="rId17"/>
-    <p:sldId id="268" r:id="rId18"/>
-    <p:sldId id="287" r:id="rId19"/>
-    <p:sldId id="262" r:id="rId20"/>
-    <p:sldId id="263" r:id="rId21"/>
-    <p:sldId id="298" r:id="rId22"/>
-    <p:sldId id="299" r:id="rId23"/>
-    <p:sldId id="300" r:id="rId24"/>
-    <p:sldId id="301" r:id="rId25"/>
-    <p:sldId id="302" r:id="rId26"/>
-    <p:sldId id="303" r:id="rId27"/>
+    <p:sldId id="304" r:id="rId11"/>
+    <p:sldId id="296" r:id="rId12"/>
+    <p:sldId id="297" r:id="rId13"/>
+    <p:sldId id="259" r:id="rId14"/>
+    <p:sldId id="260" r:id="rId15"/>
+    <p:sldId id="291" r:id="rId16"/>
+    <p:sldId id="265" r:id="rId17"/>
+    <p:sldId id="261" r:id="rId18"/>
+    <p:sldId id="268" r:id="rId19"/>
+    <p:sldId id="287" r:id="rId20"/>
+    <p:sldId id="262" r:id="rId21"/>
+    <p:sldId id="263" r:id="rId22"/>
+    <p:sldId id="298" r:id="rId23"/>
+    <p:sldId id="299" r:id="rId24"/>
+    <p:sldId id="300" r:id="rId25"/>
+    <p:sldId id="301" r:id="rId26"/>
+    <p:sldId id="302" r:id="rId27"/>
+    <p:sldId id="303" r:id="rId28"/>
   </p:sldIdLst>
   <p:sldSz cx="9144000" cy="6858000" type="screen4x3"/>
   <p:notesSz cx="6858000" cy="9144000"/>
@@ -244,7 +245,7 @@
           <a:p>
             <a:fld id="{1AA1AB63-216F-4D5B-8811-CCB935E98D4A}" type="datetimeFigureOut">
               <a:rPr lang="en-US" smtClean="0"/>
-              <a:t>1/13/2022</a:t>
+              <a:t>8/29/2022</a:t>
             </a:fld>
             <a:endParaRPr lang="en-US" dirty="0"/>
           </a:p>
@@ -623,7 +624,7 @@
                 <a:tabLst/>
                 <a:defRPr/>
               </a:pPr>
-              <a:t>11</a:t>
+              <a:t>12</a:t>
             </a:fld>
             <a:endParaRPr kumimoji="0" lang="en-US" sz="1200" b="0" i="0" u="none" strike="noStrike" kern="1200" cap="none" spc="0" normalizeH="0" baseline="0" noProof="0">
               <a:ln>
@@ -3893,6 +3894,1312 @@
 </file>
 
 <file path=ppt/slides/slide10.xml><?xml version="1.0" encoding="utf-8"?>
+<p:sld xmlns:a="http://schemas.openxmlformats.org/drawingml/2006/main" xmlns:r="http://schemas.openxmlformats.org/officeDocument/2006/relationships" xmlns:p="http://schemas.openxmlformats.org/presentationml/2006/main">
+  <p:cSld>
+    <p:spTree>
+      <p:nvGrpSpPr>
+        <p:cNvPr id="1" name=""/>
+        <p:cNvGrpSpPr/>
+        <p:nvPr/>
+      </p:nvGrpSpPr>
+      <p:grpSpPr>
+        <a:xfrm>
+          <a:off x="0" y="0"/>
+          <a:ext cx="0" cy="0"/>
+          <a:chOff x="0" y="0"/>
+          <a:chExt cx="0" cy="0"/>
+        </a:xfrm>
+      </p:grpSpPr>
+      <p:sp>
+        <p:nvSpPr>
+          <p:cNvPr id="2" name="Title 1"/>
+          <p:cNvSpPr>
+            <a:spLocks noGrp="1"/>
+          </p:cNvSpPr>
+          <p:nvPr>
+            <p:ph type="title"/>
+          </p:nvPr>
+        </p:nvSpPr>
+        <p:spPr/>
+        <p:txBody>
+          <a:bodyPr/>
+          <a:lstStyle/>
+          <a:p>
+            <a:r>
+              <a:rPr lang="en-US" dirty="0"/>
+              <a:t>Rotational Kinetic Energy</a:t>
+            </a:r>
+          </a:p>
+        </p:txBody>
+      </p:sp>
+      <mc:AlternateContent xmlns:mc="http://schemas.openxmlformats.org/markup-compatibility/2006" xmlns:a14="http://schemas.microsoft.com/office/drawing/2010/main">
+        <mc:Choice Requires="a14">
+          <p:sp>
+            <p:nvSpPr>
+              <p:cNvPr id="3" name="Content Placeholder 2"/>
+              <p:cNvSpPr>
+                <a:spLocks noGrp="1"/>
+              </p:cNvSpPr>
+              <p:nvPr>
+                <p:ph idx="1"/>
+              </p:nvPr>
+            </p:nvSpPr>
+            <p:spPr>
+              <a:xfrm>
+                <a:off x="457200" y="1600200"/>
+                <a:ext cx="4886418" cy="4525963"/>
+              </a:xfrm>
+            </p:spPr>
+            <p:txBody>
+              <a:bodyPr>
+                <a:normAutofit fontScale="70000" lnSpcReduction="20000"/>
+              </a:bodyPr>
+              <a:lstStyle/>
+              <a:p>
+                <a:r>
+                  <a:rPr lang="en-US" dirty="0"/>
+                  <a:t>The rotational kinetic energy is the kinetic energy stored up the relative motions of all the parts of a spinning body.</a:t>
+                </a:r>
+              </a:p>
+              <a:p>
+                <a:r>
+                  <a:rPr lang="en-US" dirty="0"/>
+                  <a:t>For fixed axis rotation:</a:t>
+                </a:r>
+              </a:p>
+              <a:p>
+                <a:pPr marL="0" indent="0">
+                  <a:buNone/>
+                </a:pPr>
+                <a14:m>
+                  <m:oMathPara xmlns:m="http://schemas.openxmlformats.org/officeDocument/2006/math">
+                    <m:oMathParaPr>
+                      <m:jc m:val="centerGroup"/>
+                    </m:oMathParaPr>
+                    <m:oMath xmlns:m="http://schemas.openxmlformats.org/officeDocument/2006/math">
+                      <m:r>
+                        <a:rPr lang="en-US" b="0" i="1" smtClean="0">
+                          <a:latin typeface="Cambria Math"/>
+                        </a:rPr>
+                        <m:t>𝐾𝐸</m:t>
+                      </m:r>
+                      <m:r>
+                        <a:rPr lang="en-US" b="0" i="1" smtClean="0">
+                          <a:latin typeface="Cambria Math"/>
+                        </a:rPr>
+                        <m:t>=</m:t>
+                      </m:r>
+                      <m:f>
+                        <m:fPr>
+                          <m:ctrlPr>
+                            <a:rPr lang="en-US" b="0" i="1" smtClean="0">
+                              <a:latin typeface="Cambria Math" panose="02040503050406030204" pitchFamily="18" charset="0"/>
+                            </a:rPr>
+                          </m:ctrlPr>
+                        </m:fPr>
+                        <m:num>
+                          <m:r>
+                            <a:rPr lang="en-US" b="0" i="1" smtClean="0">
+                              <a:latin typeface="Cambria Math"/>
+                            </a:rPr>
+                            <m:t>1</m:t>
+                          </m:r>
+                        </m:num>
+                        <m:den>
+                          <m:r>
+                            <a:rPr lang="en-US" b="0" i="1" smtClean="0">
+                              <a:latin typeface="Cambria Math"/>
+                            </a:rPr>
+                            <m:t>2</m:t>
+                          </m:r>
+                        </m:den>
+                      </m:f>
+                      <m:sSub>
+                        <m:sSubPr>
+                          <m:ctrlPr>
+                            <a:rPr lang="en-US" b="0" i="1" smtClean="0">
+                              <a:latin typeface="Cambria Math" panose="02040503050406030204" pitchFamily="18" charset="0"/>
+                            </a:rPr>
+                          </m:ctrlPr>
+                        </m:sSubPr>
+                        <m:e>
+                          <m:r>
+                            <a:rPr lang="en-US" b="0" i="1" smtClean="0">
+                              <a:latin typeface="Cambria Math"/>
+                            </a:rPr>
+                            <m:t>𝐼</m:t>
+                          </m:r>
+                        </m:e>
+                        <m:sub>
+                          <m:r>
+                            <a:rPr lang="en-US" b="0" i="1" smtClean="0">
+                              <a:latin typeface="Cambria Math"/>
+                            </a:rPr>
+                            <m:t>𝑜</m:t>
+                          </m:r>
+                        </m:sub>
+                      </m:sSub>
+                      <m:sSubSup>
+                        <m:sSubSupPr>
+                          <m:ctrlPr>
+                            <a:rPr lang="en-US" b="0" i="1" smtClean="0">
+                              <a:latin typeface="Cambria Math" panose="02040503050406030204" pitchFamily="18" charset="0"/>
+                              <a:ea typeface="Cambria Math"/>
+                            </a:rPr>
+                          </m:ctrlPr>
+                        </m:sSubSupPr>
+                        <m:e>
+                          <m:r>
+                            <a:rPr lang="en-US" i="1">
+                              <a:latin typeface="Cambria Math"/>
+                              <a:ea typeface="Cambria Math"/>
+                            </a:rPr>
+                            <m:t>𝜔</m:t>
+                          </m:r>
+                        </m:e>
+                        <m:sub/>
+                        <m:sup>
+                          <m:r>
+                            <a:rPr lang="en-US" b="0" i="1" smtClean="0">
+                              <a:latin typeface="Cambria Math"/>
+                            </a:rPr>
+                            <m:t>2</m:t>
+                          </m:r>
+                        </m:sup>
+                      </m:sSubSup>
+                    </m:oMath>
+                  </m:oMathPara>
+                </a14:m>
+                <a:endParaRPr lang="en-US" dirty="0"/>
+              </a:p>
+              <a:p>
+                <a:r>
+                  <a:rPr lang="en-US" dirty="0"/>
+                  <a:t>For changes in kinetic energy we have:</a:t>
+                </a:r>
+              </a:p>
+              <a:p>
+                <a:pPr marL="0" indent="0">
+                  <a:buNone/>
+                </a:pPr>
+                <a14:m>
+                  <m:oMathPara xmlns:m="http://schemas.openxmlformats.org/officeDocument/2006/math">
+                    <m:oMathParaPr>
+                      <m:jc m:val="centerGroup"/>
+                    </m:oMathParaPr>
+                    <m:oMath xmlns:m="http://schemas.openxmlformats.org/officeDocument/2006/math">
+                      <m:r>
+                        <a:rPr lang="en-US" i="1" smtClean="0">
+                          <a:latin typeface="Cambria Math" panose="02040503050406030204" pitchFamily="18" charset="0"/>
+                          <a:ea typeface="Cambria Math" panose="02040503050406030204" pitchFamily="18" charset="0"/>
+                        </a:rPr>
+                        <m:t>∆</m:t>
+                      </m:r>
+                      <m:r>
+                        <a:rPr lang="en-US" i="1">
+                          <a:latin typeface="Cambria Math"/>
+                        </a:rPr>
+                        <m:t>𝐾𝐸</m:t>
+                      </m:r>
+                      <m:r>
+                        <a:rPr lang="en-US" i="1">
+                          <a:latin typeface="Cambria Math"/>
+                        </a:rPr>
+                        <m:t>=</m:t>
+                      </m:r>
+                      <m:f>
+                        <m:fPr>
+                          <m:ctrlPr>
+                            <a:rPr lang="en-US" i="1">
+                              <a:latin typeface="Cambria Math" panose="02040503050406030204" pitchFamily="18" charset="0"/>
+                            </a:rPr>
+                          </m:ctrlPr>
+                        </m:fPr>
+                        <m:num>
+                          <m:r>
+                            <a:rPr lang="en-US" i="1">
+                              <a:latin typeface="Cambria Math"/>
+                            </a:rPr>
+                            <m:t>1</m:t>
+                          </m:r>
+                        </m:num>
+                        <m:den>
+                          <m:r>
+                            <a:rPr lang="en-US" i="1">
+                              <a:latin typeface="Cambria Math"/>
+                            </a:rPr>
+                            <m:t>2</m:t>
+                          </m:r>
+                        </m:den>
+                      </m:f>
+                      <m:sSub>
+                        <m:sSubPr>
+                          <m:ctrlPr>
+                            <a:rPr lang="en-US" i="1">
+                              <a:latin typeface="Cambria Math" panose="02040503050406030204" pitchFamily="18" charset="0"/>
+                            </a:rPr>
+                          </m:ctrlPr>
+                        </m:sSubPr>
+                        <m:e>
+                          <m:r>
+                            <a:rPr lang="en-US" i="1">
+                              <a:latin typeface="Cambria Math"/>
+                            </a:rPr>
+                            <m:t>𝐼</m:t>
+                          </m:r>
+                        </m:e>
+                        <m:sub>
+                          <m:r>
+                            <a:rPr lang="en-US" i="1">
+                              <a:latin typeface="Cambria Math"/>
+                            </a:rPr>
+                            <m:t>𝑜</m:t>
+                          </m:r>
+                        </m:sub>
+                      </m:sSub>
+                      <m:sSubSup>
+                        <m:sSubSupPr>
+                          <m:ctrlPr>
+                            <a:rPr lang="en-US" i="1">
+                              <a:latin typeface="Cambria Math" panose="02040503050406030204" pitchFamily="18" charset="0"/>
+                              <a:ea typeface="Cambria Math"/>
+                            </a:rPr>
+                          </m:ctrlPr>
+                        </m:sSubSupPr>
+                        <m:e>
+                          <m:r>
+                            <a:rPr lang="en-US" i="1">
+                              <a:latin typeface="Cambria Math"/>
+                              <a:ea typeface="Cambria Math"/>
+                            </a:rPr>
+                            <m:t>𝜔</m:t>
+                          </m:r>
+                        </m:e>
+                        <m:sub>
+                          <m:r>
+                            <a:rPr lang="en-US" b="0" i="1" smtClean="0">
+                              <a:latin typeface="Cambria Math" panose="02040503050406030204" pitchFamily="18" charset="0"/>
+                              <a:ea typeface="Cambria Math"/>
+                            </a:rPr>
+                            <m:t>𝑓</m:t>
+                          </m:r>
+                        </m:sub>
+                        <m:sup>
+                          <m:r>
+                            <a:rPr lang="en-US" i="1">
+                              <a:latin typeface="Cambria Math"/>
+                            </a:rPr>
+                            <m:t>2</m:t>
+                          </m:r>
+                        </m:sup>
+                      </m:sSubSup>
+                      <m:r>
+                        <a:rPr lang="en-US" b="0" i="1" smtClean="0">
+                          <a:latin typeface="Cambria Math" panose="02040503050406030204" pitchFamily="18" charset="0"/>
+                        </a:rPr>
+                        <m:t>−</m:t>
+                      </m:r>
+                      <m:f>
+                        <m:fPr>
+                          <m:ctrlPr>
+                            <a:rPr lang="en-US" i="1">
+                              <a:latin typeface="Cambria Math" panose="02040503050406030204" pitchFamily="18" charset="0"/>
+                            </a:rPr>
+                          </m:ctrlPr>
+                        </m:fPr>
+                        <m:num>
+                          <m:r>
+                            <a:rPr lang="en-US" i="1">
+                              <a:latin typeface="Cambria Math"/>
+                            </a:rPr>
+                            <m:t>1</m:t>
+                          </m:r>
+                        </m:num>
+                        <m:den>
+                          <m:r>
+                            <a:rPr lang="en-US" i="1">
+                              <a:latin typeface="Cambria Math"/>
+                            </a:rPr>
+                            <m:t>2</m:t>
+                          </m:r>
+                        </m:den>
+                      </m:f>
+                      <m:sSub>
+                        <m:sSubPr>
+                          <m:ctrlPr>
+                            <a:rPr lang="en-US" i="1">
+                              <a:latin typeface="Cambria Math" panose="02040503050406030204" pitchFamily="18" charset="0"/>
+                            </a:rPr>
+                          </m:ctrlPr>
+                        </m:sSubPr>
+                        <m:e>
+                          <m:r>
+                            <a:rPr lang="en-US" i="1">
+                              <a:latin typeface="Cambria Math"/>
+                            </a:rPr>
+                            <m:t>𝐼</m:t>
+                          </m:r>
+                        </m:e>
+                        <m:sub>
+                          <m:r>
+                            <a:rPr lang="en-US" i="1">
+                              <a:latin typeface="Cambria Math"/>
+                            </a:rPr>
+                            <m:t>𝑜</m:t>
+                          </m:r>
+                        </m:sub>
+                      </m:sSub>
+                      <m:sSubSup>
+                        <m:sSubSupPr>
+                          <m:ctrlPr>
+                            <a:rPr lang="en-US" i="1">
+                              <a:latin typeface="Cambria Math" panose="02040503050406030204" pitchFamily="18" charset="0"/>
+                              <a:ea typeface="Cambria Math"/>
+                            </a:rPr>
+                          </m:ctrlPr>
+                        </m:sSubSupPr>
+                        <m:e>
+                          <m:r>
+                            <a:rPr lang="en-US" i="1">
+                              <a:latin typeface="Cambria Math"/>
+                              <a:ea typeface="Cambria Math"/>
+                            </a:rPr>
+                            <m:t>𝜔</m:t>
+                          </m:r>
+                        </m:e>
+                        <m:sub>
+                          <m:r>
+                            <a:rPr lang="en-US" b="0" i="1" smtClean="0">
+                              <a:latin typeface="Cambria Math" panose="02040503050406030204" pitchFamily="18" charset="0"/>
+                              <a:ea typeface="Cambria Math"/>
+                            </a:rPr>
+                            <m:t>𝑖</m:t>
+                          </m:r>
+                        </m:sub>
+                        <m:sup>
+                          <m:r>
+                            <a:rPr lang="en-US" i="1">
+                              <a:latin typeface="Cambria Math"/>
+                            </a:rPr>
+                            <m:t>2</m:t>
+                          </m:r>
+                        </m:sup>
+                      </m:sSubSup>
+                    </m:oMath>
+                  </m:oMathPara>
+                </a14:m>
+                <a:endParaRPr lang="en-US" dirty="0"/>
+              </a:p>
+              <a:p>
+                <a:r>
+                  <a:rPr lang="en-US" dirty="0"/>
+                  <a:t>For fixed axis rotation, you want to find everything relative to the center of rotation.</a:t>
+                </a:r>
+              </a:p>
+              <a:p>
+                <a:pPr marL="0" indent="0">
+                  <a:buNone/>
+                </a:pPr>
+                <a:endParaRPr lang="en-US" dirty="0"/>
+              </a:p>
+            </p:txBody>
+          </p:sp>
+        </mc:Choice>
+        <mc:Fallback xmlns="">
+          <p:sp>
+            <p:nvSpPr>
+              <p:cNvPr id="3" name="Content Placeholder 2"/>
+              <p:cNvSpPr>
+                <a:spLocks noGrp="1" noRot="1" noChangeAspect="1" noMove="1" noResize="1" noEditPoints="1" noAdjustHandles="1" noChangeArrowheads="1" noChangeShapeType="1" noTextEdit="1"/>
+              </p:cNvSpPr>
+              <p:nvPr>
+                <p:ph idx="1"/>
+              </p:nvPr>
+            </p:nvSpPr>
+            <p:spPr>
+              <a:xfrm>
+                <a:off x="457200" y="1600200"/>
+                <a:ext cx="4886418" cy="4525963"/>
+              </a:xfrm>
+              <a:blipFill>
+                <a:blip r:embed="rId2"/>
+                <a:stretch>
+                  <a:fillRect l="-1372" t="-2291" r="-1496"/>
+                </a:stretch>
+              </a:blipFill>
+            </p:spPr>
+            <p:txBody>
+              <a:bodyPr/>
+              <a:lstStyle/>
+              <a:p>
+                <a:r>
+                  <a:rPr lang="en-US">
+                    <a:noFill/>
+                  </a:rPr>
+                  <a:t> </a:t>
+                </a:r>
+              </a:p>
+            </p:txBody>
+          </p:sp>
+        </mc:Fallback>
+      </mc:AlternateContent>
+      <p:sp>
+        <p:nvSpPr>
+          <p:cNvPr id="4" name="Slide Number Placeholder 3"/>
+          <p:cNvSpPr>
+            <a:spLocks noGrp="1"/>
+          </p:cNvSpPr>
+          <p:nvPr>
+            <p:ph type="sldNum" sz="quarter" idx="12"/>
+          </p:nvPr>
+        </p:nvSpPr>
+        <p:spPr/>
+        <p:txBody>
+          <a:bodyPr/>
+          <a:lstStyle/>
+          <a:p>
+            <a:pPr marL="0" marR="0" lvl="0" indent="0" algn="r" defTabSz="914400" rtl="0" eaLnBrk="1" fontAlgn="auto" latinLnBrk="0" hangingPunct="1">
+              <a:lnSpc>
+                <a:spcPct val="100000"/>
+              </a:lnSpc>
+              <a:spcBef>
+                <a:spcPts val="0"/>
+              </a:spcBef>
+              <a:spcAft>
+                <a:spcPts val="0"/>
+              </a:spcAft>
+              <a:buClrTx/>
+              <a:buSzTx/>
+              <a:buFontTx/>
+              <a:buNone/>
+              <a:tabLst/>
+              <a:defRPr/>
+            </a:pPr>
+            <a:fld id="{929262FE-7F58-4A1E-8AF3-5A510A86DEBD}" type="slidenum">
+              <a:rPr kumimoji="0" lang="en-US" sz="1200" b="0" i="0" u="none" strike="noStrike" kern="1200" cap="none" spc="0" normalizeH="0" baseline="0" noProof="0" smtClean="0">
+                <a:ln>
+                  <a:noFill/>
+                </a:ln>
+                <a:solidFill>
+                  <a:srgbClr val="4F81BD">
+                    <a:lumMod val="50000"/>
+                  </a:srgbClr>
+                </a:solidFill>
+                <a:effectLst/>
+                <a:uLnTx/>
+                <a:uFillTx/>
+                <a:latin typeface="Calibri"/>
+                <a:ea typeface="+mn-ea"/>
+                <a:cs typeface="+mn-cs"/>
+              </a:rPr>
+              <a:pPr marL="0" marR="0" lvl="0" indent="0" algn="r" defTabSz="914400" rtl="0" eaLnBrk="1" fontAlgn="auto" latinLnBrk="0" hangingPunct="1">
+                <a:lnSpc>
+                  <a:spcPct val="100000"/>
+                </a:lnSpc>
+                <a:spcBef>
+                  <a:spcPts val="0"/>
+                </a:spcBef>
+                <a:spcAft>
+                  <a:spcPts val="0"/>
+                </a:spcAft>
+                <a:buClrTx/>
+                <a:buSzTx/>
+                <a:buFontTx/>
+                <a:buNone/>
+                <a:tabLst/>
+                <a:defRPr/>
+              </a:pPr>
+              <a:t>10</a:t>
+            </a:fld>
+            <a:endParaRPr kumimoji="0" lang="en-US" sz="1200" b="0" i="0" u="none" strike="noStrike" kern="1200" cap="none" spc="0" normalizeH="0" baseline="0" noProof="0">
+              <a:ln>
+                <a:noFill/>
+              </a:ln>
+              <a:solidFill>
+                <a:srgbClr val="4F81BD">
+                  <a:lumMod val="50000"/>
+                </a:srgbClr>
+              </a:solidFill>
+              <a:effectLst/>
+              <a:uLnTx/>
+              <a:uFillTx/>
+              <a:latin typeface="Calibri"/>
+              <a:ea typeface="+mn-ea"/>
+              <a:cs typeface="+mn-cs"/>
+            </a:endParaRPr>
+          </a:p>
+        </p:txBody>
+      </p:sp>
+      <p:sp>
+        <p:nvSpPr>
+          <p:cNvPr id="5" name="Oval 4"/>
+          <p:cNvSpPr/>
+          <p:nvPr/>
+        </p:nvSpPr>
+        <p:spPr>
+          <a:xfrm>
+            <a:off x="5562600" y="2514600"/>
+            <a:ext cx="2743200" cy="2743200"/>
+          </a:xfrm>
+          <a:prstGeom prst="ellipse">
+            <a:avLst/>
+          </a:prstGeom>
+        </p:spPr>
+        <p:style>
+          <a:lnRef idx="1">
+            <a:schemeClr val="dk1"/>
+          </a:lnRef>
+          <a:fillRef idx="2">
+            <a:schemeClr val="dk1"/>
+          </a:fillRef>
+          <a:effectRef idx="1">
+            <a:schemeClr val="dk1"/>
+          </a:effectRef>
+          <a:fontRef idx="minor">
+            <a:schemeClr val="dk1"/>
+          </a:fontRef>
+        </p:style>
+        <p:txBody>
+          <a:bodyPr rtlCol="0" anchor="ctr"/>
+          <a:lstStyle/>
+          <a:p>
+            <a:pPr marL="0" marR="0" lvl="0" indent="0" algn="ctr" defTabSz="914400" rtl="0" eaLnBrk="1" fontAlgn="auto" latinLnBrk="0" hangingPunct="1">
+              <a:lnSpc>
+                <a:spcPct val="100000"/>
+              </a:lnSpc>
+              <a:spcBef>
+                <a:spcPts val="0"/>
+              </a:spcBef>
+              <a:spcAft>
+                <a:spcPts val="0"/>
+              </a:spcAft>
+              <a:buClrTx/>
+              <a:buSzTx/>
+              <a:buFontTx/>
+              <a:buNone/>
+              <a:tabLst/>
+              <a:defRPr/>
+            </a:pPr>
+            <a:endParaRPr kumimoji="0" lang="en-US" sz="1800" b="0" i="0" u="none" strike="noStrike" kern="1200" cap="none" spc="0" normalizeH="0" baseline="0" noProof="0">
+              <a:ln>
+                <a:noFill/>
+              </a:ln>
+              <a:solidFill>
+                <a:prstClr val="black"/>
+              </a:solidFill>
+              <a:effectLst/>
+              <a:uLnTx/>
+              <a:uFillTx/>
+              <a:latin typeface="Calibri"/>
+              <a:ea typeface="+mn-ea"/>
+              <a:cs typeface="+mn-cs"/>
+            </a:endParaRPr>
+          </a:p>
+        </p:txBody>
+      </p:sp>
+      <p:sp>
+        <p:nvSpPr>
+          <p:cNvPr id="6" name="Oval 5"/>
+          <p:cNvSpPr/>
+          <p:nvPr/>
+        </p:nvSpPr>
+        <p:spPr>
+          <a:xfrm>
+            <a:off x="6797040" y="3749040"/>
+            <a:ext cx="274320" cy="274320"/>
+          </a:xfrm>
+          <a:prstGeom prst="ellipse">
+            <a:avLst/>
+          </a:prstGeom>
+          <a:solidFill>
+            <a:schemeClr val="bg1"/>
+          </a:solidFill>
+          <a:effectLst/>
+        </p:spPr>
+        <p:style>
+          <a:lnRef idx="1">
+            <a:schemeClr val="dk1"/>
+          </a:lnRef>
+          <a:fillRef idx="2">
+            <a:schemeClr val="dk1"/>
+          </a:fillRef>
+          <a:effectRef idx="1">
+            <a:schemeClr val="dk1"/>
+          </a:effectRef>
+          <a:fontRef idx="minor">
+            <a:schemeClr val="dk1"/>
+          </a:fontRef>
+        </p:style>
+        <p:txBody>
+          <a:bodyPr rtlCol="0" anchor="ctr"/>
+          <a:lstStyle/>
+          <a:p>
+            <a:pPr marL="0" marR="0" lvl="0" indent="0" algn="ctr" defTabSz="914400" rtl="0" eaLnBrk="1" fontAlgn="auto" latinLnBrk="0" hangingPunct="1">
+              <a:lnSpc>
+                <a:spcPct val="100000"/>
+              </a:lnSpc>
+              <a:spcBef>
+                <a:spcPts val="0"/>
+              </a:spcBef>
+              <a:spcAft>
+                <a:spcPts val="0"/>
+              </a:spcAft>
+              <a:buClrTx/>
+              <a:buSzTx/>
+              <a:buFontTx/>
+              <a:buNone/>
+              <a:tabLst/>
+              <a:defRPr/>
+            </a:pPr>
+            <a:endParaRPr kumimoji="0" lang="en-US" sz="1800" b="0" i="0" u="none" strike="noStrike" kern="1200" cap="none" spc="0" normalizeH="0" baseline="0" noProof="0">
+              <a:ln>
+                <a:noFill/>
+              </a:ln>
+              <a:solidFill>
+                <a:prstClr val="black"/>
+              </a:solidFill>
+              <a:effectLst/>
+              <a:uLnTx/>
+              <a:uFillTx/>
+              <a:latin typeface="Calibri"/>
+              <a:ea typeface="+mn-ea"/>
+              <a:cs typeface="+mn-cs"/>
+            </a:endParaRPr>
+          </a:p>
+        </p:txBody>
+      </p:sp>
+      <p:sp>
+        <p:nvSpPr>
+          <p:cNvPr id="7" name="Arc 6"/>
+          <p:cNvSpPr/>
+          <p:nvPr/>
+        </p:nvSpPr>
+        <p:spPr>
+          <a:xfrm>
+            <a:off x="5334000" y="2286000"/>
+            <a:ext cx="3200400" cy="3200400"/>
+          </a:xfrm>
+          <a:prstGeom prst="arc">
+            <a:avLst>
+              <a:gd name="adj1" fmla="val 12935064"/>
+              <a:gd name="adj2" fmla="val 19632219"/>
+            </a:avLst>
+          </a:prstGeom>
+          <a:ln>
+            <a:headEnd type="arrow" w="med" len="med"/>
+            <a:tailEnd type="none" w="med" len="med"/>
+          </a:ln>
+        </p:spPr>
+        <p:style>
+          <a:lnRef idx="2">
+            <a:schemeClr val="accent1"/>
+          </a:lnRef>
+          <a:fillRef idx="0">
+            <a:schemeClr val="accent1"/>
+          </a:fillRef>
+          <a:effectRef idx="1">
+            <a:schemeClr val="accent1"/>
+          </a:effectRef>
+          <a:fontRef idx="minor">
+            <a:schemeClr val="tx1"/>
+          </a:fontRef>
+        </p:style>
+        <p:txBody>
+          <a:bodyPr rtlCol="0" anchor="ctr"/>
+          <a:lstStyle/>
+          <a:p>
+            <a:pPr marL="0" marR="0" lvl="0" indent="0" algn="ctr" defTabSz="914400" rtl="0" eaLnBrk="1" fontAlgn="auto" latinLnBrk="0" hangingPunct="1">
+              <a:lnSpc>
+                <a:spcPct val="100000"/>
+              </a:lnSpc>
+              <a:spcBef>
+                <a:spcPts val="0"/>
+              </a:spcBef>
+              <a:spcAft>
+                <a:spcPts val="0"/>
+              </a:spcAft>
+              <a:buClrTx/>
+              <a:buSzTx/>
+              <a:buFontTx/>
+              <a:buNone/>
+              <a:tabLst/>
+              <a:defRPr/>
+            </a:pPr>
+            <a:endParaRPr kumimoji="0" lang="en-US" sz="1800" b="0" i="0" u="none" strike="noStrike" kern="1200" cap="none" spc="0" normalizeH="0" baseline="0" noProof="0">
+              <a:ln>
+                <a:noFill/>
+              </a:ln>
+              <a:solidFill>
+                <a:prstClr val="black"/>
+              </a:solidFill>
+              <a:effectLst/>
+              <a:uLnTx/>
+              <a:uFillTx/>
+              <a:latin typeface="Calibri"/>
+              <a:ea typeface="+mn-ea"/>
+              <a:cs typeface="+mn-cs"/>
+            </a:endParaRPr>
+          </a:p>
+        </p:txBody>
+      </p:sp>
+      <mc:AlternateContent xmlns:mc="http://schemas.openxmlformats.org/markup-compatibility/2006" xmlns:a14="http://schemas.microsoft.com/office/drawing/2010/main">
+        <mc:Choice Requires="a14">
+          <p:sp>
+            <p:nvSpPr>
+              <p:cNvPr id="8" name="Rectangle 7"/>
+              <p:cNvSpPr/>
+              <p:nvPr/>
+            </p:nvSpPr>
+            <p:spPr>
+              <a:xfrm>
+                <a:off x="6705600" y="1828800"/>
+                <a:ext cx="409343" cy="369332"/>
+              </a:xfrm>
+              <a:prstGeom prst="rect">
+                <a:avLst/>
+              </a:prstGeom>
+            </p:spPr>
+            <p:txBody>
+              <a:bodyPr wrap="none">
+                <a:spAutoFit/>
+              </a:bodyPr>
+              <a:lstStyle/>
+              <a:p>
+                <a:pPr marL="0" marR="0" lvl="0" indent="0" algn="l" defTabSz="914400" rtl="0" eaLnBrk="1" fontAlgn="auto" latinLnBrk="0" hangingPunct="1">
+                  <a:lnSpc>
+                    <a:spcPct val="100000"/>
+                  </a:lnSpc>
+                  <a:spcBef>
+                    <a:spcPts val="0"/>
+                  </a:spcBef>
+                  <a:spcAft>
+                    <a:spcPts val="0"/>
+                  </a:spcAft>
+                  <a:buClrTx/>
+                  <a:buSzTx/>
+                  <a:buFontTx/>
+                  <a:buNone/>
+                  <a:tabLst/>
+                  <a:defRPr/>
+                </a:pPr>
+                <a14:m>
+                  <m:oMathPara xmlns:m="http://schemas.openxmlformats.org/officeDocument/2006/math">
+                    <m:oMathParaPr>
+                      <m:jc m:val="centerGroup"/>
+                    </m:oMathParaPr>
+                    <m:oMath xmlns:m="http://schemas.openxmlformats.org/officeDocument/2006/math">
+                      <m:r>
+                        <a:rPr kumimoji="0" lang="en-US" sz="1800" b="0" i="1" u="none" strike="noStrike" kern="1200" cap="none" spc="0" normalizeH="0" baseline="0" noProof="0">
+                          <a:ln>
+                            <a:noFill/>
+                          </a:ln>
+                          <a:solidFill>
+                            <a:prstClr val="black"/>
+                          </a:solidFill>
+                          <a:effectLst/>
+                          <a:uLnTx/>
+                          <a:uFillTx/>
+                          <a:latin typeface="Cambria Math"/>
+                          <a:ea typeface="Cambria Math"/>
+                          <a:cs typeface="+mn-cs"/>
+                        </a:rPr>
+                        <m:t>𝜔</m:t>
+                      </m:r>
+                    </m:oMath>
+                  </m:oMathPara>
+                </a14:m>
+                <a:endParaRPr kumimoji="0" lang="en-US" sz="1800" b="0" i="0" u="none" strike="noStrike" kern="1200" cap="none" spc="0" normalizeH="0" baseline="0" noProof="0" dirty="0">
+                  <a:ln>
+                    <a:noFill/>
+                  </a:ln>
+                  <a:solidFill>
+                    <a:prstClr val="black"/>
+                  </a:solidFill>
+                  <a:effectLst/>
+                  <a:uLnTx/>
+                  <a:uFillTx/>
+                  <a:latin typeface="Calibri"/>
+                  <a:ea typeface="+mn-ea"/>
+                  <a:cs typeface="+mn-cs"/>
+                </a:endParaRPr>
+              </a:p>
+            </p:txBody>
+          </p:sp>
+        </mc:Choice>
+        <mc:Fallback xmlns="">
+          <p:sp>
+            <p:nvSpPr>
+              <p:cNvPr id="8" name="Rectangle 7"/>
+              <p:cNvSpPr>
+                <a:spLocks noRot="1" noChangeAspect="1" noMove="1" noResize="1" noEditPoints="1" noAdjustHandles="1" noChangeArrowheads="1" noChangeShapeType="1" noTextEdit="1"/>
+              </p:cNvSpPr>
+              <p:nvPr/>
+            </p:nvSpPr>
+            <p:spPr>
+              <a:xfrm>
+                <a:off x="6705600" y="1828800"/>
+                <a:ext cx="409343" cy="369332"/>
+              </a:xfrm>
+              <a:prstGeom prst="rect">
+                <a:avLst/>
+              </a:prstGeom>
+              <a:blipFill rotWithShape="1">
+                <a:blip r:embed="rId3"/>
+                <a:stretch>
+                  <a:fillRect/>
+                </a:stretch>
+              </a:blipFill>
+            </p:spPr>
+            <p:txBody>
+              <a:bodyPr/>
+              <a:lstStyle/>
+              <a:p>
+                <a:r>
+                  <a:rPr lang="en-US">
+                    <a:noFill/>
+                  </a:rPr>
+                  <a:t> </a:t>
+                </a:r>
+              </a:p>
+            </p:txBody>
+          </p:sp>
+        </mc:Fallback>
+      </mc:AlternateContent>
+      <p:sp>
+        <p:nvSpPr>
+          <p:cNvPr id="9" name="TextBox 8"/>
+          <p:cNvSpPr txBox="1"/>
+          <p:nvPr/>
+        </p:nvSpPr>
+        <p:spPr>
+          <a:xfrm>
+            <a:off x="5953041" y="5726668"/>
+            <a:ext cx="2255874" cy="369332"/>
+          </a:xfrm>
+          <a:prstGeom prst="rect">
+            <a:avLst/>
+          </a:prstGeom>
+          <a:noFill/>
+        </p:spPr>
+        <p:txBody>
+          <a:bodyPr wrap="none" rtlCol="0">
+            <a:spAutoFit/>
+          </a:bodyPr>
+          <a:lstStyle/>
+          <a:p>
+            <a:pPr marL="0" marR="0" lvl="0" indent="0" algn="l" defTabSz="914400" rtl="0" eaLnBrk="1" fontAlgn="auto" latinLnBrk="0" hangingPunct="1">
+              <a:lnSpc>
+                <a:spcPct val="100000"/>
+              </a:lnSpc>
+              <a:spcBef>
+                <a:spcPts val="0"/>
+              </a:spcBef>
+              <a:spcAft>
+                <a:spcPts val="0"/>
+              </a:spcAft>
+              <a:buClrTx/>
+              <a:buSzTx/>
+              <a:buFontTx/>
+              <a:buNone/>
+              <a:tabLst/>
+              <a:defRPr/>
+            </a:pPr>
+            <a:r>
+              <a:rPr kumimoji="0" lang="en-US" sz="1800" b="0" i="0" u="none" strike="noStrike" kern="1200" cap="none" spc="0" normalizeH="0" baseline="0" noProof="0" dirty="0">
+                <a:ln>
+                  <a:noFill/>
+                </a:ln>
+                <a:solidFill>
+                  <a:prstClr val="black"/>
+                </a:solidFill>
+                <a:effectLst/>
+                <a:uLnTx/>
+                <a:uFillTx/>
+                <a:latin typeface="Calibri"/>
+                <a:ea typeface="+mn-ea"/>
+                <a:cs typeface="+mn-cs"/>
+              </a:rPr>
+              <a:t>Center of Rotation (O)</a:t>
+            </a:r>
+          </a:p>
+        </p:txBody>
+      </p:sp>
+      <p:cxnSp>
+        <p:nvCxnSpPr>
+          <p:cNvPr id="11" name="Straight Arrow Connector 10"/>
+          <p:cNvCxnSpPr>
+            <a:stCxn id="9" idx="0"/>
+          </p:cNvCxnSpPr>
+          <p:nvPr/>
+        </p:nvCxnSpPr>
+        <p:spPr>
+          <a:xfrm flipH="1" flipV="1">
+            <a:off x="6934200" y="3886200"/>
+            <a:ext cx="146778" cy="1840468"/>
+          </a:xfrm>
+          <a:prstGeom prst="straightConnector1">
+            <a:avLst/>
+          </a:prstGeom>
+          <a:ln>
+            <a:tailEnd type="arrow"/>
+          </a:ln>
+        </p:spPr>
+        <p:style>
+          <a:lnRef idx="1">
+            <a:schemeClr val="accent1"/>
+          </a:lnRef>
+          <a:fillRef idx="0">
+            <a:schemeClr val="accent1"/>
+          </a:fillRef>
+          <a:effectRef idx="0">
+            <a:schemeClr val="accent1"/>
+          </a:effectRef>
+          <a:fontRef idx="minor">
+            <a:schemeClr val="tx1"/>
+          </a:fontRef>
+        </p:style>
+      </p:cxnSp>
+    </p:spTree>
+    <p:extLst>
+      <p:ext uri="{BB962C8B-B14F-4D97-AF65-F5344CB8AC3E}">
+        <p14:creationId xmlns:p14="http://schemas.microsoft.com/office/powerpoint/2010/main" val="3898641729"/>
+      </p:ext>
+    </p:extLst>
+  </p:cSld>
+  <p:clrMapOvr>
+    <a:masterClrMapping/>
+  </p:clrMapOvr>
+  <p:timing>
+    <p:tnLst>
+      <p:par>
+        <p:cTn id="1" dur="indefinite" restart="never" nodeType="tmRoot">
+          <p:childTnLst>
+            <p:seq concurrent="1" nextAc="seek">
+              <p:cTn id="2" dur="indefinite" nodeType="mainSeq">
+                <p:childTnLst>
+                  <p:par>
+                    <p:cTn id="3" fill="hold">
+                      <p:stCondLst>
+                        <p:cond delay="indefinite"/>
+                      </p:stCondLst>
+                      <p:childTnLst>
+                        <p:par>
+                          <p:cTn id="4" fill="hold">
+                            <p:stCondLst>
+                              <p:cond delay="0"/>
+                            </p:stCondLst>
+                            <p:childTnLst>
+                              <p:par>
+                                <p:cTn id="5" presetID="1" presetClass="entr" presetSubtype="0" fill="hold" grpId="0" nodeType="clickEffect">
+                                  <p:stCondLst>
+                                    <p:cond delay="0"/>
+                                  </p:stCondLst>
+                                  <p:childTnLst>
+                                    <p:set>
+                                      <p:cBhvr>
+                                        <p:cTn id="6" dur="1" fill="hold">
+                                          <p:stCondLst>
+                                            <p:cond delay="0"/>
+                                          </p:stCondLst>
+                                        </p:cTn>
+                                        <p:tgtEl>
+                                          <p:spTgt spid="3">
+                                            <p:txEl>
+                                              <p:pRg st="0" end="0"/>
+                                            </p:txEl>
+                                          </p:spTgt>
+                                        </p:tgtEl>
+                                        <p:attrNameLst>
+                                          <p:attrName>style.visibility</p:attrName>
+                                        </p:attrNameLst>
+                                      </p:cBhvr>
+                                      <p:to>
+                                        <p:strVal val="visible"/>
+                                      </p:to>
+                                    </p:set>
+                                  </p:childTnLst>
+                                </p:cTn>
+                              </p:par>
+                            </p:childTnLst>
+                          </p:cTn>
+                        </p:par>
+                      </p:childTnLst>
+                    </p:cTn>
+                  </p:par>
+                  <p:par>
+                    <p:cTn id="7" fill="hold">
+                      <p:stCondLst>
+                        <p:cond delay="indefinite"/>
+                      </p:stCondLst>
+                      <p:childTnLst>
+                        <p:par>
+                          <p:cTn id="8" fill="hold">
+                            <p:stCondLst>
+                              <p:cond delay="0"/>
+                            </p:stCondLst>
+                            <p:childTnLst>
+                              <p:par>
+                                <p:cTn id="9" presetID="1" presetClass="entr" presetSubtype="0" fill="hold" grpId="0" nodeType="clickEffect">
+                                  <p:stCondLst>
+                                    <p:cond delay="0"/>
+                                  </p:stCondLst>
+                                  <p:childTnLst>
+                                    <p:set>
+                                      <p:cBhvr>
+                                        <p:cTn id="10" dur="1" fill="hold">
+                                          <p:stCondLst>
+                                            <p:cond delay="0"/>
+                                          </p:stCondLst>
+                                        </p:cTn>
+                                        <p:tgtEl>
+                                          <p:spTgt spid="3">
+                                            <p:txEl>
+                                              <p:pRg st="1" end="1"/>
+                                            </p:txEl>
+                                          </p:spTgt>
+                                        </p:tgtEl>
+                                        <p:attrNameLst>
+                                          <p:attrName>style.visibility</p:attrName>
+                                        </p:attrNameLst>
+                                      </p:cBhvr>
+                                      <p:to>
+                                        <p:strVal val="visible"/>
+                                      </p:to>
+                                    </p:set>
+                                  </p:childTnLst>
+                                </p:cTn>
+                              </p:par>
+                            </p:childTnLst>
+                          </p:cTn>
+                        </p:par>
+                      </p:childTnLst>
+                    </p:cTn>
+                  </p:par>
+                  <p:par>
+                    <p:cTn id="11" fill="hold">
+                      <p:stCondLst>
+                        <p:cond delay="indefinite"/>
+                      </p:stCondLst>
+                      <p:childTnLst>
+                        <p:par>
+                          <p:cTn id="12" fill="hold">
+                            <p:stCondLst>
+                              <p:cond delay="0"/>
+                            </p:stCondLst>
+                            <p:childTnLst>
+                              <p:par>
+                                <p:cTn id="13" presetID="1" presetClass="entr" presetSubtype="0" fill="hold" grpId="0" nodeType="clickEffect">
+                                  <p:stCondLst>
+                                    <p:cond delay="0"/>
+                                  </p:stCondLst>
+                                  <p:childTnLst>
+                                    <p:set>
+                                      <p:cBhvr>
+                                        <p:cTn id="14" dur="1" fill="hold">
+                                          <p:stCondLst>
+                                            <p:cond delay="0"/>
+                                          </p:stCondLst>
+                                        </p:cTn>
+                                        <p:tgtEl>
+                                          <p:spTgt spid="3">
+                                            <p:txEl>
+                                              <p:pRg st="2" end="2"/>
+                                            </p:txEl>
+                                          </p:spTgt>
+                                        </p:tgtEl>
+                                        <p:attrNameLst>
+                                          <p:attrName>style.visibility</p:attrName>
+                                        </p:attrNameLst>
+                                      </p:cBhvr>
+                                      <p:to>
+                                        <p:strVal val="visible"/>
+                                      </p:to>
+                                    </p:set>
+                                  </p:childTnLst>
+                                </p:cTn>
+                              </p:par>
+                            </p:childTnLst>
+                          </p:cTn>
+                        </p:par>
+                      </p:childTnLst>
+                    </p:cTn>
+                  </p:par>
+                  <p:par>
+                    <p:cTn id="15" fill="hold">
+                      <p:stCondLst>
+                        <p:cond delay="indefinite"/>
+                      </p:stCondLst>
+                      <p:childTnLst>
+                        <p:par>
+                          <p:cTn id="16" fill="hold">
+                            <p:stCondLst>
+                              <p:cond delay="0"/>
+                            </p:stCondLst>
+                            <p:childTnLst>
+                              <p:par>
+                                <p:cTn id="17" presetID="1" presetClass="entr" presetSubtype="0" fill="hold" grpId="0" nodeType="clickEffect">
+                                  <p:stCondLst>
+                                    <p:cond delay="0"/>
+                                  </p:stCondLst>
+                                  <p:childTnLst>
+                                    <p:set>
+                                      <p:cBhvr>
+                                        <p:cTn id="18" dur="1" fill="hold">
+                                          <p:stCondLst>
+                                            <p:cond delay="0"/>
+                                          </p:stCondLst>
+                                        </p:cTn>
+                                        <p:tgtEl>
+                                          <p:spTgt spid="3">
+                                            <p:txEl>
+                                              <p:pRg st="3" end="3"/>
+                                            </p:txEl>
+                                          </p:spTgt>
+                                        </p:tgtEl>
+                                        <p:attrNameLst>
+                                          <p:attrName>style.visibility</p:attrName>
+                                        </p:attrNameLst>
+                                      </p:cBhvr>
+                                      <p:to>
+                                        <p:strVal val="visible"/>
+                                      </p:to>
+                                    </p:set>
+                                  </p:childTnLst>
+                                </p:cTn>
+                              </p:par>
+                            </p:childTnLst>
+                          </p:cTn>
+                        </p:par>
+                      </p:childTnLst>
+                    </p:cTn>
+                  </p:par>
+                  <p:par>
+                    <p:cTn id="19" fill="hold">
+                      <p:stCondLst>
+                        <p:cond delay="indefinite"/>
+                      </p:stCondLst>
+                      <p:childTnLst>
+                        <p:par>
+                          <p:cTn id="20" fill="hold">
+                            <p:stCondLst>
+                              <p:cond delay="0"/>
+                            </p:stCondLst>
+                            <p:childTnLst>
+                              <p:par>
+                                <p:cTn id="21" presetID="1" presetClass="entr" presetSubtype="0" fill="hold" grpId="0" nodeType="clickEffect">
+                                  <p:stCondLst>
+                                    <p:cond delay="0"/>
+                                  </p:stCondLst>
+                                  <p:childTnLst>
+                                    <p:set>
+                                      <p:cBhvr>
+                                        <p:cTn id="22" dur="1" fill="hold">
+                                          <p:stCondLst>
+                                            <p:cond delay="0"/>
+                                          </p:stCondLst>
+                                        </p:cTn>
+                                        <p:tgtEl>
+                                          <p:spTgt spid="3">
+                                            <p:txEl>
+                                              <p:pRg st="4" end="4"/>
+                                            </p:txEl>
+                                          </p:spTgt>
+                                        </p:tgtEl>
+                                        <p:attrNameLst>
+                                          <p:attrName>style.visibility</p:attrName>
+                                        </p:attrNameLst>
+                                      </p:cBhvr>
+                                      <p:to>
+                                        <p:strVal val="visible"/>
+                                      </p:to>
+                                    </p:set>
+                                  </p:childTnLst>
+                                </p:cTn>
+                              </p:par>
+                            </p:childTnLst>
+                          </p:cTn>
+                        </p:par>
+                      </p:childTnLst>
+                    </p:cTn>
+                  </p:par>
+                  <p:par>
+                    <p:cTn id="23" fill="hold">
+                      <p:stCondLst>
+                        <p:cond delay="indefinite"/>
+                      </p:stCondLst>
+                      <p:childTnLst>
+                        <p:par>
+                          <p:cTn id="24" fill="hold">
+                            <p:stCondLst>
+                              <p:cond delay="0"/>
+                            </p:stCondLst>
+                            <p:childTnLst>
+                              <p:par>
+                                <p:cTn id="25" presetID="1" presetClass="entr" presetSubtype="0" fill="hold" grpId="0" nodeType="clickEffect">
+                                  <p:stCondLst>
+                                    <p:cond delay="0"/>
+                                  </p:stCondLst>
+                                  <p:childTnLst>
+                                    <p:set>
+                                      <p:cBhvr>
+                                        <p:cTn id="26" dur="1" fill="hold">
+                                          <p:stCondLst>
+                                            <p:cond delay="0"/>
+                                          </p:stCondLst>
+                                        </p:cTn>
+                                        <p:tgtEl>
+                                          <p:spTgt spid="3">
+                                            <p:txEl>
+                                              <p:pRg st="5" end="5"/>
+                                            </p:txEl>
+                                          </p:spTgt>
+                                        </p:tgtEl>
+                                        <p:attrNameLst>
+                                          <p:attrName>style.visibility</p:attrName>
+                                        </p:attrNameLst>
+                                      </p:cBhvr>
+                                      <p:to>
+                                        <p:strVal val="visible"/>
+                                      </p:to>
+                                    </p:set>
+                                  </p:childTnLst>
+                                </p:cTn>
+                              </p:par>
+                            </p:childTnLst>
+                          </p:cTn>
+                        </p:par>
+                      </p:childTnLst>
+                    </p:cTn>
+                  </p:par>
+                </p:childTnLst>
+              </p:cTn>
+              <p:prevCondLst>
+                <p:cond evt="onPrev" delay="0">
+                  <p:tgtEl>
+                    <p:sldTgt/>
+                  </p:tgtEl>
+                </p:cond>
+              </p:prevCondLst>
+              <p:nextCondLst>
+                <p:cond evt="onNext" delay="0">
+                  <p:tgtEl>
+                    <p:sldTgt/>
+                  </p:tgtEl>
+                </p:cond>
+              </p:nextCondLst>
+            </p:seq>
+          </p:childTnLst>
+        </p:cTn>
+      </p:par>
+    </p:tnLst>
+    <p:bldLst>
+      <p:bldP spid="3" grpId="0" build="p"/>
+    </p:bldLst>
+  </p:timing>
+</p:sld>
+</file>
+
+<file path=ppt/slides/slide11.xml><?xml version="1.0" encoding="utf-8"?>
 <p:sld xmlns:a="http://schemas.openxmlformats.org/drawingml/2006/main" xmlns:r="http://schemas.openxmlformats.org/officeDocument/2006/relationships" xmlns:p="http://schemas.openxmlformats.org/presentationml/2006/main">
   <p:cSld>
     <p:spTree>
@@ -4447,7 +5754,7 @@
                 <a:tabLst/>
                 <a:defRPr/>
               </a:pPr>
-              <a:t>10</a:t>
+              <a:t>11</a:t>
             </a:fld>
             <a:endParaRPr kumimoji="0" lang="en-US" sz="1200" b="0" i="0" u="none" strike="noStrike" kern="1200" cap="none" spc="0" normalizeH="0" baseline="0" noProof="0">
               <a:ln>
@@ -5221,7 +6528,7 @@
 </p:sld>
 </file>
 
-<file path=ppt/slides/slide11.xml><?xml version="1.0" encoding="utf-8"?>
+<file path=ppt/slides/slide12.xml><?xml version="1.0" encoding="utf-8"?>
 <p:sld xmlns:a="http://schemas.openxmlformats.org/drawingml/2006/main" xmlns:r="http://schemas.openxmlformats.org/officeDocument/2006/relationships" xmlns:p="http://schemas.openxmlformats.org/presentationml/2006/main">
   <p:cSld>
     <p:spTree>
@@ -6442,7 +7749,7 @@
 </p:sld>
 </file>
 
-<file path=ppt/slides/slide12.xml><?xml version="1.0" encoding="utf-8"?>
+<file path=ppt/slides/slide13.xml><?xml version="1.0" encoding="utf-8"?>
 <p:sld xmlns:a="http://schemas.openxmlformats.org/drawingml/2006/main" xmlns:r="http://schemas.openxmlformats.org/officeDocument/2006/relationships" xmlns:p="http://schemas.openxmlformats.org/presentationml/2006/main">
   <p:cSld>
     <p:spTree>
@@ -7450,7 +8757,7 @@
 </p:sld>
 </file>
 
-<file path=ppt/slides/slide13.xml><?xml version="1.0" encoding="utf-8"?>
+<file path=ppt/slides/slide14.xml><?xml version="1.0" encoding="utf-8"?>
 <p:sld xmlns:a="http://schemas.openxmlformats.org/drawingml/2006/main" xmlns:r="http://schemas.openxmlformats.org/officeDocument/2006/relationships" xmlns:p="http://schemas.openxmlformats.org/presentationml/2006/main">
   <p:cSld>
     <p:spTree>
@@ -7601,7 +8908,7 @@
                 <a:tabLst/>
                 <a:defRPr/>
               </a:pPr>
-              <a:t>13</a:t>
+              <a:t>14</a:t>
             </a:fld>
             <a:endParaRPr kumimoji="0" lang="en-US" sz="1200" b="0" i="0" u="none" strike="noStrike" kern="1200" cap="none" spc="0" normalizeH="0" baseline="0" noProof="0">
               <a:ln>
@@ -7828,7 +9135,7 @@
 </p:sld>
 </file>
 
-<file path=ppt/slides/slide14.xml><?xml version="1.0" encoding="utf-8"?>
+<file path=ppt/slides/slide15.xml><?xml version="1.0" encoding="utf-8"?>
 <p:sld xmlns:a="http://schemas.openxmlformats.org/drawingml/2006/main" xmlns:r="http://schemas.openxmlformats.org/officeDocument/2006/relationships" xmlns:p="http://schemas.openxmlformats.org/presentationml/2006/main">
   <p:cSld>
     <p:spTree>
@@ -8620,7 +9927,7 @@
 </p:sld>
 </file>
 
-<file path=ppt/slides/slide15.xml><?xml version="1.0" encoding="utf-8"?>
+<file path=ppt/slides/slide16.xml><?xml version="1.0" encoding="utf-8"?>
 <p:sld xmlns:a="http://schemas.openxmlformats.org/drawingml/2006/main" xmlns:r="http://schemas.openxmlformats.org/officeDocument/2006/relationships" xmlns:p="http://schemas.openxmlformats.org/presentationml/2006/main">
   <p:cSld>
     <p:spTree>
@@ -8694,7 +10001,7 @@
 </p:sld>
 </file>
 
-<file path=ppt/slides/slide16.xml><?xml version="1.0" encoding="utf-8"?>
+<file path=ppt/slides/slide17.xml><?xml version="1.0" encoding="utf-8"?>
 <p:sld xmlns:a="http://schemas.openxmlformats.org/drawingml/2006/main" xmlns:r="http://schemas.openxmlformats.org/officeDocument/2006/relationships" xmlns:p="http://schemas.openxmlformats.org/presentationml/2006/main">
   <p:cSld>
     <p:spTree>
@@ -8801,7 +10108,7 @@
           <a:p>
             <a:fld id="{929262FE-7F58-4A1E-8AF3-5A510A86DEBD}" type="slidenum">
               <a:rPr lang="en-US" smtClean="0"/>
-              <a:t>16</a:t>
+              <a:t>17</a:t>
             </a:fld>
             <a:endParaRPr lang="en-US"/>
           </a:p>
@@ -8867,7 +10174,7 @@
 </p:sld>
 </file>
 
-<file path=ppt/slides/slide17.xml><?xml version="1.0" encoding="utf-8"?>
+<file path=ppt/slides/slide18.xml><?xml version="1.0" encoding="utf-8"?>
 <p:sld xmlns:a="http://schemas.openxmlformats.org/drawingml/2006/main" xmlns:r="http://schemas.openxmlformats.org/officeDocument/2006/relationships" xmlns:p="http://schemas.openxmlformats.org/presentationml/2006/main">
   <p:cSld>
     <p:spTree>
@@ -9009,7 +10316,7 @@
           <a:p>
             <a:fld id="{929262FE-7F58-4A1E-8AF3-5A510A86DEBD}" type="slidenum">
               <a:rPr lang="en-US" smtClean="0"/>
-              <a:t>17</a:t>
+              <a:t>18</a:t>
             </a:fld>
             <a:endParaRPr lang="en-US"/>
           </a:p>
@@ -9843,7 +11150,7 @@
 </p:sld>
 </file>
 
-<file path=ppt/slides/slide18.xml><?xml version="1.0" encoding="utf-8"?>
+<file path=ppt/slides/slide19.xml><?xml version="1.0" encoding="utf-8"?>
 <p:sld xmlns:a="http://schemas.openxmlformats.org/drawingml/2006/main" xmlns:r="http://schemas.openxmlformats.org/officeDocument/2006/relationships" xmlns:p="http://schemas.openxmlformats.org/presentationml/2006/main">
   <p:cSld>
     <p:spTree>
@@ -9957,7 +11264,7 @@
           <a:p>
             <a:fld id="{929262FE-7F58-4A1E-8AF3-5A510A86DEBD}" type="slidenum">
               <a:rPr lang="en-US" smtClean="0"/>
-              <a:t>18</a:t>
+              <a:t>19</a:t>
             </a:fld>
             <a:endParaRPr lang="en-US"/>
           </a:p>
@@ -10014,166 +11321,6 @@
     <p:extLst>
       <p:ext uri="{BB962C8B-B14F-4D97-AF65-F5344CB8AC3E}">
         <p14:creationId xmlns:p14="http://schemas.microsoft.com/office/powerpoint/2010/main" val="3883505629"/>
-      </p:ext>
-    </p:extLst>
-  </p:cSld>
-  <p:clrMapOvr>
-    <a:masterClrMapping/>
-  </p:clrMapOvr>
-</p:sld>
-</file>
-
-<file path=ppt/slides/slide19.xml><?xml version="1.0" encoding="utf-8"?>
-<p:sld xmlns:a="http://schemas.openxmlformats.org/drawingml/2006/main" xmlns:r="http://schemas.openxmlformats.org/officeDocument/2006/relationships" xmlns:p="http://schemas.openxmlformats.org/presentationml/2006/main">
-  <p:cSld>
-    <p:spTree>
-      <p:nvGrpSpPr>
-        <p:cNvPr id="1" name=""/>
-        <p:cNvGrpSpPr/>
-        <p:nvPr/>
-      </p:nvGrpSpPr>
-      <p:grpSpPr>
-        <a:xfrm>
-          <a:off x="0" y="0"/>
-          <a:ext cx="0" cy="0"/>
-          <a:chOff x="0" y="0"/>
-          <a:chExt cx="0" cy="0"/>
-        </a:xfrm>
-      </p:grpSpPr>
-      <p:sp>
-        <p:nvSpPr>
-          <p:cNvPr id="2" name="Title 1"/>
-          <p:cNvSpPr>
-            <a:spLocks noGrp="1"/>
-          </p:cNvSpPr>
-          <p:nvPr>
-            <p:ph type="title"/>
-          </p:nvPr>
-        </p:nvSpPr>
-        <p:spPr/>
-        <p:txBody>
-          <a:bodyPr>
-            <a:normAutofit/>
-          </a:bodyPr>
-          <a:lstStyle/>
-          <a:p>
-            <a:r>
-              <a:rPr lang="en-US" dirty="0"/>
-              <a:t>Worked Example</a:t>
-            </a:r>
-          </a:p>
-        </p:txBody>
-      </p:sp>
-      <p:sp>
-        <p:nvSpPr>
-          <p:cNvPr id="3" name="Content Placeholder 2"/>
-          <p:cNvSpPr>
-            <a:spLocks noGrp="1"/>
-          </p:cNvSpPr>
-          <p:nvPr>
-            <p:ph idx="1"/>
-          </p:nvPr>
-        </p:nvSpPr>
-        <p:spPr>
-          <a:xfrm>
-            <a:off x="457200" y="1447799"/>
-            <a:ext cx="4724400" cy="4800601"/>
-          </a:xfrm>
-        </p:spPr>
-        <p:txBody>
-          <a:bodyPr>
-            <a:normAutofit fontScale="92500"/>
-          </a:bodyPr>
-          <a:lstStyle/>
-          <a:p>
-            <a:r>
-              <a:rPr lang="en-US" b="0" i="0" dirty="0">
-                <a:solidFill>
-                  <a:srgbClr val="000000"/>
-                </a:solidFill>
-                <a:effectLst/>
-                <a:latin typeface="Arial" panose="020B0604020202020204" pitchFamily="34" charset="0"/>
-              </a:rPr>
-              <a:t>A crane lifts a crate with mass 30kg using a cable. If the crane applies a force of 400N and lifts it up to a height of 5m, determine the work done by both the crane and gravity, and the crate’s final velocity if it started from rest.</a:t>
-            </a:r>
-            <a:endParaRPr lang="en-US" dirty="0"/>
-          </a:p>
-        </p:txBody>
-      </p:sp>
-      <p:sp>
-        <p:nvSpPr>
-          <p:cNvPr id="4" name="Slide Number Placeholder 3"/>
-          <p:cNvSpPr>
-            <a:spLocks noGrp="1"/>
-          </p:cNvSpPr>
-          <p:nvPr>
-            <p:ph type="sldNum" sz="quarter" idx="12"/>
-          </p:nvPr>
-        </p:nvSpPr>
-        <p:spPr/>
-        <p:txBody>
-          <a:bodyPr/>
-          <a:lstStyle/>
-          <a:p>
-            <a:fld id="{929262FE-7F58-4A1E-8AF3-5A510A86DEBD}" type="slidenum">
-              <a:rPr lang="en-US" smtClean="0"/>
-              <a:t>19</a:t>
-            </a:fld>
-            <a:endParaRPr lang="en-US"/>
-          </a:p>
-        </p:txBody>
-      </p:sp>
-      <p:pic>
-        <p:nvPicPr>
-          <p:cNvPr id="2050" name="Picture 2" descr="Problem 4 Diagram">
-            <a:extLst>
-              <a:ext uri="{FF2B5EF4-FFF2-40B4-BE49-F238E27FC236}">
-                <a16:creationId xmlns:a16="http://schemas.microsoft.com/office/drawing/2014/main" id="{DF3EB2B5-BF6A-45A5-B9E9-FF5DF59DEEB9}"/>
-              </a:ext>
-            </a:extLst>
-          </p:cNvPr>
-          <p:cNvPicPr>
-            <a:picLocks noChangeAspect="1" noChangeArrowheads="1"/>
-          </p:cNvPicPr>
-          <p:nvPr/>
-        </p:nvPicPr>
-        <p:blipFill>
-          <a:blip r:embed="rId2" cstate="print">
-            <a:extLst>
-              <a:ext uri="{28A0092B-C50C-407E-A947-70E740481C1C}">
-                <a14:useLocalDpi xmlns:a14="http://schemas.microsoft.com/office/drawing/2010/main" val="0"/>
-              </a:ext>
-            </a:extLst>
-          </a:blip>
-          <a:srcRect/>
-          <a:stretch>
-            <a:fillRect/>
-          </a:stretch>
-        </p:blipFill>
-        <p:spPr bwMode="auto">
-          <a:xfrm>
-            <a:off x="5467879" y="1438274"/>
-            <a:ext cx="3257021" cy="4875374"/>
-          </a:xfrm>
-          <a:prstGeom prst="rect">
-            <a:avLst/>
-          </a:prstGeom>
-          <a:noFill/>
-          <a:extLst>
-            <a:ext uri="{909E8E84-426E-40DD-AFC4-6F175D3DCCD1}">
-              <a14:hiddenFill xmlns:a14="http://schemas.microsoft.com/office/drawing/2010/main">
-                <a:solidFill>
-                  <a:srgbClr val="FFFFFF"/>
-                </a:solidFill>
-              </a14:hiddenFill>
-            </a:ext>
-          </a:extLst>
-        </p:spPr>
-      </p:pic>
-    </p:spTree>
-    <p:extLst>
-      <p:ext uri="{BB962C8B-B14F-4D97-AF65-F5344CB8AC3E}">
-        <p14:creationId xmlns:p14="http://schemas.microsoft.com/office/powerpoint/2010/main" val="2608596010"/>
       </p:ext>
     </p:extLst>
   </p:cSld>
@@ -10705,6 +11852,166 @@
         </p:spPr>
         <p:txBody>
           <a:bodyPr>
+            <a:normAutofit fontScale="92500"/>
+          </a:bodyPr>
+          <a:lstStyle/>
+          <a:p>
+            <a:r>
+              <a:rPr lang="en-US" b="0" i="0" dirty="0">
+                <a:solidFill>
+                  <a:srgbClr val="000000"/>
+                </a:solidFill>
+                <a:effectLst/>
+                <a:latin typeface="Arial" panose="020B0604020202020204" pitchFamily="34" charset="0"/>
+              </a:rPr>
+              <a:t>A crane lifts a crate with mass 30kg using a cable. If the crane applies a force of 400N and lifts it up to a height of 5m, determine the work done by both the crane and gravity, and the crate’s final velocity if it started from rest.</a:t>
+            </a:r>
+            <a:endParaRPr lang="en-US" dirty="0"/>
+          </a:p>
+        </p:txBody>
+      </p:sp>
+      <p:sp>
+        <p:nvSpPr>
+          <p:cNvPr id="4" name="Slide Number Placeholder 3"/>
+          <p:cNvSpPr>
+            <a:spLocks noGrp="1"/>
+          </p:cNvSpPr>
+          <p:nvPr>
+            <p:ph type="sldNum" sz="quarter" idx="12"/>
+          </p:nvPr>
+        </p:nvSpPr>
+        <p:spPr/>
+        <p:txBody>
+          <a:bodyPr/>
+          <a:lstStyle/>
+          <a:p>
+            <a:fld id="{929262FE-7F58-4A1E-8AF3-5A510A86DEBD}" type="slidenum">
+              <a:rPr lang="en-US" smtClean="0"/>
+              <a:t>20</a:t>
+            </a:fld>
+            <a:endParaRPr lang="en-US"/>
+          </a:p>
+        </p:txBody>
+      </p:sp>
+      <p:pic>
+        <p:nvPicPr>
+          <p:cNvPr id="2050" name="Picture 2" descr="Problem 4 Diagram">
+            <a:extLst>
+              <a:ext uri="{FF2B5EF4-FFF2-40B4-BE49-F238E27FC236}">
+                <a16:creationId xmlns:a16="http://schemas.microsoft.com/office/drawing/2014/main" id="{DF3EB2B5-BF6A-45A5-B9E9-FF5DF59DEEB9}"/>
+              </a:ext>
+            </a:extLst>
+          </p:cNvPr>
+          <p:cNvPicPr>
+            <a:picLocks noChangeAspect="1" noChangeArrowheads="1"/>
+          </p:cNvPicPr>
+          <p:nvPr/>
+        </p:nvPicPr>
+        <p:blipFill>
+          <a:blip r:embed="rId2" cstate="print">
+            <a:extLst>
+              <a:ext uri="{28A0092B-C50C-407E-A947-70E740481C1C}">
+                <a14:useLocalDpi xmlns:a14="http://schemas.microsoft.com/office/drawing/2010/main" val="0"/>
+              </a:ext>
+            </a:extLst>
+          </a:blip>
+          <a:srcRect/>
+          <a:stretch>
+            <a:fillRect/>
+          </a:stretch>
+        </p:blipFill>
+        <p:spPr bwMode="auto">
+          <a:xfrm>
+            <a:off x="5467879" y="1438274"/>
+            <a:ext cx="3257021" cy="4875374"/>
+          </a:xfrm>
+          <a:prstGeom prst="rect">
+            <a:avLst/>
+          </a:prstGeom>
+          <a:noFill/>
+          <a:extLst>
+            <a:ext uri="{909E8E84-426E-40DD-AFC4-6F175D3DCCD1}">
+              <a14:hiddenFill xmlns:a14="http://schemas.microsoft.com/office/drawing/2010/main">
+                <a:solidFill>
+                  <a:srgbClr val="FFFFFF"/>
+                </a:solidFill>
+              </a14:hiddenFill>
+            </a:ext>
+          </a:extLst>
+        </p:spPr>
+      </p:pic>
+    </p:spTree>
+    <p:extLst>
+      <p:ext uri="{BB962C8B-B14F-4D97-AF65-F5344CB8AC3E}">
+        <p14:creationId xmlns:p14="http://schemas.microsoft.com/office/powerpoint/2010/main" val="2608596010"/>
+      </p:ext>
+    </p:extLst>
+  </p:cSld>
+  <p:clrMapOvr>
+    <a:masterClrMapping/>
+  </p:clrMapOvr>
+</p:sld>
+</file>
+
+<file path=ppt/slides/slide21.xml><?xml version="1.0" encoding="utf-8"?>
+<p:sld xmlns:a="http://schemas.openxmlformats.org/drawingml/2006/main" xmlns:r="http://schemas.openxmlformats.org/officeDocument/2006/relationships" xmlns:p="http://schemas.openxmlformats.org/presentationml/2006/main">
+  <p:cSld>
+    <p:spTree>
+      <p:nvGrpSpPr>
+        <p:cNvPr id="1" name=""/>
+        <p:cNvGrpSpPr/>
+        <p:nvPr/>
+      </p:nvGrpSpPr>
+      <p:grpSpPr>
+        <a:xfrm>
+          <a:off x="0" y="0"/>
+          <a:ext cx="0" cy="0"/>
+          <a:chOff x="0" y="0"/>
+          <a:chExt cx="0" cy="0"/>
+        </a:xfrm>
+      </p:grpSpPr>
+      <p:sp>
+        <p:nvSpPr>
+          <p:cNvPr id="2" name="Title 1"/>
+          <p:cNvSpPr>
+            <a:spLocks noGrp="1"/>
+          </p:cNvSpPr>
+          <p:nvPr>
+            <p:ph type="title"/>
+          </p:nvPr>
+        </p:nvSpPr>
+        <p:spPr/>
+        <p:txBody>
+          <a:bodyPr>
+            <a:normAutofit/>
+          </a:bodyPr>
+          <a:lstStyle/>
+          <a:p>
+            <a:r>
+              <a:rPr lang="en-US" dirty="0"/>
+              <a:t>Worked Example</a:t>
+            </a:r>
+          </a:p>
+        </p:txBody>
+      </p:sp>
+      <p:sp>
+        <p:nvSpPr>
+          <p:cNvPr id="3" name="Content Placeholder 2"/>
+          <p:cNvSpPr>
+            <a:spLocks noGrp="1"/>
+          </p:cNvSpPr>
+          <p:nvPr>
+            <p:ph idx="1"/>
+          </p:nvPr>
+        </p:nvSpPr>
+        <p:spPr>
+          <a:xfrm>
+            <a:off x="457200" y="1447799"/>
+            <a:ext cx="4724400" cy="4800601"/>
+          </a:xfrm>
+        </p:spPr>
+        <p:txBody>
+          <a:bodyPr>
             <a:normAutofit fontScale="70000" lnSpcReduction="20000"/>
           </a:bodyPr>
           <a:lstStyle/>
@@ -10840,7 +12147,7 @@
           <a:p>
             <a:fld id="{929262FE-7F58-4A1E-8AF3-5A510A86DEBD}" type="slidenum">
               <a:rPr lang="en-US" smtClean="0"/>
-              <a:t>20</a:t>
+              <a:t>21</a:t>
             </a:fld>
             <a:endParaRPr lang="en-US"/>
           </a:p>
@@ -10906,7 +12213,7 @@
 </p:sld>
 </file>
 
-<file path=ppt/slides/slide21.xml><?xml version="1.0" encoding="utf-8"?>
+<file path=ppt/slides/slide22.xml><?xml version="1.0" encoding="utf-8"?>
 <p:sld xmlns:a="http://schemas.openxmlformats.org/drawingml/2006/main" xmlns:r="http://schemas.openxmlformats.org/officeDocument/2006/relationships" xmlns:p="http://schemas.openxmlformats.org/presentationml/2006/main">
   <p:cSld>
     <p:spTree>
@@ -11060,7 +12367,7 @@
           <a:p>
             <a:fld id="{929262FE-7F58-4A1E-8AF3-5A510A86DEBD}" type="slidenum">
               <a:rPr lang="en-US" smtClean="0"/>
-              <a:t>21</a:t>
+              <a:t>22</a:t>
             </a:fld>
             <a:endParaRPr lang="en-US"/>
           </a:p>
@@ -11126,7 +12433,7 @@
 </p:sld>
 </file>
 
-<file path=ppt/slides/slide22.xml><?xml version="1.0" encoding="utf-8"?>
+<file path=ppt/slides/slide23.xml><?xml version="1.0" encoding="utf-8"?>
 <p:sld xmlns:a="http://schemas.openxmlformats.org/drawingml/2006/main" xmlns:r="http://schemas.openxmlformats.org/officeDocument/2006/relationships" xmlns:p="http://schemas.openxmlformats.org/presentationml/2006/main">
   <p:cSld>
     <p:spTree>
@@ -11280,7 +12587,7 @@
           <a:p>
             <a:fld id="{929262FE-7F58-4A1E-8AF3-5A510A86DEBD}" type="slidenum">
               <a:rPr lang="en-US" smtClean="0"/>
-              <a:t>22</a:t>
+              <a:t>23</a:t>
             </a:fld>
             <a:endParaRPr lang="en-US"/>
           </a:p>
@@ -11346,7 +12653,7 @@
 </p:sld>
 </file>
 
-<file path=ppt/slides/slide23.xml><?xml version="1.0" encoding="utf-8"?>
+<file path=ppt/slides/slide24.xml><?xml version="1.0" encoding="utf-8"?>
 <p:sld xmlns:a="http://schemas.openxmlformats.org/drawingml/2006/main" xmlns:r="http://schemas.openxmlformats.org/officeDocument/2006/relationships" xmlns:p="http://schemas.openxmlformats.org/presentationml/2006/main">
   <p:cSld>
     <p:spTree>
@@ -11440,7 +12747,7 @@
           <a:p>
             <a:fld id="{929262FE-7F58-4A1E-8AF3-5A510A86DEBD}" type="slidenum">
               <a:rPr lang="en-US" smtClean="0"/>
-              <a:t>23</a:t>
+              <a:t>24</a:t>
             </a:fld>
             <a:endParaRPr lang="en-US"/>
           </a:p>
@@ -14256,6 +15563,1328 @@
           <p:cNvPr id="2" name="Title 1">
             <a:extLst>
               <a:ext uri="{FF2B5EF4-FFF2-40B4-BE49-F238E27FC236}">
+                <a16:creationId xmlns:a16="http://schemas.microsoft.com/office/drawing/2014/main" id="{8B7CCF46-1731-416D-9628-456D2A84EC00}"/>
+              </a:ext>
+            </a:extLst>
+          </p:cNvPr>
+          <p:cNvSpPr>
+            <a:spLocks noGrp="1"/>
+          </p:cNvSpPr>
+          <p:nvPr>
+            <p:ph type="title"/>
+          </p:nvPr>
+        </p:nvSpPr>
+        <p:spPr/>
+        <p:txBody>
+          <a:bodyPr/>
+          <a:lstStyle/>
+          <a:p>
+            <a:endParaRPr lang="en-US" dirty="0"/>
+          </a:p>
+        </p:txBody>
+      </p:sp>
+      <p:sp>
+        <p:nvSpPr>
+          <p:cNvPr id="4" name="Slide Number Placeholder 3">
+            <a:extLst>
+              <a:ext uri="{FF2B5EF4-FFF2-40B4-BE49-F238E27FC236}">
+                <a16:creationId xmlns:a16="http://schemas.microsoft.com/office/drawing/2014/main" id="{A9A866FE-46E2-4824-B839-554115651A3C}"/>
+              </a:ext>
+            </a:extLst>
+          </p:cNvPr>
+          <p:cNvSpPr>
+            <a:spLocks noGrp="1"/>
+          </p:cNvSpPr>
+          <p:nvPr>
+            <p:ph type="sldNum" sz="quarter" idx="12"/>
+          </p:nvPr>
+        </p:nvSpPr>
+        <p:spPr/>
+        <p:txBody>
+          <a:bodyPr/>
+          <a:lstStyle/>
+          <a:p>
+            <a:fld id="{929262FE-7F58-4A1E-8AF3-5A510A86DEBD}" type="slidenum">
+              <a:rPr lang="en-US" smtClean="0"/>
+              <a:t>7</a:t>
+            </a:fld>
+            <a:endParaRPr lang="en-US" dirty="0"/>
+          </a:p>
+        </p:txBody>
+      </p:sp>
+      <p:cxnSp>
+        <p:nvCxnSpPr>
+          <p:cNvPr id="12" name="Straight Arrow Connector 11">
+            <a:extLst>
+              <a:ext uri="{FF2B5EF4-FFF2-40B4-BE49-F238E27FC236}">
+                <a16:creationId xmlns:a16="http://schemas.microsoft.com/office/drawing/2014/main" id="{4D97AB2A-D8C9-4C27-A799-3810491DC275}"/>
+              </a:ext>
+            </a:extLst>
+          </p:cNvPr>
+          <p:cNvCxnSpPr/>
+          <p:nvPr/>
+        </p:nvCxnSpPr>
+        <p:spPr>
+          <a:xfrm>
+            <a:off x="2194087" y="3948774"/>
+            <a:ext cx="685800" cy="609600"/>
+          </a:xfrm>
+          <a:prstGeom prst="straightConnector1">
+            <a:avLst/>
+          </a:prstGeom>
+          <a:ln>
+            <a:solidFill>
+              <a:srgbClr val="FF0000"/>
+            </a:solidFill>
+            <a:tailEnd type="arrow"/>
+          </a:ln>
+        </p:spPr>
+        <p:style>
+          <a:lnRef idx="3">
+            <a:schemeClr val="accent2"/>
+          </a:lnRef>
+          <a:fillRef idx="0">
+            <a:schemeClr val="accent2"/>
+          </a:fillRef>
+          <a:effectRef idx="2">
+            <a:schemeClr val="accent2"/>
+          </a:effectRef>
+          <a:fontRef idx="minor">
+            <a:schemeClr val="tx1"/>
+          </a:fontRef>
+        </p:style>
+      </p:cxnSp>
+      <mc:AlternateContent xmlns:mc="http://schemas.openxmlformats.org/markup-compatibility/2006">
+        <mc:Choice xmlns:a14="http://schemas.microsoft.com/office/drawing/2010/main" Requires="a14">
+          <p:sp>
+            <p:nvSpPr>
+              <p:cNvPr id="13" name="TextBox 12">
+                <a:extLst>
+                  <a:ext uri="{FF2B5EF4-FFF2-40B4-BE49-F238E27FC236}">
+                    <a16:creationId xmlns:a16="http://schemas.microsoft.com/office/drawing/2014/main" id="{8BA5B26B-61E6-4F29-B254-24BC9D905BF6}"/>
+                  </a:ext>
+                </a:extLst>
+              </p:cNvPr>
+              <p:cNvSpPr txBox="1"/>
+              <p:nvPr/>
+            </p:nvSpPr>
+            <p:spPr>
+              <a:xfrm>
+                <a:off x="1705459" y="3503242"/>
+                <a:ext cx="746423" cy="394210"/>
+              </a:xfrm>
+              <a:prstGeom prst="rect">
+                <a:avLst/>
+              </a:prstGeom>
+              <a:solidFill>
+                <a:schemeClr val="bg1"/>
+              </a:solidFill>
+            </p:spPr>
+            <p:txBody>
+              <a:bodyPr wrap="none" rtlCol="0">
+                <a:spAutoFit/>
+              </a:bodyPr>
+              <a:lstStyle/>
+              <a:p>
+                <a:pPr/>
+                <a14:m>
+                  <m:oMathPara xmlns:m="http://schemas.openxmlformats.org/officeDocument/2006/math">
+                    <m:oMathParaPr>
+                      <m:jc m:val="centerGroup"/>
+                    </m:oMathParaPr>
+                    <m:oMath xmlns:m="http://schemas.openxmlformats.org/officeDocument/2006/math">
+                      <m:sSub>
+                        <m:sSubPr>
+                          <m:ctrlPr>
+                            <a:rPr lang="en-US" b="1" i="1" smtClean="0">
+                              <a:solidFill>
+                                <a:srgbClr val="FF0000"/>
+                              </a:solidFill>
+                              <a:latin typeface="Cambria Math" panose="02040503050406030204" pitchFamily="18" charset="0"/>
+                            </a:rPr>
+                          </m:ctrlPr>
+                        </m:sSubPr>
+                        <m:e>
+                          <m:r>
+                            <a:rPr lang="en-US" b="1" i="0">
+                              <a:solidFill>
+                                <a:srgbClr val="FF0000"/>
+                              </a:solidFill>
+                              <a:latin typeface="Cambria Math"/>
+                            </a:rPr>
+                            <m:t>𝐅</m:t>
+                          </m:r>
+                        </m:e>
+                        <m:sub>
+                          <m:r>
+                            <a:rPr lang="en-US" b="1" i="0" smtClean="0">
+                              <a:solidFill>
+                                <a:srgbClr val="FF0000"/>
+                              </a:solidFill>
+                              <a:latin typeface="Cambria Math"/>
+                            </a:rPr>
+                            <m:t>𝐩𝐮𝐬𝐡</m:t>
+                          </m:r>
+                        </m:sub>
+                      </m:sSub>
+                    </m:oMath>
+                  </m:oMathPara>
+                </a14:m>
+                <a:endParaRPr lang="en-US" b="1" dirty="0">
+                  <a:solidFill>
+                    <a:srgbClr val="FF0000"/>
+                  </a:solidFill>
+                </a:endParaRPr>
+              </a:p>
+            </p:txBody>
+          </p:sp>
+        </mc:Choice>
+        <mc:Fallback>
+          <p:sp>
+            <p:nvSpPr>
+              <p:cNvPr id="13" name="TextBox 12">
+                <a:extLst>
+                  <a:ext uri="{FF2B5EF4-FFF2-40B4-BE49-F238E27FC236}">
+                    <a16:creationId xmlns:a16="http://schemas.microsoft.com/office/drawing/2014/main" id="{8BA5B26B-61E6-4F29-B254-24BC9D905BF6}"/>
+                  </a:ext>
+                </a:extLst>
+              </p:cNvPr>
+              <p:cNvSpPr txBox="1">
+                <a:spLocks noRot="1" noChangeAspect="1" noMove="1" noResize="1" noEditPoints="1" noAdjustHandles="1" noChangeArrowheads="1" noChangeShapeType="1" noTextEdit="1"/>
+              </p:cNvSpPr>
+              <p:nvPr/>
+            </p:nvSpPr>
+            <p:spPr>
+              <a:xfrm>
+                <a:off x="1705459" y="3503242"/>
+                <a:ext cx="746423" cy="394210"/>
+              </a:xfrm>
+              <a:prstGeom prst="rect">
+                <a:avLst/>
+              </a:prstGeom>
+              <a:blipFill>
+                <a:blip r:embed="rId2"/>
+                <a:stretch>
+                  <a:fillRect b="-10938"/>
+                </a:stretch>
+              </a:blipFill>
+            </p:spPr>
+            <p:txBody>
+              <a:bodyPr/>
+              <a:lstStyle/>
+              <a:p>
+                <a:r>
+                  <a:rPr lang="en-US">
+                    <a:noFill/>
+                  </a:rPr>
+                  <a:t> </a:t>
+                </a:r>
+              </a:p>
+            </p:txBody>
+          </p:sp>
+        </mc:Fallback>
+      </mc:AlternateContent>
+      <p:sp>
+        <p:nvSpPr>
+          <p:cNvPr id="15" name="Arc 14">
+            <a:extLst>
+              <a:ext uri="{FF2B5EF4-FFF2-40B4-BE49-F238E27FC236}">
+                <a16:creationId xmlns:a16="http://schemas.microsoft.com/office/drawing/2014/main" id="{A0668367-EC9D-4288-916F-09DFE219AFAC}"/>
+              </a:ext>
+            </a:extLst>
+          </p:cNvPr>
+          <p:cNvSpPr/>
+          <p:nvPr/>
+        </p:nvSpPr>
+        <p:spPr>
+          <a:xfrm>
+            <a:off x="2362200" y="4132870"/>
+            <a:ext cx="882972" cy="838200"/>
+          </a:xfrm>
+          <a:prstGeom prst="arc">
+            <a:avLst>
+              <a:gd name="adj1" fmla="val 10930071"/>
+              <a:gd name="adj2" fmla="val 13339864"/>
+            </a:avLst>
+          </a:prstGeom>
+        </p:spPr>
+        <p:style>
+          <a:lnRef idx="1">
+            <a:schemeClr val="accent1"/>
+          </a:lnRef>
+          <a:fillRef idx="0">
+            <a:schemeClr val="accent1"/>
+          </a:fillRef>
+          <a:effectRef idx="0">
+            <a:schemeClr val="accent1"/>
+          </a:effectRef>
+          <a:fontRef idx="minor">
+            <a:schemeClr val="tx1"/>
+          </a:fontRef>
+        </p:style>
+        <p:txBody>
+          <a:bodyPr rtlCol="0" anchor="ctr"/>
+          <a:lstStyle/>
+          <a:p>
+            <a:pPr algn="ctr"/>
+            <a:endParaRPr lang="en-US"/>
+          </a:p>
+        </p:txBody>
+      </p:sp>
+      <p:sp>
+        <p:nvSpPr>
+          <p:cNvPr id="16" name="TextBox 15">
+            <a:extLst>
+              <a:ext uri="{FF2B5EF4-FFF2-40B4-BE49-F238E27FC236}">
+                <a16:creationId xmlns:a16="http://schemas.microsoft.com/office/drawing/2014/main" id="{4A06F11B-8629-4686-9DC2-06BD32BE2CB1}"/>
+              </a:ext>
+            </a:extLst>
+          </p:cNvPr>
+          <p:cNvSpPr txBox="1"/>
+          <p:nvPr/>
+        </p:nvSpPr>
+        <p:spPr>
+          <a:xfrm>
+            <a:off x="2111448" y="4128507"/>
+            <a:ext cx="308098" cy="369332"/>
+          </a:xfrm>
+          <a:prstGeom prst="rect">
+            <a:avLst/>
+          </a:prstGeom>
+          <a:noFill/>
+        </p:spPr>
+        <p:txBody>
+          <a:bodyPr wrap="none" rtlCol="0">
+            <a:spAutoFit/>
+          </a:bodyPr>
+          <a:lstStyle/>
+          <a:p>
+            <a:r>
+              <a:rPr lang="en-US" dirty="0">
+                <a:solidFill>
+                  <a:schemeClr val="tx2"/>
+                </a:solidFill>
+              </a:rPr>
+              <a:t>θ</a:t>
+            </a:r>
+          </a:p>
+        </p:txBody>
+      </p:sp>
+      <p:cxnSp>
+        <p:nvCxnSpPr>
+          <p:cNvPr id="17" name="Straight Arrow Connector 16">
+            <a:extLst>
+              <a:ext uri="{FF2B5EF4-FFF2-40B4-BE49-F238E27FC236}">
+                <a16:creationId xmlns:a16="http://schemas.microsoft.com/office/drawing/2014/main" id="{86FACA0C-D3D9-4951-8956-483DEEF2C685}"/>
+              </a:ext>
+            </a:extLst>
+          </p:cNvPr>
+          <p:cNvCxnSpPr>
+            <a:cxnSpLocks/>
+          </p:cNvCxnSpPr>
+          <p:nvPr/>
+        </p:nvCxnSpPr>
+        <p:spPr>
+          <a:xfrm>
+            <a:off x="1295400" y="4539734"/>
+            <a:ext cx="2362200" cy="18640"/>
+          </a:xfrm>
+          <a:prstGeom prst="straightConnector1">
+            <a:avLst/>
+          </a:prstGeom>
+          <a:ln>
+            <a:tailEnd type="arrow"/>
+          </a:ln>
+        </p:spPr>
+        <p:style>
+          <a:lnRef idx="2">
+            <a:schemeClr val="accent1"/>
+          </a:lnRef>
+          <a:fillRef idx="0">
+            <a:schemeClr val="accent1"/>
+          </a:fillRef>
+          <a:effectRef idx="1">
+            <a:schemeClr val="accent1"/>
+          </a:effectRef>
+          <a:fontRef idx="minor">
+            <a:schemeClr val="tx1"/>
+          </a:fontRef>
+        </p:style>
+      </p:cxnSp>
+      <p:sp>
+        <p:nvSpPr>
+          <p:cNvPr id="18" name="TextBox 17">
+            <a:extLst>
+              <a:ext uri="{FF2B5EF4-FFF2-40B4-BE49-F238E27FC236}">
+                <a16:creationId xmlns:a16="http://schemas.microsoft.com/office/drawing/2014/main" id="{56FD35AC-A282-4AF4-A243-09E5EFE771DA}"/>
+              </a:ext>
+            </a:extLst>
+          </p:cNvPr>
+          <p:cNvSpPr txBox="1"/>
+          <p:nvPr/>
+        </p:nvSpPr>
+        <p:spPr>
+          <a:xfrm>
+            <a:off x="1727321" y="4666050"/>
+            <a:ext cx="1517851" cy="369332"/>
+          </a:xfrm>
+          <a:prstGeom prst="rect">
+            <a:avLst/>
+          </a:prstGeom>
+          <a:solidFill>
+            <a:schemeClr val="bg1"/>
+          </a:solidFill>
+        </p:spPr>
+        <p:txBody>
+          <a:bodyPr wrap="none" rtlCol="0">
+            <a:spAutoFit/>
+          </a:bodyPr>
+          <a:lstStyle/>
+          <a:p>
+            <a:r>
+              <a:rPr lang="en-US" dirty="0">
+                <a:solidFill>
+                  <a:schemeClr val="tx2"/>
+                </a:solidFill>
+              </a:rPr>
+              <a:t>Displacement</a:t>
+            </a:r>
+          </a:p>
+        </p:txBody>
+      </p:sp>
+      <p:cxnSp>
+        <p:nvCxnSpPr>
+          <p:cNvPr id="20" name="Straight Arrow Connector 19">
+            <a:extLst>
+              <a:ext uri="{FF2B5EF4-FFF2-40B4-BE49-F238E27FC236}">
+                <a16:creationId xmlns:a16="http://schemas.microsoft.com/office/drawing/2014/main" id="{8BDFE9DF-EB98-4889-8385-1227FADE211D}"/>
+              </a:ext>
+            </a:extLst>
+          </p:cNvPr>
+          <p:cNvCxnSpPr>
+            <a:cxnSpLocks/>
+          </p:cNvCxnSpPr>
+          <p:nvPr/>
+        </p:nvCxnSpPr>
+        <p:spPr>
+          <a:xfrm>
+            <a:off x="2194087" y="4558374"/>
+            <a:ext cx="654001" cy="0"/>
+          </a:xfrm>
+          <a:prstGeom prst="straightConnector1">
+            <a:avLst/>
+          </a:prstGeom>
+          <a:ln>
+            <a:solidFill>
+              <a:srgbClr val="FF0000"/>
+            </a:solidFill>
+            <a:prstDash val="sysDash"/>
+            <a:headEnd type="none" w="med" len="med"/>
+            <a:tailEnd type="none" w="med" len="med"/>
+          </a:ln>
+        </p:spPr>
+        <p:style>
+          <a:lnRef idx="3">
+            <a:schemeClr val="accent2"/>
+          </a:lnRef>
+          <a:fillRef idx="0">
+            <a:schemeClr val="accent2"/>
+          </a:fillRef>
+          <a:effectRef idx="2">
+            <a:schemeClr val="accent2"/>
+          </a:effectRef>
+          <a:fontRef idx="minor">
+            <a:schemeClr val="tx1"/>
+          </a:fontRef>
+        </p:style>
+      </p:cxnSp>
+      <p:cxnSp>
+        <p:nvCxnSpPr>
+          <p:cNvPr id="27" name="Straight Connector 26">
+            <a:extLst>
+              <a:ext uri="{FF2B5EF4-FFF2-40B4-BE49-F238E27FC236}">
+                <a16:creationId xmlns:a16="http://schemas.microsoft.com/office/drawing/2014/main" id="{459F40B2-3083-42ED-8201-5D464F280FB3}"/>
+              </a:ext>
+            </a:extLst>
+          </p:cNvPr>
+          <p:cNvCxnSpPr>
+            <a:cxnSpLocks/>
+          </p:cNvCxnSpPr>
+          <p:nvPr/>
+        </p:nvCxnSpPr>
+        <p:spPr>
+          <a:xfrm flipH="1">
+            <a:off x="5049206" y="3333945"/>
+            <a:ext cx="2314281" cy="1771455"/>
+          </a:xfrm>
+          <a:prstGeom prst="line">
+            <a:avLst/>
+          </a:prstGeom>
+          <a:ln w="28575">
+            <a:prstDash val="dash"/>
+          </a:ln>
+        </p:spPr>
+        <p:style>
+          <a:lnRef idx="1">
+            <a:schemeClr val="accent1"/>
+          </a:lnRef>
+          <a:fillRef idx="0">
+            <a:schemeClr val="accent1"/>
+          </a:fillRef>
+          <a:effectRef idx="0">
+            <a:schemeClr val="accent1"/>
+          </a:effectRef>
+          <a:fontRef idx="minor">
+            <a:schemeClr val="tx1"/>
+          </a:fontRef>
+        </p:style>
+      </p:cxnSp>
+      <p:cxnSp>
+        <p:nvCxnSpPr>
+          <p:cNvPr id="31" name="Straight Arrow Connector 30">
+            <a:extLst>
+              <a:ext uri="{FF2B5EF4-FFF2-40B4-BE49-F238E27FC236}">
+                <a16:creationId xmlns:a16="http://schemas.microsoft.com/office/drawing/2014/main" id="{CDA7C25E-669B-4F94-9C7D-7EE432D824AA}"/>
+              </a:ext>
+            </a:extLst>
+          </p:cNvPr>
+          <p:cNvCxnSpPr>
+            <a:cxnSpLocks/>
+          </p:cNvCxnSpPr>
+          <p:nvPr/>
+        </p:nvCxnSpPr>
+        <p:spPr>
+          <a:xfrm flipH="1">
+            <a:off x="5658806" y="3783433"/>
+            <a:ext cx="1092592" cy="25276"/>
+          </a:xfrm>
+          <a:prstGeom prst="straightConnector1">
+            <a:avLst/>
+          </a:prstGeom>
+          <a:ln>
+            <a:solidFill>
+              <a:srgbClr val="7030A0"/>
+            </a:solidFill>
+            <a:tailEnd type="arrow"/>
+          </a:ln>
+        </p:spPr>
+        <p:style>
+          <a:lnRef idx="3">
+            <a:schemeClr val="accent2"/>
+          </a:lnRef>
+          <a:fillRef idx="0">
+            <a:schemeClr val="accent2"/>
+          </a:fillRef>
+          <a:effectRef idx="2">
+            <a:schemeClr val="accent2"/>
+          </a:effectRef>
+          <a:fontRef idx="minor">
+            <a:schemeClr val="tx1"/>
+          </a:fontRef>
+        </p:style>
+      </p:cxnSp>
+      <p:cxnSp>
+        <p:nvCxnSpPr>
+          <p:cNvPr id="32" name="Straight Arrow Connector 31">
+            <a:extLst>
+              <a:ext uri="{FF2B5EF4-FFF2-40B4-BE49-F238E27FC236}">
+                <a16:creationId xmlns:a16="http://schemas.microsoft.com/office/drawing/2014/main" id="{9BF19101-2822-4344-9ECF-403722A43CB7}"/>
+              </a:ext>
+            </a:extLst>
+          </p:cNvPr>
+          <p:cNvCxnSpPr>
+            <a:cxnSpLocks/>
+          </p:cNvCxnSpPr>
+          <p:nvPr/>
+        </p:nvCxnSpPr>
+        <p:spPr>
+          <a:xfrm flipV="1">
+            <a:off x="5830713" y="3808709"/>
+            <a:ext cx="914400" cy="685800"/>
+          </a:xfrm>
+          <a:prstGeom prst="straightConnector1">
+            <a:avLst/>
+          </a:prstGeom>
+          <a:ln>
+            <a:solidFill>
+              <a:srgbClr val="7030A0"/>
+            </a:solidFill>
+            <a:prstDash val="sysDash"/>
+            <a:headEnd type="none" w="med" len="med"/>
+            <a:tailEnd type="none" w="med" len="med"/>
+          </a:ln>
+        </p:spPr>
+        <p:style>
+          <a:lnRef idx="3">
+            <a:schemeClr val="accent2"/>
+          </a:lnRef>
+          <a:fillRef idx="0">
+            <a:schemeClr val="accent2"/>
+          </a:fillRef>
+          <a:effectRef idx="2">
+            <a:schemeClr val="accent2"/>
+          </a:effectRef>
+          <a:fontRef idx="minor">
+            <a:schemeClr val="tx1"/>
+          </a:fontRef>
+        </p:style>
+      </p:cxnSp>
+      <p:sp>
+        <p:nvSpPr>
+          <p:cNvPr id="42" name="Arc 41">
+            <a:extLst>
+              <a:ext uri="{FF2B5EF4-FFF2-40B4-BE49-F238E27FC236}">
+                <a16:creationId xmlns:a16="http://schemas.microsoft.com/office/drawing/2014/main" id="{8AE077EC-6571-448F-9679-73F9C2A74F3B}"/>
+              </a:ext>
+            </a:extLst>
+          </p:cNvPr>
+          <p:cNvSpPr/>
+          <p:nvPr/>
+        </p:nvSpPr>
+        <p:spPr>
+          <a:xfrm>
+            <a:off x="6396533" y="3600254"/>
+            <a:ext cx="548246" cy="938757"/>
+          </a:xfrm>
+          <a:prstGeom prst="arc">
+            <a:avLst>
+              <a:gd name="adj1" fmla="val 10930071"/>
+              <a:gd name="adj2" fmla="val 13615311"/>
+            </a:avLst>
+          </a:prstGeom>
+        </p:spPr>
+        <p:style>
+          <a:lnRef idx="1">
+            <a:schemeClr val="accent1"/>
+          </a:lnRef>
+          <a:fillRef idx="0">
+            <a:schemeClr val="accent1"/>
+          </a:fillRef>
+          <a:effectRef idx="0">
+            <a:schemeClr val="accent1"/>
+          </a:effectRef>
+          <a:fontRef idx="minor">
+            <a:schemeClr val="tx1"/>
+          </a:fontRef>
+        </p:style>
+        <p:txBody>
+          <a:bodyPr rtlCol="0" anchor="ctr"/>
+          <a:lstStyle/>
+          <a:p>
+            <a:pPr algn="ctr"/>
+            <a:endParaRPr lang="en-US"/>
+          </a:p>
+        </p:txBody>
+      </p:sp>
+      <p:sp>
+        <p:nvSpPr>
+          <p:cNvPr id="43" name="TextBox 42">
+            <a:extLst>
+              <a:ext uri="{FF2B5EF4-FFF2-40B4-BE49-F238E27FC236}">
+                <a16:creationId xmlns:a16="http://schemas.microsoft.com/office/drawing/2014/main" id="{D3F09A66-386A-4D3C-8EED-784715292D76}"/>
+              </a:ext>
+            </a:extLst>
+          </p:cNvPr>
+          <p:cNvSpPr txBox="1"/>
+          <p:nvPr/>
+        </p:nvSpPr>
+        <p:spPr>
+          <a:xfrm>
+            <a:off x="6416774" y="3994775"/>
+            <a:ext cx="308098" cy="369332"/>
+          </a:xfrm>
+          <a:prstGeom prst="rect">
+            <a:avLst/>
+          </a:prstGeom>
+          <a:noFill/>
+        </p:spPr>
+        <p:txBody>
+          <a:bodyPr wrap="none" rtlCol="0">
+            <a:spAutoFit/>
+          </a:bodyPr>
+          <a:lstStyle/>
+          <a:p>
+            <a:r>
+              <a:rPr lang="en-US" dirty="0">
+                <a:solidFill>
+                  <a:schemeClr val="tx2"/>
+                </a:solidFill>
+              </a:rPr>
+              <a:t>θ</a:t>
+            </a:r>
+          </a:p>
+        </p:txBody>
+      </p:sp>
+      <p:sp>
+        <p:nvSpPr>
+          <p:cNvPr id="44" name="Arc 43">
+            <a:extLst>
+              <a:ext uri="{FF2B5EF4-FFF2-40B4-BE49-F238E27FC236}">
+                <a16:creationId xmlns:a16="http://schemas.microsoft.com/office/drawing/2014/main" id="{76E0F376-A874-4F41-B420-4990AB966C87}"/>
+              </a:ext>
+            </a:extLst>
+          </p:cNvPr>
+          <p:cNvSpPr/>
+          <p:nvPr/>
+        </p:nvSpPr>
+        <p:spPr>
+          <a:xfrm rot="389019">
+            <a:off x="6067082" y="3462313"/>
+            <a:ext cx="296309" cy="603789"/>
+          </a:xfrm>
+          <a:prstGeom prst="arc">
+            <a:avLst>
+              <a:gd name="adj1" fmla="val 14367025"/>
+              <a:gd name="adj2" fmla="val 6736221"/>
+            </a:avLst>
+          </a:prstGeom>
+          <a:ln w="28575">
+            <a:solidFill>
+              <a:srgbClr val="7030A0"/>
+            </a:solidFill>
+            <a:headEnd type="triangle" w="med" len="med"/>
+            <a:tailEnd type="none" w="med" len="med"/>
+          </a:ln>
+        </p:spPr>
+        <p:style>
+          <a:lnRef idx="1">
+            <a:schemeClr val="accent1"/>
+          </a:lnRef>
+          <a:fillRef idx="0">
+            <a:schemeClr val="accent1"/>
+          </a:fillRef>
+          <a:effectRef idx="0">
+            <a:schemeClr val="accent1"/>
+          </a:effectRef>
+          <a:fontRef idx="minor">
+            <a:schemeClr val="tx1"/>
+          </a:fontRef>
+        </p:style>
+        <p:txBody>
+          <a:bodyPr rtlCol="0" anchor="ctr"/>
+          <a:lstStyle/>
+          <a:p>
+            <a:pPr algn="ctr"/>
+            <a:endParaRPr lang="en-US"/>
+          </a:p>
+        </p:txBody>
+      </p:sp>
+      <p:sp>
+        <p:nvSpPr>
+          <p:cNvPr id="45" name="TextBox 44">
+            <a:extLst>
+              <a:ext uri="{FF2B5EF4-FFF2-40B4-BE49-F238E27FC236}">
+                <a16:creationId xmlns:a16="http://schemas.microsoft.com/office/drawing/2014/main" id="{E406E786-5131-4F25-89DE-E0DFA42766A8}"/>
+              </a:ext>
+            </a:extLst>
+          </p:cNvPr>
+          <p:cNvSpPr txBox="1"/>
+          <p:nvPr/>
+        </p:nvSpPr>
+        <p:spPr>
+          <a:xfrm>
+            <a:off x="5846056" y="4801968"/>
+            <a:ext cx="982898" cy="646331"/>
+          </a:xfrm>
+          <a:prstGeom prst="rect">
+            <a:avLst/>
+          </a:prstGeom>
+          <a:solidFill>
+            <a:schemeClr val="bg1"/>
+          </a:solidFill>
+        </p:spPr>
+        <p:txBody>
+          <a:bodyPr wrap="none" rtlCol="0">
+            <a:spAutoFit/>
+          </a:bodyPr>
+          <a:lstStyle/>
+          <a:p>
+            <a:pPr algn="ctr"/>
+            <a:r>
+              <a:rPr lang="en-US" dirty="0">
+                <a:solidFill>
+                  <a:schemeClr val="tx2"/>
+                </a:solidFill>
+              </a:rPr>
+              <a:t>Axis of</a:t>
+            </a:r>
+          </a:p>
+          <a:p>
+            <a:pPr algn="ctr"/>
+            <a:r>
+              <a:rPr lang="en-US" dirty="0">
+                <a:solidFill>
+                  <a:schemeClr val="tx2"/>
+                </a:solidFill>
+              </a:rPr>
+              <a:t>Rotation</a:t>
+            </a:r>
+          </a:p>
+        </p:txBody>
+      </p:sp>
+      <mc:AlternateContent xmlns:mc="http://schemas.openxmlformats.org/markup-compatibility/2006">
+        <mc:Choice xmlns:a14="http://schemas.microsoft.com/office/drawing/2010/main" Requires="a14">
+          <p:sp>
+            <p:nvSpPr>
+              <p:cNvPr id="46" name="TextBox 45">
+                <a:extLst>
+                  <a:ext uri="{FF2B5EF4-FFF2-40B4-BE49-F238E27FC236}">
+                    <a16:creationId xmlns:a16="http://schemas.microsoft.com/office/drawing/2014/main" id="{74EA9427-8818-4D3C-951B-A34F81622E09}"/>
+                  </a:ext>
+                </a:extLst>
+              </p:cNvPr>
+              <p:cNvSpPr txBox="1"/>
+              <p:nvPr/>
+            </p:nvSpPr>
+            <p:spPr>
+              <a:xfrm>
+                <a:off x="4419600" y="3441041"/>
+                <a:ext cx="1184940" cy="646331"/>
+              </a:xfrm>
+              <a:prstGeom prst="rect">
+                <a:avLst/>
+              </a:prstGeom>
+              <a:solidFill>
+                <a:schemeClr val="bg1"/>
+              </a:solidFill>
+            </p:spPr>
+            <p:txBody>
+              <a:bodyPr wrap="none" rtlCol="0">
+                <a:spAutoFit/>
+              </a:bodyPr>
+              <a:lstStyle/>
+              <a:p>
+                <a:pPr/>
+                <a14:m>
+                  <m:oMathPara xmlns:m="http://schemas.openxmlformats.org/officeDocument/2006/math">
+                    <m:oMathParaPr>
+                      <m:jc m:val="centerGroup"/>
+                    </m:oMathParaPr>
+                    <m:oMath xmlns:m="http://schemas.openxmlformats.org/officeDocument/2006/math">
+                      <m:r>
+                        <a:rPr lang="en-US" b="1" i="0" smtClean="0">
+                          <a:solidFill>
+                            <a:srgbClr val="7030A0"/>
+                          </a:solidFill>
+                          <a:latin typeface="Cambria Math" panose="02040503050406030204" pitchFamily="18" charset="0"/>
+                        </a:rPr>
+                        <m:t>𝐌𝐨𝐦𝐞𝐧𝐭</m:t>
+                      </m:r>
+                      <m:r>
+                        <a:rPr lang="en-US" b="1" i="0" smtClean="0">
+                          <a:solidFill>
+                            <a:srgbClr val="7030A0"/>
+                          </a:solidFill>
+                          <a:latin typeface="Cambria Math" panose="02040503050406030204" pitchFamily="18" charset="0"/>
+                        </a:rPr>
+                        <m:t> </m:t>
+                      </m:r>
+                    </m:oMath>
+                  </m:oMathPara>
+                </a14:m>
+                <a:endParaRPr lang="en-US" b="1" i="0" dirty="0">
+                  <a:solidFill>
+                    <a:srgbClr val="7030A0"/>
+                  </a:solidFill>
+                  <a:latin typeface="Cambria Math" panose="02040503050406030204" pitchFamily="18" charset="0"/>
+                </a:endParaRPr>
+              </a:p>
+              <a:p>
+                <a:pPr/>
+                <a14:m>
+                  <m:oMathPara xmlns:m="http://schemas.openxmlformats.org/officeDocument/2006/math">
+                    <m:oMathParaPr>
+                      <m:jc m:val="centerGroup"/>
+                    </m:oMathParaPr>
+                    <m:oMath xmlns:m="http://schemas.openxmlformats.org/officeDocument/2006/math">
+                      <m:r>
+                        <a:rPr lang="en-US" b="1" i="0" smtClean="0">
+                          <a:solidFill>
+                            <a:srgbClr val="7030A0"/>
+                          </a:solidFill>
+                          <a:latin typeface="Cambria Math" panose="02040503050406030204" pitchFamily="18" charset="0"/>
+                        </a:rPr>
+                        <m:t>𝐕𝐞𝐜𝐭𝐨𝐫</m:t>
+                      </m:r>
+                    </m:oMath>
+                  </m:oMathPara>
+                </a14:m>
+                <a:endParaRPr lang="en-US" b="1" dirty="0">
+                  <a:solidFill>
+                    <a:srgbClr val="7030A0"/>
+                  </a:solidFill>
+                </a:endParaRPr>
+              </a:p>
+            </p:txBody>
+          </p:sp>
+        </mc:Choice>
+        <mc:Fallback>
+          <p:sp>
+            <p:nvSpPr>
+              <p:cNvPr id="46" name="TextBox 45">
+                <a:extLst>
+                  <a:ext uri="{FF2B5EF4-FFF2-40B4-BE49-F238E27FC236}">
+                    <a16:creationId xmlns:a16="http://schemas.microsoft.com/office/drawing/2014/main" id="{74EA9427-8818-4D3C-951B-A34F81622E09}"/>
+                  </a:ext>
+                </a:extLst>
+              </p:cNvPr>
+              <p:cNvSpPr txBox="1">
+                <a:spLocks noRot="1" noChangeAspect="1" noMove="1" noResize="1" noEditPoints="1" noAdjustHandles="1" noChangeArrowheads="1" noChangeShapeType="1" noTextEdit="1"/>
+              </p:cNvSpPr>
+              <p:nvPr/>
+            </p:nvSpPr>
+            <p:spPr>
+              <a:xfrm>
+                <a:off x="4419600" y="3441041"/>
+                <a:ext cx="1184940" cy="646331"/>
+              </a:xfrm>
+              <a:prstGeom prst="rect">
+                <a:avLst/>
+              </a:prstGeom>
+              <a:blipFill>
+                <a:blip r:embed="rId3"/>
+                <a:stretch>
+                  <a:fillRect/>
+                </a:stretch>
+              </a:blipFill>
+            </p:spPr>
+            <p:txBody>
+              <a:bodyPr/>
+              <a:lstStyle/>
+              <a:p>
+                <a:r>
+                  <a:rPr lang="en-US">
+                    <a:noFill/>
+                  </a:rPr>
+                  <a:t> </a:t>
+                </a:r>
+              </a:p>
+            </p:txBody>
+          </p:sp>
+        </mc:Fallback>
+      </mc:AlternateContent>
+      <p:sp>
+        <p:nvSpPr>
+          <p:cNvPr id="47" name="Arc 46">
+            <a:extLst>
+              <a:ext uri="{FF2B5EF4-FFF2-40B4-BE49-F238E27FC236}">
+                <a16:creationId xmlns:a16="http://schemas.microsoft.com/office/drawing/2014/main" id="{BA11FD59-9A08-4127-BAE0-49DBFD05550D}"/>
+              </a:ext>
+            </a:extLst>
+          </p:cNvPr>
+          <p:cNvSpPr/>
+          <p:nvPr/>
+        </p:nvSpPr>
+        <p:spPr>
+          <a:xfrm rot="20524782">
+            <a:off x="5381671" y="4364155"/>
+            <a:ext cx="332264" cy="603789"/>
+          </a:xfrm>
+          <a:prstGeom prst="arc">
+            <a:avLst>
+              <a:gd name="adj1" fmla="val 12849032"/>
+              <a:gd name="adj2" fmla="val 6736221"/>
+            </a:avLst>
+          </a:prstGeom>
+          <a:ln w="28575">
+            <a:solidFill>
+              <a:schemeClr val="accent1"/>
+            </a:solidFill>
+            <a:headEnd type="triangle" w="med" len="med"/>
+            <a:tailEnd type="none" w="med" len="med"/>
+          </a:ln>
+        </p:spPr>
+        <p:style>
+          <a:lnRef idx="1">
+            <a:schemeClr val="accent1"/>
+          </a:lnRef>
+          <a:fillRef idx="0">
+            <a:schemeClr val="accent1"/>
+          </a:fillRef>
+          <a:effectRef idx="0">
+            <a:schemeClr val="accent1"/>
+          </a:effectRef>
+          <a:fontRef idx="minor">
+            <a:schemeClr val="tx1"/>
+          </a:fontRef>
+        </p:style>
+        <p:txBody>
+          <a:bodyPr rtlCol="0" anchor="ctr"/>
+          <a:lstStyle/>
+          <a:p>
+            <a:pPr algn="ctr"/>
+            <a:endParaRPr lang="en-US">
+              <a:solidFill>
+                <a:srgbClr val="0070C0"/>
+              </a:solidFill>
+            </a:endParaRPr>
+          </a:p>
+        </p:txBody>
+      </p:sp>
+    </p:spTree>
+    <p:extLst>
+      <p:ext uri="{BB962C8B-B14F-4D97-AF65-F5344CB8AC3E}">
+        <p14:creationId xmlns:p14="http://schemas.microsoft.com/office/powerpoint/2010/main" val="1266845165"/>
+      </p:ext>
+    </p:extLst>
+  </p:cSld>
+  <p:clrMapOvr>
+    <a:masterClrMapping/>
+  </p:clrMapOvr>
+  <p:timing>
+    <p:tnLst>
+      <p:par>
+        <p:cTn id="1" dur="indefinite" restart="never" nodeType="tmRoot">
+          <p:childTnLst>
+            <p:seq concurrent="1" nextAc="seek">
+              <p:cTn id="2" dur="indefinite" nodeType="mainSeq">
+                <p:childTnLst>
+                  <p:par>
+                    <p:cTn id="3" fill="hold">
+                      <p:stCondLst>
+                        <p:cond delay="indefinite"/>
+                        <p:cond evt="onBegin" delay="0">
+                          <p:tn val="2"/>
+                        </p:cond>
+                      </p:stCondLst>
+                      <p:childTnLst>
+                        <p:par>
+                          <p:cTn id="4" fill="hold">
+                            <p:stCondLst>
+                              <p:cond delay="0"/>
+                            </p:stCondLst>
+                            <p:childTnLst>
+                              <p:par>
+                                <p:cTn id="5" presetID="1" presetClass="entr" presetSubtype="0" fill="hold" nodeType="withEffect">
+                                  <p:stCondLst>
+                                    <p:cond delay="0"/>
+                                  </p:stCondLst>
+                                  <p:childTnLst>
+                                    <p:set>
+                                      <p:cBhvr>
+                                        <p:cTn id="6" dur="1" fill="hold">
+                                          <p:stCondLst>
+                                            <p:cond delay="0"/>
+                                          </p:stCondLst>
+                                        </p:cTn>
+                                        <p:tgtEl>
+                                          <p:spTgt spid="12"/>
+                                        </p:tgtEl>
+                                        <p:attrNameLst>
+                                          <p:attrName>style.visibility</p:attrName>
+                                        </p:attrNameLst>
+                                      </p:cBhvr>
+                                      <p:to>
+                                        <p:strVal val="visible"/>
+                                      </p:to>
+                                    </p:set>
+                                  </p:childTnLst>
+                                </p:cTn>
+                              </p:par>
+                              <p:par>
+                                <p:cTn id="7" presetID="1" presetClass="entr" presetSubtype="0" fill="hold" grpId="0" nodeType="withEffect">
+                                  <p:stCondLst>
+                                    <p:cond delay="0"/>
+                                  </p:stCondLst>
+                                  <p:childTnLst>
+                                    <p:set>
+                                      <p:cBhvr>
+                                        <p:cTn id="8" dur="1" fill="hold">
+                                          <p:stCondLst>
+                                            <p:cond delay="0"/>
+                                          </p:stCondLst>
+                                        </p:cTn>
+                                        <p:tgtEl>
+                                          <p:spTgt spid="16"/>
+                                        </p:tgtEl>
+                                        <p:attrNameLst>
+                                          <p:attrName>style.visibility</p:attrName>
+                                        </p:attrNameLst>
+                                      </p:cBhvr>
+                                      <p:to>
+                                        <p:strVal val="visible"/>
+                                      </p:to>
+                                    </p:set>
+                                  </p:childTnLst>
+                                </p:cTn>
+                              </p:par>
+                              <p:par>
+                                <p:cTn id="9" presetID="1" presetClass="entr" presetSubtype="0" fill="hold" grpId="0" nodeType="withEffect">
+                                  <p:stCondLst>
+                                    <p:cond delay="0"/>
+                                  </p:stCondLst>
+                                  <p:childTnLst>
+                                    <p:set>
+                                      <p:cBhvr>
+                                        <p:cTn id="10" dur="1" fill="hold">
+                                          <p:stCondLst>
+                                            <p:cond delay="0"/>
+                                          </p:stCondLst>
+                                        </p:cTn>
+                                        <p:tgtEl>
+                                          <p:spTgt spid="15"/>
+                                        </p:tgtEl>
+                                        <p:attrNameLst>
+                                          <p:attrName>style.visibility</p:attrName>
+                                        </p:attrNameLst>
+                                      </p:cBhvr>
+                                      <p:to>
+                                        <p:strVal val="visible"/>
+                                      </p:to>
+                                    </p:set>
+                                  </p:childTnLst>
+                                </p:cTn>
+                              </p:par>
+                              <p:par>
+                                <p:cTn id="11" presetID="1" presetClass="entr" presetSubtype="0" fill="hold" grpId="0" nodeType="withEffect">
+                                  <p:stCondLst>
+                                    <p:cond delay="0"/>
+                                  </p:stCondLst>
+                                  <p:childTnLst>
+                                    <p:set>
+                                      <p:cBhvr>
+                                        <p:cTn id="12" dur="1" fill="hold">
+                                          <p:stCondLst>
+                                            <p:cond delay="0"/>
+                                          </p:stCondLst>
+                                        </p:cTn>
+                                        <p:tgtEl>
+                                          <p:spTgt spid="13"/>
+                                        </p:tgtEl>
+                                        <p:attrNameLst>
+                                          <p:attrName>style.visibility</p:attrName>
+                                        </p:attrNameLst>
+                                      </p:cBhvr>
+                                      <p:to>
+                                        <p:strVal val="visible"/>
+                                      </p:to>
+                                    </p:set>
+                                  </p:childTnLst>
+                                </p:cTn>
+                              </p:par>
+                              <p:par>
+                                <p:cTn id="13" presetID="1" presetClass="entr" presetSubtype="0" fill="hold" nodeType="withEffect">
+                                  <p:stCondLst>
+                                    <p:cond delay="0"/>
+                                  </p:stCondLst>
+                                  <p:childTnLst>
+                                    <p:set>
+                                      <p:cBhvr>
+                                        <p:cTn id="14" dur="1" fill="hold">
+                                          <p:stCondLst>
+                                            <p:cond delay="0"/>
+                                          </p:stCondLst>
+                                        </p:cTn>
+                                        <p:tgtEl>
+                                          <p:spTgt spid="20"/>
+                                        </p:tgtEl>
+                                        <p:attrNameLst>
+                                          <p:attrName>style.visibility</p:attrName>
+                                        </p:attrNameLst>
+                                      </p:cBhvr>
+                                      <p:to>
+                                        <p:strVal val="visible"/>
+                                      </p:to>
+                                    </p:set>
+                                  </p:childTnLst>
+                                </p:cTn>
+                              </p:par>
+                              <p:par>
+                                <p:cTn id="15" presetID="1" presetClass="entr" presetSubtype="0" fill="hold" nodeType="withEffect">
+                                  <p:stCondLst>
+                                    <p:cond delay="0"/>
+                                  </p:stCondLst>
+                                  <p:childTnLst>
+                                    <p:set>
+                                      <p:cBhvr>
+                                        <p:cTn id="16" dur="1" fill="hold">
+                                          <p:stCondLst>
+                                            <p:cond delay="0"/>
+                                          </p:stCondLst>
+                                        </p:cTn>
+                                        <p:tgtEl>
+                                          <p:spTgt spid="31"/>
+                                        </p:tgtEl>
+                                        <p:attrNameLst>
+                                          <p:attrName>style.visibility</p:attrName>
+                                        </p:attrNameLst>
+                                      </p:cBhvr>
+                                      <p:to>
+                                        <p:strVal val="visible"/>
+                                      </p:to>
+                                    </p:set>
+                                  </p:childTnLst>
+                                </p:cTn>
+                              </p:par>
+                              <p:par>
+                                <p:cTn id="17" presetID="1" presetClass="entr" presetSubtype="0" fill="hold" nodeType="withEffect">
+                                  <p:stCondLst>
+                                    <p:cond delay="0"/>
+                                  </p:stCondLst>
+                                  <p:childTnLst>
+                                    <p:set>
+                                      <p:cBhvr>
+                                        <p:cTn id="18" dur="1" fill="hold">
+                                          <p:stCondLst>
+                                            <p:cond delay="0"/>
+                                          </p:stCondLst>
+                                        </p:cTn>
+                                        <p:tgtEl>
+                                          <p:spTgt spid="32"/>
+                                        </p:tgtEl>
+                                        <p:attrNameLst>
+                                          <p:attrName>style.visibility</p:attrName>
+                                        </p:attrNameLst>
+                                      </p:cBhvr>
+                                      <p:to>
+                                        <p:strVal val="visible"/>
+                                      </p:to>
+                                    </p:set>
+                                  </p:childTnLst>
+                                </p:cTn>
+                              </p:par>
+                              <p:par>
+                                <p:cTn id="19" presetID="1" presetClass="entr" presetSubtype="0" fill="hold" grpId="0" nodeType="withEffect">
+                                  <p:stCondLst>
+                                    <p:cond delay="0"/>
+                                  </p:stCondLst>
+                                  <p:childTnLst>
+                                    <p:set>
+                                      <p:cBhvr>
+                                        <p:cTn id="20" dur="1" fill="hold">
+                                          <p:stCondLst>
+                                            <p:cond delay="0"/>
+                                          </p:stCondLst>
+                                        </p:cTn>
+                                        <p:tgtEl>
+                                          <p:spTgt spid="43"/>
+                                        </p:tgtEl>
+                                        <p:attrNameLst>
+                                          <p:attrName>style.visibility</p:attrName>
+                                        </p:attrNameLst>
+                                      </p:cBhvr>
+                                      <p:to>
+                                        <p:strVal val="visible"/>
+                                      </p:to>
+                                    </p:set>
+                                  </p:childTnLst>
+                                </p:cTn>
+                              </p:par>
+                              <p:par>
+                                <p:cTn id="21" presetID="1" presetClass="entr" presetSubtype="0" fill="hold" grpId="0" nodeType="withEffect">
+                                  <p:stCondLst>
+                                    <p:cond delay="0"/>
+                                  </p:stCondLst>
+                                  <p:childTnLst>
+                                    <p:set>
+                                      <p:cBhvr>
+                                        <p:cTn id="22" dur="1" fill="hold">
+                                          <p:stCondLst>
+                                            <p:cond delay="0"/>
+                                          </p:stCondLst>
+                                        </p:cTn>
+                                        <p:tgtEl>
+                                          <p:spTgt spid="42"/>
+                                        </p:tgtEl>
+                                        <p:attrNameLst>
+                                          <p:attrName>style.visibility</p:attrName>
+                                        </p:attrNameLst>
+                                      </p:cBhvr>
+                                      <p:to>
+                                        <p:strVal val="visible"/>
+                                      </p:to>
+                                    </p:set>
+                                  </p:childTnLst>
+                                </p:cTn>
+                              </p:par>
+                              <p:par>
+                                <p:cTn id="23" presetID="1" presetClass="entr" presetSubtype="0" fill="hold" grpId="0" nodeType="withEffect">
+                                  <p:stCondLst>
+                                    <p:cond delay="0"/>
+                                  </p:stCondLst>
+                                  <p:childTnLst>
+                                    <p:set>
+                                      <p:cBhvr>
+                                        <p:cTn id="24" dur="1" fill="hold">
+                                          <p:stCondLst>
+                                            <p:cond delay="0"/>
+                                          </p:stCondLst>
+                                        </p:cTn>
+                                        <p:tgtEl>
+                                          <p:spTgt spid="46"/>
+                                        </p:tgtEl>
+                                        <p:attrNameLst>
+                                          <p:attrName>style.visibility</p:attrName>
+                                        </p:attrNameLst>
+                                      </p:cBhvr>
+                                      <p:to>
+                                        <p:strVal val="visible"/>
+                                      </p:to>
+                                    </p:set>
+                                  </p:childTnLst>
+                                </p:cTn>
+                              </p:par>
+                            </p:childTnLst>
+                          </p:cTn>
+                        </p:par>
+                      </p:childTnLst>
+                    </p:cTn>
+                  </p:par>
+                </p:childTnLst>
+              </p:cTn>
+              <p:prevCondLst>
+                <p:cond evt="onPrev" delay="0">
+                  <p:tgtEl>
+                    <p:sldTgt/>
+                  </p:tgtEl>
+                </p:cond>
+              </p:prevCondLst>
+              <p:nextCondLst>
+                <p:cond evt="onNext" delay="0">
+                  <p:tgtEl>
+                    <p:sldTgt/>
+                  </p:tgtEl>
+                </p:cond>
+              </p:nextCondLst>
+            </p:seq>
+          </p:childTnLst>
+        </p:cTn>
+      </p:par>
+    </p:tnLst>
+    <p:bldLst>
+      <p:bldP spid="13" grpId="0" animBg="1"/>
+      <p:bldP spid="15" grpId="0" animBg="1"/>
+      <p:bldP spid="16" grpId="0"/>
+      <p:bldP spid="42" grpId="0" animBg="1"/>
+      <p:bldP spid="43" grpId="0"/>
+      <p:bldP spid="46" grpId="0" animBg="1"/>
+    </p:bldLst>
+  </p:timing>
+</p:sld>
+</file>
+
+<file path=ppt/slides/slide8.xml><?xml version="1.0" encoding="utf-8"?>
+<p:sld xmlns:a="http://schemas.openxmlformats.org/drawingml/2006/main" xmlns:r="http://schemas.openxmlformats.org/officeDocument/2006/relationships" xmlns:p="http://schemas.openxmlformats.org/presentationml/2006/main">
+  <p:cSld>
+    <p:spTree>
+      <p:nvGrpSpPr>
+        <p:cNvPr id="1" name=""/>
+        <p:cNvGrpSpPr/>
+        <p:nvPr/>
+      </p:nvGrpSpPr>
+      <p:grpSpPr>
+        <a:xfrm>
+          <a:off x="0" y="0"/>
+          <a:ext cx="0" cy="0"/>
+          <a:chOff x="0" y="0"/>
+          <a:chExt cx="0" cy="0"/>
+        </a:xfrm>
+      </p:grpSpPr>
+      <p:sp>
+        <p:nvSpPr>
+          <p:cNvPr id="2" name="Title 1">
+            <a:extLst>
+              <a:ext uri="{FF2B5EF4-FFF2-40B4-BE49-F238E27FC236}">
                 <a16:creationId xmlns:a16="http://schemas.microsoft.com/office/drawing/2014/main" id="{9B87866B-118E-4534-9840-7426D8902DF2}"/>
               </a:ext>
             </a:extLst>
@@ -15338,7 +17967,7 @@
 </p:sld>
 </file>
 
-<file path=ppt/slides/slide8.xml><?xml version="1.0" encoding="utf-8"?>
+<file path=ppt/slides/slide9.xml><?xml version="1.0" encoding="utf-8"?>
 <p:sld xmlns:a="http://schemas.openxmlformats.org/drawingml/2006/main" xmlns:r="http://schemas.openxmlformats.org/officeDocument/2006/relationships" xmlns:p="http://schemas.openxmlformats.org/presentationml/2006/main">
   <p:cSld>
     <p:spTree>
@@ -15787,1312 +18416,6 @@
     </p:tnLst>
     <p:bldLst>
       <p:bldP spid="3" grpId="0" uiExpand="1" build="p"/>
-    </p:bldLst>
-  </p:timing>
-</p:sld>
-</file>
-
-<file path=ppt/slides/slide9.xml><?xml version="1.0" encoding="utf-8"?>
-<p:sld xmlns:a="http://schemas.openxmlformats.org/drawingml/2006/main" xmlns:r="http://schemas.openxmlformats.org/officeDocument/2006/relationships" xmlns:p="http://schemas.openxmlformats.org/presentationml/2006/main">
-  <p:cSld>
-    <p:spTree>
-      <p:nvGrpSpPr>
-        <p:cNvPr id="1" name=""/>
-        <p:cNvGrpSpPr/>
-        <p:nvPr/>
-      </p:nvGrpSpPr>
-      <p:grpSpPr>
-        <a:xfrm>
-          <a:off x="0" y="0"/>
-          <a:ext cx="0" cy="0"/>
-          <a:chOff x="0" y="0"/>
-          <a:chExt cx="0" cy="0"/>
-        </a:xfrm>
-      </p:grpSpPr>
-      <p:sp>
-        <p:nvSpPr>
-          <p:cNvPr id="2" name="Title 1"/>
-          <p:cNvSpPr>
-            <a:spLocks noGrp="1"/>
-          </p:cNvSpPr>
-          <p:nvPr>
-            <p:ph type="title"/>
-          </p:nvPr>
-        </p:nvSpPr>
-        <p:spPr/>
-        <p:txBody>
-          <a:bodyPr/>
-          <a:lstStyle/>
-          <a:p>
-            <a:r>
-              <a:rPr lang="en-US" dirty="0"/>
-              <a:t>Rotational Kinetic Energy</a:t>
-            </a:r>
-          </a:p>
-        </p:txBody>
-      </p:sp>
-      <mc:AlternateContent xmlns:mc="http://schemas.openxmlformats.org/markup-compatibility/2006" xmlns:a14="http://schemas.microsoft.com/office/drawing/2010/main">
-        <mc:Choice Requires="a14">
-          <p:sp>
-            <p:nvSpPr>
-              <p:cNvPr id="3" name="Content Placeholder 2"/>
-              <p:cNvSpPr>
-                <a:spLocks noGrp="1"/>
-              </p:cNvSpPr>
-              <p:nvPr>
-                <p:ph idx="1"/>
-              </p:nvPr>
-            </p:nvSpPr>
-            <p:spPr>
-              <a:xfrm>
-                <a:off x="457200" y="1600200"/>
-                <a:ext cx="4886418" cy="4525963"/>
-              </a:xfrm>
-            </p:spPr>
-            <p:txBody>
-              <a:bodyPr>
-                <a:normAutofit fontScale="70000" lnSpcReduction="20000"/>
-              </a:bodyPr>
-              <a:lstStyle/>
-              <a:p>
-                <a:r>
-                  <a:rPr lang="en-US" dirty="0"/>
-                  <a:t>The rotational kinetic energy is the kinetic energy stored up the relative motions of all the parts of a spinning body.</a:t>
-                </a:r>
-              </a:p>
-              <a:p>
-                <a:r>
-                  <a:rPr lang="en-US" dirty="0"/>
-                  <a:t>For fixed axis rotation:</a:t>
-                </a:r>
-              </a:p>
-              <a:p>
-                <a:pPr marL="0" indent="0">
-                  <a:buNone/>
-                </a:pPr>
-                <a14:m>
-                  <m:oMathPara xmlns:m="http://schemas.openxmlformats.org/officeDocument/2006/math">
-                    <m:oMathParaPr>
-                      <m:jc m:val="centerGroup"/>
-                    </m:oMathParaPr>
-                    <m:oMath xmlns:m="http://schemas.openxmlformats.org/officeDocument/2006/math">
-                      <m:r>
-                        <a:rPr lang="en-US" b="0" i="1" smtClean="0">
-                          <a:latin typeface="Cambria Math"/>
-                        </a:rPr>
-                        <m:t>𝐾𝐸</m:t>
-                      </m:r>
-                      <m:r>
-                        <a:rPr lang="en-US" b="0" i="1" smtClean="0">
-                          <a:latin typeface="Cambria Math"/>
-                        </a:rPr>
-                        <m:t>=</m:t>
-                      </m:r>
-                      <m:f>
-                        <m:fPr>
-                          <m:ctrlPr>
-                            <a:rPr lang="en-US" b="0" i="1" smtClean="0">
-                              <a:latin typeface="Cambria Math" panose="02040503050406030204" pitchFamily="18" charset="0"/>
-                            </a:rPr>
-                          </m:ctrlPr>
-                        </m:fPr>
-                        <m:num>
-                          <m:r>
-                            <a:rPr lang="en-US" b="0" i="1" smtClean="0">
-                              <a:latin typeface="Cambria Math"/>
-                            </a:rPr>
-                            <m:t>1</m:t>
-                          </m:r>
-                        </m:num>
-                        <m:den>
-                          <m:r>
-                            <a:rPr lang="en-US" b="0" i="1" smtClean="0">
-                              <a:latin typeface="Cambria Math"/>
-                            </a:rPr>
-                            <m:t>2</m:t>
-                          </m:r>
-                        </m:den>
-                      </m:f>
-                      <m:sSub>
-                        <m:sSubPr>
-                          <m:ctrlPr>
-                            <a:rPr lang="en-US" b="0" i="1" smtClean="0">
-                              <a:latin typeface="Cambria Math" panose="02040503050406030204" pitchFamily="18" charset="0"/>
-                            </a:rPr>
-                          </m:ctrlPr>
-                        </m:sSubPr>
-                        <m:e>
-                          <m:r>
-                            <a:rPr lang="en-US" b="0" i="1" smtClean="0">
-                              <a:latin typeface="Cambria Math"/>
-                            </a:rPr>
-                            <m:t>𝐼</m:t>
-                          </m:r>
-                        </m:e>
-                        <m:sub>
-                          <m:r>
-                            <a:rPr lang="en-US" b="0" i="1" smtClean="0">
-                              <a:latin typeface="Cambria Math"/>
-                            </a:rPr>
-                            <m:t>𝑜</m:t>
-                          </m:r>
-                        </m:sub>
-                      </m:sSub>
-                      <m:sSubSup>
-                        <m:sSubSupPr>
-                          <m:ctrlPr>
-                            <a:rPr lang="en-US" b="0" i="1" smtClean="0">
-                              <a:latin typeface="Cambria Math" panose="02040503050406030204" pitchFamily="18" charset="0"/>
-                              <a:ea typeface="Cambria Math"/>
-                            </a:rPr>
-                          </m:ctrlPr>
-                        </m:sSubSupPr>
-                        <m:e>
-                          <m:r>
-                            <a:rPr lang="en-US" i="1">
-                              <a:latin typeface="Cambria Math"/>
-                              <a:ea typeface="Cambria Math"/>
-                            </a:rPr>
-                            <m:t>𝜔</m:t>
-                          </m:r>
-                        </m:e>
-                        <m:sub/>
-                        <m:sup>
-                          <m:r>
-                            <a:rPr lang="en-US" b="0" i="1" smtClean="0">
-                              <a:latin typeface="Cambria Math"/>
-                            </a:rPr>
-                            <m:t>2</m:t>
-                          </m:r>
-                        </m:sup>
-                      </m:sSubSup>
-                    </m:oMath>
-                  </m:oMathPara>
-                </a14:m>
-                <a:endParaRPr lang="en-US" dirty="0"/>
-              </a:p>
-              <a:p>
-                <a:r>
-                  <a:rPr lang="en-US" dirty="0"/>
-                  <a:t>For changes in kinetic energy we have:</a:t>
-                </a:r>
-              </a:p>
-              <a:p>
-                <a:pPr marL="0" indent="0">
-                  <a:buNone/>
-                </a:pPr>
-                <a14:m>
-                  <m:oMathPara xmlns:m="http://schemas.openxmlformats.org/officeDocument/2006/math">
-                    <m:oMathParaPr>
-                      <m:jc m:val="centerGroup"/>
-                    </m:oMathParaPr>
-                    <m:oMath xmlns:m="http://schemas.openxmlformats.org/officeDocument/2006/math">
-                      <m:r>
-                        <a:rPr lang="en-US" i="1" smtClean="0">
-                          <a:latin typeface="Cambria Math" panose="02040503050406030204" pitchFamily="18" charset="0"/>
-                          <a:ea typeface="Cambria Math" panose="02040503050406030204" pitchFamily="18" charset="0"/>
-                        </a:rPr>
-                        <m:t>∆</m:t>
-                      </m:r>
-                      <m:r>
-                        <a:rPr lang="en-US" i="1">
-                          <a:latin typeface="Cambria Math"/>
-                        </a:rPr>
-                        <m:t>𝐾𝐸</m:t>
-                      </m:r>
-                      <m:r>
-                        <a:rPr lang="en-US" i="1">
-                          <a:latin typeface="Cambria Math"/>
-                        </a:rPr>
-                        <m:t>=</m:t>
-                      </m:r>
-                      <m:f>
-                        <m:fPr>
-                          <m:ctrlPr>
-                            <a:rPr lang="en-US" i="1">
-                              <a:latin typeface="Cambria Math" panose="02040503050406030204" pitchFamily="18" charset="0"/>
-                            </a:rPr>
-                          </m:ctrlPr>
-                        </m:fPr>
-                        <m:num>
-                          <m:r>
-                            <a:rPr lang="en-US" i="1">
-                              <a:latin typeface="Cambria Math"/>
-                            </a:rPr>
-                            <m:t>1</m:t>
-                          </m:r>
-                        </m:num>
-                        <m:den>
-                          <m:r>
-                            <a:rPr lang="en-US" i="1">
-                              <a:latin typeface="Cambria Math"/>
-                            </a:rPr>
-                            <m:t>2</m:t>
-                          </m:r>
-                        </m:den>
-                      </m:f>
-                      <m:sSub>
-                        <m:sSubPr>
-                          <m:ctrlPr>
-                            <a:rPr lang="en-US" i="1">
-                              <a:latin typeface="Cambria Math" panose="02040503050406030204" pitchFamily="18" charset="0"/>
-                            </a:rPr>
-                          </m:ctrlPr>
-                        </m:sSubPr>
-                        <m:e>
-                          <m:r>
-                            <a:rPr lang="en-US" i="1">
-                              <a:latin typeface="Cambria Math"/>
-                            </a:rPr>
-                            <m:t>𝐼</m:t>
-                          </m:r>
-                        </m:e>
-                        <m:sub>
-                          <m:r>
-                            <a:rPr lang="en-US" i="1">
-                              <a:latin typeface="Cambria Math"/>
-                            </a:rPr>
-                            <m:t>𝑜</m:t>
-                          </m:r>
-                        </m:sub>
-                      </m:sSub>
-                      <m:sSubSup>
-                        <m:sSubSupPr>
-                          <m:ctrlPr>
-                            <a:rPr lang="en-US" i="1">
-                              <a:latin typeface="Cambria Math" panose="02040503050406030204" pitchFamily="18" charset="0"/>
-                              <a:ea typeface="Cambria Math"/>
-                            </a:rPr>
-                          </m:ctrlPr>
-                        </m:sSubSupPr>
-                        <m:e>
-                          <m:r>
-                            <a:rPr lang="en-US" i="1">
-                              <a:latin typeface="Cambria Math"/>
-                              <a:ea typeface="Cambria Math"/>
-                            </a:rPr>
-                            <m:t>𝜔</m:t>
-                          </m:r>
-                        </m:e>
-                        <m:sub>
-                          <m:r>
-                            <a:rPr lang="en-US" b="0" i="1" smtClean="0">
-                              <a:latin typeface="Cambria Math" panose="02040503050406030204" pitchFamily="18" charset="0"/>
-                              <a:ea typeface="Cambria Math"/>
-                            </a:rPr>
-                            <m:t>𝑓</m:t>
-                          </m:r>
-                        </m:sub>
-                        <m:sup>
-                          <m:r>
-                            <a:rPr lang="en-US" i="1">
-                              <a:latin typeface="Cambria Math"/>
-                            </a:rPr>
-                            <m:t>2</m:t>
-                          </m:r>
-                        </m:sup>
-                      </m:sSubSup>
-                      <m:r>
-                        <a:rPr lang="en-US" b="0" i="1" smtClean="0">
-                          <a:latin typeface="Cambria Math" panose="02040503050406030204" pitchFamily="18" charset="0"/>
-                        </a:rPr>
-                        <m:t>−</m:t>
-                      </m:r>
-                      <m:f>
-                        <m:fPr>
-                          <m:ctrlPr>
-                            <a:rPr lang="en-US" i="1">
-                              <a:latin typeface="Cambria Math" panose="02040503050406030204" pitchFamily="18" charset="0"/>
-                            </a:rPr>
-                          </m:ctrlPr>
-                        </m:fPr>
-                        <m:num>
-                          <m:r>
-                            <a:rPr lang="en-US" i="1">
-                              <a:latin typeface="Cambria Math"/>
-                            </a:rPr>
-                            <m:t>1</m:t>
-                          </m:r>
-                        </m:num>
-                        <m:den>
-                          <m:r>
-                            <a:rPr lang="en-US" i="1">
-                              <a:latin typeface="Cambria Math"/>
-                            </a:rPr>
-                            <m:t>2</m:t>
-                          </m:r>
-                        </m:den>
-                      </m:f>
-                      <m:sSub>
-                        <m:sSubPr>
-                          <m:ctrlPr>
-                            <a:rPr lang="en-US" i="1">
-                              <a:latin typeface="Cambria Math" panose="02040503050406030204" pitchFamily="18" charset="0"/>
-                            </a:rPr>
-                          </m:ctrlPr>
-                        </m:sSubPr>
-                        <m:e>
-                          <m:r>
-                            <a:rPr lang="en-US" i="1">
-                              <a:latin typeface="Cambria Math"/>
-                            </a:rPr>
-                            <m:t>𝐼</m:t>
-                          </m:r>
-                        </m:e>
-                        <m:sub>
-                          <m:r>
-                            <a:rPr lang="en-US" i="1">
-                              <a:latin typeface="Cambria Math"/>
-                            </a:rPr>
-                            <m:t>𝑜</m:t>
-                          </m:r>
-                        </m:sub>
-                      </m:sSub>
-                      <m:sSubSup>
-                        <m:sSubSupPr>
-                          <m:ctrlPr>
-                            <a:rPr lang="en-US" i="1">
-                              <a:latin typeface="Cambria Math" panose="02040503050406030204" pitchFamily="18" charset="0"/>
-                              <a:ea typeface="Cambria Math"/>
-                            </a:rPr>
-                          </m:ctrlPr>
-                        </m:sSubSupPr>
-                        <m:e>
-                          <m:r>
-                            <a:rPr lang="en-US" i="1">
-                              <a:latin typeface="Cambria Math"/>
-                              <a:ea typeface="Cambria Math"/>
-                            </a:rPr>
-                            <m:t>𝜔</m:t>
-                          </m:r>
-                        </m:e>
-                        <m:sub>
-                          <m:r>
-                            <a:rPr lang="en-US" b="0" i="1" smtClean="0">
-                              <a:latin typeface="Cambria Math" panose="02040503050406030204" pitchFamily="18" charset="0"/>
-                              <a:ea typeface="Cambria Math"/>
-                            </a:rPr>
-                            <m:t>𝑖</m:t>
-                          </m:r>
-                        </m:sub>
-                        <m:sup>
-                          <m:r>
-                            <a:rPr lang="en-US" i="1">
-                              <a:latin typeface="Cambria Math"/>
-                            </a:rPr>
-                            <m:t>2</m:t>
-                          </m:r>
-                        </m:sup>
-                      </m:sSubSup>
-                    </m:oMath>
-                  </m:oMathPara>
-                </a14:m>
-                <a:endParaRPr lang="en-US" dirty="0"/>
-              </a:p>
-              <a:p>
-                <a:r>
-                  <a:rPr lang="en-US" dirty="0"/>
-                  <a:t>For fixed axis rotation, you want to find everything relative to the center of rotation.</a:t>
-                </a:r>
-              </a:p>
-              <a:p>
-                <a:pPr marL="0" indent="0">
-                  <a:buNone/>
-                </a:pPr>
-                <a:endParaRPr lang="en-US" dirty="0"/>
-              </a:p>
-            </p:txBody>
-          </p:sp>
-        </mc:Choice>
-        <mc:Fallback xmlns="">
-          <p:sp>
-            <p:nvSpPr>
-              <p:cNvPr id="3" name="Content Placeholder 2"/>
-              <p:cNvSpPr>
-                <a:spLocks noGrp="1" noRot="1" noChangeAspect="1" noMove="1" noResize="1" noEditPoints="1" noAdjustHandles="1" noChangeArrowheads="1" noChangeShapeType="1" noTextEdit="1"/>
-              </p:cNvSpPr>
-              <p:nvPr>
-                <p:ph idx="1"/>
-              </p:nvPr>
-            </p:nvSpPr>
-            <p:spPr>
-              <a:xfrm>
-                <a:off x="457200" y="1600200"/>
-                <a:ext cx="4886418" cy="4525963"/>
-              </a:xfrm>
-              <a:blipFill>
-                <a:blip r:embed="rId2"/>
-                <a:stretch>
-                  <a:fillRect l="-1372" t="-2291" r="-1496"/>
-                </a:stretch>
-              </a:blipFill>
-            </p:spPr>
-            <p:txBody>
-              <a:bodyPr/>
-              <a:lstStyle/>
-              <a:p>
-                <a:r>
-                  <a:rPr lang="en-US">
-                    <a:noFill/>
-                  </a:rPr>
-                  <a:t> </a:t>
-                </a:r>
-              </a:p>
-            </p:txBody>
-          </p:sp>
-        </mc:Fallback>
-      </mc:AlternateContent>
-      <p:sp>
-        <p:nvSpPr>
-          <p:cNvPr id="4" name="Slide Number Placeholder 3"/>
-          <p:cNvSpPr>
-            <a:spLocks noGrp="1"/>
-          </p:cNvSpPr>
-          <p:nvPr>
-            <p:ph type="sldNum" sz="quarter" idx="12"/>
-          </p:nvPr>
-        </p:nvSpPr>
-        <p:spPr/>
-        <p:txBody>
-          <a:bodyPr/>
-          <a:lstStyle/>
-          <a:p>
-            <a:pPr marL="0" marR="0" lvl="0" indent="0" algn="r" defTabSz="914400" rtl="0" eaLnBrk="1" fontAlgn="auto" latinLnBrk="0" hangingPunct="1">
-              <a:lnSpc>
-                <a:spcPct val="100000"/>
-              </a:lnSpc>
-              <a:spcBef>
-                <a:spcPts val="0"/>
-              </a:spcBef>
-              <a:spcAft>
-                <a:spcPts val="0"/>
-              </a:spcAft>
-              <a:buClrTx/>
-              <a:buSzTx/>
-              <a:buFontTx/>
-              <a:buNone/>
-              <a:tabLst/>
-              <a:defRPr/>
-            </a:pPr>
-            <a:fld id="{929262FE-7F58-4A1E-8AF3-5A510A86DEBD}" type="slidenum">
-              <a:rPr kumimoji="0" lang="en-US" sz="1200" b="0" i="0" u="none" strike="noStrike" kern="1200" cap="none" spc="0" normalizeH="0" baseline="0" noProof="0" smtClean="0">
-                <a:ln>
-                  <a:noFill/>
-                </a:ln>
-                <a:solidFill>
-                  <a:srgbClr val="4F81BD">
-                    <a:lumMod val="50000"/>
-                  </a:srgbClr>
-                </a:solidFill>
-                <a:effectLst/>
-                <a:uLnTx/>
-                <a:uFillTx/>
-                <a:latin typeface="Calibri"/>
-                <a:ea typeface="+mn-ea"/>
-                <a:cs typeface="+mn-cs"/>
-              </a:rPr>
-              <a:pPr marL="0" marR="0" lvl="0" indent="0" algn="r" defTabSz="914400" rtl="0" eaLnBrk="1" fontAlgn="auto" latinLnBrk="0" hangingPunct="1">
-                <a:lnSpc>
-                  <a:spcPct val="100000"/>
-                </a:lnSpc>
-                <a:spcBef>
-                  <a:spcPts val="0"/>
-                </a:spcBef>
-                <a:spcAft>
-                  <a:spcPts val="0"/>
-                </a:spcAft>
-                <a:buClrTx/>
-                <a:buSzTx/>
-                <a:buFontTx/>
-                <a:buNone/>
-                <a:tabLst/>
-                <a:defRPr/>
-              </a:pPr>
-              <a:t>9</a:t>
-            </a:fld>
-            <a:endParaRPr kumimoji="0" lang="en-US" sz="1200" b="0" i="0" u="none" strike="noStrike" kern="1200" cap="none" spc="0" normalizeH="0" baseline="0" noProof="0">
-              <a:ln>
-                <a:noFill/>
-              </a:ln>
-              <a:solidFill>
-                <a:srgbClr val="4F81BD">
-                  <a:lumMod val="50000"/>
-                </a:srgbClr>
-              </a:solidFill>
-              <a:effectLst/>
-              <a:uLnTx/>
-              <a:uFillTx/>
-              <a:latin typeface="Calibri"/>
-              <a:ea typeface="+mn-ea"/>
-              <a:cs typeface="+mn-cs"/>
-            </a:endParaRPr>
-          </a:p>
-        </p:txBody>
-      </p:sp>
-      <p:sp>
-        <p:nvSpPr>
-          <p:cNvPr id="5" name="Oval 4"/>
-          <p:cNvSpPr/>
-          <p:nvPr/>
-        </p:nvSpPr>
-        <p:spPr>
-          <a:xfrm>
-            <a:off x="5562600" y="2514600"/>
-            <a:ext cx="2743200" cy="2743200"/>
-          </a:xfrm>
-          <a:prstGeom prst="ellipse">
-            <a:avLst/>
-          </a:prstGeom>
-        </p:spPr>
-        <p:style>
-          <a:lnRef idx="1">
-            <a:schemeClr val="dk1"/>
-          </a:lnRef>
-          <a:fillRef idx="2">
-            <a:schemeClr val="dk1"/>
-          </a:fillRef>
-          <a:effectRef idx="1">
-            <a:schemeClr val="dk1"/>
-          </a:effectRef>
-          <a:fontRef idx="minor">
-            <a:schemeClr val="dk1"/>
-          </a:fontRef>
-        </p:style>
-        <p:txBody>
-          <a:bodyPr rtlCol="0" anchor="ctr"/>
-          <a:lstStyle/>
-          <a:p>
-            <a:pPr marL="0" marR="0" lvl="0" indent="0" algn="ctr" defTabSz="914400" rtl="0" eaLnBrk="1" fontAlgn="auto" latinLnBrk="0" hangingPunct="1">
-              <a:lnSpc>
-                <a:spcPct val="100000"/>
-              </a:lnSpc>
-              <a:spcBef>
-                <a:spcPts val="0"/>
-              </a:spcBef>
-              <a:spcAft>
-                <a:spcPts val="0"/>
-              </a:spcAft>
-              <a:buClrTx/>
-              <a:buSzTx/>
-              <a:buFontTx/>
-              <a:buNone/>
-              <a:tabLst/>
-              <a:defRPr/>
-            </a:pPr>
-            <a:endParaRPr kumimoji="0" lang="en-US" sz="1800" b="0" i="0" u="none" strike="noStrike" kern="1200" cap="none" spc="0" normalizeH="0" baseline="0" noProof="0">
-              <a:ln>
-                <a:noFill/>
-              </a:ln>
-              <a:solidFill>
-                <a:prstClr val="black"/>
-              </a:solidFill>
-              <a:effectLst/>
-              <a:uLnTx/>
-              <a:uFillTx/>
-              <a:latin typeface="Calibri"/>
-              <a:ea typeface="+mn-ea"/>
-              <a:cs typeface="+mn-cs"/>
-            </a:endParaRPr>
-          </a:p>
-        </p:txBody>
-      </p:sp>
-      <p:sp>
-        <p:nvSpPr>
-          <p:cNvPr id="6" name="Oval 5"/>
-          <p:cNvSpPr/>
-          <p:nvPr/>
-        </p:nvSpPr>
-        <p:spPr>
-          <a:xfrm>
-            <a:off x="6797040" y="3749040"/>
-            <a:ext cx="274320" cy="274320"/>
-          </a:xfrm>
-          <a:prstGeom prst="ellipse">
-            <a:avLst/>
-          </a:prstGeom>
-          <a:solidFill>
-            <a:schemeClr val="bg1"/>
-          </a:solidFill>
-          <a:effectLst/>
-        </p:spPr>
-        <p:style>
-          <a:lnRef idx="1">
-            <a:schemeClr val="dk1"/>
-          </a:lnRef>
-          <a:fillRef idx="2">
-            <a:schemeClr val="dk1"/>
-          </a:fillRef>
-          <a:effectRef idx="1">
-            <a:schemeClr val="dk1"/>
-          </a:effectRef>
-          <a:fontRef idx="minor">
-            <a:schemeClr val="dk1"/>
-          </a:fontRef>
-        </p:style>
-        <p:txBody>
-          <a:bodyPr rtlCol="0" anchor="ctr"/>
-          <a:lstStyle/>
-          <a:p>
-            <a:pPr marL="0" marR="0" lvl="0" indent="0" algn="ctr" defTabSz="914400" rtl="0" eaLnBrk="1" fontAlgn="auto" latinLnBrk="0" hangingPunct="1">
-              <a:lnSpc>
-                <a:spcPct val="100000"/>
-              </a:lnSpc>
-              <a:spcBef>
-                <a:spcPts val="0"/>
-              </a:spcBef>
-              <a:spcAft>
-                <a:spcPts val="0"/>
-              </a:spcAft>
-              <a:buClrTx/>
-              <a:buSzTx/>
-              <a:buFontTx/>
-              <a:buNone/>
-              <a:tabLst/>
-              <a:defRPr/>
-            </a:pPr>
-            <a:endParaRPr kumimoji="0" lang="en-US" sz="1800" b="0" i="0" u="none" strike="noStrike" kern="1200" cap="none" spc="0" normalizeH="0" baseline="0" noProof="0">
-              <a:ln>
-                <a:noFill/>
-              </a:ln>
-              <a:solidFill>
-                <a:prstClr val="black"/>
-              </a:solidFill>
-              <a:effectLst/>
-              <a:uLnTx/>
-              <a:uFillTx/>
-              <a:latin typeface="Calibri"/>
-              <a:ea typeface="+mn-ea"/>
-              <a:cs typeface="+mn-cs"/>
-            </a:endParaRPr>
-          </a:p>
-        </p:txBody>
-      </p:sp>
-      <p:sp>
-        <p:nvSpPr>
-          <p:cNvPr id="7" name="Arc 6"/>
-          <p:cNvSpPr/>
-          <p:nvPr/>
-        </p:nvSpPr>
-        <p:spPr>
-          <a:xfrm>
-            <a:off x="5334000" y="2286000"/>
-            <a:ext cx="3200400" cy="3200400"/>
-          </a:xfrm>
-          <a:prstGeom prst="arc">
-            <a:avLst>
-              <a:gd name="adj1" fmla="val 12935064"/>
-              <a:gd name="adj2" fmla="val 19632219"/>
-            </a:avLst>
-          </a:prstGeom>
-          <a:ln>
-            <a:headEnd type="arrow" w="med" len="med"/>
-            <a:tailEnd type="none" w="med" len="med"/>
-          </a:ln>
-        </p:spPr>
-        <p:style>
-          <a:lnRef idx="2">
-            <a:schemeClr val="accent1"/>
-          </a:lnRef>
-          <a:fillRef idx="0">
-            <a:schemeClr val="accent1"/>
-          </a:fillRef>
-          <a:effectRef idx="1">
-            <a:schemeClr val="accent1"/>
-          </a:effectRef>
-          <a:fontRef idx="minor">
-            <a:schemeClr val="tx1"/>
-          </a:fontRef>
-        </p:style>
-        <p:txBody>
-          <a:bodyPr rtlCol="0" anchor="ctr"/>
-          <a:lstStyle/>
-          <a:p>
-            <a:pPr marL="0" marR="0" lvl="0" indent="0" algn="ctr" defTabSz="914400" rtl="0" eaLnBrk="1" fontAlgn="auto" latinLnBrk="0" hangingPunct="1">
-              <a:lnSpc>
-                <a:spcPct val="100000"/>
-              </a:lnSpc>
-              <a:spcBef>
-                <a:spcPts val="0"/>
-              </a:spcBef>
-              <a:spcAft>
-                <a:spcPts val="0"/>
-              </a:spcAft>
-              <a:buClrTx/>
-              <a:buSzTx/>
-              <a:buFontTx/>
-              <a:buNone/>
-              <a:tabLst/>
-              <a:defRPr/>
-            </a:pPr>
-            <a:endParaRPr kumimoji="0" lang="en-US" sz="1800" b="0" i="0" u="none" strike="noStrike" kern="1200" cap="none" spc="0" normalizeH="0" baseline="0" noProof="0">
-              <a:ln>
-                <a:noFill/>
-              </a:ln>
-              <a:solidFill>
-                <a:prstClr val="black"/>
-              </a:solidFill>
-              <a:effectLst/>
-              <a:uLnTx/>
-              <a:uFillTx/>
-              <a:latin typeface="Calibri"/>
-              <a:ea typeface="+mn-ea"/>
-              <a:cs typeface="+mn-cs"/>
-            </a:endParaRPr>
-          </a:p>
-        </p:txBody>
-      </p:sp>
-      <mc:AlternateContent xmlns:mc="http://schemas.openxmlformats.org/markup-compatibility/2006" xmlns:a14="http://schemas.microsoft.com/office/drawing/2010/main">
-        <mc:Choice Requires="a14">
-          <p:sp>
-            <p:nvSpPr>
-              <p:cNvPr id="8" name="Rectangle 7"/>
-              <p:cNvSpPr/>
-              <p:nvPr/>
-            </p:nvSpPr>
-            <p:spPr>
-              <a:xfrm>
-                <a:off x="6705600" y="1828800"/>
-                <a:ext cx="409343" cy="369332"/>
-              </a:xfrm>
-              <a:prstGeom prst="rect">
-                <a:avLst/>
-              </a:prstGeom>
-            </p:spPr>
-            <p:txBody>
-              <a:bodyPr wrap="none">
-                <a:spAutoFit/>
-              </a:bodyPr>
-              <a:lstStyle/>
-              <a:p>
-                <a:pPr marL="0" marR="0" lvl="0" indent="0" algn="l" defTabSz="914400" rtl="0" eaLnBrk="1" fontAlgn="auto" latinLnBrk="0" hangingPunct="1">
-                  <a:lnSpc>
-                    <a:spcPct val="100000"/>
-                  </a:lnSpc>
-                  <a:spcBef>
-                    <a:spcPts val="0"/>
-                  </a:spcBef>
-                  <a:spcAft>
-                    <a:spcPts val="0"/>
-                  </a:spcAft>
-                  <a:buClrTx/>
-                  <a:buSzTx/>
-                  <a:buFontTx/>
-                  <a:buNone/>
-                  <a:tabLst/>
-                  <a:defRPr/>
-                </a:pPr>
-                <a14:m>
-                  <m:oMathPara xmlns:m="http://schemas.openxmlformats.org/officeDocument/2006/math">
-                    <m:oMathParaPr>
-                      <m:jc m:val="centerGroup"/>
-                    </m:oMathParaPr>
-                    <m:oMath xmlns:m="http://schemas.openxmlformats.org/officeDocument/2006/math">
-                      <m:r>
-                        <a:rPr kumimoji="0" lang="en-US" sz="1800" b="0" i="1" u="none" strike="noStrike" kern="1200" cap="none" spc="0" normalizeH="0" baseline="0" noProof="0">
-                          <a:ln>
-                            <a:noFill/>
-                          </a:ln>
-                          <a:solidFill>
-                            <a:prstClr val="black"/>
-                          </a:solidFill>
-                          <a:effectLst/>
-                          <a:uLnTx/>
-                          <a:uFillTx/>
-                          <a:latin typeface="Cambria Math"/>
-                          <a:ea typeface="Cambria Math"/>
-                          <a:cs typeface="+mn-cs"/>
-                        </a:rPr>
-                        <m:t>𝜔</m:t>
-                      </m:r>
-                    </m:oMath>
-                  </m:oMathPara>
-                </a14:m>
-                <a:endParaRPr kumimoji="0" lang="en-US" sz="1800" b="0" i="0" u="none" strike="noStrike" kern="1200" cap="none" spc="0" normalizeH="0" baseline="0" noProof="0" dirty="0">
-                  <a:ln>
-                    <a:noFill/>
-                  </a:ln>
-                  <a:solidFill>
-                    <a:prstClr val="black"/>
-                  </a:solidFill>
-                  <a:effectLst/>
-                  <a:uLnTx/>
-                  <a:uFillTx/>
-                  <a:latin typeface="Calibri"/>
-                  <a:ea typeface="+mn-ea"/>
-                  <a:cs typeface="+mn-cs"/>
-                </a:endParaRPr>
-              </a:p>
-            </p:txBody>
-          </p:sp>
-        </mc:Choice>
-        <mc:Fallback xmlns="">
-          <p:sp>
-            <p:nvSpPr>
-              <p:cNvPr id="8" name="Rectangle 7"/>
-              <p:cNvSpPr>
-                <a:spLocks noRot="1" noChangeAspect="1" noMove="1" noResize="1" noEditPoints="1" noAdjustHandles="1" noChangeArrowheads="1" noChangeShapeType="1" noTextEdit="1"/>
-              </p:cNvSpPr>
-              <p:nvPr/>
-            </p:nvSpPr>
-            <p:spPr>
-              <a:xfrm>
-                <a:off x="6705600" y="1828800"/>
-                <a:ext cx="409343" cy="369332"/>
-              </a:xfrm>
-              <a:prstGeom prst="rect">
-                <a:avLst/>
-              </a:prstGeom>
-              <a:blipFill rotWithShape="1">
-                <a:blip r:embed="rId3"/>
-                <a:stretch>
-                  <a:fillRect/>
-                </a:stretch>
-              </a:blipFill>
-            </p:spPr>
-            <p:txBody>
-              <a:bodyPr/>
-              <a:lstStyle/>
-              <a:p>
-                <a:r>
-                  <a:rPr lang="en-US">
-                    <a:noFill/>
-                  </a:rPr>
-                  <a:t> </a:t>
-                </a:r>
-              </a:p>
-            </p:txBody>
-          </p:sp>
-        </mc:Fallback>
-      </mc:AlternateContent>
-      <p:sp>
-        <p:nvSpPr>
-          <p:cNvPr id="9" name="TextBox 8"/>
-          <p:cNvSpPr txBox="1"/>
-          <p:nvPr/>
-        </p:nvSpPr>
-        <p:spPr>
-          <a:xfrm>
-            <a:off x="5953041" y="5726668"/>
-            <a:ext cx="2255874" cy="369332"/>
-          </a:xfrm>
-          <a:prstGeom prst="rect">
-            <a:avLst/>
-          </a:prstGeom>
-          <a:noFill/>
-        </p:spPr>
-        <p:txBody>
-          <a:bodyPr wrap="none" rtlCol="0">
-            <a:spAutoFit/>
-          </a:bodyPr>
-          <a:lstStyle/>
-          <a:p>
-            <a:pPr marL="0" marR="0" lvl="0" indent="0" algn="l" defTabSz="914400" rtl="0" eaLnBrk="1" fontAlgn="auto" latinLnBrk="0" hangingPunct="1">
-              <a:lnSpc>
-                <a:spcPct val="100000"/>
-              </a:lnSpc>
-              <a:spcBef>
-                <a:spcPts val="0"/>
-              </a:spcBef>
-              <a:spcAft>
-                <a:spcPts val="0"/>
-              </a:spcAft>
-              <a:buClrTx/>
-              <a:buSzTx/>
-              <a:buFontTx/>
-              <a:buNone/>
-              <a:tabLst/>
-              <a:defRPr/>
-            </a:pPr>
-            <a:r>
-              <a:rPr kumimoji="0" lang="en-US" sz="1800" b="0" i="0" u="none" strike="noStrike" kern="1200" cap="none" spc="0" normalizeH="0" baseline="0" noProof="0" dirty="0">
-                <a:ln>
-                  <a:noFill/>
-                </a:ln>
-                <a:solidFill>
-                  <a:prstClr val="black"/>
-                </a:solidFill>
-                <a:effectLst/>
-                <a:uLnTx/>
-                <a:uFillTx/>
-                <a:latin typeface="Calibri"/>
-                <a:ea typeface="+mn-ea"/>
-                <a:cs typeface="+mn-cs"/>
-              </a:rPr>
-              <a:t>Center of Rotation (O)</a:t>
-            </a:r>
-          </a:p>
-        </p:txBody>
-      </p:sp>
-      <p:cxnSp>
-        <p:nvCxnSpPr>
-          <p:cNvPr id="11" name="Straight Arrow Connector 10"/>
-          <p:cNvCxnSpPr>
-            <a:stCxn id="9" idx="0"/>
-          </p:cNvCxnSpPr>
-          <p:nvPr/>
-        </p:nvCxnSpPr>
-        <p:spPr>
-          <a:xfrm flipH="1" flipV="1">
-            <a:off x="6934200" y="3886200"/>
-            <a:ext cx="146778" cy="1840468"/>
-          </a:xfrm>
-          <a:prstGeom prst="straightConnector1">
-            <a:avLst/>
-          </a:prstGeom>
-          <a:ln>
-            <a:tailEnd type="arrow"/>
-          </a:ln>
-        </p:spPr>
-        <p:style>
-          <a:lnRef idx="1">
-            <a:schemeClr val="accent1"/>
-          </a:lnRef>
-          <a:fillRef idx="0">
-            <a:schemeClr val="accent1"/>
-          </a:fillRef>
-          <a:effectRef idx="0">
-            <a:schemeClr val="accent1"/>
-          </a:effectRef>
-          <a:fontRef idx="minor">
-            <a:schemeClr val="tx1"/>
-          </a:fontRef>
-        </p:style>
-      </p:cxnSp>
-    </p:spTree>
-    <p:extLst>
-      <p:ext uri="{BB962C8B-B14F-4D97-AF65-F5344CB8AC3E}">
-        <p14:creationId xmlns:p14="http://schemas.microsoft.com/office/powerpoint/2010/main" val="3898641729"/>
-      </p:ext>
-    </p:extLst>
-  </p:cSld>
-  <p:clrMapOvr>
-    <a:masterClrMapping/>
-  </p:clrMapOvr>
-  <p:timing>
-    <p:tnLst>
-      <p:par>
-        <p:cTn id="1" dur="indefinite" restart="never" nodeType="tmRoot">
-          <p:childTnLst>
-            <p:seq concurrent="1" nextAc="seek">
-              <p:cTn id="2" dur="indefinite" nodeType="mainSeq">
-                <p:childTnLst>
-                  <p:par>
-                    <p:cTn id="3" fill="hold">
-                      <p:stCondLst>
-                        <p:cond delay="indefinite"/>
-                      </p:stCondLst>
-                      <p:childTnLst>
-                        <p:par>
-                          <p:cTn id="4" fill="hold">
-                            <p:stCondLst>
-                              <p:cond delay="0"/>
-                            </p:stCondLst>
-                            <p:childTnLst>
-                              <p:par>
-                                <p:cTn id="5" presetID="1" presetClass="entr" presetSubtype="0" fill="hold" grpId="0" nodeType="clickEffect">
-                                  <p:stCondLst>
-                                    <p:cond delay="0"/>
-                                  </p:stCondLst>
-                                  <p:childTnLst>
-                                    <p:set>
-                                      <p:cBhvr>
-                                        <p:cTn id="6" dur="1" fill="hold">
-                                          <p:stCondLst>
-                                            <p:cond delay="0"/>
-                                          </p:stCondLst>
-                                        </p:cTn>
-                                        <p:tgtEl>
-                                          <p:spTgt spid="3">
-                                            <p:txEl>
-                                              <p:pRg st="0" end="0"/>
-                                            </p:txEl>
-                                          </p:spTgt>
-                                        </p:tgtEl>
-                                        <p:attrNameLst>
-                                          <p:attrName>style.visibility</p:attrName>
-                                        </p:attrNameLst>
-                                      </p:cBhvr>
-                                      <p:to>
-                                        <p:strVal val="visible"/>
-                                      </p:to>
-                                    </p:set>
-                                  </p:childTnLst>
-                                </p:cTn>
-                              </p:par>
-                            </p:childTnLst>
-                          </p:cTn>
-                        </p:par>
-                      </p:childTnLst>
-                    </p:cTn>
-                  </p:par>
-                  <p:par>
-                    <p:cTn id="7" fill="hold">
-                      <p:stCondLst>
-                        <p:cond delay="indefinite"/>
-                      </p:stCondLst>
-                      <p:childTnLst>
-                        <p:par>
-                          <p:cTn id="8" fill="hold">
-                            <p:stCondLst>
-                              <p:cond delay="0"/>
-                            </p:stCondLst>
-                            <p:childTnLst>
-                              <p:par>
-                                <p:cTn id="9" presetID="1" presetClass="entr" presetSubtype="0" fill="hold" grpId="0" nodeType="clickEffect">
-                                  <p:stCondLst>
-                                    <p:cond delay="0"/>
-                                  </p:stCondLst>
-                                  <p:childTnLst>
-                                    <p:set>
-                                      <p:cBhvr>
-                                        <p:cTn id="10" dur="1" fill="hold">
-                                          <p:stCondLst>
-                                            <p:cond delay="0"/>
-                                          </p:stCondLst>
-                                        </p:cTn>
-                                        <p:tgtEl>
-                                          <p:spTgt spid="3">
-                                            <p:txEl>
-                                              <p:pRg st="1" end="1"/>
-                                            </p:txEl>
-                                          </p:spTgt>
-                                        </p:tgtEl>
-                                        <p:attrNameLst>
-                                          <p:attrName>style.visibility</p:attrName>
-                                        </p:attrNameLst>
-                                      </p:cBhvr>
-                                      <p:to>
-                                        <p:strVal val="visible"/>
-                                      </p:to>
-                                    </p:set>
-                                  </p:childTnLst>
-                                </p:cTn>
-                              </p:par>
-                            </p:childTnLst>
-                          </p:cTn>
-                        </p:par>
-                      </p:childTnLst>
-                    </p:cTn>
-                  </p:par>
-                  <p:par>
-                    <p:cTn id="11" fill="hold">
-                      <p:stCondLst>
-                        <p:cond delay="indefinite"/>
-                      </p:stCondLst>
-                      <p:childTnLst>
-                        <p:par>
-                          <p:cTn id="12" fill="hold">
-                            <p:stCondLst>
-                              <p:cond delay="0"/>
-                            </p:stCondLst>
-                            <p:childTnLst>
-                              <p:par>
-                                <p:cTn id="13" presetID="1" presetClass="entr" presetSubtype="0" fill="hold" grpId="0" nodeType="clickEffect">
-                                  <p:stCondLst>
-                                    <p:cond delay="0"/>
-                                  </p:stCondLst>
-                                  <p:childTnLst>
-                                    <p:set>
-                                      <p:cBhvr>
-                                        <p:cTn id="14" dur="1" fill="hold">
-                                          <p:stCondLst>
-                                            <p:cond delay="0"/>
-                                          </p:stCondLst>
-                                        </p:cTn>
-                                        <p:tgtEl>
-                                          <p:spTgt spid="3">
-                                            <p:txEl>
-                                              <p:pRg st="2" end="2"/>
-                                            </p:txEl>
-                                          </p:spTgt>
-                                        </p:tgtEl>
-                                        <p:attrNameLst>
-                                          <p:attrName>style.visibility</p:attrName>
-                                        </p:attrNameLst>
-                                      </p:cBhvr>
-                                      <p:to>
-                                        <p:strVal val="visible"/>
-                                      </p:to>
-                                    </p:set>
-                                  </p:childTnLst>
-                                </p:cTn>
-                              </p:par>
-                            </p:childTnLst>
-                          </p:cTn>
-                        </p:par>
-                      </p:childTnLst>
-                    </p:cTn>
-                  </p:par>
-                  <p:par>
-                    <p:cTn id="15" fill="hold">
-                      <p:stCondLst>
-                        <p:cond delay="indefinite"/>
-                      </p:stCondLst>
-                      <p:childTnLst>
-                        <p:par>
-                          <p:cTn id="16" fill="hold">
-                            <p:stCondLst>
-                              <p:cond delay="0"/>
-                            </p:stCondLst>
-                            <p:childTnLst>
-                              <p:par>
-                                <p:cTn id="17" presetID="1" presetClass="entr" presetSubtype="0" fill="hold" grpId="0" nodeType="clickEffect">
-                                  <p:stCondLst>
-                                    <p:cond delay="0"/>
-                                  </p:stCondLst>
-                                  <p:childTnLst>
-                                    <p:set>
-                                      <p:cBhvr>
-                                        <p:cTn id="18" dur="1" fill="hold">
-                                          <p:stCondLst>
-                                            <p:cond delay="0"/>
-                                          </p:stCondLst>
-                                        </p:cTn>
-                                        <p:tgtEl>
-                                          <p:spTgt spid="3">
-                                            <p:txEl>
-                                              <p:pRg st="3" end="3"/>
-                                            </p:txEl>
-                                          </p:spTgt>
-                                        </p:tgtEl>
-                                        <p:attrNameLst>
-                                          <p:attrName>style.visibility</p:attrName>
-                                        </p:attrNameLst>
-                                      </p:cBhvr>
-                                      <p:to>
-                                        <p:strVal val="visible"/>
-                                      </p:to>
-                                    </p:set>
-                                  </p:childTnLst>
-                                </p:cTn>
-                              </p:par>
-                            </p:childTnLst>
-                          </p:cTn>
-                        </p:par>
-                      </p:childTnLst>
-                    </p:cTn>
-                  </p:par>
-                  <p:par>
-                    <p:cTn id="19" fill="hold">
-                      <p:stCondLst>
-                        <p:cond delay="indefinite"/>
-                      </p:stCondLst>
-                      <p:childTnLst>
-                        <p:par>
-                          <p:cTn id="20" fill="hold">
-                            <p:stCondLst>
-                              <p:cond delay="0"/>
-                            </p:stCondLst>
-                            <p:childTnLst>
-                              <p:par>
-                                <p:cTn id="21" presetID="1" presetClass="entr" presetSubtype="0" fill="hold" grpId="0" nodeType="clickEffect">
-                                  <p:stCondLst>
-                                    <p:cond delay="0"/>
-                                  </p:stCondLst>
-                                  <p:childTnLst>
-                                    <p:set>
-                                      <p:cBhvr>
-                                        <p:cTn id="22" dur="1" fill="hold">
-                                          <p:stCondLst>
-                                            <p:cond delay="0"/>
-                                          </p:stCondLst>
-                                        </p:cTn>
-                                        <p:tgtEl>
-                                          <p:spTgt spid="3">
-                                            <p:txEl>
-                                              <p:pRg st="4" end="4"/>
-                                            </p:txEl>
-                                          </p:spTgt>
-                                        </p:tgtEl>
-                                        <p:attrNameLst>
-                                          <p:attrName>style.visibility</p:attrName>
-                                        </p:attrNameLst>
-                                      </p:cBhvr>
-                                      <p:to>
-                                        <p:strVal val="visible"/>
-                                      </p:to>
-                                    </p:set>
-                                  </p:childTnLst>
-                                </p:cTn>
-                              </p:par>
-                            </p:childTnLst>
-                          </p:cTn>
-                        </p:par>
-                      </p:childTnLst>
-                    </p:cTn>
-                  </p:par>
-                  <p:par>
-                    <p:cTn id="23" fill="hold">
-                      <p:stCondLst>
-                        <p:cond delay="indefinite"/>
-                      </p:stCondLst>
-                      <p:childTnLst>
-                        <p:par>
-                          <p:cTn id="24" fill="hold">
-                            <p:stCondLst>
-                              <p:cond delay="0"/>
-                            </p:stCondLst>
-                            <p:childTnLst>
-                              <p:par>
-                                <p:cTn id="25" presetID="1" presetClass="entr" presetSubtype="0" fill="hold" grpId="0" nodeType="clickEffect">
-                                  <p:stCondLst>
-                                    <p:cond delay="0"/>
-                                  </p:stCondLst>
-                                  <p:childTnLst>
-                                    <p:set>
-                                      <p:cBhvr>
-                                        <p:cTn id="26" dur="1" fill="hold">
-                                          <p:stCondLst>
-                                            <p:cond delay="0"/>
-                                          </p:stCondLst>
-                                        </p:cTn>
-                                        <p:tgtEl>
-                                          <p:spTgt spid="3">
-                                            <p:txEl>
-                                              <p:pRg st="5" end="5"/>
-                                            </p:txEl>
-                                          </p:spTgt>
-                                        </p:tgtEl>
-                                        <p:attrNameLst>
-                                          <p:attrName>style.visibility</p:attrName>
-                                        </p:attrNameLst>
-                                      </p:cBhvr>
-                                      <p:to>
-                                        <p:strVal val="visible"/>
-                                      </p:to>
-                                    </p:set>
-                                  </p:childTnLst>
-                                </p:cTn>
-                              </p:par>
-                            </p:childTnLst>
-                          </p:cTn>
-                        </p:par>
-                      </p:childTnLst>
-                    </p:cTn>
-                  </p:par>
-                </p:childTnLst>
-              </p:cTn>
-              <p:prevCondLst>
-                <p:cond evt="onPrev" delay="0">
-                  <p:tgtEl>
-                    <p:sldTgt/>
-                  </p:tgtEl>
-                </p:cond>
-              </p:prevCondLst>
-              <p:nextCondLst>
-                <p:cond evt="onNext" delay="0">
-                  <p:tgtEl>
-                    <p:sldTgt/>
-                  </p:tgtEl>
-                </p:cond>
-              </p:nextCondLst>
-            </p:seq>
-          </p:childTnLst>
-        </p:cTn>
-      </p:par>
-    </p:tnLst>
-    <p:bldLst>
-      <p:bldP spid="3" grpId="0" build="p"/>
     </p:bldLst>
   </p:timing>
 </p:sld>
@@ -17886,18 +19209,18 @@
 </file>
 
 <file path=customXml/item2.xml><?xml version="1.0" encoding="utf-8"?>
-<p:properties xmlns:p="http://schemas.microsoft.com/office/2006/metadata/properties" xmlns:xsi="http://www.w3.org/2001/XMLSchema-instance" xmlns:pc="http://schemas.microsoft.com/office/infopath/2007/PartnerControls">
-  <documentManagement/>
-</p:properties>
-</file>
-
-<file path=customXml/item3.xml><?xml version="1.0" encoding="utf-8"?>
 <?mso-contentType ?>
 <FormTemplates xmlns="http://schemas.microsoft.com/sharepoint/v3/contenttype/forms">
   <Display>DocumentLibraryForm</Display>
   <Edit>DocumentLibraryForm</Edit>
   <New>DocumentLibraryForm</New>
 </FormTemplates>
+</file>
+
+<file path=customXml/item3.xml><?xml version="1.0" encoding="utf-8"?>
+<p:properties xmlns:p="http://schemas.microsoft.com/office/2006/metadata/properties" xmlns:xsi="http://www.w3.org/2001/XMLSchema-instance" xmlns:pc="http://schemas.microsoft.com/office/infopath/2007/PartnerControls">
+  <documentManagement/>
+</p:properties>
 </file>
 
 <file path=customXml/itemProps1.xml><?xml version="1.0" encoding="utf-8"?>
@@ -17920,6 +19243,14 @@
 </file>
 
 <file path=customXml/itemProps2.xml><?xml version="1.0" encoding="utf-8"?>
+<ds:datastoreItem xmlns:ds="http://schemas.openxmlformats.org/officeDocument/2006/customXml" ds:itemID="{F5CF5F32-56DC-4068-8B04-457CF34A96F3}">
+  <ds:schemaRefs>
+    <ds:schemaRef ds:uri="http://schemas.microsoft.com/sharepoint/v3/contenttype/forms"/>
+  </ds:schemaRefs>
+</ds:datastoreItem>
+</file>
+
+<file path=customXml/itemProps3.xml><?xml version="1.0" encoding="utf-8"?>
 <ds:datastoreItem xmlns:ds="http://schemas.openxmlformats.org/officeDocument/2006/customXml" ds:itemID="{52EB1464-66D1-425A-BBB5-7A9312BBE9C4}">
   <ds:schemaRefs>
     <ds:schemaRef ds:uri="http://purl.org/dc/terms/"/>
@@ -17934,12 +19265,4 @@
     <ds:schemaRef ds:uri="http://purl.org/dc/dcmitype/"/>
   </ds:schemaRefs>
 </ds:datastoreItem>
-</file>
-
-<file path=customXml/itemProps3.xml><?xml version="1.0" encoding="utf-8"?>
-<ds:datastoreItem xmlns:ds="http://schemas.openxmlformats.org/officeDocument/2006/customXml" ds:itemID="{F5CF5F32-56DC-4068-8B04-457CF34A96F3}">
-  <ds:schemaRefs>
-    <ds:schemaRef ds:uri="http://schemas.microsoft.com/sharepoint/v3/contenttype/forms"/>
-  </ds:schemaRefs>
-</ds:datastoreItem>
 </file>
--- a/Lecture Slides/VideoLectureSlides/14.2.pptx
+++ b/Lecture Slides/VideoLectureSlides/14.2.pptx
@@ -5,7 +5,7 @@
     <p:sldMasterId id="2147483660" r:id="rId4"/>
   </p:sldMasterIdLst>
   <p:notesMasterIdLst>
-    <p:notesMasterId r:id="rId29"/>
+    <p:notesMasterId r:id="rId30"/>
   </p:notesMasterIdLst>
   <p:sldIdLst>
     <p:sldId id="256" r:id="rId5"/>
@@ -22,16 +22,17 @@
     <p:sldId id="291" r:id="rId16"/>
     <p:sldId id="265" r:id="rId17"/>
     <p:sldId id="261" r:id="rId18"/>
-    <p:sldId id="268" r:id="rId19"/>
-    <p:sldId id="287" r:id="rId20"/>
-    <p:sldId id="262" r:id="rId21"/>
-    <p:sldId id="263" r:id="rId22"/>
-    <p:sldId id="298" r:id="rId23"/>
-    <p:sldId id="299" r:id="rId24"/>
-    <p:sldId id="300" r:id="rId25"/>
-    <p:sldId id="301" r:id="rId26"/>
-    <p:sldId id="302" r:id="rId27"/>
-    <p:sldId id="303" r:id="rId28"/>
+    <p:sldId id="305" r:id="rId19"/>
+    <p:sldId id="268" r:id="rId20"/>
+    <p:sldId id="287" r:id="rId21"/>
+    <p:sldId id="262" r:id="rId22"/>
+    <p:sldId id="263" r:id="rId23"/>
+    <p:sldId id="298" r:id="rId24"/>
+    <p:sldId id="299" r:id="rId25"/>
+    <p:sldId id="300" r:id="rId26"/>
+    <p:sldId id="301" r:id="rId27"/>
+    <p:sldId id="302" r:id="rId28"/>
+    <p:sldId id="303" r:id="rId29"/>
   </p:sldIdLst>
   <p:sldSz cx="9144000" cy="6858000" type="screen4x3"/>
   <p:notesSz cx="6858000" cy="9144000"/>
@@ -245,7 +246,7 @@
           <a:p>
             <a:fld id="{1AA1AB63-216F-4D5B-8811-CCB935E98D4A}" type="datetimeFigureOut">
               <a:rPr lang="en-US" smtClean="0"/>
-              <a:t>8/29/2022</a:t>
+              <a:t>9/8/2022</a:t>
             </a:fld>
             <a:endParaRPr lang="en-US" dirty="0"/>
           </a:p>
@@ -9136,6 +9137,1237 @@
 </file>
 
 <file path=ppt/slides/slide15.xml><?xml version="1.0" encoding="utf-8"?>
+<p:sld xmlns:a="http://schemas.openxmlformats.org/drawingml/2006/main" xmlns:r="http://schemas.openxmlformats.org/officeDocument/2006/relationships" xmlns:p="http://schemas.openxmlformats.org/presentationml/2006/main">
+  <p:cSld>
+    <p:spTree>
+      <p:nvGrpSpPr>
+        <p:cNvPr id="1" name=""/>
+        <p:cNvGrpSpPr/>
+        <p:nvPr/>
+      </p:nvGrpSpPr>
+      <p:grpSpPr>
+        <a:xfrm>
+          <a:off x="0" y="0"/>
+          <a:ext cx="0" cy="0"/>
+          <a:chOff x="0" y="0"/>
+          <a:chExt cx="0" cy="0"/>
+        </a:xfrm>
+      </p:grpSpPr>
+      <p:sp>
+        <p:nvSpPr>
+          <p:cNvPr id="3" name="Isosceles Triangle 2">
+            <a:extLst>
+              <a:ext uri="{FF2B5EF4-FFF2-40B4-BE49-F238E27FC236}">
+                <a16:creationId xmlns:a16="http://schemas.microsoft.com/office/drawing/2014/main" id="{C800C5C4-7C94-44C4-B186-9EA96BD1E909}"/>
+              </a:ext>
+            </a:extLst>
+          </p:cNvPr>
+          <p:cNvSpPr/>
+          <p:nvPr/>
+        </p:nvSpPr>
+        <p:spPr>
+          <a:xfrm>
+            <a:off x="0" y="3971925"/>
+            <a:ext cx="9144000" cy="2895600"/>
+          </a:xfrm>
+          <a:prstGeom prst="triangle">
+            <a:avLst>
+              <a:gd name="adj" fmla="val 0"/>
+            </a:avLst>
+          </a:prstGeom>
+          <a:solidFill>
+            <a:schemeClr val="bg2">
+              <a:lumMod val="90000"/>
+            </a:schemeClr>
+          </a:solidFill>
+          <a:ln>
+            <a:solidFill>
+              <a:schemeClr val="bg2">
+                <a:lumMod val="50000"/>
+              </a:schemeClr>
+            </a:solidFill>
+          </a:ln>
+        </p:spPr>
+        <p:style>
+          <a:lnRef idx="2">
+            <a:schemeClr val="accent3">
+              <a:shade val="50000"/>
+            </a:schemeClr>
+          </a:lnRef>
+          <a:fillRef idx="1">
+            <a:schemeClr val="accent3"/>
+          </a:fillRef>
+          <a:effectRef idx="0">
+            <a:schemeClr val="accent3"/>
+          </a:effectRef>
+          <a:fontRef idx="minor">
+            <a:schemeClr val="lt1"/>
+          </a:fontRef>
+        </p:style>
+        <p:txBody>
+          <a:bodyPr rtlCol="0" anchor="ctr"/>
+          <a:lstStyle/>
+          <a:p>
+            <a:pPr algn="ctr"/>
+            <a:endParaRPr lang="en-US"/>
+          </a:p>
+        </p:txBody>
+      </p:sp>
+      <p:sp>
+        <p:nvSpPr>
+          <p:cNvPr id="4" name="Oval 3">
+            <a:extLst>
+              <a:ext uri="{FF2B5EF4-FFF2-40B4-BE49-F238E27FC236}">
+                <a16:creationId xmlns:a16="http://schemas.microsoft.com/office/drawing/2014/main" id="{8659AE19-F748-4AE5-8819-DE045272C677}"/>
+              </a:ext>
+            </a:extLst>
+          </p:cNvPr>
+          <p:cNvSpPr/>
+          <p:nvPr/>
+        </p:nvSpPr>
+        <p:spPr>
+          <a:xfrm>
+            <a:off x="1524000" y="2857500"/>
+            <a:ext cx="1828800" cy="1828800"/>
+          </a:xfrm>
+          <a:prstGeom prst="ellipse">
+            <a:avLst/>
+          </a:prstGeom>
+        </p:spPr>
+        <p:style>
+          <a:lnRef idx="1">
+            <a:schemeClr val="dk1"/>
+          </a:lnRef>
+          <a:fillRef idx="2">
+            <a:schemeClr val="dk1"/>
+          </a:fillRef>
+          <a:effectRef idx="1">
+            <a:schemeClr val="dk1"/>
+          </a:effectRef>
+          <a:fontRef idx="minor">
+            <a:schemeClr val="dk1"/>
+          </a:fontRef>
+        </p:style>
+        <p:txBody>
+          <a:bodyPr rtlCol="0" anchor="ctr"/>
+          <a:lstStyle/>
+          <a:p>
+            <a:pPr algn="ctr"/>
+            <a:endParaRPr lang="en-US"/>
+          </a:p>
+        </p:txBody>
+      </p:sp>
+      <p:sp>
+        <p:nvSpPr>
+          <p:cNvPr id="5" name="Oval 4">
+            <a:extLst>
+              <a:ext uri="{FF2B5EF4-FFF2-40B4-BE49-F238E27FC236}">
+                <a16:creationId xmlns:a16="http://schemas.microsoft.com/office/drawing/2014/main" id="{C5C015C5-4FA5-4350-ABFA-FD6B79C8B3C2}"/>
+              </a:ext>
+            </a:extLst>
+          </p:cNvPr>
+          <p:cNvSpPr/>
+          <p:nvPr/>
+        </p:nvSpPr>
+        <p:spPr>
+          <a:xfrm>
+            <a:off x="5572125" y="4133850"/>
+            <a:ext cx="1828800" cy="1828800"/>
+          </a:xfrm>
+          <a:prstGeom prst="ellipse">
+            <a:avLst/>
+          </a:prstGeom>
+          <a:noFill/>
+          <a:ln>
+            <a:solidFill>
+              <a:schemeClr val="tx1"/>
+            </a:solidFill>
+            <a:prstDash val="dash"/>
+          </a:ln>
+        </p:spPr>
+        <p:style>
+          <a:lnRef idx="2">
+            <a:schemeClr val="accent1">
+              <a:shade val="50000"/>
+            </a:schemeClr>
+          </a:lnRef>
+          <a:fillRef idx="1">
+            <a:schemeClr val="accent1"/>
+          </a:fillRef>
+          <a:effectRef idx="0">
+            <a:schemeClr val="accent1"/>
+          </a:effectRef>
+          <a:fontRef idx="minor">
+            <a:schemeClr val="lt1"/>
+          </a:fontRef>
+        </p:style>
+        <p:txBody>
+          <a:bodyPr rtlCol="0" anchor="ctr"/>
+          <a:lstStyle/>
+          <a:p>
+            <a:pPr algn="ctr"/>
+            <a:endParaRPr lang="en-US"/>
+          </a:p>
+        </p:txBody>
+      </p:sp>
+      <p:cxnSp>
+        <p:nvCxnSpPr>
+          <p:cNvPr id="7" name="Straight Arrow Connector 6">
+            <a:extLst>
+              <a:ext uri="{FF2B5EF4-FFF2-40B4-BE49-F238E27FC236}">
+                <a16:creationId xmlns:a16="http://schemas.microsoft.com/office/drawing/2014/main" id="{05BCF6EA-3401-40FD-AF59-59814B219DB4}"/>
+              </a:ext>
+            </a:extLst>
+          </p:cNvPr>
+          <p:cNvCxnSpPr>
+            <a:cxnSpLocks/>
+          </p:cNvCxnSpPr>
+          <p:nvPr/>
+        </p:nvCxnSpPr>
+        <p:spPr>
+          <a:xfrm>
+            <a:off x="2057400" y="3638550"/>
+            <a:ext cx="762000" cy="266700"/>
+          </a:xfrm>
+          <a:prstGeom prst="straightConnector1">
+            <a:avLst/>
+          </a:prstGeom>
+          <a:ln w="28575">
+            <a:headEnd type="none" w="med" len="med"/>
+            <a:tailEnd type="arrow" w="med" len="med"/>
+          </a:ln>
+        </p:spPr>
+        <p:style>
+          <a:lnRef idx="1">
+            <a:schemeClr val="accent1"/>
+          </a:lnRef>
+          <a:fillRef idx="0">
+            <a:schemeClr val="accent1"/>
+          </a:fillRef>
+          <a:effectRef idx="0">
+            <a:schemeClr val="accent1"/>
+          </a:effectRef>
+          <a:fontRef idx="minor">
+            <a:schemeClr val="tx1"/>
+          </a:fontRef>
+        </p:style>
+      </p:cxnSp>
+      <p:cxnSp>
+        <p:nvCxnSpPr>
+          <p:cNvPr id="10" name="Straight Arrow Connector 9">
+            <a:extLst>
+              <a:ext uri="{FF2B5EF4-FFF2-40B4-BE49-F238E27FC236}">
+                <a16:creationId xmlns:a16="http://schemas.microsoft.com/office/drawing/2014/main" id="{D213D520-BE5C-4A03-A6E9-8955BAF77E84}"/>
+              </a:ext>
+            </a:extLst>
+          </p:cNvPr>
+          <p:cNvCxnSpPr>
+            <a:cxnSpLocks/>
+          </p:cNvCxnSpPr>
+          <p:nvPr/>
+        </p:nvCxnSpPr>
+        <p:spPr>
+          <a:xfrm>
+            <a:off x="5957887" y="4876800"/>
+            <a:ext cx="1057275" cy="342900"/>
+          </a:xfrm>
+          <a:prstGeom prst="straightConnector1">
+            <a:avLst/>
+          </a:prstGeom>
+          <a:ln w="28575">
+            <a:headEnd type="none" w="med" len="med"/>
+            <a:tailEnd type="arrow" w="med" len="med"/>
+          </a:ln>
+        </p:spPr>
+        <p:style>
+          <a:lnRef idx="1">
+            <a:schemeClr val="accent1"/>
+          </a:lnRef>
+          <a:fillRef idx="0">
+            <a:schemeClr val="accent1"/>
+          </a:fillRef>
+          <a:effectRef idx="0">
+            <a:schemeClr val="accent1"/>
+          </a:effectRef>
+          <a:fontRef idx="minor">
+            <a:schemeClr val="tx1"/>
+          </a:fontRef>
+        </p:style>
+      </p:cxnSp>
+      <p:sp>
+        <p:nvSpPr>
+          <p:cNvPr id="12" name="Arc 11">
+            <a:extLst>
+              <a:ext uri="{FF2B5EF4-FFF2-40B4-BE49-F238E27FC236}">
+                <a16:creationId xmlns:a16="http://schemas.microsoft.com/office/drawing/2014/main" id="{F2A71863-E050-489E-A970-0EDEDB4E35E2}"/>
+              </a:ext>
+            </a:extLst>
+          </p:cNvPr>
+          <p:cNvSpPr/>
+          <p:nvPr/>
+        </p:nvSpPr>
+        <p:spPr>
+          <a:xfrm>
+            <a:off x="1295400" y="2628900"/>
+            <a:ext cx="2286000" cy="2286000"/>
+          </a:xfrm>
+          <a:prstGeom prst="arc">
+            <a:avLst>
+              <a:gd name="adj1" fmla="val 14146089"/>
+              <a:gd name="adj2" fmla="val 19898328"/>
+            </a:avLst>
+          </a:prstGeom>
+          <a:ln w="28575">
+            <a:headEnd type="none" w="med" len="med"/>
+            <a:tailEnd type="arrow" w="med" len="med"/>
+          </a:ln>
+        </p:spPr>
+        <p:style>
+          <a:lnRef idx="1">
+            <a:schemeClr val="accent1"/>
+          </a:lnRef>
+          <a:fillRef idx="0">
+            <a:schemeClr val="accent1"/>
+          </a:fillRef>
+          <a:effectRef idx="0">
+            <a:schemeClr val="accent1"/>
+          </a:effectRef>
+          <a:fontRef idx="minor">
+            <a:schemeClr val="tx1"/>
+          </a:fontRef>
+        </p:style>
+        <p:txBody>
+          <a:bodyPr rtlCol="0" anchor="ctr"/>
+          <a:lstStyle/>
+          <a:p>
+            <a:pPr algn="ctr"/>
+            <a:endParaRPr lang="en-US"/>
+          </a:p>
+        </p:txBody>
+      </p:sp>
+      <p:sp>
+        <p:nvSpPr>
+          <p:cNvPr id="13" name="Arc 12">
+            <a:extLst>
+              <a:ext uri="{FF2B5EF4-FFF2-40B4-BE49-F238E27FC236}">
+                <a16:creationId xmlns:a16="http://schemas.microsoft.com/office/drawing/2014/main" id="{06329650-B355-4A22-ACD2-CE4D79902F02}"/>
+              </a:ext>
+            </a:extLst>
+          </p:cNvPr>
+          <p:cNvSpPr/>
+          <p:nvPr/>
+        </p:nvSpPr>
+        <p:spPr>
+          <a:xfrm>
+            <a:off x="5343524" y="3790950"/>
+            <a:ext cx="2286000" cy="2286000"/>
+          </a:xfrm>
+          <a:prstGeom prst="arc">
+            <a:avLst>
+              <a:gd name="adj1" fmla="val 14146089"/>
+              <a:gd name="adj2" fmla="val 21087785"/>
+            </a:avLst>
+          </a:prstGeom>
+          <a:ln w="28575">
+            <a:headEnd type="none" w="med" len="med"/>
+            <a:tailEnd type="arrow" w="med" len="med"/>
+          </a:ln>
+        </p:spPr>
+        <p:style>
+          <a:lnRef idx="1">
+            <a:schemeClr val="accent1"/>
+          </a:lnRef>
+          <a:fillRef idx="0">
+            <a:schemeClr val="accent1"/>
+          </a:fillRef>
+          <a:effectRef idx="0">
+            <a:schemeClr val="accent1"/>
+          </a:effectRef>
+          <a:fontRef idx="minor">
+            <a:schemeClr val="tx1"/>
+          </a:fontRef>
+        </p:style>
+        <p:txBody>
+          <a:bodyPr rtlCol="0" anchor="ctr"/>
+          <a:lstStyle/>
+          <a:p>
+            <a:pPr algn="ctr"/>
+            <a:endParaRPr lang="en-US"/>
+          </a:p>
+        </p:txBody>
+      </p:sp>
+      <p:sp>
+        <p:nvSpPr>
+          <p:cNvPr id="14" name="Frame 13">
+            <a:extLst>
+              <a:ext uri="{FF2B5EF4-FFF2-40B4-BE49-F238E27FC236}">
+                <a16:creationId xmlns:a16="http://schemas.microsoft.com/office/drawing/2014/main" id="{4EC1C450-7F4A-42C9-8765-C87F91D9F946}"/>
+              </a:ext>
+            </a:extLst>
+          </p:cNvPr>
+          <p:cNvSpPr/>
+          <p:nvPr/>
+        </p:nvSpPr>
+        <p:spPr>
+          <a:xfrm>
+            <a:off x="0" y="0"/>
+            <a:ext cx="9601200" cy="7467600"/>
+          </a:xfrm>
+          <a:prstGeom prst="frame">
+            <a:avLst/>
+          </a:prstGeom>
+          <a:solidFill>
+            <a:schemeClr val="bg1"/>
+          </a:solidFill>
+          <a:ln>
+            <a:noFill/>
+          </a:ln>
+          <a:effectLst>
+            <a:softEdge rad="127000"/>
+          </a:effectLst>
+        </p:spPr>
+        <p:style>
+          <a:lnRef idx="2">
+            <a:schemeClr val="accent1">
+              <a:shade val="50000"/>
+            </a:schemeClr>
+          </a:lnRef>
+          <a:fillRef idx="1">
+            <a:schemeClr val="accent1"/>
+          </a:fillRef>
+          <a:effectRef idx="0">
+            <a:schemeClr val="accent1"/>
+          </a:effectRef>
+          <a:fontRef idx="minor">
+            <a:schemeClr val="lt1"/>
+          </a:fontRef>
+        </p:style>
+        <p:txBody>
+          <a:bodyPr rtlCol="0" anchor="ctr"/>
+          <a:lstStyle/>
+          <a:p>
+            <a:pPr algn="ctr"/>
+            <a:endParaRPr lang="en-US" dirty="0">
+              <a:solidFill>
+                <a:schemeClr val="tx1"/>
+              </a:solidFill>
+            </a:endParaRPr>
+          </a:p>
+        </p:txBody>
+      </p:sp>
+      <mc:AlternateContent xmlns:mc="http://schemas.openxmlformats.org/markup-compatibility/2006">
+        <mc:Choice xmlns:a14="http://schemas.microsoft.com/office/drawing/2010/main" Requires="a14">
+          <p:sp>
+            <p:nvSpPr>
+              <p:cNvPr id="15" name="TextBox 14">
+                <a:extLst>
+                  <a:ext uri="{FF2B5EF4-FFF2-40B4-BE49-F238E27FC236}">
+                    <a16:creationId xmlns:a16="http://schemas.microsoft.com/office/drawing/2014/main" id="{14D1C66D-1AA4-47BC-A385-873E6B80BF49}"/>
+                  </a:ext>
+                </a:extLst>
+              </p:cNvPr>
+              <p:cNvSpPr txBox="1"/>
+              <p:nvPr/>
+            </p:nvSpPr>
+            <p:spPr>
+              <a:xfrm>
+                <a:off x="2672276" y="2266176"/>
+                <a:ext cx="294247" cy="276999"/>
+              </a:xfrm>
+              <a:prstGeom prst="rect">
+                <a:avLst/>
+              </a:prstGeom>
+              <a:noFill/>
+            </p:spPr>
+            <p:txBody>
+              <a:bodyPr wrap="none" lIns="0" tIns="0" rIns="0" bIns="0" rtlCol="0">
+                <a:spAutoFit/>
+              </a:bodyPr>
+              <a:lstStyle/>
+              <a:p>
+                <a14:m>
+                  <m:oMathPara xmlns:m="http://schemas.openxmlformats.org/officeDocument/2006/math">
+                    <m:oMathParaPr>
+                      <m:jc m:val="centerGroup"/>
+                    </m:oMathParaPr>
+                    <m:oMath xmlns:m="http://schemas.openxmlformats.org/officeDocument/2006/math">
+                      <m:sSub>
+                        <m:sSubPr>
+                          <m:ctrlPr>
+                            <a:rPr lang="en-US" i="1" smtClean="0">
+                              <a:solidFill>
+                                <a:srgbClr val="0070C0"/>
+                              </a:solidFill>
+                              <a:latin typeface="Cambria Math" panose="02040503050406030204" pitchFamily="18" charset="0"/>
+                              <a:ea typeface="Cambria Math" panose="02040503050406030204" pitchFamily="18" charset="0"/>
+                            </a:rPr>
+                          </m:ctrlPr>
+                        </m:sSubPr>
+                        <m:e>
+                          <m:r>
+                            <a:rPr lang="en-US" i="1">
+                              <a:solidFill>
+                                <a:srgbClr val="0070C0"/>
+                              </a:solidFill>
+                              <a:latin typeface="Cambria Math" panose="02040503050406030204" pitchFamily="18" charset="0"/>
+                              <a:ea typeface="Cambria Math" panose="02040503050406030204" pitchFamily="18" charset="0"/>
+                            </a:rPr>
+                            <m:t>𝜔</m:t>
+                          </m:r>
+                        </m:e>
+                        <m:sub>
+                          <m:r>
+                            <a:rPr lang="en-US" b="0" i="1" smtClean="0">
+                              <a:solidFill>
+                                <a:srgbClr val="0070C0"/>
+                              </a:solidFill>
+                              <a:latin typeface="Cambria Math" panose="02040503050406030204" pitchFamily="18" charset="0"/>
+                              <a:ea typeface="Cambria Math" panose="02040503050406030204" pitchFamily="18" charset="0"/>
+                            </a:rPr>
+                            <m:t>𝑖</m:t>
+                          </m:r>
+                        </m:sub>
+                      </m:sSub>
+                    </m:oMath>
+                  </m:oMathPara>
+                </a14:m>
+                <a:endParaRPr lang="en-US" dirty="0"/>
+              </a:p>
+            </p:txBody>
+          </p:sp>
+        </mc:Choice>
+        <mc:Fallback>
+          <p:sp>
+            <p:nvSpPr>
+              <p:cNvPr id="15" name="TextBox 14">
+                <a:extLst>
+                  <a:ext uri="{FF2B5EF4-FFF2-40B4-BE49-F238E27FC236}">
+                    <a16:creationId xmlns:a16="http://schemas.microsoft.com/office/drawing/2014/main" id="{14D1C66D-1AA4-47BC-A385-873E6B80BF49}"/>
+                  </a:ext>
+                </a:extLst>
+              </p:cNvPr>
+              <p:cNvSpPr txBox="1">
+                <a:spLocks noRot="1" noChangeAspect="1" noMove="1" noResize="1" noEditPoints="1" noAdjustHandles="1" noChangeArrowheads="1" noChangeShapeType="1" noTextEdit="1"/>
+              </p:cNvSpPr>
+              <p:nvPr/>
+            </p:nvSpPr>
+            <p:spPr>
+              <a:xfrm>
+                <a:off x="2672276" y="2266176"/>
+                <a:ext cx="294247" cy="276999"/>
+              </a:xfrm>
+              <a:prstGeom prst="rect">
+                <a:avLst/>
+              </a:prstGeom>
+              <a:blipFill>
+                <a:blip r:embed="rId2"/>
+                <a:stretch>
+                  <a:fillRect l="-12245" r="-8163" b="-17778"/>
+                </a:stretch>
+              </a:blipFill>
+            </p:spPr>
+            <p:txBody>
+              <a:bodyPr/>
+              <a:lstStyle/>
+              <a:p>
+                <a:r>
+                  <a:rPr lang="en-US">
+                    <a:noFill/>
+                  </a:rPr>
+                  <a:t> </a:t>
+                </a:r>
+              </a:p>
+            </p:txBody>
+          </p:sp>
+        </mc:Fallback>
+      </mc:AlternateContent>
+      <mc:AlternateContent xmlns:mc="http://schemas.openxmlformats.org/markup-compatibility/2006">
+        <mc:Choice xmlns:a14="http://schemas.microsoft.com/office/drawing/2010/main" Requires="a14">
+          <p:sp>
+            <p:nvSpPr>
+              <p:cNvPr id="16" name="TextBox 15">
+                <a:extLst>
+                  <a:ext uri="{FF2B5EF4-FFF2-40B4-BE49-F238E27FC236}">
+                    <a16:creationId xmlns:a16="http://schemas.microsoft.com/office/drawing/2014/main" id="{120DED23-7951-498A-B337-AF8FF5355989}"/>
+                  </a:ext>
+                </a:extLst>
+              </p:cNvPr>
+              <p:cNvSpPr txBox="1"/>
+              <p:nvPr/>
+            </p:nvSpPr>
+            <p:spPr>
+              <a:xfrm>
+                <a:off x="2313237" y="3324225"/>
+                <a:ext cx="250325" cy="276999"/>
+              </a:xfrm>
+              <a:prstGeom prst="rect">
+                <a:avLst/>
+              </a:prstGeom>
+              <a:noFill/>
+            </p:spPr>
+            <p:txBody>
+              <a:bodyPr wrap="none" lIns="0" tIns="0" rIns="0" bIns="0" rtlCol="0">
+                <a:spAutoFit/>
+              </a:bodyPr>
+              <a:lstStyle/>
+              <a:p>
+                <a14:m>
+                  <m:oMathPara xmlns:m="http://schemas.openxmlformats.org/officeDocument/2006/math">
+                    <m:oMathParaPr>
+                      <m:jc m:val="centerGroup"/>
+                    </m:oMathParaPr>
+                    <m:oMath xmlns:m="http://schemas.openxmlformats.org/officeDocument/2006/math">
+                      <m:sSub>
+                        <m:sSubPr>
+                          <m:ctrlPr>
+                            <a:rPr lang="en-US" i="1" smtClean="0">
+                              <a:solidFill>
+                                <a:srgbClr val="0070C0"/>
+                              </a:solidFill>
+                              <a:latin typeface="Cambria Math" panose="02040503050406030204" pitchFamily="18" charset="0"/>
+                              <a:ea typeface="Cambria Math" panose="02040503050406030204" pitchFamily="18" charset="0"/>
+                            </a:rPr>
+                          </m:ctrlPr>
+                        </m:sSubPr>
+                        <m:e>
+                          <m:r>
+                            <a:rPr lang="en-US" b="0" i="1" smtClean="0">
+                              <a:solidFill>
+                                <a:srgbClr val="0070C0"/>
+                              </a:solidFill>
+                              <a:latin typeface="Cambria Math" panose="02040503050406030204" pitchFamily="18" charset="0"/>
+                              <a:ea typeface="Cambria Math" panose="02040503050406030204" pitchFamily="18" charset="0"/>
+                            </a:rPr>
+                            <m:t>𝑣</m:t>
+                          </m:r>
+                        </m:e>
+                        <m:sub>
+                          <m:r>
+                            <a:rPr lang="en-US" b="0" i="1" smtClean="0">
+                              <a:solidFill>
+                                <a:srgbClr val="0070C0"/>
+                              </a:solidFill>
+                              <a:latin typeface="Cambria Math" panose="02040503050406030204" pitchFamily="18" charset="0"/>
+                              <a:ea typeface="Cambria Math" panose="02040503050406030204" pitchFamily="18" charset="0"/>
+                            </a:rPr>
+                            <m:t>𝑖</m:t>
+                          </m:r>
+                        </m:sub>
+                      </m:sSub>
+                    </m:oMath>
+                  </m:oMathPara>
+                </a14:m>
+                <a:endParaRPr lang="en-US" dirty="0"/>
+              </a:p>
+            </p:txBody>
+          </p:sp>
+        </mc:Choice>
+        <mc:Fallback>
+          <p:sp>
+            <p:nvSpPr>
+              <p:cNvPr id="16" name="TextBox 15">
+                <a:extLst>
+                  <a:ext uri="{FF2B5EF4-FFF2-40B4-BE49-F238E27FC236}">
+                    <a16:creationId xmlns:a16="http://schemas.microsoft.com/office/drawing/2014/main" id="{120DED23-7951-498A-B337-AF8FF5355989}"/>
+                  </a:ext>
+                </a:extLst>
+              </p:cNvPr>
+              <p:cNvSpPr txBox="1">
+                <a:spLocks noRot="1" noChangeAspect="1" noMove="1" noResize="1" noEditPoints="1" noAdjustHandles="1" noChangeArrowheads="1" noChangeShapeType="1" noTextEdit="1"/>
+              </p:cNvSpPr>
+              <p:nvPr/>
+            </p:nvSpPr>
+            <p:spPr>
+              <a:xfrm>
+                <a:off x="2313237" y="3324225"/>
+                <a:ext cx="250325" cy="276999"/>
+              </a:xfrm>
+              <a:prstGeom prst="rect">
+                <a:avLst/>
+              </a:prstGeom>
+              <a:blipFill>
+                <a:blip r:embed="rId3"/>
+                <a:stretch>
+                  <a:fillRect l="-14286" r="-9524" b="-17391"/>
+                </a:stretch>
+              </a:blipFill>
+            </p:spPr>
+            <p:txBody>
+              <a:bodyPr/>
+              <a:lstStyle/>
+              <a:p>
+                <a:r>
+                  <a:rPr lang="en-US">
+                    <a:noFill/>
+                  </a:rPr>
+                  <a:t> </a:t>
+                </a:r>
+              </a:p>
+            </p:txBody>
+          </p:sp>
+        </mc:Fallback>
+      </mc:AlternateContent>
+      <mc:AlternateContent xmlns:mc="http://schemas.openxmlformats.org/markup-compatibility/2006">
+        <mc:Choice xmlns:a14="http://schemas.microsoft.com/office/drawing/2010/main" Requires="a14">
+          <p:sp>
+            <p:nvSpPr>
+              <p:cNvPr id="17" name="TextBox 16">
+                <a:extLst>
+                  <a:ext uri="{FF2B5EF4-FFF2-40B4-BE49-F238E27FC236}">
+                    <a16:creationId xmlns:a16="http://schemas.microsoft.com/office/drawing/2014/main" id="{28825B43-B7BF-45AB-A702-E8797B7B2250}"/>
+                  </a:ext>
+                </a:extLst>
+              </p:cNvPr>
+              <p:cNvSpPr txBox="1"/>
+              <p:nvPr/>
+            </p:nvSpPr>
+            <p:spPr>
+              <a:xfrm>
+                <a:off x="6926235" y="3474434"/>
+                <a:ext cx="320729" cy="299249"/>
+              </a:xfrm>
+              <a:prstGeom prst="rect">
+                <a:avLst/>
+              </a:prstGeom>
+              <a:noFill/>
+            </p:spPr>
+            <p:txBody>
+              <a:bodyPr wrap="none" lIns="0" tIns="0" rIns="0" bIns="0" rtlCol="0">
+                <a:spAutoFit/>
+              </a:bodyPr>
+              <a:lstStyle/>
+              <a:p>
+                <a14:m>
+                  <m:oMathPara xmlns:m="http://schemas.openxmlformats.org/officeDocument/2006/math">
+                    <m:oMathParaPr>
+                      <m:jc m:val="centerGroup"/>
+                    </m:oMathParaPr>
+                    <m:oMath xmlns:m="http://schemas.openxmlformats.org/officeDocument/2006/math">
+                      <m:sSub>
+                        <m:sSubPr>
+                          <m:ctrlPr>
+                            <a:rPr lang="en-US" i="1" smtClean="0">
+                              <a:solidFill>
+                                <a:srgbClr val="0070C0"/>
+                              </a:solidFill>
+                              <a:latin typeface="Cambria Math" panose="02040503050406030204" pitchFamily="18" charset="0"/>
+                              <a:ea typeface="Cambria Math" panose="02040503050406030204" pitchFamily="18" charset="0"/>
+                            </a:rPr>
+                          </m:ctrlPr>
+                        </m:sSubPr>
+                        <m:e>
+                          <m:r>
+                            <a:rPr lang="en-US" i="1">
+                              <a:solidFill>
+                                <a:srgbClr val="0070C0"/>
+                              </a:solidFill>
+                              <a:latin typeface="Cambria Math" panose="02040503050406030204" pitchFamily="18" charset="0"/>
+                              <a:ea typeface="Cambria Math" panose="02040503050406030204" pitchFamily="18" charset="0"/>
+                            </a:rPr>
+                            <m:t>𝜔</m:t>
+                          </m:r>
+                        </m:e>
+                        <m:sub>
+                          <m:r>
+                            <a:rPr lang="en-US" b="0" i="1" smtClean="0">
+                              <a:solidFill>
+                                <a:srgbClr val="0070C0"/>
+                              </a:solidFill>
+                              <a:latin typeface="Cambria Math" panose="02040503050406030204" pitchFamily="18" charset="0"/>
+                              <a:ea typeface="Cambria Math" panose="02040503050406030204" pitchFamily="18" charset="0"/>
+                            </a:rPr>
+                            <m:t>𝑓</m:t>
+                          </m:r>
+                        </m:sub>
+                      </m:sSub>
+                    </m:oMath>
+                  </m:oMathPara>
+                </a14:m>
+                <a:endParaRPr lang="en-US" dirty="0"/>
+              </a:p>
+            </p:txBody>
+          </p:sp>
+        </mc:Choice>
+        <mc:Fallback>
+          <p:sp>
+            <p:nvSpPr>
+              <p:cNvPr id="17" name="TextBox 16">
+                <a:extLst>
+                  <a:ext uri="{FF2B5EF4-FFF2-40B4-BE49-F238E27FC236}">
+                    <a16:creationId xmlns:a16="http://schemas.microsoft.com/office/drawing/2014/main" id="{28825B43-B7BF-45AB-A702-E8797B7B2250}"/>
+                  </a:ext>
+                </a:extLst>
+              </p:cNvPr>
+              <p:cNvSpPr txBox="1">
+                <a:spLocks noRot="1" noChangeAspect="1" noMove="1" noResize="1" noEditPoints="1" noAdjustHandles="1" noChangeArrowheads="1" noChangeShapeType="1" noTextEdit="1"/>
+              </p:cNvSpPr>
+              <p:nvPr/>
+            </p:nvSpPr>
+            <p:spPr>
+              <a:xfrm>
+                <a:off x="6926235" y="3474434"/>
+                <a:ext cx="320729" cy="299249"/>
+              </a:xfrm>
+              <a:prstGeom prst="rect">
+                <a:avLst/>
+              </a:prstGeom>
+              <a:blipFill>
+                <a:blip r:embed="rId4"/>
+                <a:stretch>
+                  <a:fillRect l="-9434" r="-13208" b="-28571"/>
+                </a:stretch>
+              </a:blipFill>
+            </p:spPr>
+            <p:txBody>
+              <a:bodyPr/>
+              <a:lstStyle/>
+              <a:p>
+                <a:r>
+                  <a:rPr lang="en-US">
+                    <a:noFill/>
+                  </a:rPr>
+                  <a:t> </a:t>
+                </a:r>
+              </a:p>
+            </p:txBody>
+          </p:sp>
+        </mc:Fallback>
+      </mc:AlternateContent>
+      <mc:AlternateContent xmlns:mc="http://schemas.openxmlformats.org/markup-compatibility/2006">
+        <mc:Choice xmlns:a14="http://schemas.microsoft.com/office/drawing/2010/main" Requires="a14">
+          <p:sp>
+            <p:nvSpPr>
+              <p:cNvPr id="18" name="TextBox 17">
+                <a:extLst>
+                  <a:ext uri="{FF2B5EF4-FFF2-40B4-BE49-F238E27FC236}">
+                    <a16:creationId xmlns:a16="http://schemas.microsoft.com/office/drawing/2014/main" id="{59013F24-DD14-4856-82AA-DFCD54053CB5}"/>
+                  </a:ext>
+                </a:extLst>
+              </p:cNvPr>
+              <p:cNvSpPr txBox="1"/>
+              <p:nvPr/>
+            </p:nvSpPr>
+            <p:spPr>
+              <a:xfrm>
+                <a:off x="6486524" y="4570013"/>
+                <a:ext cx="276807" cy="299249"/>
+              </a:xfrm>
+              <a:prstGeom prst="rect">
+                <a:avLst/>
+              </a:prstGeom>
+              <a:noFill/>
+            </p:spPr>
+            <p:txBody>
+              <a:bodyPr wrap="none" lIns="0" tIns="0" rIns="0" bIns="0" rtlCol="0">
+                <a:spAutoFit/>
+              </a:bodyPr>
+              <a:lstStyle/>
+              <a:p>
+                <a14:m>
+                  <m:oMathPara xmlns:m="http://schemas.openxmlformats.org/officeDocument/2006/math">
+                    <m:oMathParaPr>
+                      <m:jc m:val="centerGroup"/>
+                    </m:oMathParaPr>
+                    <m:oMath xmlns:m="http://schemas.openxmlformats.org/officeDocument/2006/math">
+                      <m:sSub>
+                        <m:sSubPr>
+                          <m:ctrlPr>
+                            <a:rPr lang="en-US" i="1" smtClean="0">
+                              <a:solidFill>
+                                <a:srgbClr val="0070C0"/>
+                              </a:solidFill>
+                              <a:latin typeface="Cambria Math" panose="02040503050406030204" pitchFamily="18" charset="0"/>
+                              <a:ea typeface="Cambria Math" panose="02040503050406030204" pitchFamily="18" charset="0"/>
+                            </a:rPr>
+                          </m:ctrlPr>
+                        </m:sSubPr>
+                        <m:e>
+                          <m:r>
+                            <a:rPr lang="en-US" b="0" i="1" smtClean="0">
+                              <a:solidFill>
+                                <a:srgbClr val="0070C0"/>
+                              </a:solidFill>
+                              <a:latin typeface="Cambria Math" panose="02040503050406030204" pitchFamily="18" charset="0"/>
+                              <a:ea typeface="Cambria Math" panose="02040503050406030204" pitchFamily="18" charset="0"/>
+                            </a:rPr>
+                            <m:t>𝑣</m:t>
+                          </m:r>
+                        </m:e>
+                        <m:sub>
+                          <m:r>
+                            <a:rPr lang="en-US" b="0" i="1" smtClean="0">
+                              <a:solidFill>
+                                <a:srgbClr val="0070C0"/>
+                              </a:solidFill>
+                              <a:latin typeface="Cambria Math" panose="02040503050406030204" pitchFamily="18" charset="0"/>
+                              <a:ea typeface="Cambria Math" panose="02040503050406030204" pitchFamily="18" charset="0"/>
+                            </a:rPr>
+                            <m:t>𝑓</m:t>
+                          </m:r>
+                        </m:sub>
+                      </m:sSub>
+                    </m:oMath>
+                  </m:oMathPara>
+                </a14:m>
+                <a:endParaRPr lang="en-US" dirty="0"/>
+              </a:p>
+            </p:txBody>
+          </p:sp>
+        </mc:Choice>
+        <mc:Fallback>
+          <p:sp>
+            <p:nvSpPr>
+              <p:cNvPr id="18" name="TextBox 17">
+                <a:extLst>
+                  <a:ext uri="{FF2B5EF4-FFF2-40B4-BE49-F238E27FC236}">
+                    <a16:creationId xmlns:a16="http://schemas.microsoft.com/office/drawing/2014/main" id="{59013F24-DD14-4856-82AA-DFCD54053CB5}"/>
+                  </a:ext>
+                </a:extLst>
+              </p:cNvPr>
+              <p:cNvSpPr txBox="1">
+                <a:spLocks noRot="1" noChangeAspect="1" noMove="1" noResize="1" noEditPoints="1" noAdjustHandles="1" noChangeArrowheads="1" noChangeShapeType="1" noTextEdit="1"/>
+              </p:cNvSpPr>
+              <p:nvPr/>
+            </p:nvSpPr>
+            <p:spPr>
+              <a:xfrm>
+                <a:off x="6486524" y="4570013"/>
+                <a:ext cx="276807" cy="299249"/>
+              </a:xfrm>
+              <a:prstGeom prst="rect">
+                <a:avLst/>
+              </a:prstGeom>
+              <a:blipFill>
+                <a:blip r:embed="rId5"/>
+                <a:stretch>
+                  <a:fillRect l="-13333" r="-17778" b="-28571"/>
+                </a:stretch>
+              </a:blipFill>
+            </p:spPr>
+            <p:txBody>
+              <a:bodyPr/>
+              <a:lstStyle/>
+              <a:p>
+                <a:r>
+                  <a:rPr lang="en-US">
+                    <a:noFill/>
+                  </a:rPr>
+                  <a:t> </a:t>
+                </a:r>
+              </a:p>
+            </p:txBody>
+          </p:sp>
+        </mc:Fallback>
+      </mc:AlternateContent>
+      <p:cxnSp>
+        <p:nvCxnSpPr>
+          <p:cNvPr id="20" name="Straight Connector 19">
+            <a:extLst>
+              <a:ext uri="{FF2B5EF4-FFF2-40B4-BE49-F238E27FC236}">
+                <a16:creationId xmlns:a16="http://schemas.microsoft.com/office/drawing/2014/main" id="{07FC50BB-E1E1-4784-963C-B80D7F50787F}"/>
+              </a:ext>
+            </a:extLst>
+          </p:cNvPr>
+          <p:cNvCxnSpPr/>
+          <p:nvPr/>
+        </p:nvCxnSpPr>
+        <p:spPr>
+          <a:xfrm flipH="1">
+            <a:off x="1019175" y="4719637"/>
+            <a:ext cx="914400" cy="0"/>
+          </a:xfrm>
+          <a:prstGeom prst="line">
+            <a:avLst/>
+          </a:prstGeom>
+        </p:spPr>
+        <p:style>
+          <a:lnRef idx="1">
+            <a:schemeClr val="accent1"/>
+          </a:lnRef>
+          <a:fillRef idx="0">
+            <a:schemeClr val="accent1"/>
+          </a:fillRef>
+          <a:effectRef idx="0">
+            <a:schemeClr val="accent1"/>
+          </a:effectRef>
+          <a:fontRef idx="minor">
+            <a:schemeClr val="tx1"/>
+          </a:fontRef>
+        </p:style>
+      </p:cxnSp>
+      <p:cxnSp>
+        <p:nvCxnSpPr>
+          <p:cNvPr id="21" name="Straight Connector 20">
+            <a:extLst>
+              <a:ext uri="{FF2B5EF4-FFF2-40B4-BE49-F238E27FC236}">
+                <a16:creationId xmlns:a16="http://schemas.microsoft.com/office/drawing/2014/main" id="{B59D6FC0-C405-458B-8483-41BC01F3B835}"/>
+              </a:ext>
+            </a:extLst>
+          </p:cNvPr>
+          <p:cNvCxnSpPr>
+            <a:cxnSpLocks/>
+          </p:cNvCxnSpPr>
+          <p:nvPr/>
+        </p:nvCxnSpPr>
+        <p:spPr>
+          <a:xfrm flipH="1">
+            <a:off x="1019175" y="6072187"/>
+            <a:ext cx="4695825" cy="0"/>
+          </a:xfrm>
+          <a:prstGeom prst="line">
+            <a:avLst/>
+          </a:prstGeom>
+        </p:spPr>
+        <p:style>
+          <a:lnRef idx="1">
+            <a:schemeClr val="accent1"/>
+          </a:lnRef>
+          <a:fillRef idx="0">
+            <a:schemeClr val="accent1"/>
+          </a:fillRef>
+          <a:effectRef idx="0">
+            <a:schemeClr val="accent1"/>
+          </a:effectRef>
+          <a:fontRef idx="minor">
+            <a:schemeClr val="tx1"/>
+          </a:fontRef>
+        </p:style>
+      </p:cxnSp>
+      <p:cxnSp>
+        <p:nvCxnSpPr>
+          <p:cNvPr id="23" name="Straight Connector 22">
+            <a:extLst>
+              <a:ext uri="{FF2B5EF4-FFF2-40B4-BE49-F238E27FC236}">
+                <a16:creationId xmlns:a16="http://schemas.microsoft.com/office/drawing/2014/main" id="{646A3CEB-582B-4E2D-8D89-F59F5221631C}"/>
+              </a:ext>
+            </a:extLst>
+          </p:cNvPr>
+          <p:cNvCxnSpPr>
+            <a:cxnSpLocks/>
+          </p:cNvCxnSpPr>
+          <p:nvPr/>
+        </p:nvCxnSpPr>
+        <p:spPr>
+          <a:xfrm flipV="1">
+            <a:off x="1524000" y="4719637"/>
+            <a:ext cx="9524" cy="1352550"/>
+          </a:xfrm>
+          <a:prstGeom prst="line">
+            <a:avLst/>
+          </a:prstGeom>
+        </p:spPr>
+        <p:style>
+          <a:lnRef idx="1">
+            <a:schemeClr val="accent1"/>
+          </a:lnRef>
+          <a:fillRef idx="0">
+            <a:schemeClr val="accent1"/>
+          </a:fillRef>
+          <a:effectRef idx="0">
+            <a:schemeClr val="accent1"/>
+          </a:effectRef>
+          <a:fontRef idx="minor">
+            <a:schemeClr val="tx1"/>
+          </a:fontRef>
+        </p:style>
+      </p:cxnSp>
+      <mc:AlternateContent xmlns:mc="http://schemas.openxmlformats.org/markup-compatibility/2006">
+        <mc:Choice xmlns:a14="http://schemas.microsoft.com/office/drawing/2010/main" Requires="a14">
+          <p:sp>
+            <p:nvSpPr>
+              <p:cNvPr id="29" name="TextBox 28">
+                <a:extLst>
+                  <a:ext uri="{FF2B5EF4-FFF2-40B4-BE49-F238E27FC236}">
+                    <a16:creationId xmlns:a16="http://schemas.microsoft.com/office/drawing/2014/main" id="{B27338CA-89A9-4B2B-84A4-B94AD869639F}"/>
+                  </a:ext>
+                </a:extLst>
+              </p:cNvPr>
+              <p:cNvSpPr txBox="1"/>
+              <p:nvPr/>
+            </p:nvSpPr>
+            <p:spPr>
+              <a:xfrm>
+                <a:off x="1352989" y="5295513"/>
+                <a:ext cx="322974" cy="276999"/>
+              </a:xfrm>
+              <a:prstGeom prst="rect">
+                <a:avLst/>
+              </a:prstGeom>
+              <a:solidFill>
+                <a:schemeClr val="bg2">
+                  <a:lumMod val="90000"/>
+                </a:schemeClr>
+              </a:solidFill>
+            </p:spPr>
+            <p:txBody>
+              <a:bodyPr wrap="none" lIns="0" tIns="0" rIns="0" bIns="0" rtlCol="0">
+                <a:spAutoFit/>
+              </a:bodyPr>
+              <a:lstStyle/>
+              <a:p>
+                <a14:m>
+                  <m:oMathPara xmlns:m="http://schemas.openxmlformats.org/officeDocument/2006/math">
+                    <m:oMathParaPr>
+                      <m:jc m:val="centerGroup"/>
+                    </m:oMathParaPr>
+                    <m:oMath xmlns:m="http://schemas.openxmlformats.org/officeDocument/2006/math">
+                      <m:r>
+                        <a:rPr lang="en-US" i="1" smtClean="0">
+                          <a:solidFill>
+                            <a:srgbClr val="0070C0"/>
+                          </a:solidFill>
+                          <a:latin typeface="Cambria Math" panose="02040503050406030204" pitchFamily="18" charset="0"/>
+                          <a:ea typeface="Cambria Math" panose="02040503050406030204" pitchFamily="18" charset="0"/>
+                        </a:rPr>
+                        <m:t>∆</m:t>
+                      </m:r>
+                      <m:r>
+                        <a:rPr lang="en-US" b="0" i="1" smtClean="0">
+                          <a:solidFill>
+                            <a:srgbClr val="0070C0"/>
+                          </a:solidFill>
+                          <a:latin typeface="Cambria Math" panose="02040503050406030204" pitchFamily="18" charset="0"/>
+                          <a:ea typeface="Cambria Math" panose="02040503050406030204" pitchFamily="18" charset="0"/>
+                        </a:rPr>
+                        <m:t>h</m:t>
+                      </m:r>
+                    </m:oMath>
+                  </m:oMathPara>
+                </a14:m>
+                <a:endParaRPr lang="en-US" dirty="0"/>
+              </a:p>
+            </p:txBody>
+          </p:sp>
+        </mc:Choice>
+        <mc:Fallback>
+          <p:sp>
+            <p:nvSpPr>
+              <p:cNvPr id="29" name="TextBox 28">
+                <a:extLst>
+                  <a:ext uri="{FF2B5EF4-FFF2-40B4-BE49-F238E27FC236}">
+                    <a16:creationId xmlns:a16="http://schemas.microsoft.com/office/drawing/2014/main" id="{B27338CA-89A9-4B2B-84A4-B94AD869639F}"/>
+                  </a:ext>
+                </a:extLst>
+              </p:cNvPr>
+              <p:cNvSpPr txBox="1">
+                <a:spLocks noRot="1" noChangeAspect="1" noMove="1" noResize="1" noEditPoints="1" noAdjustHandles="1" noChangeArrowheads="1" noChangeShapeType="1" noTextEdit="1"/>
+              </p:cNvSpPr>
+              <p:nvPr/>
+            </p:nvSpPr>
+            <p:spPr>
+              <a:xfrm>
+                <a:off x="1352989" y="5295513"/>
+                <a:ext cx="322974" cy="276999"/>
+              </a:xfrm>
+              <a:prstGeom prst="rect">
+                <a:avLst/>
+              </a:prstGeom>
+              <a:blipFill>
+                <a:blip r:embed="rId6"/>
+                <a:stretch>
+                  <a:fillRect l="-18868" r="-16981" b="-8889"/>
+                </a:stretch>
+              </a:blipFill>
+            </p:spPr>
+            <p:txBody>
+              <a:bodyPr/>
+              <a:lstStyle/>
+              <a:p>
+                <a:r>
+                  <a:rPr lang="en-US">
+                    <a:noFill/>
+                  </a:rPr>
+                  <a:t> </a:t>
+                </a:r>
+              </a:p>
+            </p:txBody>
+          </p:sp>
+        </mc:Fallback>
+      </mc:AlternateContent>
+      <p:sp>
+        <p:nvSpPr>
+          <p:cNvPr id="30" name="TextBox 29">
+            <a:extLst>
+              <a:ext uri="{FF2B5EF4-FFF2-40B4-BE49-F238E27FC236}">
+                <a16:creationId xmlns:a16="http://schemas.microsoft.com/office/drawing/2014/main" id="{9F01F227-3110-41CE-A3EB-D997DA156673}"/>
+              </a:ext>
+            </a:extLst>
+          </p:cNvPr>
+          <p:cNvSpPr txBox="1"/>
+          <p:nvPr/>
+        </p:nvSpPr>
+        <p:spPr>
+          <a:xfrm>
+            <a:off x="1976951" y="1720096"/>
+            <a:ext cx="1218219" cy="369332"/>
+          </a:xfrm>
+          <a:prstGeom prst="rect">
+            <a:avLst/>
+          </a:prstGeom>
+          <a:noFill/>
+        </p:spPr>
+        <p:txBody>
+          <a:bodyPr wrap="none" rtlCol="0">
+            <a:spAutoFit/>
+          </a:bodyPr>
+          <a:lstStyle/>
+          <a:p>
+            <a:r>
+              <a:rPr lang="en-US" dirty="0"/>
+              <a:t>initial state</a:t>
+            </a:r>
+          </a:p>
+        </p:txBody>
+      </p:sp>
+      <p:sp>
+        <p:nvSpPr>
+          <p:cNvPr id="31" name="TextBox 30">
+            <a:extLst>
+              <a:ext uri="{FF2B5EF4-FFF2-40B4-BE49-F238E27FC236}">
+                <a16:creationId xmlns:a16="http://schemas.microsoft.com/office/drawing/2014/main" id="{797A5BBC-3DC2-4198-9195-732761705A87}"/>
+              </a:ext>
+            </a:extLst>
+          </p:cNvPr>
+          <p:cNvSpPr txBox="1"/>
+          <p:nvPr/>
+        </p:nvSpPr>
+        <p:spPr>
+          <a:xfrm>
+            <a:off x="5980591" y="2990802"/>
+            <a:ext cx="1106008" cy="369332"/>
+          </a:xfrm>
+          <a:prstGeom prst="rect">
+            <a:avLst/>
+          </a:prstGeom>
+          <a:noFill/>
+        </p:spPr>
+        <p:txBody>
+          <a:bodyPr wrap="none" rtlCol="0">
+            <a:spAutoFit/>
+          </a:bodyPr>
+          <a:lstStyle/>
+          <a:p>
+            <a:r>
+              <a:rPr lang="en-US" dirty="0"/>
+              <a:t>final state</a:t>
+            </a:r>
+          </a:p>
+        </p:txBody>
+      </p:sp>
+    </p:spTree>
+    <p:extLst>
+      <p:ext uri="{BB962C8B-B14F-4D97-AF65-F5344CB8AC3E}">
+        <p14:creationId xmlns:p14="http://schemas.microsoft.com/office/powerpoint/2010/main" val="1867217043"/>
+      </p:ext>
+    </p:extLst>
+  </p:cSld>
+  <p:clrMapOvr>
+    <a:masterClrMapping/>
+  </p:clrMapOvr>
+</p:sld>
+</file>
+
+<file path=ppt/slides/slide16.xml><?xml version="1.0" encoding="utf-8"?>
 <p:sld xmlns:a="http://schemas.openxmlformats.org/drawingml/2006/main" xmlns:r="http://schemas.openxmlformats.org/officeDocument/2006/relationships" xmlns:p="http://schemas.openxmlformats.org/presentationml/2006/main">
   <p:cSld>
     <p:spTree>
@@ -9927,7 +11159,7 @@
 </p:sld>
 </file>
 
-<file path=ppt/slides/slide16.xml><?xml version="1.0" encoding="utf-8"?>
+<file path=ppt/slides/slide17.xml><?xml version="1.0" encoding="utf-8"?>
 <p:sld xmlns:a="http://schemas.openxmlformats.org/drawingml/2006/main" xmlns:r="http://schemas.openxmlformats.org/officeDocument/2006/relationships" xmlns:p="http://schemas.openxmlformats.org/presentationml/2006/main">
   <p:cSld>
     <p:spTree>
@@ -10001,7 +11233,7 @@
 </p:sld>
 </file>
 
-<file path=ppt/slides/slide17.xml><?xml version="1.0" encoding="utf-8"?>
+<file path=ppt/slides/slide18.xml><?xml version="1.0" encoding="utf-8"?>
 <p:sld xmlns:a="http://schemas.openxmlformats.org/drawingml/2006/main" xmlns:r="http://schemas.openxmlformats.org/officeDocument/2006/relationships" xmlns:p="http://schemas.openxmlformats.org/presentationml/2006/main">
   <p:cSld>
     <p:spTree>
@@ -10108,7 +11340,7 @@
           <a:p>
             <a:fld id="{929262FE-7F58-4A1E-8AF3-5A510A86DEBD}" type="slidenum">
               <a:rPr lang="en-US" smtClean="0"/>
-              <a:t>17</a:t>
+              <a:t>18</a:t>
             </a:fld>
             <a:endParaRPr lang="en-US"/>
           </a:p>
@@ -10174,7 +11406,7 @@
 </p:sld>
 </file>
 
-<file path=ppt/slides/slide18.xml><?xml version="1.0" encoding="utf-8"?>
+<file path=ppt/slides/slide19.xml><?xml version="1.0" encoding="utf-8"?>
 <p:sld xmlns:a="http://schemas.openxmlformats.org/drawingml/2006/main" xmlns:r="http://schemas.openxmlformats.org/officeDocument/2006/relationships" xmlns:p="http://schemas.openxmlformats.org/presentationml/2006/main">
   <p:cSld>
     <p:spTree>
@@ -10316,7 +11548,7 @@
           <a:p>
             <a:fld id="{929262FE-7F58-4A1E-8AF3-5A510A86DEBD}" type="slidenum">
               <a:rPr lang="en-US" smtClean="0"/>
-              <a:t>18</a:t>
+              <a:t>19</a:t>
             </a:fld>
             <a:endParaRPr lang="en-US"/>
           </a:p>
@@ -11141,186 +12373,6 @@
     <p:extLst>
       <p:ext uri="{BB962C8B-B14F-4D97-AF65-F5344CB8AC3E}">
         <p14:creationId xmlns:p14="http://schemas.microsoft.com/office/powerpoint/2010/main" val="1120520610"/>
-      </p:ext>
-    </p:extLst>
-  </p:cSld>
-  <p:clrMapOvr>
-    <a:masterClrMapping/>
-  </p:clrMapOvr>
-</p:sld>
-</file>
-
-<file path=ppt/slides/slide19.xml><?xml version="1.0" encoding="utf-8"?>
-<p:sld xmlns:a="http://schemas.openxmlformats.org/drawingml/2006/main" xmlns:r="http://schemas.openxmlformats.org/officeDocument/2006/relationships" xmlns:p="http://schemas.openxmlformats.org/presentationml/2006/main">
-  <p:cSld>
-    <p:spTree>
-      <p:nvGrpSpPr>
-        <p:cNvPr id="1" name=""/>
-        <p:cNvGrpSpPr/>
-        <p:nvPr/>
-      </p:nvGrpSpPr>
-      <p:grpSpPr>
-        <a:xfrm>
-          <a:off x="0" y="0"/>
-          <a:ext cx="0" cy="0"/>
-          <a:chOff x="0" y="0"/>
-          <a:chExt cx="0" cy="0"/>
-        </a:xfrm>
-      </p:grpSpPr>
-      <p:sp>
-        <p:nvSpPr>
-          <p:cNvPr id="2" name="Title 1"/>
-          <p:cNvSpPr>
-            <a:spLocks noGrp="1"/>
-          </p:cNvSpPr>
-          <p:nvPr>
-            <p:ph type="title"/>
-          </p:nvPr>
-        </p:nvSpPr>
-        <p:spPr/>
-        <p:txBody>
-          <a:bodyPr>
-            <a:normAutofit/>
-          </a:bodyPr>
-          <a:lstStyle/>
-          <a:p>
-            <a:r>
-              <a:rPr lang="en-US" dirty="0"/>
-              <a:t>Worked Example</a:t>
-            </a:r>
-          </a:p>
-        </p:txBody>
-      </p:sp>
-      <p:sp>
-        <p:nvSpPr>
-          <p:cNvPr id="3" name="Content Placeholder 2"/>
-          <p:cNvSpPr>
-            <a:spLocks noGrp="1"/>
-          </p:cNvSpPr>
-          <p:nvPr>
-            <p:ph idx="1"/>
-          </p:nvPr>
-        </p:nvSpPr>
-        <p:spPr>
-          <a:xfrm>
-            <a:off x="457200" y="1447799"/>
-            <a:ext cx="4724400" cy="4800601"/>
-          </a:xfrm>
-        </p:spPr>
-        <p:txBody>
-          <a:bodyPr>
-            <a:normAutofit fontScale="92500" lnSpcReduction="10000"/>
-          </a:bodyPr>
-          <a:lstStyle/>
-          <a:p>
-            <a:r>
-              <a:rPr lang="en-US" b="0" i="0" dirty="0">
-                <a:solidFill>
-                  <a:srgbClr val="000000"/>
-                </a:solidFill>
-                <a:effectLst/>
-                <a:latin typeface="Arial" panose="020B0604020202020204" pitchFamily="34" charset="0"/>
-              </a:rPr>
-              <a:t>If a couple moment M=(θ</a:t>
-            </a:r>
-            <a:r>
-              <a:rPr lang="en-US" b="0" i="0" baseline="30000" dirty="0">
-                <a:solidFill>
-                  <a:srgbClr val="000000"/>
-                </a:solidFill>
-                <a:effectLst/>
-                <a:latin typeface="Arial" panose="020B0604020202020204" pitchFamily="34" charset="0"/>
-              </a:rPr>
-              <a:t>2</a:t>
-            </a:r>
-            <a:r>
-              <a:rPr lang="en-US" b="0" i="0" dirty="0">
-                <a:solidFill>
-                  <a:srgbClr val="000000"/>
-                </a:solidFill>
-                <a:effectLst/>
-                <a:latin typeface="Arial" panose="020B0604020202020204" pitchFamily="34" charset="0"/>
-              </a:rPr>
-              <a:t>+2θ+2)Nm is applied to a disk, determine the work of the couple moment after the disk has rotated 4 times. What would be the sign of the work if the moment was applied in the opposite direction?</a:t>
-            </a:r>
-            <a:endParaRPr lang="en-US" dirty="0"/>
-          </a:p>
-        </p:txBody>
-      </p:sp>
-      <p:sp>
-        <p:nvSpPr>
-          <p:cNvPr id="4" name="Slide Number Placeholder 3"/>
-          <p:cNvSpPr>
-            <a:spLocks noGrp="1"/>
-          </p:cNvSpPr>
-          <p:nvPr>
-            <p:ph type="sldNum" sz="quarter" idx="12"/>
-          </p:nvPr>
-        </p:nvSpPr>
-        <p:spPr/>
-        <p:txBody>
-          <a:bodyPr/>
-          <a:lstStyle/>
-          <a:p>
-            <a:fld id="{929262FE-7F58-4A1E-8AF3-5A510A86DEBD}" type="slidenum">
-              <a:rPr lang="en-US" smtClean="0"/>
-              <a:t>19</a:t>
-            </a:fld>
-            <a:endParaRPr lang="en-US"/>
-          </a:p>
-        </p:txBody>
-      </p:sp>
-      <p:pic>
-        <p:nvPicPr>
-          <p:cNvPr id="1026" name="Picture 2" descr="Problem 3 Diagram">
-            <a:extLst>
-              <a:ext uri="{FF2B5EF4-FFF2-40B4-BE49-F238E27FC236}">
-                <a16:creationId xmlns:a16="http://schemas.microsoft.com/office/drawing/2014/main" id="{500FF690-A72F-4CB1-9066-4FCF72749B10}"/>
-              </a:ext>
-            </a:extLst>
-          </p:cNvPr>
-          <p:cNvPicPr>
-            <a:picLocks noChangeAspect="1" noChangeArrowheads="1"/>
-          </p:cNvPicPr>
-          <p:nvPr/>
-        </p:nvPicPr>
-        <p:blipFill>
-          <a:blip r:embed="rId2" cstate="print">
-            <a:extLst>
-              <a:ext uri="{28A0092B-C50C-407E-A947-70E740481C1C}">
-                <a14:useLocalDpi xmlns:a14="http://schemas.microsoft.com/office/drawing/2010/main" val="0"/>
-              </a:ext>
-            </a:extLst>
-          </a:blip>
-          <a:srcRect/>
-          <a:stretch>
-            <a:fillRect/>
-          </a:stretch>
-        </p:blipFill>
-        <p:spPr bwMode="auto">
-          <a:xfrm>
-            <a:off x="5521960" y="1398588"/>
-            <a:ext cx="3622040" cy="4724400"/>
-          </a:xfrm>
-          <a:prstGeom prst="rect">
-            <a:avLst/>
-          </a:prstGeom>
-          <a:noFill/>
-          <a:extLst>
-            <a:ext uri="{909E8E84-426E-40DD-AFC4-6F175D3DCCD1}">
-              <a14:hiddenFill xmlns:a14="http://schemas.microsoft.com/office/drawing/2010/main">
-                <a:solidFill>
-                  <a:srgbClr val="FFFFFF"/>
-                </a:solidFill>
-              </a14:hiddenFill>
-            </a:ext>
-          </a:extLst>
-        </p:spPr>
-      </p:pic>
-    </p:spTree>
-    <p:extLst>
-      <p:ext uri="{BB962C8B-B14F-4D97-AF65-F5344CB8AC3E}">
-        <p14:creationId xmlns:p14="http://schemas.microsoft.com/office/powerpoint/2010/main" val="3883505629"/>
       </p:ext>
     </p:extLst>
   </p:cSld>
@@ -11852,7 +12904,7 @@
         </p:spPr>
         <p:txBody>
           <a:bodyPr>
-            <a:normAutofit fontScale="92500"/>
+            <a:normAutofit fontScale="92500" lnSpcReduction="10000"/>
           </a:bodyPr>
           <a:lstStyle/>
           <a:p>
@@ -11864,7 +12916,27 @@
                 <a:effectLst/>
                 <a:latin typeface="Arial" panose="020B0604020202020204" pitchFamily="34" charset="0"/>
               </a:rPr>
-              <a:t>A crane lifts a crate with mass 30kg using a cable. If the crane applies a force of 400N and lifts it up to a height of 5m, determine the work done by both the crane and gravity, and the crate’s final velocity if it started from rest.</a:t>
+              <a:t>If a couple moment M=(θ</a:t>
+            </a:r>
+            <a:r>
+              <a:rPr lang="en-US" b="0" i="0" baseline="30000" dirty="0">
+                <a:solidFill>
+                  <a:srgbClr val="000000"/>
+                </a:solidFill>
+                <a:effectLst/>
+                <a:latin typeface="Arial" panose="020B0604020202020204" pitchFamily="34" charset="0"/>
+              </a:rPr>
+              <a:t>2</a:t>
+            </a:r>
+            <a:r>
+              <a:rPr lang="en-US" b="0" i="0" dirty="0">
+                <a:solidFill>
+                  <a:srgbClr val="000000"/>
+                </a:solidFill>
+                <a:effectLst/>
+                <a:latin typeface="Arial" panose="020B0604020202020204" pitchFamily="34" charset="0"/>
+              </a:rPr>
+              <a:t>+2θ+2)Nm is applied to a disk, determine the work of the couple moment after the disk has rotated 4 times. What would be the sign of the work if the moment was applied in the opposite direction?</a:t>
             </a:r>
             <a:endParaRPr lang="en-US" dirty="0"/>
           </a:p>
@@ -11888,6 +12960,166 @@
             <a:fld id="{929262FE-7F58-4A1E-8AF3-5A510A86DEBD}" type="slidenum">
               <a:rPr lang="en-US" smtClean="0"/>
               <a:t>20</a:t>
+            </a:fld>
+            <a:endParaRPr lang="en-US"/>
+          </a:p>
+        </p:txBody>
+      </p:sp>
+      <p:pic>
+        <p:nvPicPr>
+          <p:cNvPr id="1026" name="Picture 2" descr="Problem 3 Diagram">
+            <a:extLst>
+              <a:ext uri="{FF2B5EF4-FFF2-40B4-BE49-F238E27FC236}">
+                <a16:creationId xmlns:a16="http://schemas.microsoft.com/office/drawing/2014/main" id="{500FF690-A72F-4CB1-9066-4FCF72749B10}"/>
+              </a:ext>
+            </a:extLst>
+          </p:cNvPr>
+          <p:cNvPicPr>
+            <a:picLocks noChangeAspect="1" noChangeArrowheads="1"/>
+          </p:cNvPicPr>
+          <p:nvPr/>
+        </p:nvPicPr>
+        <p:blipFill>
+          <a:blip r:embed="rId2" cstate="print">
+            <a:extLst>
+              <a:ext uri="{28A0092B-C50C-407E-A947-70E740481C1C}">
+                <a14:useLocalDpi xmlns:a14="http://schemas.microsoft.com/office/drawing/2010/main" val="0"/>
+              </a:ext>
+            </a:extLst>
+          </a:blip>
+          <a:srcRect/>
+          <a:stretch>
+            <a:fillRect/>
+          </a:stretch>
+        </p:blipFill>
+        <p:spPr bwMode="auto">
+          <a:xfrm>
+            <a:off x="5521960" y="1398588"/>
+            <a:ext cx="3622040" cy="4724400"/>
+          </a:xfrm>
+          <a:prstGeom prst="rect">
+            <a:avLst/>
+          </a:prstGeom>
+          <a:noFill/>
+          <a:extLst>
+            <a:ext uri="{909E8E84-426E-40DD-AFC4-6F175D3DCCD1}">
+              <a14:hiddenFill xmlns:a14="http://schemas.microsoft.com/office/drawing/2010/main">
+                <a:solidFill>
+                  <a:srgbClr val="FFFFFF"/>
+                </a:solidFill>
+              </a14:hiddenFill>
+            </a:ext>
+          </a:extLst>
+        </p:spPr>
+      </p:pic>
+    </p:spTree>
+    <p:extLst>
+      <p:ext uri="{BB962C8B-B14F-4D97-AF65-F5344CB8AC3E}">
+        <p14:creationId xmlns:p14="http://schemas.microsoft.com/office/powerpoint/2010/main" val="3883505629"/>
+      </p:ext>
+    </p:extLst>
+  </p:cSld>
+  <p:clrMapOvr>
+    <a:masterClrMapping/>
+  </p:clrMapOvr>
+</p:sld>
+</file>
+
+<file path=ppt/slides/slide21.xml><?xml version="1.0" encoding="utf-8"?>
+<p:sld xmlns:a="http://schemas.openxmlformats.org/drawingml/2006/main" xmlns:r="http://schemas.openxmlformats.org/officeDocument/2006/relationships" xmlns:p="http://schemas.openxmlformats.org/presentationml/2006/main">
+  <p:cSld>
+    <p:spTree>
+      <p:nvGrpSpPr>
+        <p:cNvPr id="1" name=""/>
+        <p:cNvGrpSpPr/>
+        <p:nvPr/>
+      </p:nvGrpSpPr>
+      <p:grpSpPr>
+        <a:xfrm>
+          <a:off x="0" y="0"/>
+          <a:ext cx="0" cy="0"/>
+          <a:chOff x="0" y="0"/>
+          <a:chExt cx="0" cy="0"/>
+        </a:xfrm>
+      </p:grpSpPr>
+      <p:sp>
+        <p:nvSpPr>
+          <p:cNvPr id="2" name="Title 1"/>
+          <p:cNvSpPr>
+            <a:spLocks noGrp="1"/>
+          </p:cNvSpPr>
+          <p:nvPr>
+            <p:ph type="title"/>
+          </p:nvPr>
+        </p:nvSpPr>
+        <p:spPr/>
+        <p:txBody>
+          <a:bodyPr>
+            <a:normAutofit/>
+          </a:bodyPr>
+          <a:lstStyle/>
+          <a:p>
+            <a:r>
+              <a:rPr lang="en-US" dirty="0"/>
+              <a:t>Worked Example</a:t>
+            </a:r>
+          </a:p>
+        </p:txBody>
+      </p:sp>
+      <p:sp>
+        <p:nvSpPr>
+          <p:cNvPr id="3" name="Content Placeholder 2"/>
+          <p:cNvSpPr>
+            <a:spLocks noGrp="1"/>
+          </p:cNvSpPr>
+          <p:nvPr>
+            <p:ph idx="1"/>
+          </p:nvPr>
+        </p:nvSpPr>
+        <p:spPr>
+          <a:xfrm>
+            <a:off x="457200" y="1447799"/>
+            <a:ext cx="4724400" cy="4800601"/>
+          </a:xfrm>
+        </p:spPr>
+        <p:txBody>
+          <a:bodyPr>
+            <a:normAutofit fontScale="92500"/>
+          </a:bodyPr>
+          <a:lstStyle/>
+          <a:p>
+            <a:r>
+              <a:rPr lang="en-US" b="0" i="0" dirty="0">
+                <a:solidFill>
+                  <a:srgbClr val="000000"/>
+                </a:solidFill>
+                <a:effectLst/>
+                <a:latin typeface="Arial" panose="020B0604020202020204" pitchFamily="34" charset="0"/>
+              </a:rPr>
+              <a:t>A crane lifts a crate with mass 30kg using a cable. If the crane applies a force of 400N and lifts it up to a height of 5m, determine the work done by both the crane and gravity, and the crate’s final velocity if it started from rest.</a:t>
+            </a:r>
+            <a:endParaRPr lang="en-US" dirty="0"/>
+          </a:p>
+        </p:txBody>
+      </p:sp>
+      <p:sp>
+        <p:nvSpPr>
+          <p:cNvPr id="4" name="Slide Number Placeholder 3"/>
+          <p:cNvSpPr>
+            <a:spLocks noGrp="1"/>
+          </p:cNvSpPr>
+          <p:nvPr>
+            <p:ph type="sldNum" sz="quarter" idx="12"/>
+          </p:nvPr>
+        </p:nvSpPr>
+        <p:spPr/>
+        <p:txBody>
+          <a:bodyPr/>
+          <a:lstStyle/>
+          <a:p>
+            <a:fld id="{929262FE-7F58-4A1E-8AF3-5A510A86DEBD}" type="slidenum">
+              <a:rPr lang="en-US" smtClean="0"/>
+              <a:t>21</a:t>
             </a:fld>
             <a:endParaRPr lang="en-US"/>
           </a:p>
@@ -11953,7 +13185,7 @@
 </p:sld>
 </file>
 
-<file path=ppt/slides/slide21.xml><?xml version="1.0" encoding="utf-8"?>
+<file path=ppt/slides/slide22.xml><?xml version="1.0" encoding="utf-8"?>
 <p:sld xmlns:a="http://schemas.openxmlformats.org/drawingml/2006/main" xmlns:r="http://schemas.openxmlformats.org/officeDocument/2006/relationships" xmlns:p="http://schemas.openxmlformats.org/presentationml/2006/main">
   <p:cSld>
     <p:spTree>
@@ -12147,7 +13379,7 @@
           <a:p>
             <a:fld id="{929262FE-7F58-4A1E-8AF3-5A510A86DEBD}" type="slidenum">
               <a:rPr lang="en-US" smtClean="0"/>
-              <a:t>21</a:t>
+              <a:t>22</a:t>
             </a:fld>
             <a:endParaRPr lang="en-US"/>
           </a:p>
@@ -12213,7 +13445,7 @@
 </p:sld>
 </file>
 
-<file path=ppt/slides/slide22.xml><?xml version="1.0" encoding="utf-8"?>
+<file path=ppt/slides/slide23.xml><?xml version="1.0" encoding="utf-8"?>
 <p:sld xmlns:a="http://schemas.openxmlformats.org/drawingml/2006/main" xmlns:r="http://schemas.openxmlformats.org/officeDocument/2006/relationships" xmlns:p="http://schemas.openxmlformats.org/presentationml/2006/main">
   <p:cSld>
     <p:spTree>
@@ -12367,7 +13599,7 @@
           <a:p>
             <a:fld id="{929262FE-7F58-4A1E-8AF3-5A510A86DEBD}" type="slidenum">
               <a:rPr lang="en-US" smtClean="0"/>
-              <a:t>22</a:t>
+              <a:t>23</a:t>
             </a:fld>
             <a:endParaRPr lang="en-US"/>
           </a:p>
@@ -12433,7 +13665,7 @@
 </p:sld>
 </file>
 
-<file path=ppt/slides/slide23.xml><?xml version="1.0" encoding="utf-8"?>
+<file path=ppt/slides/slide24.xml><?xml version="1.0" encoding="utf-8"?>
 <p:sld xmlns:a="http://schemas.openxmlformats.org/drawingml/2006/main" xmlns:r="http://schemas.openxmlformats.org/officeDocument/2006/relationships" xmlns:p="http://schemas.openxmlformats.org/presentationml/2006/main">
   <p:cSld>
     <p:spTree>
@@ -12587,7 +13819,7 @@
           <a:p>
             <a:fld id="{929262FE-7F58-4A1E-8AF3-5A510A86DEBD}" type="slidenum">
               <a:rPr lang="en-US" smtClean="0"/>
-              <a:t>23</a:t>
+              <a:t>24</a:t>
             </a:fld>
             <a:endParaRPr lang="en-US"/>
           </a:p>
@@ -12653,7 +13885,7 @@
 </p:sld>
 </file>
 
-<file path=ppt/slides/slide24.xml><?xml version="1.0" encoding="utf-8"?>
+<file path=ppt/slides/slide25.xml><?xml version="1.0" encoding="utf-8"?>
 <p:sld xmlns:a="http://schemas.openxmlformats.org/drawingml/2006/main" xmlns:r="http://schemas.openxmlformats.org/officeDocument/2006/relationships" xmlns:p="http://schemas.openxmlformats.org/presentationml/2006/main">
   <p:cSld>
     <p:spTree>
@@ -12747,7 +13979,7 @@
           <a:p>
             <a:fld id="{929262FE-7F58-4A1E-8AF3-5A510A86DEBD}" type="slidenum">
               <a:rPr lang="en-US" smtClean="0"/>
-              <a:t>24</a:t>
+              <a:t>25</a:t>
             </a:fld>
             <a:endParaRPr lang="en-US"/>
           </a:p>
@@ -15654,8 +16886,8 @@
           </a:fontRef>
         </p:style>
       </p:cxnSp>
-      <mc:AlternateContent xmlns:mc="http://schemas.openxmlformats.org/markup-compatibility/2006">
-        <mc:Choice xmlns:a14="http://schemas.microsoft.com/office/drawing/2010/main" Requires="a14">
+      <mc:AlternateContent xmlns:mc="http://schemas.openxmlformats.org/markup-compatibility/2006" xmlns:a14="http://schemas.microsoft.com/office/drawing/2010/main">
+        <mc:Choice Requires="a14">
           <p:sp>
             <p:nvSpPr>
               <p:cNvPr id="13" name="TextBox 12">
@@ -15739,7 +16971,7 @@
             </p:txBody>
           </p:sp>
         </mc:Choice>
-        <mc:Fallback>
+        <mc:Fallback xmlns="">
           <p:sp>
             <p:nvSpPr>
               <p:cNvPr id="13" name="TextBox 12">
@@ -16322,8 +17554,8 @@
           </a:p>
         </p:txBody>
       </p:sp>
-      <mc:AlternateContent xmlns:mc="http://schemas.openxmlformats.org/markup-compatibility/2006">
-        <mc:Choice xmlns:a14="http://schemas.microsoft.com/office/drawing/2010/main" Requires="a14">
+      <mc:AlternateContent xmlns:mc="http://schemas.openxmlformats.org/markup-compatibility/2006" xmlns:a14="http://schemas.microsoft.com/office/drawing/2010/main">
+        <mc:Choice Requires="a14">
           <p:sp>
             <p:nvSpPr>
               <p:cNvPr id="46" name="TextBox 45">
@@ -16418,7 +17650,7 @@
             </p:txBody>
           </p:sp>
         </mc:Choice>
-        <mc:Fallback>
+        <mc:Fallback xmlns="">
           <p:sp>
             <p:nvSpPr>
               <p:cNvPr id="46" name="TextBox 45">
@@ -19209,18 +20441,18 @@
 </file>
 
 <file path=customXml/item2.xml><?xml version="1.0" encoding="utf-8"?>
+<p:properties xmlns:p="http://schemas.microsoft.com/office/2006/metadata/properties" xmlns:xsi="http://www.w3.org/2001/XMLSchema-instance" xmlns:pc="http://schemas.microsoft.com/office/infopath/2007/PartnerControls">
+  <documentManagement/>
+</p:properties>
+</file>
+
+<file path=customXml/item3.xml><?xml version="1.0" encoding="utf-8"?>
 <?mso-contentType ?>
 <FormTemplates xmlns="http://schemas.microsoft.com/sharepoint/v3/contenttype/forms">
   <Display>DocumentLibraryForm</Display>
   <Edit>DocumentLibraryForm</Edit>
   <New>DocumentLibraryForm</New>
 </FormTemplates>
-</file>
-
-<file path=customXml/item3.xml><?xml version="1.0" encoding="utf-8"?>
-<p:properties xmlns:p="http://schemas.microsoft.com/office/2006/metadata/properties" xmlns:xsi="http://www.w3.org/2001/XMLSchema-instance" xmlns:pc="http://schemas.microsoft.com/office/infopath/2007/PartnerControls">
-  <documentManagement/>
-</p:properties>
 </file>
 
 <file path=customXml/itemProps1.xml><?xml version="1.0" encoding="utf-8"?>
@@ -19243,14 +20475,6 @@
 </file>
 
 <file path=customXml/itemProps2.xml><?xml version="1.0" encoding="utf-8"?>
-<ds:datastoreItem xmlns:ds="http://schemas.openxmlformats.org/officeDocument/2006/customXml" ds:itemID="{F5CF5F32-56DC-4068-8B04-457CF34A96F3}">
-  <ds:schemaRefs>
-    <ds:schemaRef ds:uri="http://schemas.microsoft.com/sharepoint/v3/contenttype/forms"/>
-  </ds:schemaRefs>
-</ds:datastoreItem>
-</file>
-
-<file path=customXml/itemProps3.xml><?xml version="1.0" encoding="utf-8"?>
 <ds:datastoreItem xmlns:ds="http://schemas.openxmlformats.org/officeDocument/2006/customXml" ds:itemID="{52EB1464-66D1-425A-BBB5-7A9312BBE9C4}">
   <ds:schemaRefs>
     <ds:schemaRef ds:uri="http://purl.org/dc/terms/"/>
@@ -19265,4 +20489,12 @@
     <ds:schemaRef ds:uri="http://purl.org/dc/dcmitype/"/>
   </ds:schemaRefs>
 </ds:datastoreItem>
+</file>
+
+<file path=customXml/itemProps3.xml><?xml version="1.0" encoding="utf-8"?>
+<ds:datastoreItem xmlns:ds="http://schemas.openxmlformats.org/officeDocument/2006/customXml" ds:itemID="{F5CF5F32-56DC-4068-8B04-457CF34A96F3}">
+  <ds:schemaRefs>
+    <ds:schemaRef ds:uri="http://schemas.microsoft.com/sharepoint/v3/contenttype/forms"/>
+  </ds:schemaRefs>
+</ds:datastoreItem>
 </file>